--- a/卒業論文/2015/泉雄太/中間審査/卒業論文＿中間審査＿ポスター＿泉雄太.pptx
+++ b/卒業論文/2015/泉雄太/中間審査/卒業論文＿中間審査＿ポスター＿泉雄太.pptx
@@ -208,7 +208,7 @@
           <a:p>
             <a:fld id="{210935E7-A51F-4FE3-8E46-E43B536CCFB8}" type="datetimeFigureOut">
               <a:rPr kumimoji="1" lang="ja-JP" altLang="en-US" smtClean="0"/>
-              <a:t>2016/9/30</a:t>
+              <a:t>2016/10/4</a:t>
             </a:fld>
             <a:endParaRPr kumimoji="1" lang="ja-JP" altLang="en-US"/>
           </a:p>
@@ -697,7 +697,7 @@
                 </a:solidFill>
               </a:rPr>
               <a:pPr/>
-              <a:t>2016/9/30</a:t>
+              <a:t>2016/10/4</a:t>
             </a:fld>
             <a:endParaRPr lang="ja-JP" altLang="en-US">
               <a:solidFill>
@@ -937,7 +937,7 @@
                 </a:solidFill>
               </a:rPr>
               <a:pPr defTabSz="2951897"/>
-              <a:t>2016/9/30</a:t>
+              <a:t>2016/10/4</a:t>
             </a:fld>
             <a:endParaRPr lang="ja-JP" altLang="en-US">
               <a:solidFill>
@@ -1189,7 +1189,7 @@
                 </a:solidFill>
               </a:rPr>
               <a:pPr defTabSz="2951897"/>
-              <a:t>2016/9/30</a:t>
+              <a:t>2016/10/4</a:t>
             </a:fld>
             <a:endParaRPr lang="ja-JP" altLang="en-US">
               <a:solidFill>
@@ -1430,7 +1430,7 @@
                 </a:solidFill>
               </a:rPr>
               <a:pPr/>
-              <a:t>2016/9/30</a:t>
+              <a:t>2016/10/4</a:t>
             </a:fld>
             <a:endParaRPr lang="ja-JP" altLang="en-US">
               <a:solidFill>
@@ -1713,7 +1713,7 @@
                 </a:solidFill>
               </a:rPr>
               <a:pPr/>
-              <a:t>2016/9/30</a:t>
+              <a:t>2016/10/4</a:t>
             </a:fld>
             <a:endParaRPr lang="ja-JP" altLang="en-US">
               <a:solidFill>
@@ -2102,7 +2102,7 @@
                 </a:solidFill>
               </a:rPr>
               <a:pPr/>
-              <a:t>2016/9/30</a:t>
+              <a:t>2016/10/4</a:t>
             </a:fld>
             <a:endParaRPr lang="ja-JP" altLang="en-US">
               <a:solidFill>
@@ -2625,7 +2625,7 @@
                 </a:solidFill>
               </a:rPr>
               <a:pPr/>
-              <a:t>2016/9/30</a:t>
+              <a:t>2016/10/4</a:t>
             </a:fld>
             <a:endParaRPr lang="ja-JP" altLang="en-US">
               <a:solidFill>
@@ -2780,7 +2780,7 @@
                 </a:solidFill>
               </a:rPr>
               <a:pPr/>
-              <a:t>2016/9/30</a:t>
+              <a:t>2016/10/4</a:t>
             </a:fld>
             <a:endParaRPr lang="ja-JP" altLang="en-US">
               <a:solidFill>
@@ -2912,7 +2912,7 @@
                 </a:solidFill>
               </a:rPr>
               <a:pPr/>
-              <a:t>2016/9/30</a:t>
+              <a:t>2016/10/4</a:t>
             </a:fld>
             <a:endParaRPr lang="ja-JP" altLang="en-US">
               <a:solidFill>
@@ -3259,7 +3259,7 @@
                 </a:solidFill>
               </a:rPr>
               <a:pPr defTabSz="2951897"/>
-              <a:t>2016/9/30</a:t>
+              <a:t>2016/10/4</a:t>
             </a:fld>
             <a:endParaRPr lang="ja-JP" altLang="en-US">
               <a:solidFill>
@@ -3551,7 +3551,7 @@
                 </a:solidFill>
               </a:rPr>
               <a:pPr/>
-              <a:t>2016/9/30</a:t>
+              <a:t>2016/10/4</a:t>
             </a:fld>
             <a:endParaRPr lang="ja-JP" altLang="en-US">
               <a:solidFill>
@@ -3834,7 +3834,7 @@
                 </a:solidFill>
               </a:rPr>
               <a:pPr defTabSz="2951897"/>
-              <a:t>2016/9/30</a:t>
+              <a:t>2016/10/4</a:t>
             </a:fld>
             <a:endParaRPr lang="ja-JP" altLang="en-US">
               <a:solidFill>
@@ -4388,7 +4388,7 @@
           <a:lstStyle/>
           <a:p>
             <a:pPr algn="ctr"/>
-            <a:endParaRPr kumimoji="1" lang="ja-JP" altLang="en-US"/>
+            <a:endParaRPr kumimoji="1" lang="ja-JP" altLang="en-US" dirty="0"/>
           </a:p>
         </p:txBody>
       </p:sp>
@@ -4906,6 +4906,118 @@
               <a:t>見つける．</a:t>
             </a:r>
             <a:endParaRPr lang="ja-JP" altLang="en-US" sz="3600" dirty="0">
+              <a:solidFill>
+                <a:sysClr val="windowText" lastClr="000000"/>
+              </a:solidFill>
+            </a:endParaRPr>
+          </a:p>
+        </p:txBody>
+      </p:sp>
+      <p:sp>
+        <p:nvSpPr>
+          <p:cNvPr id="11" name="正方形/長方形 10"/>
+          <p:cNvSpPr/>
+          <p:nvPr/>
+        </p:nvSpPr>
+        <p:spPr>
+          <a:xfrm>
+            <a:off x="558545" y="12559955"/>
+            <a:ext cx="9990840" cy="9564808"/>
+          </a:xfrm>
+          <a:prstGeom prst="rect">
+            <a:avLst/>
+          </a:prstGeom>
+          <a:noFill/>
+          <a:ln>
+            <a:solidFill>
+              <a:schemeClr val="tx1"/>
+            </a:solidFill>
+          </a:ln>
+          <a:effectLst/>
+        </p:spPr>
+        <p:style>
+          <a:lnRef idx="1">
+            <a:schemeClr val="accent1"/>
+          </a:lnRef>
+          <a:fillRef idx="3">
+            <a:schemeClr val="accent1"/>
+          </a:fillRef>
+          <a:effectRef idx="2">
+            <a:schemeClr val="accent1"/>
+          </a:effectRef>
+          <a:fontRef idx="minor">
+            <a:schemeClr val="lt1"/>
+          </a:fontRef>
+        </p:style>
+        <p:txBody>
+          <a:bodyPr rtlCol="0" anchor="ctr"/>
+          <a:lstStyle/>
+          <a:p>
+            <a:pPr algn="ctr"/>
+            <a:endParaRPr kumimoji="1" lang="ja-JP" altLang="en-US"/>
+          </a:p>
+        </p:txBody>
+      </p:sp>
+      <p:sp>
+        <p:nvSpPr>
+          <p:cNvPr id="12" name="対角する 2 つの角を切り取った四角形 11"/>
+          <p:cNvSpPr/>
+          <p:nvPr/>
+        </p:nvSpPr>
+        <p:spPr>
+          <a:xfrm>
+            <a:off x="918561" y="12924787"/>
+            <a:ext cx="3384268" cy="999775"/>
+          </a:xfrm>
+          <a:prstGeom prst="snip2DiagRect">
+            <a:avLst/>
+          </a:prstGeom>
+          <a:solidFill>
+            <a:schemeClr val="tx2">
+              <a:lumMod val="20000"/>
+              <a:lumOff val="80000"/>
+            </a:schemeClr>
+          </a:solidFill>
+          <a:ln>
+            <a:solidFill>
+              <a:schemeClr val="tx1"/>
+            </a:solidFill>
+          </a:ln>
+          <a:effectLst/>
+        </p:spPr>
+        <p:style>
+          <a:lnRef idx="1">
+            <a:schemeClr val="accent1"/>
+          </a:lnRef>
+          <a:fillRef idx="3">
+            <a:schemeClr val="accent1"/>
+          </a:fillRef>
+          <a:effectRef idx="2">
+            <a:schemeClr val="accent1"/>
+          </a:effectRef>
+          <a:fontRef idx="minor">
+            <a:schemeClr val="lt1"/>
+          </a:fontRef>
+        </p:style>
+        <p:txBody>
+          <a:bodyPr rot="0" spcFirstLastPara="0" vertOverflow="overflow" horzOverflow="overflow" vert="horz" wrap="square" lIns="91440" tIns="45720" rIns="91440" bIns="45720" numCol="1" spcCol="0" rtlCol="0" fromWordArt="0" anchor="ctr" anchorCtr="0" forceAA="0" compatLnSpc="1">
+            <a:prstTxWarp prst="textNoShape">
+              <a:avLst/>
+            </a:prstTxWarp>
+            <a:noAutofit/>
+          </a:bodyPr>
+          <a:lstStyle/>
+          <a:p>
+            <a:pPr algn="ctr"/>
+            <a:r>
+              <a:rPr lang="ja-JP" altLang="en-US" dirty="0" smtClean="0">
+                <a:solidFill>
+                  <a:sysClr val="windowText" lastClr="000000"/>
+                </a:solidFill>
+              </a:rPr>
+              <a:t>進捗状況</a:t>
+            </a:r>
+            <a:endParaRPr kumimoji="1" lang="ja-JP" altLang="en-US" dirty="0">
               <a:solidFill>
                 <a:sysClr val="windowText" lastClr="000000"/>
               </a:solidFill>

--- a/卒業論文/2015/泉雄太/中間審査/卒業論文＿中間審査＿ポスター＿泉雄太.pptx
+++ b/卒業論文/2015/泉雄太/中間審査/卒業論文＿中間審査＿ポスター＿泉雄太.pptx
@@ -5025,6 +5025,8080 @@
           </a:p>
         </p:txBody>
       </p:sp>
+      <p:grpSp>
+        <p:nvGrpSpPr>
+          <p:cNvPr id="53" name="Group 42"/>
+          <p:cNvGrpSpPr>
+            <a:grpSpLocks noChangeAspect="1"/>
+          </p:cNvGrpSpPr>
+          <p:nvPr/>
+        </p:nvGrpSpPr>
+        <p:grpSpPr bwMode="auto">
+          <a:xfrm>
+            <a:off x="7481888" y="11936413"/>
+            <a:ext cx="6423025" cy="6407150"/>
+            <a:chOff x="4713" y="7519"/>
+            <a:chExt cx="4046" cy="4036"/>
+          </a:xfrm>
+        </p:grpSpPr>
+        <p:sp>
+          <p:nvSpPr>
+            <p:cNvPr id="54" name="AutoShape 41"/>
+            <p:cNvSpPr>
+              <a:spLocks noChangeAspect="1" noChangeArrowheads="1" noTextEdit="1"/>
+            </p:cNvSpPr>
+            <p:nvPr/>
+          </p:nvSpPr>
+          <p:spPr bwMode="auto">
+            <a:xfrm>
+              <a:off x="4713" y="7519"/>
+              <a:ext cx="4046" cy="4036"/>
+            </a:xfrm>
+            <a:prstGeom prst="rect">
+              <a:avLst/>
+            </a:prstGeom>
+            <a:noFill/>
+            <a:ln>
+              <a:noFill/>
+            </a:ln>
+            <a:extLst>
+              <a:ext uri="{909E8E84-426E-40DD-AFC4-6F175D3DCCD1}">
+                <a14:hiddenFill xmlns:a14="http://schemas.microsoft.com/office/drawing/2010/main">
+                  <a:solidFill>
+                    <a:srgbClr val="FFFFFF"/>
+                  </a:solidFill>
+                </a14:hiddenFill>
+              </a:ext>
+              <a:ext uri="{91240B29-F687-4F45-9708-019B960494DF}">
+                <a14:hiddenLine xmlns:a14="http://schemas.microsoft.com/office/drawing/2010/main" w="9525">
+                  <a:solidFill>
+                    <a:srgbClr val="000000"/>
+                  </a:solidFill>
+                  <a:miter lim="800000"/>
+                  <a:headEnd/>
+                  <a:tailEnd/>
+                </a14:hiddenLine>
+              </a:ext>
+            </a:extLst>
+          </p:spPr>
+          <p:txBody>
+            <a:bodyPr vert="horz" wrap="square" lIns="91440" tIns="45720" rIns="91440" bIns="45720" numCol="1" anchor="t" anchorCtr="0" compatLnSpc="1">
+              <a:prstTxWarp prst="textNoShape">
+                <a:avLst/>
+              </a:prstTxWarp>
+            </a:bodyPr>
+            <a:lstStyle/>
+            <a:p>
+              <a:endParaRPr lang="ja-JP" altLang="en-US"/>
+            </a:p>
+          </p:txBody>
+        </p:sp>
+        <p:sp>
+          <p:nvSpPr>
+            <p:cNvPr id="55" name="Line 43"/>
+            <p:cNvSpPr>
+              <a:spLocks noChangeShapeType="1"/>
+            </p:cNvSpPr>
+            <p:nvPr/>
+          </p:nvSpPr>
+          <p:spPr bwMode="auto">
+            <a:xfrm>
+              <a:off x="5309" y="10978"/>
+              <a:ext cx="3089" cy="0"/>
+            </a:xfrm>
+            <a:prstGeom prst="line">
+              <a:avLst/>
+            </a:prstGeom>
+            <a:noFill/>
+            <a:ln w="9525" cap="rnd">
+              <a:solidFill>
+                <a:srgbClr val="000000"/>
+              </a:solidFill>
+              <a:prstDash val="solid"/>
+              <a:round/>
+              <a:headEnd/>
+              <a:tailEnd/>
+            </a:ln>
+            <a:extLst>
+              <a:ext uri="{909E8E84-426E-40DD-AFC4-6F175D3DCCD1}">
+                <a14:hiddenFill xmlns:a14="http://schemas.microsoft.com/office/drawing/2010/main">
+                  <a:noFill/>
+                </a14:hiddenFill>
+              </a:ext>
+            </a:extLst>
+          </p:spPr>
+          <p:txBody>
+            <a:bodyPr vert="horz" wrap="square" lIns="91440" tIns="45720" rIns="91440" bIns="45720" numCol="1" anchor="t" anchorCtr="0" compatLnSpc="1">
+              <a:prstTxWarp prst="textNoShape">
+                <a:avLst/>
+              </a:prstTxWarp>
+            </a:bodyPr>
+            <a:lstStyle/>
+            <a:p>
+              <a:endParaRPr lang="ja-JP" altLang="en-US"/>
+            </a:p>
+          </p:txBody>
+        </p:sp>
+        <p:sp>
+          <p:nvSpPr>
+            <p:cNvPr id="56" name="Line 44"/>
+            <p:cNvSpPr>
+              <a:spLocks noChangeShapeType="1"/>
+            </p:cNvSpPr>
+            <p:nvPr/>
+          </p:nvSpPr>
+          <p:spPr bwMode="auto">
+            <a:xfrm>
+              <a:off x="5309" y="10978"/>
+              <a:ext cx="0" cy="54"/>
+            </a:xfrm>
+            <a:prstGeom prst="line">
+              <a:avLst/>
+            </a:prstGeom>
+            <a:noFill/>
+            <a:ln w="9525" cap="rnd">
+              <a:solidFill>
+                <a:srgbClr val="000000"/>
+              </a:solidFill>
+              <a:prstDash val="solid"/>
+              <a:round/>
+              <a:headEnd/>
+              <a:tailEnd/>
+            </a:ln>
+            <a:extLst>
+              <a:ext uri="{909E8E84-426E-40DD-AFC4-6F175D3DCCD1}">
+                <a14:hiddenFill xmlns:a14="http://schemas.microsoft.com/office/drawing/2010/main">
+                  <a:noFill/>
+                </a14:hiddenFill>
+              </a:ext>
+            </a:extLst>
+          </p:spPr>
+          <p:txBody>
+            <a:bodyPr vert="horz" wrap="square" lIns="91440" tIns="45720" rIns="91440" bIns="45720" numCol="1" anchor="t" anchorCtr="0" compatLnSpc="1">
+              <a:prstTxWarp prst="textNoShape">
+                <a:avLst/>
+              </a:prstTxWarp>
+            </a:bodyPr>
+            <a:lstStyle/>
+            <a:p>
+              <a:endParaRPr lang="ja-JP" altLang="en-US"/>
+            </a:p>
+          </p:txBody>
+        </p:sp>
+        <p:sp>
+          <p:nvSpPr>
+            <p:cNvPr id="57" name="Line 45"/>
+            <p:cNvSpPr>
+              <a:spLocks noChangeShapeType="1"/>
+            </p:cNvSpPr>
+            <p:nvPr/>
+          </p:nvSpPr>
+          <p:spPr bwMode="auto">
+            <a:xfrm>
+              <a:off x="5749" y="10978"/>
+              <a:ext cx="0" cy="54"/>
+            </a:xfrm>
+            <a:prstGeom prst="line">
+              <a:avLst/>
+            </a:prstGeom>
+            <a:noFill/>
+            <a:ln w="9525" cap="rnd">
+              <a:solidFill>
+                <a:srgbClr val="000000"/>
+              </a:solidFill>
+              <a:prstDash val="solid"/>
+              <a:round/>
+              <a:headEnd/>
+              <a:tailEnd/>
+            </a:ln>
+            <a:extLst>
+              <a:ext uri="{909E8E84-426E-40DD-AFC4-6F175D3DCCD1}">
+                <a14:hiddenFill xmlns:a14="http://schemas.microsoft.com/office/drawing/2010/main">
+                  <a:noFill/>
+                </a14:hiddenFill>
+              </a:ext>
+            </a:extLst>
+          </p:spPr>
+          <p:txBody>
+            <a:bodyPr vert="horz" wrap="square" lIns="91440" tIns="45720" rIns="91440" bIns="45720" numCol="1" anchor="t" anchorCtr="0" compatLnSpc="1">
+              <a:prstTxWarp prst="textNoShape">
+                <a:avLst/>
+              </a:prstTxWarp>
+            </a:bodyPr>
+            <a:lstStyle/>
+            <a:p>
+              <a:endParaRPr lang="ja-JP" altLang="en-US"/>
+            </a:p>
+          </p:txBody>
+        </p:sp>
+        <p:sp>
+          <p:nvSpPr>
+            <p:cNvPr id="58" name="Line 46"/>
+            <p:cNvSpPr>
+              <a:spLocks noChangeShapeType="1"/>
+            </p:cNvSpPr>
+            <p:nvPr/>
+          </p:nvSpPr>
+          <p:spPr bwMode="auto">
+            <a:xfrm>
+              <a:off x="6188" y="10978"/>
+              <a:ext cx="0" cy="54"/>
+            </a:xfrm>
+            <a:prstGeom prst="line">
+              <a:avLst/>
+            </a:prstGeom>
+            <a:noFill/>
+            <a:ln w="9525" cap="rnd">
+              <a:solidFill>
+                <a:srgbClr val="000000"/>
+              </a:solidFill>
+              <a:prstDash val="solid"/>
+              <a:round/>
+              <a:headEnd/>
+              <a:tailEnd/>
+            </a:ln>
+            <a:extLst>
+              <a:ext uri="{909E8E84-426E-40DD-AFC4-6F175D3DCCD1}">
+                <a14:hiddenFill xmlns:a14="http://schemas.microsoft.com/office/drawing/2010/main">
+                  <a:noFill/>
+                </a14:hiddenFill>
+              </a:ext>
+            </a:extLst>
+          </p:spPr>
+          <p:txBody>
+            <a:bodyPr vert="horz" wrap="square" lIns="91440" tIns="45720" rIns="91440" bIns="45720" numCol="1" anchor="t" anchorCtr="0" compatLnSpc="1">
+              <a:prstTxWarp prst="textNoShape">
+                <a:avLst/>
+              </a:prstTxWarp>
+            </a:bodyPr>
+            <a:lstStyle/>
+            <a:p>
+              <a:endParaRPr lang="ja-JP" altLang="en-US"/>
+            </a:p>
+          </p:txBody>
+        </p:sp>
+        <p:sp>
+          <p:nvSpPr>
+            <p:cNvPr id="59" name="Line 47"/>
+            <p:cNvSpPr>
+              <a:spLocks noChangeShapeType="1"/>
+            </p:cNvSpPr>
+            <p:nvPr/>
+          </p:nvSpPr>
+          <p:spPr bwMode="auto">
+            <a:xfrm>
+              <a:off x="6634" y="10978"/>
+              <a:ext cx="0" cy="54"/>
+            </a:xfrm>
+            <a:prstGeom prst="line">
+              <a:avLst/>
+            </a:prstGeom>
+            <a:noFill/>
+            <a:ln w="9525" cap="rnd">
+              <a:solidFill>
+                <a:srgbClr val="000000"/>
+              </a:solidFill>
+              <a:prstDash val="solid"/>
+              <a:round/>
+              <a:headEnd/>
+              <a:tailEnd/>
+            </a:ln>
+            <a:extLst>
+              <a:ext uri="{909E8E84-426E-40DD-AFC4-6F175D3DCCD1}">
+                <a14:hiddenFill xmlns:a14="http://schemas.microsoft.com/office/drawing/2010/main">
+                  <a:noFill/>
+                </a14:hiddenFill>
+              </a:ext>
+            </a:extLst>
+          </p:spPr>
+          <p:txBody>
+            <a:bodyPr vert="horz" wrap="square" lIns="91440" tIns="45720" rIns="91440" bIns="45720" numCol="1" anchor="t" anchorCtr="0" compatLnSpc="1">
+              <a:prstTxWarp prst="textNoShape">
+                <a:avLst/>
+              </a:prstTxWarp>
+            </a:bodyPr>
+            <a:lstStyle/>
+            <a:p>
+              <a:endParaRPr lang="ja-JP" altLang="en-US"/>
+            </a:p>
+          </p:txBody>
+        </p:sp>
+        <p:sp>
+          <p:nvSpPr>
+            <p:cNvPr id="60" name="Line 48"/>
+            <p:cNvSpPr>
+              <a:spLocks noChangeShapeType="1"/>
+            </p:cNvSpPr>
+            <p:nvPr/>
+          </p:nvSpPr>
+          <p:spPr bwMode="auto">
+            <a:xfrm>
+              <a:off x="7073" y="10978"/>
+              <a:ext cx="0" cy="54"/>
+            </a:xfrm>
+            <a:prstGeom prst="line">
+              <a:avLst/>
+            </a:prstGeom>
+            <a:noFill/>
+            <a:ln w="9525" cap="rnd">
+              <a:solidFill>
+                <a:srgbClr val="000000"/>
+              </a:solidFill>
+              <a:prstDash val="solid"/>
+              <a:round/>
+              <a:headEnd/>
+              <a:tailEnd/>
+            </a:ln>
+            <a:extLst>
+              <a:ext uri="{909E8E84-426E-40DD-AFC4-6F175D3DCCD1}">
+                <a14:hiddenFill xmlns:a14="http://schemas.microsoft.com/office/drawing/2010/main">
+                  <a:noFill/>
+                </a14:hiddenFill>
+              </a:ext>
+            </a:extLst>
+          </p:spPr>
+          <p:txBody>
+            <a:bodyPr vert="horz" wrap="square" lIns="91440" tIns="45720" rIns="91440" bIns="45720" numCol="1" anchor="t" anchorCtr="0" compatLnSpc="1">
+              <a:prstTxWarp prst="textNoShape">
+                <a:avLst/>
+              </a:prstTxWarp>
+            </a:bodyPr>
+            <a:lstStyle/>
+            <a:p>
+              <a:endParaRPr lang="ja-JP" altLang="en-US"/>
+            </a:p>
+          </p:txBody>
+        </p:sp>
+        <p:sp>
+          <p:nvSpPr>
+            <p:cNvPr id="61" name="Line 49"/>
+            <p:cNvSpPr>
+              <a:spLocks noChangeShapeType="1"/>
+            </p:cNvSpPr>
+            <p:nvPr/>
+          </p:nvSpPr>
+          <p:spPr bwMode="auto">
+            <a:xfrm>
+              <a:off x="7513" y="10978"/>
+              <a:ext cx="0" cy="54"/>
+            </a:xfrm>
+            <a:prstGeom prst="line">
+              <a:avLst/>
+            </a:prstGeom>
+            <a:noFill/>
+            <a:ln w="9525" cap="rnd">
+              <a:solidFill>
+                <a:srgbClr val="000000"/>
+              </a:solidFill>
+              <a:prstDash val="solid"/>
+              <a:round/>
+              <a:headEnd/>
+              <a:tailEnd/>
+            </a:ln>
+            <a:extLst>
+              <a:ext uri="{909E8E84-426E-40DD-AFC4-6F175D3DCCD1}">
+                <a14:hiddenFill xmlns:a14="http://schemas.microsoft.com/office/drawing/2010/main">
+                  <a:noFill/>
+                </a14:hiddenFill>
+              </a:ext>
+            </a:extLst>
+          </p:spPr>
+          <p:txBody>
+            <a:bodyPr vert="horz" wrap="square" lIns="91440" tIns="45720" rIns="91440" bIns="45720" numCol="1" anchor="t" anchorCtr="0" compatLnSpc="1">
+              <a:prstTxWarp prst="textNoShape">
+                <a:avLst/>
+              </a:prstTxWarp>
+            </a:bodyPr>
+            <a:lstStyle/>
+            <a:p>
+              <a:endParaRPr lang="ja-JP" altLang="en-US"/>
+            </a:p>
+          </p:txBody>
+        </p:sp>
+        <p:sp>
+          <p:nvSpPr>
+            <p:cNvPr id="62" name="Line 50"/>
+            <p:cNvSpPr>
+              <a:spLocks noChangeShapeType="1"/>
+            </p:cNvSpPr>
+            <p:nvPr/>
+          </p:nvSpPr>
+          <p:spPr bwMode="auto">
+            <a:xfrm>
+              <a:off x="7952" y="10978"/>
+              <a:ext cx="0" cy="54"/>
+            </a:xfrm>
+            <a:prstGeom prst="line">
+              <a:avLst/>
+            </a:prstGeom>
+            <a:noFill/>
+            <a:ln w="9525" cap="rnd">
+              <a:solidFill>
+                <a:srgbClr val="000000"/>
+              </a:solidFill>
+              <a:prstDash val="solid"/>
+              <a:round/>
+              <a:headEnd/>
+              <a:tailEnd/>
+            </a:ln>
+            <a:extLst>
+              <a:ext uri="{909E8E84-426E-40DD-AFC4-6F175D3DCCD1}">
+                <a14:hiddenFill xmlns:a14="http://schemas.microsoft.com/office/drawing/2010/main">
+                  <a:noFill/>
+                </a14:hiddenFill>
+              </a:ext>
+            </a:extLst>
+          </p:spPr>
+          <p:txBody>
+            <a:bodyPr vert="horz" wrap="square" lIns="91440" tIns="45720" rIns="91440" bIns="45720" numCol="1" anchor="t" anchorCtr="0" compatLnSpc="1">
+              <a:prstTxWarp prst="textNoShape">
+                <a:avLst/>
+              </a:prstTxWarp>
+            </a:bodyPr>
+            <a:lstStyle/>
+            <a:p>
+              <a:endParaRPr lang="ja-JP" altLang="en-US"/>
+            </a:p>
+          </p:txBody>
+        </p:sp>
+        <p:sp>
+          <p:nvSpPr>
+            <p:cNvPr id="63" name="Line 51"/>
+            <p:cNvSpPr>
+              <a:spLocks noChangeShapeType="1"/>
+            </p:cNvSpPr>
+            <p:nvPr/>
+          </p:nvSpPr>
+          <p:spPr bwMode="auto">
+            <a:xfrm>
+              <a:off x="8398" y="10978"/>
+              <a:ext cx="0" cy="54"/>
+            </a:xfrm>
+            <a:prstGeom prst="line">
+              <a:avLst/>
+            </a:prstGeom>
+            <a:noFill/>
+            <a:ln w="9525" cap="rnd">
+              <a:solidFill>
+                <a:srgbClr val="000000"/>
+              </a:solidFill>
+              <a:prstDash val="solid"/>
+              <a:round/>
+              <a:headEnd/>
+              <a:tailEnd/>
+            </a:ln>
+            <a:extLst>
+              <a:ext uri="{909E8E84-426E-40DD-AFC4-6F175D3DCCD1}">
+                <a14:hiddenFill xmlns:a14="http://schemas.microsoft.com/office/drawing/2010/main">
+                  <a:noFill/>
+                </a14:hiddenFill>
+              </a:ext>
+            </a:extLst>
+          </p:spPr>
+          <p:txBody>
+            <a:bodyPr vert="horz" wrap="square" lIns="91440" tIns="45720" rIns="91440" bIns="45720" numCol="1" anchor="t" anchorCtr="0" compatLnSpc="1">
+              <a:prstTxWarp prst="textNoShape">
+                <a:avLst/>
+              </a:prstTxWarp>
+            </a:bodyPr>
+            <a:lstStyle/>
+            <a:p>
+              <a:endParaRPr lang="ja-JP" altLang="en-US"/>
+            </a:p>
+          </p:txBody>
+        </p:sp>
+        <p:sp>
+          <p:nvSpPr>
+            <p:cNvPr id="64" name="Rectangle 52"/>
+            <p:cNvSpPr>
+              <a:spLocks noChangeArrowheads="1"/>
+            </p:cNvSpPr>
+            <p:nvPr/>
+          </p:nvSpPr>
+          <p:spPr bwMode="auto">
+            <a:xfrm>
+              <a:off x="5261" y="11104"/>
+              <a:ext cx="96" cy="132"/>
+            </a:xfrm>
+            <a:prstGeom prst="rect">
+              <a:avLst/>
+            </a:prstGeom>
+            <a:noFill/>
+            <a:ln>
+              <a:noFill/>
+            </a:ln>
+            <a:extLst>
+              <a:ext uri="{909E8E84-426E-40DD-AFC4-6F175D3DCCD1}">
+                <a14:hiddenFill xmlns:a14="http://schemas.microsoft.com/office/drawing/2010/main">
+                  <a:solidFill>
+                    <a:srgbClr val="FFFFFF"/>
+                  </a:solidFill>
+                </a14:hiddenFill>
+              </a:ext>
+              <a:ext uri="{91240B29-F687-4F45-9708-019B960494DF}">
+                <a14:hiddenLine xmlns:a14="http://schemas.microsoft.com/office/drawing/2010/main" w="9525">
+                  <a:solidFill>
+                    <a:srgbClr val="000000"/>
+                  </a:solidFill>
+                  <a:miter lim="800000"/>
+                  <a:headEnd/>
+                  <a:tailEnd/>
+                </a14:hiddenLine>
+              </a:ext>
+            </a:extLst>
+          </p:spPr>
+          <p:txBody>
+            <a:bodyPr vert="horz" wrap="none" lIns="0" tIns="0" rIns="0" bIns="0" numCol="1" anchor="t" anchorCtr="0" compatLnSpc="1">
+              <a:prstTxWarp prst="textNoShape">
+                <a:avLst/>
+              </a:prstTxWarp>
+              <a:spAutoFit/>
+            </a:bodyPr>
+            <a:lstStyle>
+              <a:lvl1pPr eaLnBrk="0" fontAlgn="base" hangingPunct="0">
+                <a:spcBef>
+                  <a:spcPct val="0"/>
+                </a:spcBef>
+                <a:spcAft>
+                  <a:spcPct val="0"/>
+                </a:spcAft>
+                <a:defRPr>
+                  <a:solidFill>
+                    <a:schemeClr val="tx1"/>
+                  </a:solidFill>
+                  <a:latin typeface="Arial" panose="020B0604020202020204" pitchFamily="34" charset="0"/>
+                </a:defRPr>
+              </a:lvl1pPr>
+              <a:lvl2pPr marL="457200" eaLnBrk="0" fontAlgn="base" hangingPunct="0">
+                <a:spcBef>
+                  <a:spcPct val="0"/>
+                </a:spcBef>
+                <a:spcAft>
+                  <a:spcPct val="0"/>
+                </a:spcAft>
+                <a:defRPr>
+                  <a:solidFill>
+                    <a:schemeClr val="tx1"/>
+                  </a:solidFill>
+                  <a:latin typeface="Arial" panose="020B0604020202020204" pitchFamily="34" charset="0"/>
+                </a:defRPr>
+              </a:lvl2pPr>
+              <a:lvl3pPr marL="914400" eaLnBrk="0" fontAlgn="base" hangingPunct="0">
+                <a:spcBef>
+                  <a:spcPct val="0"/>
+                </a:spcBef>
+                <a:spcAft>
+                  <a:spcPct val="0"/>
+                </a:spcAft>
+                <a:defRPr>
+                  <a:solidFill>
+                    <a:schemeClr val="tx1"/>
+                  </a:solidFill>
+                  <a:latin typeface="Arial" panose="020B0604020202020204" pitchFamily="34" charset="0"/>
+                </a:defRPr>
+              </a:lvl3pPr>
+              <a:lvl4pPr marL="1371600" eaLnBrk="0" fontAlgn="base" hangingPunct="0">
+                <a:spcBef>
+                  <a:spcPct val="0"/>
+                </a:spcBef>
+                <a:spcAft>
+                  <a:spcPct val="0"/>
+                </a:spcAft>
+                <a:defRPr>
+                  <a:solidFill>
+                    <a:schemeClr val="tx1"/>
+                  </a:solidFill>
+                  <a:latin typeface="Arial" panose="020B0604020202020204" pitchFamily="34" charset="0"/>
+                </a:defRPr>
+              </a:lvl4pPr>
+              <a:lvl5pPr marL="1828800" eaLnBrk="0" fontAlgn="base" hangingPunct="0">
+                <a:spcBef>
+                  <a:spcPct val="0"/>
+                </a:spcBef>
+                <a:spcAft>
+                  <a:spcPct val="0"/>
+                </a:spcAft>
+                <a:defRPr>
+                  <a:solidFill>
+                    <a:schemeClr val="tx1"/>
+                  </a:solidFill>
+                  <a:latin typeface="Arial" panose="020B0604020202020204" pitchFamily="34" charset="0"/>
+                </a:defRPr>
+              </a:lvl5pPr>
+              <a:lvl6pPr marL="2286000" eaLnBrk="0" fontAlgn="base" hangingPunct="0">
+                <a:spcBef>
+                  <a:spcPct val="0"/>
+                </a:spcBef>
+                <a:spcAft>
+                  <a:spcPct val="0"/>
+                </a:spcAft>
+                <a:defRPr>
+                  <a:solidFill>
+                    <a:schemeClr val="tx1"/>
+                  </a:solidFill>
+                  <a:latin typeface="Arial" panose="020B0604020202020204" pitchFamily="34" charset="0"/>
+                </a:defRPr>
+              </a:lvl6pPr>
+              <a:lvl7pPr marL="2743200" eaLnBrk="0" fontAlgn="base" hangingPunct="0">
+                <a:spcBef>
+                  <a:spcPct val="0"/>
+                </a:spcBef>
+                <a:spcAft>
+                  <a:spcPct val="0"/>
+                </a:spcAft>
+                <a:defRPr>
+                  <a:solidFill>
+                    <a:schemeClr val="tx1"/>
+                  </a:solidFill>
+                  <a:latin typeface="Arial" panose="020B0604020202020204" pitchFamily="34" charset="0"/>
+                </a:defRPr>
+              </a:lvl7pPr>
+              <a:lvl8pPr marL="3200400" eaLnBrk="0" fontAlgn="base" hangingPunct="0">
+                <a:spcBef>
+                  <a:spcPct val="0"/>
+                </a:spcBef>
+                <a:spcAft>
+                  <a:spcPct val="0"/>
+                </a:spcAft>
+                <a:defRPr>
+                  <a:solidFill>
+                    <a:schemeClr val="tx1"/>
+                  </a:solidFill>
+                  <a:latin typeface="Arial" panose="020B0604020202020204" pitchFamily="34" charset="0"/>
+                </a:defRPr>
+              </a:lvl8pPr>
+              <a:lvl9pPr marL="3657600" eaLnBrk="0" fontAlgn="base" hangingPunct="0">
+                <a:spcBef>
+                  <a:spcPct val="0"/>
+                </a:spcBef>
+                <a:spcAft>
+                  <a:spcPct val="0"/>
+                </a:spcAft>
+                <a:defRPr>
+                  <a:solidFill>
+                    <a:schemeClr val="tx1"/>
+                  </a:solidFill>
+                  <a:latin typeface="Arial" panose="020B0604020202020204" pitchFamily="34" charset="0"/>
+                </a:defRPr>
+              </a:lvl9pPr>
+            </a:lstStyle>
+            <a:p>
+              <a:pPr marL="0" marR="0" lvl="0" indent="0" algn="l" defTabSz="914400" rtl="0" eaLnBrk="0" fontAlgn="base" latinLnBrk="0" hangingPunct="0">
+                <a:lnSpc>
+                  <a:spcPct val="100000"/>
+                </a:lnSpc>
+                <a:spcBef>
+                  <a:spcPct val="0"/>
+                </a:spcBef>
+                <a:spcAft>
+                  <a:spcPct val="0"/>
+                </a:spcAft>
+                <a:buClrTx/>
+                <a:buSzTx/>
+                <a:buFontTx/>
+                <a:buNone/>
+                <a:tabLst/>
+              </a:pPr>
+              <a:r>
+                <a:rPr kumimoji="0" lang="ja-JP" altLang="ja-JP" sz="1200" b="0" i="0" u="none" strike="noStrike" cap="none" normalizeH="0" baseline="0" smtClean="0">
+                  <a:ln>
+                    <a:noFill/>
+                  </a:ln>
+                  <a:solidFill>
+                    <a:srgbClr val="000000"/>
+                  </a:solidFill>
+                  <a:effectLst/>
+                  <a:latin typeface="Arial" panose="020B0604020202020204" pitchFamily="34" charset="0"/>
+                </a:rPr>
+                <a:t>0</a:t>
+              </a:r>
+              <a:endParaRPr kumimoji="0" lang="ja-JP" altLang="ja-JP" sz="1800" b="0" i="0" u="none" strike="noStrike" cap="none" normalizeH="0" baseline="0" smtClean="0">
+                <a:ln>
+                  <a:noFill/>
+                </a:ln>
+                <a:solidFill>
+                  <a:schemeClr val="tx1"/>
+                </a:solidFill>
+                <a:effectLst/>
+                <a:latin typeface="Arial" panose="020B0604020202020204" pitchFamily="34" charset="0"/>
+              </a:endParaRPr>
+            </a:p>
+          </p:txBody>
+        </p:sp>
+        <p:sp>
+          <p:nvSpPr>
+            <p:cNvPr id="65" name="Rectangle 53"/>
+            <p:cNvSpPr>
+              <a:spLocks noChangeArrowheads="1"/>
+            </p:cNvSpPr>
+            <p:nvPr/>
+          </p:nvSpPr>
+          <p:spPr bwMode="auto">
+            <a:xfrm>
+              <a:off x="5701" y="11104"/>
+              <a:ext cx="96" cy="132"/>
+            </a:xfrm>
+            <a:prstGeom prst="rect">
+              <a:avLst/>
+            </a:prstGeom>
+            <a:noFill/>
+            <a:ln>
+              <a:noFill/>
+            </a:ln>
+            <a:extLst>
+              <a:ext uri="{909E8E84-426E-40DD-AFC4-6F175D3DCCD1}">
+                <a14:hiddenFill xmlns:a14="http://schemas.microsoft.com/office/drawing/2010/main">
+                  <a:solidFill>
+                    <a:srgbClr val="FFFFFF"/>
+                  </a:solidFill>
+                </a14:hiddenFill>
+              </a:ext>
+              <a:ext uri="{91240B29-F687-4F45-9708-019B960494DF}">
+                <a14:hiddenLine xmlns:a14="http://schemas.microsoft.com/office/drawing/2010/main" w="9525">
+                  <a:solidFill>
+                    <a:srgbClr val="000000"/>
+                  </a:solidFill>
+                  <a:miter lim="800000"/>
+                  <a:headEnd/>
+                  <a:tailEnd/>
+                </a14:hiddenLine>
+              </a:ext>
+            </a:extLst>
+          </p:spPr>
+          <p:txBody>
+            <a:bodyPr vert="horz" wrap="none" lIns="0" tIns="0" rIns="0" bIns="0" numCol="1" anchor="t" anchorCtr="0" compatLnSpc="1">
+              <a:prstTxWarp prst="textNoShape">
+                <a:avLst/>
+              </a:prstTxWarp>
+              <a:spAutoFit/>
+            </a:bodyPr>
+            <a:lstStyle>
+              <a:lvl1pPr eaLnBrk="0" fontAlgn="base" hangingPunct="0">
+                <a:spcBef>
+                  <a:spcPct val="0"/>
+                </a:spcBef>
+                <a:spcAft>
+                  <a:spcPct val="0"/>
+                </a:spcAft>
+                <a:defRPr>
+                  <a:solidFill>
+                    <a:schemeClr val="tx1"/>
+                  </a:solidFill>
+                  <a:latin typeface="Arial" panose="020B0604020202020204" pitchFamily="34" charset="0"/>
+                </a:defRPr>
+              </a:lvl1pPr>
+              <a:lvl2pPr marL="457200" eaLnBrk="0" fontAlgn="base" hangingPunct="0">
+                <a:spcBef>
+                  <a:spcPct val="0"/>
+                </a:spcBef>
+                <a:spcAft>
+                  <a:spcPct val="0"/>
+                </a:spcAft>
+                <a:defRPr>
+                  <a:solidFill>
+                    <a:schemeClr val="tx1"/>
+                  </a:solidFill>
+                  <a:latin typeface="Arial" panose="020B0604020202020204" pitchFamily="34" charset="0"/>
+                </a:defRPr>
+              </a:lvl2pPr>
+              <a:lvl3pPr marL="914400" eaLnBrk="0" fontAlgn="base" hangingPunct="0">
+                <a:spcBef>
+                  <a:spcPct val="0"/>
+                </a:spcBef>
+                <a:spcAft>
+                  <a:spcPct val="0"/>
+                </a:spcAft>
+                <a:defRPr>
+                  <a:solidFill>
+                    <a:schemeClr val="tx1"/>
+                  </a:solidFill>
+                  <a:latin typeface="Arial" panose="020B0604020202020204" pitchFamily="34" charset="0"/>
+                </a:defRPr>
+              </a:lvl3pPr>
+              <a:lvl4pPr marL="1371600" eaLnBrk="0" fontAlgn="base" hangingPunct="0">
+                <a:spcBef>
+                  <a:spcPct val="0"/>
+                </a:spcBef>
+                <a:spcAft>
+                  <a:spcPct val="0"/>
+                </a:spcAft>
+                <a:defRPr>
+                  <a:solidFill>
+                    <a:schemeClr val="tx1"/>
+                  </a:solidFill>
+                  <a:latin typeface="Arial" panose="020B0604020202020204" pitchFamily="34" charset="0"/>
+                </a:defRPr>
+              </a:lvl4pPr>
+              <a:lvl5pPr marL="1828800" eaLnBrk="0" fontAlgn="base" hangingPunct="0">
+                <a:spcBef>
+                  <a:spcPct val="0"/>
+                </a:spcBef>
+                <a:spcAft>
+                  <a:spcPct val="0"/>
+                </a:spcAft>
+                <a:defRPr>
+                  <a:solidFill>
+                    <a:schemeClr val="tx1"/>
+                  </a:solidFill>
+                  <a:latin typeface="Arial" panose="020B0604020202020204" pitchFamily="34" charset="0"/>
+                </a:defRPr>
+              </a:lvl5pPr>
+              <a:lvl6pPr marL="2286000" eaLnBrk="0" fontAlgn="base" hangingPunct="0">
+                <a:spcBef>
+                  <a:spcPct val="0"/>
+                </a:spcBef>
+                <a:spcAft>
+                  <a:spcPct val="0"/>
+                </a:spcAft>
+                <a:defRPr>
+                  <a:solidFill>
+                    <a:schemeClr val="tx1"/>
+                  </a:solidFill>
+                  <a:latin typeface="Arial" panose="020B0604020202020204" pitchFamily="34" charset="0"/>
+                </a:defRPr>
+              </a:lvl6pPr>
+              <a:lvl7pPr marL="2743200" eaLnBrk="0" fontAlgn="base" hangingPunct="0">
+                <a:spcBef>
+                  <a:spcPct val="0"/>
+                </a:spcBef>
+                <a:spcAft>
+                  <a:spcPct val="0"/>
+                </a:spcAft>
+                <a:defRPr>
+                  <a:solidFill>
+                    <a:schemeClr val="tx1"/>
+                  </a:solidFill>
+                  <a:latin typeface="Arial" panose="020B0604020202020204" pitchFamily="34" charset="0"/>
+                </a:defRPr>
+              </a:lvl7pPr>
+              <a:lvl8pPr marL="3200400" eaLnBrk="0" fontAlgn="base" hangingPunct="0">
+                <a:spcBef>
+                  <a:spcPct val="0"/>
+                </a:spcBef>
+                <a:spcAft>
+                  <a:spcPct val="0"/>
+                </a:spcAft>
+                <a:defRPr>
+                  <a:solidFill>
+                    <a:schemeClr val="tx1"/>
+                  </a:solidFill>
+                  <a:latin typeface="Arial" panose="020B0604020202020204" pitchFamily="34" charset="0"/>
+                </a:defRPr>
+              </a:lvl8pPr>
+              <a:lvl9pPr marL="3657600" eaLnBrk="0" fontAlgn="base" hangingPunct="0">
+                <a:spcBef>
+                  <a:spcPct val="0"/>
+                </a:spcBef>
+                <a:spcAft>
+                  <a:spcPct val="0"/>
+                </a:spcAft>
+                <a:defRPr>
+                  <a:solidFill>
+                    <a:schemeClr val="tx1"/>
+                  </a:solidFill>
+                  <a:latin typeface="Arial" panose="020B0604020202020204" pitchFamily="34" charset="0"/>
+                </a:defRPr>
+              </a:lvl9pPr>
+            </a:lstStyle>
+            <a:p>
+              <a:pPr marL="0" marR="0" lvl="0" indent="0" algn="l" defTabSz="914400" rtl="0" eaLnBrk="0" fontAlgn="base" latinLnBrk="0" hangingPunct="0">
+                <a:lnSpc>
+                  <a:spcPct val="100000"/>
+                </a:lnSpc>
+                <a:spcBef>
+                  <a:spcPct val="0"/>
+                </a:spcBef>
+                <a:spcAft>
+                  <a:spcPct val="0"/>
+                </a:spcAft>
+                <a:buClrTx/>
+                <a:buSzTx/>
+                <a:buFontTx/>
+                <a:buNone/>
+                <a:tabLst/>
+              </a:pPr>
+              <a:r>
+                <a:rPr kumimoji="0" lang="ja-JP" altLang="ja-JP" sz="1200" b="0" i="0" u="none" strike="noStrike" cap="none" normalizeH="0" baseline="0" smtClean="0">
+                  <a:ln>
+                    <a:noFill/>
+                  </a:ln>
+                  <a:solidFill>
+                    <a:srgbClr val="000000"/>
+                  </a:solidFill>
+                  <a:effectLst/>
+                  <a:latin typeface="Arial" panose="020B0604020202020204" pitchFamily="34" charset="0"/>
+                </a:rPr>
+                <a:t>2</a:t>
+              </a:r>
+              <a:endParaRPr kumimoji="0" lang="ja-JP" altLang="ja-JP" sz="1800" b="0" i="0" u="none" strike="noStrike" cap="none" normalizeH="0" baseline="0" smtClean="0">
+                <a:ln>
+                  <a:noFill/>
+                </a:ln>
+                <a:solidFill>
+                  <a:schemeClr val="tx1"/>
+                </a:solidFill>
+                <a:effectLst/>
+                <a:latin typeface="Arial" panose="020B0604020202020204" pitchFamily="34" charset="0"/>
+              </a:endParaRPr>
+            </a:p>
+          </p:txBody>
+        </p:sp>
+        <p:sp>
+          <p:nvSpPr>
+            <p:cNvPr id="66" name="Rectangle 54"/>
+            <p:cNvSpPr>
+              <a:spLocks noChangeArrowheads="1"/>
+            </p:cNvSpPr>
+            <p:nvPr/>
+          </p:nvSpPr>
+          <p:spPr bwMode="auto">
+            <a:xfrm>
+              <a:off x="6140" y="11104"/>
+              <a:ext cx="96" cy="132"/>
+            </a:xfrm>
+            <a:prstGeom prst="rect">
+              <a:avLst/>
+            </a:prstGeom>
+            <a:noFill/>
+            <a:ln>
+              <a:noFill/>
+            </a:ln>
+            <a:extLst>
+              <a:ext uri="{909E8E84-426E-40DD-AFC4-6F175D3DCCD1}">
+                <a14:hiddenFill xmlns:a14="http://schemas.microsoft.com/office/drawing/2010/main">
+                  <a:solidFill>
+                    <a:srgbClr val="FFFFFF"/>
+                  </a:solidFill>
+                </a14:hiddenFill>
+              </a:ext>
+              <a:ext uri="{91240B29-F687-4F45-9708-019B960494DF}">
+                <a14:hiddenLine xmlns:a14="http://schemas.microsoft.com/office/drawing/2010/main" w="9525">
+                  <a:solidFill>
+                    <a:srgbClr val="000000"/>
+                  </a:solidFill>
+                  <a:miter lim="800000"/>
+                  <a:headEnd/>
+                  <a:tailEnd/>
+                </a14:hiddenLine>
+              </a:ext>
+            </a:extLst>
+          </p:spPr>
+          <p:txBody>
+            <a:bodyPr vert="horz" wrap="none" lIns="0" tIns="0" rIns="0" bIns="0" numCol="1" anchor="t" anchorCtr="0" compatLnSpc="1">
+              <a:prstTxWarp prst="textNoShape">
+                <a:avLst/>
+              </a:prstTxWarp>
+              <a:spAutoFit/>
+            </a:bodyPr>
+            <a:lstStyle>
+              <a:lvl1pPr eaLnBrk="0" fontAlgn="base" hangingPunct="0">
+                <a:spcBef>
+                  <a:spcPct val="0"/>
+                </a:spcBef>
+                <a:spcAft>
+                  <a:spcPct val="0"/>
+                </a:spcAft>
+                <a:defRPr>
+                  <a:solidFill>
+                    <a:schemeClr val="tx1"/>
+                  </a:solidFill>
+                  <a:latin typeface="Arial" panose="020B0604020202020204" pitchFamily="34" charset="0"/>
+                </a:defRPr>
+              </a:lvl1pPr>
+              <a:lvl2pPr marL="457200" eaLnBrk="0" fontAlgn="base" hangingPunct="0">
+                <a:spcBef>
+                  <a:spcPct val="0"/>
+                </a:spcBef>
+                <a:spcAft>
+                  <a:spcPct val="0"/>
+                </a:spcAft>
+                <a:defRPr>
+                  <a:solidFill>
+                    <a:schemeClr val="tx1"/>
+                  </a:solidFill>
+                  <a:latin typeface="Arial" panose="020B0604020202020204" pitchFamily="34" charset="0"/>
+                </a:defRPr>
+              </a:lvl2pPr>
+              <a:lvl3pPr marL="914400" eaLnBrk="0" fontAlgn="base" hangingPunct="0">
+                <a:spcBef>
+                  <a:spcPct val="0"/>
+                </a:spcBef>
+                <a:spcAft>
+                  <a:spcPct val="0"/>
+                </a:spcAft>
+                <a:defRPr>
+                  <a:solidFill>
+                    <a:schemeClr val="tx1"/>
+                  </a:solidFill>
+                  <a:latin typeface="Arial" panose="020B0604020202020204" pitchFamily="34" charset="0"/>
+                </a:defRPr>
+              </a:lvl3pPr>
+              <a:lvl4pPr marL="1371600" eaLnBrk="0" fontAlgn="base" hangingPunct="0">
+                <a:spcBef>
+                  <a:spcPct val="0"/>
+                </a:spcBef>
+                <a:spcAft>
+                  <a:spcPct val="0"/>
+                </a:spcAft>
+                <a:defRPr>
+                  <a:solidFill>
+                    <a:schemeClr val="tx1"/>
+                  </a:solidFill>
+                  <a:latin typeface="Arial" panose="020B0604020202020204" pitchFamily="34" charset="0"/>
+                </a:defRPr>
+              </a:lvl4pPr>
+              <a:lvl5pPr marL="1828800" eaLnBrk="0" fontAlgn="base" hangingPunct="0">
+                <a:spcBef>
+                  <a:spcPct val="0"/>
+                </a:spcBef>
+                <a:spcAft>
+                  <a:spcPct val="0"/>
+                </a:spcAft>
+                <a:defRPr>
+                  <a:solidFill>
+                    <a:schemeClr val="tx1"/>
+                  </a:solidFill>
+                  <a:latin typeface="Arial" panose="020B0604020202020204" pitchFamily="34" charset="0"/>
+                </a:defRPr>
+              </a:lvl5pPr>
+              <a:lvl6pPr marL="2286000" eaLnBrk="0" fontAlgn="base" hangingPunct="0">
+                <a:spcBef>
+                  <a:spcPct val="0"/>
+                </a:spcBef>
+                <a:spcAft>
+                  <a:spcPct val="0"/>
+                </a:spcAft>
+                <a:defRPr>
+                  <a:solidFill>
+                    <a:schemeClr val="tx1"/>
+                  </a:solidFill>
+                  <a:latin typeface="Arial" panose="020B0604020202020204" pitchFamily="34" charset="0"/>
+                </a:defRPr>
+              </a:lvl6pPr>
+              <a:lvl7pPr marL="2743200" eaLnBrk="0" fontAlgn="base" hangingPunct="0">
+                <a:spcBef>
+                  <a:spcPct val="0"/>
+                </a:spcBef>
+                <a:spcAft>
+                  <a:spcPct val="0"/>
+                </a:spcAft>
+                <a:defRPr>
+                  <a:solidFill>
+                    <a:schemeClr val="tx1"/>
+                  </a:solidFill>
+                  <a:latin typeface="Arial" panose="020B0604020202020204" pitchFamily="34" charset="0"/>
+                </a:defRPr>
+              </a:lvl7pPr>
+              <a:lvl8pPr marL="3200400" eaLnBrk="0" fontAlgn="base" hangingPunct="0">
+                <a:spcBef>
+                  <a:spcPct val="0"/>
+                </a:spcBef>
+                <a:spcAft>
+                  <a:spcPct val="0"/>
+                </a:spcAft>
+                <a:defRPr>
+                  <a:solidFill>
+                    <a:schemeClr val="tx1"/>
+                  </a:solidFill>
+                  <a:latin typeface="Arial" panose="020B0604020202020204" pitchFamily="34" charset="0"/>
+                </a:defRPr>
+              </a:lvl8pPr>
+              <a:lvl9pPr marL="3657600" eaLnBrk="0" fontAlgn="base" hangingPunct="0">
+                <a:spcBef>
+                  <a:spcPct val="0"/>
+                </a:spcBef>
+                <a:spcAft>
+                  <a:spcPct val="0"/>
+                </a:spcAft>
+                <a:defRPr>
+                  <a:solidFill>
+                    <a:schemeClr val="tx1"/>
+                  </a:solidFill>
+                  <a:latin typeface="Arial" panose="020B0604020202020204" pitchFamily="34" charset="0"/>
+                </a:defRPr>
+              </a:lvl9pPr>
+            </a:lstStyle>
+            <a:p>
+              <a:pPr marL="0" marR="0" lvl="0" indent="0" algn="l" defTabSz="914400" rtl="0" eaLnBrk="0" fontAlgn="base" latinLnBrk="0" hangingPunct="0">
+                <a:lnSpc>
+                  <a:spcPct val="100000"/>
+                </a:lnSpc>
+                <a:spcBef>
+                  <a:spcPct val="0"/>
+                </a:spcBef>
+                <a:spcAft>
+                  <a:spcPct val="0"/>
+                </a:spcAft>
+                <a:buClrTx/>
+                <a:buSzTx/>
+                <a:buFontTx/>
+                <a:buNone/>
+                <a:tabLst/>
+              </a:pPr>
+              <a:r>
+                <a:rPr kumimoji="0" lang="ja-JP" altLang="ja-JP" sz="1200" b="0" i="0" u="none" strike="noStrike" cap="none" normalizeH="0" baseline="0" smtClean="0">
+                  <a:ln>
+                    <a:noFill/>
+                  </a:ln>
+                  <a:solidFill>
+                    <a:srgbClr val="000000"/>
+                  </a:solidFill>
+                  <a:effectLst/>
+                  <a:latin typeface="Arial" panose="020B0604020202020204" pitchFamily="34" charset="0"/>
+                </a:rPr>
+                <a:t>4</a:t>
+              </a:r>
+              <a:endParaRPr kumimoji="0" lang="ja-JP" altLang="ja-JP" sz="1800" b="0" i="0" u="none" strike="noStrike" cap="none" normalizeH="0" baseline="0" smtClean="0">
+                <a:ln>
+                  <a:noFill/>
+                </a:ln>
+                <a:solidFill>
+                  <a:schemeClr val="tx1"/>
+                </a:solidFill>
+                <a:effectLst/>
+                <a:latin typeface="Arial" panose="020B0604020202020204" pitchFamily="34" charset="0"/>
+              </a:endParaRPr>
+            </a:p>
+          </p:txBody>
+        </p:sp>
+        <p:sp>
+          <p:nvSpPr>
+            <p:cNvPr id="67" name="Rectangle 55"/>
+            <p:cNvSpPr>
+              <a:spLocks noChangeArrowheads="1"/>
+            </p:cNvSpPr>
+            <p:nvPr/>
+          </p:nvSpPr>
+          <p:spPr bwMode="auto">
+            <a:xfrm>
+              <a:off x="6586" y="11104"/>
+              <a:ext cx="96" cy="132"/>
+            </a:xfrm>
+            <a:prstGeom prst="rect">
+              <a:avLst/>
+            </a:prstGeom>
+            <a:noFill/>
+            <a:ln>
+              <a:noFill/>
+            </a:ln>
+            <a:extLst>
+              <a:ext uri="{909E8E84-426E-40DD-AFC4-6F175D3DCCD1}">
+                <a14:hiddenFill xmlns:a14="http://schemas.microsoft.com/office/drawing/2010/main">
+                  <a:solidFill>
+                    <a:srgbClr val="FFFFFF"/>
+                  </a:solidFill>
+                </a14:hiddenFill>
+              </a:ext>
+              <a:ext uri="{91240B29-F687-4F45-9708-019B960494DF}">
+                <a14:hiddenLine xmlns:a14="http://schemas.microsoft.com/office/drawing/2010/main" w="9525">
+                  <a:solidFill>
+                    <a:srgbClr val="000000"/>
+                  </a:solidFill>
+                  <a:miter lim="800000"/>
+                  <a:headEnd/>
+                  <a:tailEnd/>
+                </a14:hiddenLine>
+              </a:ext>
+            </a:extLst>
+          </p:spPr>
+          <p:txBody>
+            <a:bodyPr vert="horz" wrap="none" lIns="0" tIns="0" rIns="0" bIns="0" numCol="1" anchor="t" anchorCtr="0" compatLnSpc="1">
+              <a:prstTxWarp prst="textNoShape">
+                <a:avLst/>
+              </a:prstTxWarp>
+              <a:spAutoFit/>
+            </a:bodyPr>
+            <a:lstStyle>
+              <a:lvl1pPr eaLnBrk="0" fontAlgn="base" hangingPunct="0">
+                <a:spcBef>
+                  <a:spcPct val="0"/>
+                </a:spcBef>
+                <a:spcAft>
+                  <a:spcPct val="0"/>
+                </a:spcAft>
+                <a:defRPr>
+                  <a:solidFill>
+                    <a:schemeClr val="tx1"/>
+                  </a:solidFill>
+                  <a:latin typeface="Arial" panose="020B0604020202020204" pitchFamily="34" charset="0"/>
+                </a:defRPr>
+              </a:lvl1pPr>
+              <a:lvl2pPr marL="457200" eaLnBrk="0" fontAlgn="base" hangingPunct="0">
+                <a:spcBef>
+                  <a:spcPct val="0"/>
+                </a:spcBef>
+                <a:spcAft>
+                  <a:spcPct val="0"/>
+                </a:spcAft>
+                <a:defRPr>
+                  <a:solidFill>
+                    <a:schemeClr val="tx1"/>
+                  </a:solidFill>
+                  <a:latin typeface="Arial" panose="020B0604020202020204" pitchFamily="34" charset="0"/>
+                </a:defRPr>
+              </a:lvl2pPr>
+              <a:lvl3pPr marL="914400" eaLnBrk="0" fontAlgn="base" hangingPunct="0">
+                <a:spcBef>
+                  <a:spcPct val="0"/>
+                </a:spcBef>
+                <a:spcAft>
+                  <a:spcPct val="0"/>
+                </a:spcAft>
+                <a:defRPr>
+                  <a:solidFill>
+                    <a:schemeClr val="tx1"/>
+                  </a:solidFill>
+                  <a:latin typeface="Arial" panose="020B0604020202020204" pitchFamily="34" charset="0"/>
+                </a:defRPr>
+              </a:lvl3pPr>
+              <a:lvl4pPr marL="1371600" eaLnBrk="0" fontAlgn="base" hangingPunct="0">
+                <a:spcBef>
+                  <a:spcPct val="0"/>
+                </a:spcBef>
+                <a:spcAft>
+                  <a:spcPct val="0"/>
+                </a:spcAft>
+                <a:defRPr>
+                  <a:solidFill>
+                    <a:schemeClr val="tx1"/>
+                  </a:solidFill>
+                  <a:latin typeface="Arial" panose="020B0604020202020204" pitchFamily="34" charset="0"/>
+                </a:defRPr>
+              </a:lvl4pPr>
+              <a:lvl5pPr marL="1828800" eaLnBrk="0" fontAlgn="base" hangingPunct="0">
+                <a:spcBef>
+                  <a:spcPct val="0"/>
+                </a:spcBef>
+                <a:spcAft>
+                  <a:spcPct val="0"/>
+                </a:spcAft>
+                <a:defRPr>
+                  <a:solidFill>
+                    <a:schemeClr val="tx1"/>
+                  </a:solidFill>
+                  <a:latin typeface="Arial" panose="020B0604020202020204" pitchFamily="34" charset="0"/>
+                </a:defRPr>
+              </a:lvl5pPr>
+              <a:lvl6pPr marL="2286000" eaLnBrk="0" fontAlgn="base" hangingPunct="0">
+                <a:spcBef>
+                  <a:spcPct val="0"/>
+                </a:spcBef>
+                <a:spcAft>
+                  <a:spcPct val="0"/>
+                </a:spcAft>
+                <a:defRPr>
+                  <a:solidFill>
+                    <a:schemeClr val="tx1"/>
+                  </a:solidFill>
+                  <a:latin typeface="Arial" panose="020B0604020202020204" pitchFamily="34" charset="0"/>
+                </a:defRPr>
+              </a:lvl6pPr>
+              <a:lvl7pPr marL="2743200" eaLnBrk="0" fontAlgn="base" hangingPunct="0">
+                <a:spcBef>
+                  <a:spcPct val="0"/>
+                </a:spcBef>
+                <a:spcAft>
+                  <a:spcPct val="0"/>
+                </a:spcAft>
+                <a:defRPr>
+                  <a:solidFill>
+                    <a:schemeClr val="tx1"/>
+                  </a:solidFill>
+                  <a:latin typeface="Arial" panose="020B0604020202020204" pitchFamily="34" charset="0"/>
+                </a:defRPr>
+              </a:lvl7pPr>
+              <a:lvl8pPr marL="3200400" eaLnBrk="0" fontAlgn="base" hangingPunct="0">
+                <a:spcBef>
+                  <a:spcPct val="0"/>
+                </a:spcBef>
+                <a:spcAft>
+                  <a:spcPct val="0"/>
+                </a:spcAft>
+                <a:defRPr>
+                  <a:solidFill>
+                    <a:schemeClr val="tx1"/>
+                  </a:solidFill>
+                  <a:latin typeface="Arial" panose="020B0604020202020204" pitchFamily="34" charset="0"/>
+                </a:defRPr>
+              </a:lvl8pPr>
+              <a:lvl9pPr marL="3657600" eaLnBrk="0" fontAlgn="base" hangingPunct="0">
+                <a:spcBef>
+                  <a:spcPct val="0"/>
+                </a:spcBef>
+                <a:spcAft>
+                  <a:spcPct val="0"/>
+                </a:spcAft>
+                <a:defRPr>
+                  <a:solidFill>
+                    <a:schemeClr val="tx1"/>
+                  </a:solidFill>
+                  <a:latin typeface="Arial" panose="020B0604020202020204" pitchFamily="34" charset="0"/>
+                </a:defRPr>
+              </a:lvl9pPr>
+            </a:lstStyle>
+            <a:p>
+              <a:pPr marL="0" marR="0" lvl="0" indent="0" algn="l" defTabSz="914400" rtl="0" eaLnBrk="0" fontAlgn="base" latinLnBrk="0" hangingPunct="0">
+                <a:lnSpc>
+                  <a:spcPct val="100000"/>
+                </a:lnSpc>
+                <a:spcBef>
+                  <a:spcPct val="0"/>
+                </a:spcBef>
+                <a:spcAft>
+                  <a:spcPct val="0"/>
+                </a:spcAft>
+                <a:buClrTx/>
+                <a:buSzTx/>
+                <a:buFontTx/>
+                <a:buNone/>
+                <a:tabLst/>
+              </a:pPr>
+              <a:r>
+                <a:rPr kumimoji="0" lang="ja-JP" altLang="ja-JP" sz="1200" b="0" i="0" u="none" strike="noStrike" cap="none" normalizeH="0" baseline="0" smtClean="0">
+                  <a:ln>
+                    <a:noFill/>
+                  </a:ln>
+                  <a:solidFill>
+                    <a:srgbClr val="000000"/>
+                  </a:solidFill>
+                  <a:effectLst/>
+                  <a:latin typeface="Arial" panose="020B0604020202020204" pitchFamily="34" charset="0"/>
+                </a:rPr>
+                <a:t>6</a:t>
+              </a:r>
+              <a:endParaRPr kumimoji="0" lang="ja-JP" altLang="ja-JP" sz="1800" b="0" i="0" u="none" strike="noStrike" cap="none" normalizeH="0" baseline="0" smtClean="0">
+                <a:ln>
+                  <a:noFill/>
+                </a:ln>
+                <a:solidFill>
+                  <a:schemeClr val="tx1"/>
+                </a:solidFill>
+                <a:effectLst/>
+                <a:latin typeface="Arial" panose="020B0604020202020204" pitchFamily="34" charset="0"/>
+              </a:endParaRPr>
+            </a:p>
+          </p:txBody>
+        </p:sp>
+        <p:sp>
+          <p:nvSpPr>
+            <p:cNvPr id="68" name="Rectangle 56"/>
+            <p:cNvSpPr>
+              <a:spLocks noChangeArrowheads="1"/>
+            </p:cNvSpPr>
+            <p:nvPr/>
+          </p:nvSpPr>
+          <p:spPr bwMode="auto">
+            <a:xfrm>
+              <a:off x="7025" y="11104"/>
+              <a:ext cx="96" cy="132"/>
+            </a:xfrm>
+            <a:prstGeom prst="rect">
+              <a:avLst/>
+            </a:prstGeom>
+            <a:noFill/>
+            <a:ln>
+              <a:noFill/>
+            </a:ln>
+            <a:extLst>
+              <a:ext uri="{909E8E84-426E-40DD-AFC4-6F175D3DCCD1}">
+                <a14:hiddenFill xmlns:a14="http://schemas.microsoft.com/office/drawing/2010/main">
+                  <a:solidFill>
+                    <a:srgbClr val="FFFFFF"/>
+                  </a:solidFill>
+                </a14:hiddenFill>
+              </a:ext>
+              <a:ext uri="{91240B29-F687-4F45-9708-019B960494DF}">
+                <a14:hiddenLine xmlns:a14="http://schemas.microsoft.com/office/drawing/2010/main" w="9525">
+                  <a:solidFill>
+                    <a:srgbClr val="000000"/>
+                  </a:solidFill>
+                  <a:miter lim="800000"/>
+                  <a:headEnd/>
+                  <a:tailEnd/>
+                </a14:hiddenLine>
+              </a:ext>
+            </a:extLst>
+          </p:spPr>
+          <p:txBody>
+            <a:bodyPr vert="horz" wrap="none" lIns="0" tIns="0" rIns="0" bIns="0" numCol="1" anchor="t" anchorCtr="0" compatLnSpc="1">
+              <a:prstTxWarp prst="textNoShape">
+                <a:avLst/>
+              </a:prstTxWarp>
+              <a:spAutoFit/>
+            </a:bodyPr>
+            <a:lstStyle>
+              <a:lvl1pPr eaLnBrk="0" fontAlgn="base" hangingPunct="0">
+                <a:spcBef>
+                  <a:spcPct val="0"/>
+                </a:spcBef>
+                <a:spcAft>
+                  <a:spcPct val="0"/>
+                </a:spcAft>
+                <a:defRPr>
+                  <a:solidFill>
+                    <a:schemeClr val="tx1"/>
+                  </a:solidFill>
+                  <a:latin typeface="Arial" panose="020B0604020202020204" pitchFamily="34" charset="0"/>
+                </a:defRPr>
+              </a:lvl1pPr>
+              <a:lvl2pPr marL="457200" eaLnBrk="0" fontAlgn="base" hangingPunct="0">
+                <a:spcBef>
+                  <a:spcPct val="0"/>
+                </a:spcBef>
+                <a:spcAft>
+                  <a:spcPct val="0"/>
+                </a:spcAft>
+                <a:defRPr>
+                  <a:solidFill>
+                    <a:schemeClr val="tx1"/>
+                  </a:solidFill>
+                  <a:latin typeface="Arial" panose="020B0604020202020204" pitchFamily="34" charset="0"/>
+                </a:defRPr>
+              </a:lvl2pPr>
+              <a:lvl3pPr marL="914400" eaLnBrk="0" fontAlgn="base" hangingPunct="0">
+                <a:spcBef>
+                  <a:spcPct val="0"/>
+                </a:spcBef>
+                <a:spcAft>
+                  <a:spcPct val="0"/>
+                </a:spcAft>
+                <a:defRPr>
+                  <a:solidFill>
+                    <a:schemeClr val="tx1"/>
+                  </a:solidFill>
+                  <a:latin typeface="Arial" panose="020B0604020202020204" pitchFamily="34" charset="0"/>
+                </a:defRPr>
+              </a:lvl3pPr>
+              <a:lvl4pPr marL="1371600" eaLnBrk="0" fontAlgn="base" hangingPunct="0">
+                <a:spcBef>
+                  <a:spcPct val="0"/>
+                </a:spcBef>
+                <a:spcAft>
+                  <a:spcPct val="0"/>
+                </a:spcAft>
+                <a:defRPr>
+                  <a:solidFill>
+                    <a:schemeClr val="tx1"/>
+                  </a:solidFill>
+                  <a:latin typeface="Arial" panose="020B0604020202020204" pitchFamily="34" charset="0"/>
+                </a:defRPr>
+              </a:lvl4pPr>
+              <a:lvl5pPr marL="1828800" eaLnBrk="0" fontAlgn="base" hangingPunct="0">
+                <a:spcBef>
+                  <a:spcPct val="0"/>
+                </a:spcBef>
+                <a:spcAft>
+                  <a:spcPct val="0"/>
+                </a:spcAft>
+                <a:defRPr>
+                  <a:solidFill>
+                    <a:schemeClr val="tx1"/>
+                  </a:solidFill>
+                  <a:latin typeface="Arial" panose="020B0604020202020204" pitchFamily="34" charset="0"/>
+                </a:defRPr>
+              </a:lvl5pPr>
+              <a:lvl6pPr marL="2286000" eaLnBrk="0" fontAlgn="base" hangingPunct="0">
+                <a:spcBef>
+                  <a:spcPct val="0"/>
+                </a:spcBef>
+                <a:spcAft>
+                  <a:spcPct val="0"/>
+                </a:spcAft>
+                <a:defRPr>
+                  <a:solidFill>
+                    <a:schemeClr val="tx1"/>
+                  </a:solidFill>
+                  <a:latin typeface="Arial" panose="020B0604020202020204" pitchFamily="34" charset="0"/>
+                </a:defRPr>
+              </a:lvl6pPr>
+              <a:lvl7pPr marL="2743200" eaLnBrk="0" fontAlgn="base" hangingPunct="0">
+                <a:spcBef>
+                  <a:spcPct val="0"/>
+                </a:spcBef>
+                <a:spcAft>
+                  <a:spcPct val="0"/>
+                </a:spcAft>
+                <a:defRPr>
+                  <a:solidFill>
+                    <a:schemeClr val="tx1"/>
+                  </a:solidFill>
+                  <a:latin typeface="Arial" panose="020B0604020202020204" pitchFamily="34" charset="0"/>
+                </a:defRPr>
+              </a:lvl7pPr>
+              <a:lvl8pPr marL="3200400" eaLnBrk="0" fontAlgn="base" hangingPunct="0">
+                <a:spcBef>
+                  <a:spcPct val="0"/>
+                </a:spcBef>
+                <a:spcAft>
+                  <a:spcPct val="0"/>
+                </a:spcAft>
+                <a:defRPr>
+                  <a:solidFill>
+                    <a:schemeClr val="tx1"/>
+                  </a:solidFill>
+                  <a:latin typeface="Arial" panose="020B0604020202020204" pitchFamily="34" charset="0"/>
+                </a:defRPr>
+              </a:lvl8pPr>
+              <a:lvl9pPr marL="3657600" eaLnBrk="0" fontAlgn="base" hangingPunct="0">
+                <a:spcBef>
+                  <a:spcPct val="0"/>
+                </a:spcBef>
+                <a:spcAft>
+                  <a:spcPct val="0"/>
+                </a:spcAft>
+                <a:defRPr>
+                  <a:solidFill>
+                    <a:schemeClr val="tx1"/>
+                  </a:solidFill>
+                  <a:latin typeface="Arial" panose="020B0604020202020204" pitchFamily="34" charset="0"/>
+                </a:defRPr>
+              </a:lvl9pPr>
+            </a:lstStyle>
+            <a:p>
+              <a:pPr marL="0" marR="0" lvl="0" indent="0" algn="l" defTabSz="914400" rtl="0" eaLnBrk="0" fontAlgn="base" latinLnBrk="0" hangingPunct="0">
+                <a:lnSpc>
+                  <a:spcPct val="100000"/>
+                </a:lnSpc>
+                <a:spcBef>
+                  <a:spcPct val="0"/>
+                </a:spcBef>
+                <a:spcAft>
+                  <a:spcPct val="0"/>
+                </a:spcAft>
+                <a:buClrTx/>
+                <a:buSzTx/>
+                <a:buFontTx/>
+                <a:buNone/>
+                <a:tabLst/>
+              </a:pPr>
+              <a:r>
+                <a:rPr kumimoji="0" lang="ja-JP" altLang="ja-JP" sz="1200" b="0" i="0" u="none" strike="noStrike" cap="none" normalizeH="0" baseline="0" smtClean="0">
+                  <a:ln>
+                    <a:noFill/>
+                  </a:ln>
+                  <a:solidFill>
+                    <a:srgbClr val="000000"/>
+                  </a:solidFill>
+                  <a:effectLst/>
+                  <a:latin typeface="Arial" panose="020B0604020202020204" pitchFamily="34" charset="0"/>
+                </a:rPr>
+                <a:t>8</a:t>
+              </a:r>
+              <a:endParaRPr kumimoji="0" lang="ja-JP" altLang="ja-JP" sz="1800" b="0" i="0" u="none" strike="noStrike" cap="none" normalizeH="0" baseline="0" smtClean="0">
+                <a:ln>
+                  <a:noFill/>
+                </a:ln>
+                <a:solidFill>
+                  <a:schemeClr val="tx1"/>
+                </a:solidFill>
+                <a:effectLst/>
+                <a:latin typeface="Arial" panose="020B0604020202020204" pitchFamily="34" charset="0"/>
+              </a:endParaRPr>
+            </a:p>
+          </p:txBody>
+        </p:sp>
+        <p:sp>
+          <p:nvSpPr>
+            <p:cNvPr id="69" name="Rectangle 57"/>
+            <p:cNvSpPr>
+              <a:spLocks noChangeArrowheads="1"/>
+            </p:cNvSpPr>
+            <p:nvPr/>
+          </p:nvSpPr>
+          <p:spPr bwMode="auto">
+            <a:xfrm>
+              <a:off x="7438" y="11104"/>
+              <a:ext cx="150" cy="132"/>
+            </a:xfrm>
+            <a:prstGeom prst="rect">
+              <a:avLst/>
+            </a:prstGeom>
+            <a:noFill/>
+            <a:ln>
+              <a:noFill/>
+            </a:ln>
+            <a:extLst>
+              <a:ext uri="{909E8E84-426E-40DD-AFC4-6F175D3DCCD1}">
+                <a14:hiddenFill xmlns:a14="http://schemas.microsoft.com/office/drawing/2010/main">
+                  <a:solidFill>
+                    <a:srgbClr val="FFFFFF"/>
+                  </a:solidFill>
+                </a14:hiddenFill>
+              </a:ext>
+              <a:ext uri="{91240B29-F687-4F45-9708-019B960494DF}">
+                <a14:hiddenLine xmlns:a14="http://schemas.microsoft.com/office/drawing/2010/main" w="9525">
+                  <a:solidFill>
+                    <a:srgbClr val="000000"/>
+                  </a:solidFill>
+                  <a:miter lim="800000"/>
+                  <a:headEnd/>
+                  <a:tailEnd/>
+                </a14:hiddenLine>
+              </a:ext>
+            </a:extLst>
+          </p:spPr>
+          <p:txBody>
+            <a:bodyPr vert="horz" wrap="none" lIns="0" tIns="0" rIns="0" bIns="0" numCol="1" anchor="t" anchorCtr="0" compatLnSpc="1">
+              <a:prstTxWarp prst="textNoShape">
+                <a:avLst/>
+              </a:prstTxWarp>
+              <a:spAutoFit/>
+            </a:bodyPr>
+            <a:lstStyle>
+              <a:lvl1pPr eaLnBrk="0" fontAlgn="base" hangingPunct="0">
+                <a:spcBef>
+                  <a:spcPct val="0"/>
+                </a:spcBef>
+                <a:spcAft>
+                  <a:spcPct val="0"/>
+                </a:spcAft>
+                <a:defRPr>
+                  <a:solidFill>
+                    <a:schemeClr val="tx1"/>
+                  </a:solidFill>
+                  <a:latin typeface="Arial" panose="020B0604020202020204" pitchFamily="34" charset="0"/>
+                </a:defRPr>
+              </a:lvl1pPr>
+              <a:lvl2pPr marL="457200" eaLnBrk="0" fontAlgn="base" hangingPunct="0">
+                <a:spcBef>
+                  <a:spcPct val="0"/>
+                </a:spcBef>
+                <a:spcAft>
+                  <a:spcPct val="0"/>
+                </a:spcAft>
+                <a:defRPr>
+                  <a:solidFill>
+                    <a:schemeClr val="tx1"/>
+                  </a:solidFill>
+                  <a:latin typeface="Arial" panose="020B0604020202020204" pitchFamily="34" charset="0"/>
+                </a:defRPr>
+              </a:lvl2pPr>
+              <a:lvl3pPr marL="914400" eaLnBrk="0" fontAlgn="base" hangingPunct="0">
+                <a:spcBef>
+                  <a:spcPct val="0"/>
+                </a:spcBef>
+                <a:spcAft>
+                  <a:spcPct val="0"/>
+                </a:spcAft>
+                <a:defRPr>
+                  <a:solidFill>
+                    <a:schemeClr val="tx1"/>
+                  </a:solidFill>
+                  <a:latin typeface="Arial" panose="020B0604020202020204" pitchFamily="34" charset="0"/>
+                </a:defRPr>
+              </a:lvl3pPr>
+              <a:lvl4pPr marL="1371600" eaLnBrk="0" fontAlgn="base" hangingPunct="0">
+                <a:spcBef>
+                  <a:spcPct val="0"/>
+                </a:spcBef>
+                <a:spcAft>
+                  <a:spcPct val="0"/>
+                </a:spcAft>
+                <a:defRPr>
+                  <a:solidFill>
+                    <a:schemeClr val="tx1"/>
+                  </a:solidFill>
+                  <a:latin typeface="Arial" panose="020B0604020202020204" pitchFamily="34" charset="0"/>
+                </a:defRPr>
+              </a:lvl4pPr>
+              <a:lvl5pPr marL="1828800" eaLnBrk="0" fontAlgn="base" hangingPunct="0">
+                <a:spcBef>
+                  <a:spcPct val="0"/>
+                </a:spcBef>
+                <a:spcAft>
+                  <a:spcPct val="0"/>
+                </a:spcAft>
+                <a:defRPr>
+                  <a:solidFill>
+                    <a:schemeClr val="tx1"/>
+                  </a:solidFill>
+                  <a:latin typeface="Arial" panose="020B0604020202020204" pitchFamily="34" charset="0"/>
+                </a:defRPr>
+              </a:lvl5pPr>
+              <a:lvl6pPr marL="2286000" eaLnBrk="0" fontAlgn="base" hangingPunct="0">
+                <a:spcBef>
+                  <a:spcPct val="0"/>
+                </a:spcBef>
+                <a:spcAft>
+                  <a:spcPct val="0"/>
+                </a:spcAft>
+                <a:defRPr>
+                  <a:solidFill>
+                    <a:schemeClr val="tx1"/>
+                  </a:solidFill>
+                  <a:latin typeface="Arial" panose="020B0604020202020204" pitchFamily="34" charset="0"/>
+                </a:defRPr>
+              </a:lvl6pPr>
+              <a:lvl7pPr marL="2743200" eaLnBrk="0" fontAlgn="base" hangingPunct="0">
+                <a:spcBef>
+                  <a:spcPct val="0"/>
+                </a:spcBef>
+                <a:spcAft>
+                  <a:spcPct val="0"/>
+                </a:spcAft>
+                <a:defRPr>
+                  <a:solidFill>
+                    <a:schemeClr val="tx1"/>
+                  </a:solidFill>
+                  <a:latin typeface="Arial" panose="020B0604020202020204" pitchFamily="34" charset="0"/>
+                </a:defRPr>
+              </a:lvl7pPr>
+              <a:lvl8pPr marL="3200400" eaLnBrk="0" fontAlgn="base" hangingPunct="0">
+                <a:spcBef>
+                  <a:spcPct val="0"/>
+                </a:spcBef>
+                <a:spcAft>
+                  <a:spcPct val="0"/>
+                </a:spcAft>
+                <a:defRPr>
+                  <a:solidFill>
+                    <a:schemeClr val="tx1"/>
+                  </a:solidFill>
+                  <a:latin typeface="Arial" panose="020B0604020202020204" pitchFamily="34" charset="0"/>
+                </a:defRPr>
+              </a:lvl8pPr>
+              <a:lvl9pPr marL="3657600" eaLnBrk="0" fontAlgn="base" hangingPunct="0">
+                <a:spcBef>
+                  <a:spcPct val="0"/>
+                </a:spcBef>
+                <a:spcAft>
+                  <a:spcPct val="0"/>
+                </a:spcAft>
+                <a:defRPr>
+                  <a:solidFill>
+                    <a:schemeClr val="tx1"/>
+                  </a:solidFill>
+                  <a:latin typeface="Arial" panose="020B0604020202020204" pitchFamily="34" charset="0"/>
+                </a:defRPr>
+              </a:lvl9pPr>
+            </a:lstStyle>
+            <a:p>
+              <a:pPr marL="0" marR="0" lvl="0" indent="0" algn="l" defTabSz="914400" rtl="0" eaLnBrk="0" fontAlgn="base" latinLnBrk="0" hangingPunct="0">
+                <a:lnSpc>
+                  <a:spcPct val="100000"/>
+                </a:lnSpc>
+                <a:spcBef>
+                  <a:spcPct val="0"/>
+                </a:spcBef>
+                <a:spcAft>
+                  <a:spcPct val="0"/>
+                </a:spcAft>
+                <a:buClrTx/>
+                <a:buSzTx/>
+                <a:buFontTx/>
+                <a:buNone/>
+                <a:tabLst/>
+              </a:pPr>
+              <a:r>
+                <a:rPr kumimoji="0" lang="ja-JP" altLang="ja-JP" sz="1200" b="0" i="0" u="none" strike="noStrike" cap="none" normalizeH="0" baseline="0" smtClean="0">
+                  <a:ln>
+                    <a:noFill/>
+                  </a:ln>
+                  <a:solidFill>
+                    <a:srgbClr val="000000"/>
+                  </a:solidFill>
+                  <a:effectLst/>
+                  <a:latin typeface="Arial" panose="020B0604020202020204" pitchFamily="34" charset="0"/>
+                </a:rPr>
+                <a:t>10</a:t>
+              </a:r>
+              <a:endParaRPr kumimoji="0" lang="ja-JP" altLang="ja-JP" sz="1800" b="0" i="0" u="none" strike="noStrike" cap="none" normalizeH="0" baseline="0" smtClean="0">
+                <a:ln>
+                  <a:noFill/>
+                </a:ln>
+                <a:solidFill>
+                  <a:schemeClr val="tx1"/>
+                </a:solidFill>
+                <a:effectLst/>
+                <a:latin typeface="Arial" panose="020B0604020202020204" pitchFamily="34" charset="0"/>
+              </a:endParaRPr>
+            </a:p>
+          </p:txBody>
+        </p:sp>
+        <p:sp>
+          <p:nvSpPr>
+            <p:cNvPr id="70" name="Rectangle 58"/>
+            <p:cNvSpPr>
+              <a:spLocks noChangeArrowheads="1"/>
+            </p:cNvSpPr>
+            <p:nvPr/>
+          </p:nvSpPr>
+          <p:spPr bwMode="auto">
+            <a:xfrm>
+              <a:off x="7877" y="11104"/>
+              <a:ext cx="150" cy="132"/>
+            </a:xfrm>
+            <a:prstGeom prst="rect">
+              <a:avLst/>
+            </a:prstGeom>
+            <a:noFill/>
+            <a:ln>
+              <a:noFill/>
+            </a:ln>
+            <a:extLst>
+              <a:ext uri="{909E8E84-426E-40DD-AFC4-6F175D3DCCD1}">
+                <a14:hiddenFill xmlns:a14="http://schemas.microsoft.com/office/drawing/2010/main">
+                  <a:solidFill>
+                    <a:srgbClr val="FFFFFF"/>
+                  </a:solidFill>
+                </a14:hiddenFill>
+              </a:ext>
+              <a:ext uri="{91240B29-F687-4F45-9708-019B960494DF}">
+                <a14:hiddenLine xmlns:a14="http://schemas.microsoft.com/office/drawing/2010/main" w="9525">
+                  <a:solidFill>
+                    <a:srgbClr val="000000"/>
+                  </a:solidFill>
+                  <a:miter lim="800000"/>
+                  <a:headEnd/>
+                  <a:tailEnd/>
+                </a14:hiddenLine>
+              </a:ext>
+            </a:extLst>
+          </p:spPr>
+          <p:txBody>
+            <a:bodyPr vert="horz" wrap="none" lIns="0" tIns="0" rIns="0" bIns="0" numCol="1" anchor="t" anchorCtr="0" compatLnSpc="1">
+              <a:prstTxWarp prst="textNoShape">
+                <a:avLst/>
+              </a:prstTxWarp>
+              <a:spAutoFit/>
+            </a:bodyPr>
+            <a:lstStyle>
+              <a:lvl1pPr eaLnBrk="0" fontAlgn="base" hangingPunct="0">
+                <a:spcBef>
+                  <a:spcPct val="0"/>
+                </a:spcBef>
+                <a:spcAft>
+                  <a:spcPct val="0"/>
+                </a:spcAft>
+                <a:defRPr>
+                  <a:solidFill>
+                    <a:schemeClr val="tx1"/>
+                  </a:solidFill>
+                  <a:latin typeface="Arial" panose="020B0604020202020204" pitchFamily="34" charset="0"/>
+                </a:defRPr>
+              </a:lvl1pPr>
+              <a:lvl2pPr marL="457200" eaLnBrk="0" fontAlgn="base" hangingPunct="0">
+                <a:spcBef>
+                  <a:spcPct val="0"/>
+                </a:spcBef>
+                <a:spcAft>
+                  <a:spcPct val="0"/>
+                </a:spcAft>
+                <a:defRPr>
+                  <a:solidFill>
+                    <a:schemeClr val="tx1"/>
+                  </a:solidFill>
+                  <a:latin typeface="Arial" panose="020B0604020202020204" pitchFamily="34" charset="0"/>
+                </a:defRPr>
+              </a:lvl2pPr>
+              <a:lvl3pPr marL="914400" eaLnBrk="0" fontAlgn="base" hangingPunct="0">
+                <a:spcBef>
+                  <a:spcPct val="0"/>
+                </a:spcBef>
+                <a:spcAft>
+                  <a:spcPct val="0"/>
+                </a:spcAft>
+                <a:defRPr>
+                  <a:solidFill>
+                    <a:schemeClr val="tx1"/>
+                  </a:solidFill>
+                  <a:latin typeface="Arial" panose="020B0604020202020204" pitchFamily="34" charset="0"/>
+                </a:defRPr>
+              </a:lvl3pPr>
+              <a:lvl4pPr marL="1371600" eaLnBrk="0" fontAlgn="base" hangingPunct="0">
+                <a:spcBef>
+                  <a:spcPct val="0"/>
+                </a:spcBef>
+                <a:spcAft>
+                  <a:spcPct val="0"/>
+                </a:spcAft>
+                <a:defRPr>
+                  <a:solidFill>
+                    <a:schemeClr val="tx1"/>
+                  </a:solidFill>
+                  <a:latin typeface="Arial" panose="020B0604020202020204" pitchFamily="34" charset="0"/>
+                </a:defRPr>
+              </a:lvl4pPr>
+              <a:lvl5pPr marL="1828800" eaLnBrk="0" fontAlgn="base" hangingPunct="0">
+                <a:spcBef>
+                  <a:spcPct val="0"/>
+                </a:spcBef>
+                <a:spcAft>
+                  <a:spcPct val="0"/>
+                </a:spcAft>
+                <a:defRPr>
+                  <a:solidFill>
+                    <a:schemeClr val="tx1"/>
+                  </a:solidFill>
+                  <a:latin typeface="Arial" panose="020B0604020202020204" pitchFamily="34" charset="0"/>
+                </a:defRPr>
+              </a:lvl5pPr>
+              <a:lvl6pPr marL="2286000" eaLnBrk="0" fontAlgn="base" hangingPunct="0">
+                <a:spcBef>
+                  <a:spcPct val="0"/>
+                </a:spcBef>
+                <a:spcAft>
+                  <a:spcPct val="0"/>
+                </a:spcAft>
+                <a:defRPr>
+                  <a:solidFill>
+                    <a:schemeClr val="tx1"/>
+                  </a:solidFill>
+                  <a:latin typeface="Arial" panose="020B0604020202020204" pitchFamily="34" charset="0"/>
+                </a:defRPr>
+              </a:lvl6pPr>
+              <a:lvl7pPr marL="2743200" eaLnBrk="0" fontAlgn="base" hangingPunct="0">
+                <a:spcBef>
+                  <a:spcPct val="0"/>
+                </a:spcBef>
+                <a:spcAft>
+                  <a:spcPct val="0"/>
+                </a:spcAft>
+                <a:defRPr>
+                  <a:solidFill>
+                    <a:schemeClr val="tx1"/>
+                  </a:solidFill>
+                  <a:latin typeface="Arial" panose="020B0604020202020204" pitchFamily="34" charset="0"/>
+                </a:defRPr>
+              </a:lvl7pPr>
+              <a:lvl8pPr marL="3200400" eaLnBrk="0" fontAlgn="base" hangingPunct="0">
+                <a:spcBef>
+                  <a:spcPct val="0"/>
+                </a:spcBef>
+                <a:spcAft>
+                  <a:spcPct val="0"/>
+                </a:spcAft>
+                <a:defRPr>
+                  <a:solidFill>
+                    <a:schemeClr val="tx1"/>
+                  </a:solidFill>
+                  <a:latin typeface="Arial" panose="020B0604020202020204" pitchFamily="34" charset="0"/>
+                </a:defRPr>
+              </a:lvl8pPr>
+              <a:lvl9pPr marL="3657600" eaLnBrk="0" fontAlgn="base" hangingPunct="0">
+                <a:spcBef>
+                  <a:spcPct val="0"/>
+                </a:spcBef>
+                <a:spcAft>
+                  <a:spcPct val="0"/>
+                </a:spcAft>
+                <a:defRPr>
+                  <a:solidFill>
+                    <a:schemeClr val="tx1"/>
+                  </a:solidFill>
+                  <a:latin typeface="Arial" panose="020B0604020202020204" pitchFamily="34" charset="0"/>
+                </a:defRPr>
+              </a:lvl9pPr>
+            </a:lstStyle>
+            <a:p>
+              <a:pPr marL="0" marR="0" lvl="0" indent="0" algn="l" defTabSz="914400" rtl="0" eaLnBrk="0" fontAlgn="base" latinLnBrk="0" hangingPunct="0">
+                <a:lnSpc>
+                  <a:spcPct val="100000"/>
+                </a:lnSpc>
+                <a:spcBef>
+                  <a:spcPct val="0"/>
+                </a:spcBef>
+                <a:spcAft>
+                  <a:spcPct val="0"/>
+                </a:spcAft>
+                <a:buClrTx/>
+                <a:buSzTx/>
+                <a:buFontTx/>
+                <a:buNone/>
+                <a:tabLst/>
+              </a:pPr>
+              <a:r>
+                <a:rPr kumimoji="0" lang="ja-JP" altLang="ja-JP" sz="1200" b="0" i="0" u="none" strike="noStrike" cap="none" normalizeH="0" baseline="0" smtClean="0">
+                  <a:ln>
+                    <a:noFill/>
+                  </a:ln>
+                  <a:solidFill>
+                    <a:srgbClr val="000000"/>
+                  </a:solidFill>
+                  <a:effectLst/>
+                  <a:latin typeface="Arial" panose="020B0604020202020204" pitchFamily="34" charset="0"/>
+                </a:rPr>
+                <a:t>12</a:t>
+              </a:r>
+              <a:endParaRPr kumimoji="0" lang="ja-JP" altLang="ja-JP" sz="1800" b="0" i="0" u="none" strike="noStrike" cap="none" normalizeH="0" baseline="0" smtClean="0">
+                <a:ln>
+                  <a:noFill/>
+                </a:ln>
+                <a:solidFill>
+                  <a:schemeClr val="tx1"/>
+                </a:solidFill>
+                <a:effectLst/>
+                <a:latin typeface="Arial" panose="020B0604020202020204" pitchFamily="34" charset="0"/>
+              </a:endParaRPr>
+            </a:p>
+          </p:txBody>
+        </p:sp>
+        <p:sp>
+          <p:nvSpPr>
+            <p:cNvPr id="71" name="Rectangle 59"/>
+            <p:cNvSpPr>
+              <a:spLocks noChangeArrowheads="1"/>
+            </p:cNvSpPr>
+            <p:nvPr/>
+          </p:nvSpPr>
+          <p:spPr bwMode="auto">
+            <a:xfrm>
+              <a:off x="8323" y="11104"/>
+              <a:ext cx="150" cy="132"/>
+            </a:xfrm>
+            <a:prstGeom prst="rect">
+              <a:avLst/>
+            </a:prstGeom>
+            <a:noFill/>
+            <a:ln>
+              <a:noFill/>
+            </a:ln>
+            <a:extLst>
+              <a:ext uri="{909E8E84-426E-40DD-AFC4-6F175D3DCCD1}">
+                <a14:hiddenFill xmlns:a14="http://schemas.microsoft.com/office/drawing/2010/main">
+                  <a:solidFill>
+                    <a:srgbClr val="FFFFFF"/>
+                  </a:solidFill>
+                </a14:hiddenFill>
+              </a:ext>
+              <a:ext uri="{91240B29-F687-4F45-9708-019B960494DF}">
+                <a14:hiddenLine xmlns:a14="http://schemas.microsoft.com/office/drawing/2010/main" w="9525">
+                  <a:solidFill>
+                    <a:srgbClr val="000000"/>
+                  </a:solidFill>
+                  <a:miter lim="800000"/>
+                  <a:headEnd/>
+                  <a:tailEnd/>
+                </a14:hiddenLine>
+              </a:ext>
+            </a:extLst>
+          </p:spPr>
+          <p:txBody>
+            <a:bodyPr vert="horz" wrap="none" lIns="0" tIns="0" rIns="0" bIns="0" numCol="1" anchor="t" anchorCtr="0" compatLnSpc="1">
+              <a:prstTxWarp prst="textNoShape">
+                <a:avLst/>
+              </a:prstTxWarp>
+              <a:spAutoFit/>
+            </a:bodyPr>
+            <a:lstStyle>
+              <a:lvl1pPr eaLnBrk="0" fontAlgn="base" hangingPunct="0">
+                <a:spcBef>
+                  <a:spcPct val="0"/>
+                </a:spcBef>
+                <a:spcAft>
+                  <a:spcPct val="0"/>
+                </a:spcAft>
+                <a:defRPr>
+                  <a:solidFill>
+                    <a:schemeClr val="tx1"/>
+                  </a:solidFill>
+                  <a:latin typeface="Arial" panose="020B0604020202020204" pitchFamily="34" charset="0"/>
+                </a:defRPr>
+              </a:lvl1pPr>
+              <a:lvl2pPr marL="457200" eaLnBrk="0" fontAlgn="base" hangingPunct="0">
+                <a:spcBef>
+                  <a:spcPct val="0"/>
+                </a:spcBef>
+                <a:spcAft>
+                  <a:spcPct val="0"/>
+                </a:spcAft>
+                <a:defRPr>
+                  <a:solidFill>
+                    <a:schemeClr val="tx1"/>
+                  </a:solidFill>
+                  <a:latin typeface="Arial" panose="020B0604020202020204" pitchFamily="34" charset="0"/>
+                </a:defRPr>
+              </a:lvl2pPr>
+              <a:lvl3pPr marL="914400" eaLnBrk="0" fontAlgn="base" hangingPunct="0">
+                <a:spcBef>
+                  <a:spcPct val="0"/>
+                </a:spcBef>
+                <a:spcAft>
+                  <a:spcPct val="0"/>
+                </a:spcAft>
+                <a:defRPr>
+                  <a:solidFill>
+                    <a:schemeClr val="tx1"/>
+                  </a:solidFill>
+                  <a:latin typeface="Arial" panose="020B0604020202020204" pitchFamily="34" charset="0"/>
+                </a:defRPr>
+              </a:lvl3pPr>
+              <a:lvl4pPr marL="1371600" eaLnBrk="0" fontAlgn="base" hangingPunct="0">
+                <a:spcBef>
+                  <a:spcPct val="0"/>
+                </a:spcBef>
+                <a:spcAft>
+                  <a:spcPct val="0"/>
+                </a:spcAft>
+                <a:defRPr>
+                  <a:solidFill>
+                    <a:schemeClr val="tx1"/>
+                  </a:solidFill>
+                  <a:latin typeface="Arial" panose="020B0604020202020204" pitchFamily="34" charset="0"/>
+                </a:defRPr>
+              </a:lvl4pPr>
+              <a:lvl5pPr marL="1828800" eaLnBrk="0" fontAlgn="base" hangingPunct="0">
+                <a:spcBef>
+                  <a:spcPct val="0"/>
+                </a:spcBef>
+                <a:spcAft>
+                  <a:spcPct val="0"/>
+                </a:spcAft>
+                <a:defRPr>
+                  <a:solidFill>
+                    <a:schemeClr val="tx1"/>
+                  </a:solidFill>
+                  <a:latin typeface="Arial" panose="020B0604020202020204" pitchFamily="34" charset="0"/>
+                </a:defRPr>
+              </a:lvl5pPr>
+              <a:lvl6pPr marL="2286000" eaLnBrk="0" fontAlgn="base" hangingPunct="0">
+                <a:spcBef>
+                  <a:spcPct val="0"/>
+                </a:spcBef>
+                <a:spcAft>
+                  <a:spcPct val="0"/>
+                </a:spcAft>
+                <a:defRPr>
+                  <a:solidFill>
+                    <a:schemeClr val="tx1"/>
+                  </a:solidFill>
+                  <a:latin typeface="Arial" panose="020B0604020202020204" pitchFamily="34" charset="0"/>
+                </a:defRPr>
+              </a:lvl6pPr>
+              <a:lvl7pPr marL="2743200" eaLnBrk="0" fontAlgn="base" hangingPunct="0">
+                <a:spcBef>
+                  <a:spcPct val="0"/>
+                </a:spcBef>
+                <a:spcAft>
+                  <a:spcPct val="0"/>
+                </a:spcAft>
+                <a:defRPr>
+                  <a:solidFill>
+                    <a:schemeClr val="tx1"/>
+                  </a:solidFill>
+                  <a:latin typeface="Arial" panose="020B0604020202020204" pitchFamily="34" charset="0"/>
+                </a:defRPr>
+              </a:lvl7pPr>
+              <a:lvl8pPr marL="3200400" eaLnBrk="0" fontAlgn="base" hangingPunct="0">
+                <a:spcBef>
+                  <a:spcPct val="0"/>
+                </a:spcBef>
+                <a:spcAft>
+                  <a:spcPct val="0"/>
+                </a:spcAft>
+                <a:defRPr>
+                  <a:solidFill>
+                    <a:schemeClr val="tx1"/>
+                  </a:solidFill>
+                  <a:latin typeface="Arial" panose="020B0604020202020204" pitchFamily="34" charset="0"/>
+                </a:defRPr>
+              </a:lvl8pPr>
+              <a:lvl9pPr marL="3657600" eaLnBrk="0" fontAlgn="base" hangingPunct="0">
+                <a:spcBef>
+                  <a:spcPct val="0"/>
+                </a:spcBef>
+                <a:spcAft>
+                  <a:spcPct val="0"/>
+                </a:spcAft>
+                <a:defRPr>
+                  <a:solidFill>
+                    <a:schemeClr val="tx1"/>
+                  </a:solidFill>
+                  <a:latin typeface="Arial" panose="020B0604020202020204" pitchFamily="34" charset="0"/>
+                </a:defRPr>
+              </a:lvl9pPr>
+            </a:lstStyle>
+            <a:p>
+              <a:pPr marL="0" marR="0" lvl="0" indent="0" algn="l" defTabSz="914400" rtl="0" eaLnBrk="0" fontAlgn="base" latinLnBrk="0" hangingPunct="0">
+                <a:lnSpc>
+                  <a:spcPct val="100000"/>
+                </a:lnSpc>
+                <a:spcBef>
+                  <a:spcPct val="0"/>
+                </a:spcBef>
+                <a:spcAft>
+                  <a:spcPct val="0"/>
+                </a:spcAft>
+                <a:buClrTx/>
+                <a:buSzTx/>
+                <a:buFontTx/>
+                <a:buNone/>
+                <a:tabLst/>
+              </a:pPr>
+              <a:r>
+                <a:rPr kumimoji="0" lang="ja-JP" altLang="ja-JP" sz="1200" b="0" i="0" u="none" strike="noStrike" cap="none" normalizeH="0" baseline="0" smtClean="0">
+                  <a:ln>
+                    <a:noFill/>
+                  </a:ln>
+                  <a:solidFill>
+                    <a:srgbClr val="000000"/>
+                  </a:solidFill>
+                  <a:effectLst/>
+                  <a:latin typeface="Arial" panose="020B0604020202020204" pitchFamily="34" charset="0"/>
+                </a:rPr>
+                <a:t>14</a:t>
+              </a:r>
+              <a:endParaRPr kumimoji="0" lang="ja-JP" altLang="ja-JP" sz="1800" b="0" i="0" u="none" strike="noStrike" cap="none" normalizeH="0" baseline="0" smtClean="0">
+                <a:ln>
+                  <a:noFill/>
+                </a:ln>
+                <a:solidFill>
+                  <a:schemeClr val="tx1"/>
+                </a:solidFill>
+                <a:effectLst/>
+                <a:latin typeface="Arial" panose="020B0604020202020204" pitchFamily="34" charset="0"/>
+              </a:endParaRPr>
+            </a:p>
+          </p:txBody>
+        </p:sp>
+        <p:sp>
+          <p:nvSpPr>
+            <p:cNvPr id="72" name="Line 60"/>
+            <p:cNvSpPr>
+              <a:spLocks noChangeShapeType="1"/>
+            </p:cNvSpPr>
+            <p:nvPr/>
+          </p:nvSpPr>
+          <p:spPr bwMode="auto">
+            <a:xfrm flipV="1">
+              <a:off x="5183" y="8463"/>
+              <a:ext cx="0" cy="2400"/>
+            </a:xfrm>
+            <a:prstGeom prst="line">
+              <a:avLst/>
+            </a:prstGeom>
+            <a:noFill/>
+            <a:ln w="9525" cap="rnd">
+              <a:solidFill>
+                <a:srgbClr val="000000"/>
+              </a:solidFill>
+              <a:prstDash val="solid"/>
+              <a:round/>
+              <a:headEnd/>
+              <a:tailEnd/>
+            </a:ln>
+            <a:extLst>
+              <a:ext uri="{909E8E84-426E-40DD-AFC4-6F175D3DCCD1}">
+                <a14:hiddenFill xmlns:a14="http://schemas.microsoft.com/office/drawing/2010/main">
+                  <a:noFill/>
+                </a14:hiddenFill>
+              </a:ext>
+            </a:extLst>
+          </p:spPr>
+          <p:txBody>
+            <a:bodyPr vert="horz" wrap="square" lIns="91440" tIns="45720" rIns="91440" bIns="45720" numCol="1" anchor="t" anchorCtr="0" compatLnSpc="1">
+              <a:prstTxWarp prst="textNoShape">
+                <a:avLst/>
+              </a:prstTxWarp>
+            </a:bodyPr>
+            <a:lstStyle/>
+            <a:p>
+              <a:endParaRPr lang="ja-JP" altLang="en-US"/>
+            </a:p>
+          </p:txBody>
+        </p:sp>
+        <p:sp>
+          <p:nvSpPr>
+            <p:cNvPr id="73" name="Line 61"/>
+            <p:cNvSpPr>
+              <a:spLocks noChangeShapeType="1"/>
+            </p:cNvSpPr>
+            <p:nvPr/>
+          </p:nvSpPr>
+          <p:spPr bwMode="auto">
+            <a:xfrm flipH="1">
+              <a:off x="5128" y="10863"/>
+              <a:ext cx="55" cy="0"/>
+            </a:xfrm>
+            <a:prstGeom prst="line">
+              <a:avLst/>
+            </a:prstGeom>
+            <a:noFill/>
+            <a:ln w="9525" cap="rnd">
+              <a:solidFill>
+                <a:srgbClr val="000000"/>
+              </a:solidFill>
+              <a:prstDash val="solid"/>
+              <a:round/>
+              <a:headEnd/>
+              <a:tailEnd/>
+            </a:ln>
+            <a:extLst>
+              <a:ext uri="{909E8E84-426E-40DD-AFC4-6F175D3DCCD1}">
+                <a14:hiddenFill xmlns:a14="http://schemas.microsoft.com/office/drawing/2010/main">
+                  <a:noFill/>
+                </a14:hiddenFill>
+              </a:ext>
+            </a:extLst>
+          </p:spPr>
+          <p:txBody>
+            <a:bodyPr vert="horz" wrap="square" lIns="91440" tIns="45720" rIns="91440" bIns="45720" numCol="1" anchor="t" anchorCtr="0" compatLnSpc="1">
+              <a:prstTxWarp prst="textNoShape">
+                <a:avLst/>
+              </a:prstTxWarp>
+            </a:bodyPr>
+            <a:lstStyle/>
+            <a:p>
+              <a:endParaRPr lang="ja-JP" altLang="en-US"/>
+            </a:p>
+          </p:txBody>
+        </p:sp>
+        <p:sp>
+          <p:nvSpPr>
+            <p:cNvPr id="74" name="Line 62"/>
+            <p:cNvSpPr>
+              <a:spLocks noChangeShapeType="1"/>
+            </p:cNvSpPr>
+            <p:nvPr/>
+          </p:nvSpPr>
+          <p:spPr bwMode="auto">
+            <a:xfrm flipH="1">
+              <a:off x="5128" y="10262"/>
+              <a:ext cx="55" cy="0"/>
+            </a:xfrm>
+            <a:prstGeom prst="line">
+              <a:avLst/>
+            </a:prstGeom>
+            <a:noFill/>
+            <a:ln w="9525" cap="rnd">
+              <a:solidFill>
+                <a:srgbClr val="000000"/>
+              </a:solidFill>
+              <a:prstDash val="solid"/>
+              <a:round/>
+              <a:headEnd/>
+              <a:tailEnd/>
+            </a:ln>
+            <a:extLst>
+              <a:ext uri="{909E8E84-426E-40DD-AFC4-6F175D3DCCD1}">
+                <a14:hiddenFill xmlns:a14="http://schemas.microsoft.com/office/drawing/2010/main">
+                  <a:noFill/>
+                </a14:hiddenFill>
+              </a:ext>
+            </a:extLst>
+          </p:spPr>
+          <p:txBody>
+            <a:bodyPr vert="horz" wrap="square" lIns="91440" tIns="45720" rIns="91440" bIns="45720" numCol="1" anchor="t" anchorCtr="0" compatLnSpc="1">
+              <a:prstTxWarp prst="textNoShape">
+                <a:avLst/>
+              </a:prstTxWarp>
+            </a:bodyPr>
+            <a:lstStyle/>
+            <a:p>
+              <a:endParaRPr lang="ja-JP" altLang="en-US"/>
+            </a:p>
+          </p:txBody>
+        </p:sp>
+        <p:sp>
+          <p:nvSpPr>
+            <p:cNvPr id="75" name="Line 63"/>
+            <p:cNvSpPr>
+              <a:spLocks noChangeShapeType="1"/>
+            </p:cNvSpPr>
+            <p:nvPr/>
+          </p:nvSpPr>
+          <p:spPr bwMode="auto">
+            <a:xfrm flipH="1">
+              <a:off x="5128" y="9660"/>
+              <a:ext cx="55" cy="0"/>
+            </a:xfrm>
+            <a:prstGeom prst="line">
+              <a:avLst/>
+            </a:prstGeom>
+            <a:noFill/>
+            <a:ln w="9525" cap="rnd">
+              <a:solidFill>
+                <a:srgbClr val="000000"/>
+              </a:solidFill>
+              <a:prstDash val="solid"/>
+              <a:round/>
+              <a:headEnd/>
+              <a:tailEnd/>
+            </a:ln>
+            <a:extLst>
+              <a:ext uri="{909E8E84-426E-40DD-AFC4-6F175D3DCCD1}">
+                <a14:hiddenFill xmlns:a14="http://schemas.microsoft.com/office/drawing/2010/main">
+                  <a:noFill/>
+                </a14:hiddenFill>
+              </a:ext>
+            </a:extLst>
+          </p:spPr>
+          <p:txBody>
+            <a:bodyPr vert="horz" wrap="square" lIns="91440" tIns="45720" rIns="91440" bIns="45720" numCol="1" anchor="t" anchorCtr="0" compatLnSpc="1">
+              <a:prstTxWarp prst="textNoShape">
+                <a:avLst/>
+              </a:prstTxWarp>
+            </a:bodyPr>
+            <a:lstStyle/>
+            <a:p>
+              <a:endParaRPr lang="ja-JP" altLang="en-US"/>
+            </a:p>
+          </p:txBody>
+        </p:sp>
+        <p:sp>
+          <p:nvSpPr>
+            <p:cNvPr id="76" name="Line 64"/>
+            <p:cNvSpPr>
+              <a:spLocks noChangeShapeType="1"/>
+            </p:cNvSpPr>
+            <p:nvPr/>
+          </p:nvSpPr>
+          <p:spPr bwMode="auto">
+            <a:xfrm flipH="1">
+              <a:off x="5128" y="9059"/>
+              <a:ext cx="55" cy="0"/>
+            </a:xfrm>
+            <a:prstGeom prst="line">
+              <a:avLst/>
+            </a:prstGeom>
+            <a:noFill/>
+            <a:ln w="9525" cap="rnd">
+              <a:solidFill>
+                <a:srgbClr val="000000"/>
+              </a:solidFill>
+              <a:prstDash val="solid"/>
+              <a:round/>
+              <a:headEnd/>
+              <a:tailEnd/>
+            </a:ln>
+            <a:extLst>
+              <a:ext uri="{909E8E84-426E-40DD-AFC4-6F175D3DCCD1}">
+                <a14:hiddenFill xmlns:a14="http://schemas.microsoft.com/office/drawing/2010/main">
+                  <a:noFill/>
+                </a14:hiddenFill>
+              </a:ext>
+            </a:extLst>
+          </p:spPr>
+          <p:txBody>
+            <a:bodyPr vert="horz" wrap="square" lIns="91440" tIns="45720" rIns="91440" bIns="45720" numCol="1" anchor="t" anchorCtr="0" compatLnSpc="1">
+              <a:prstTxWarp prst="textNoShape">
+                <a:avLst/>
+              </a:prstTxWarp>
+            </a:bodyPr>
+            <a:lstStyle/>
+            <a:p>
+              <a:endParaRPr lang="ja-JP" altLang="en-US"/>
+            </a:p>
+          </p:txBody>
+        </p:sp>
+        <p:sp>
+          <p:nvSpPr>
+            <p:cNvPr id="77" name="Line 65"/>
+            <p:cNvSpPr>
+              <a:spLocks noChangeShapeType="1"/>
+            </p:cNvSpPr>
+            <p:nvPr/>
+          </p:nvSpPr>
+          <p:spPr bwMode="auto">
+            <a:xfrm flipH="1">
+              <a:off x="5128" y="8463"/>
+              <a:ext cx="55" cy="0"/>
+            </a:xfrm>
+            <a:prstGeom prst="line">
+              <a:avLst/>
+            </a:prstGeom>
+            <a:noFill/>
+            <a:ln w="9525" cap="rnd">
+              <a:solidFill>
+                <a:srgbClr val="000000"/>
+              </a:solidFill>
+              <a:prstDash val="solid"/>
+              <a:round/>
+              <a:headEnd/>
+              <a:tailEnd/>
+            </a:ln>
+            <a:extLst>
+              <a:ext uri="{909E8E84-426E-40DD-AFC4-6F175D3DCCD1}">
+                <a14:hiddenFill xmlns:a14="http://schemas.microsoft.com/office/drawing/2010/main">
+                  <a:noFill/>
+                </a14:hiddenFill>
+              </a:ext>
+            </a:extLst>
+          </p:spPr>
+          <p:txBody>
+            <a:bodyPr vert="horz" wrap="square" lIns="91440" tIns="45720" rIns="91440" bIns="45720" numCol="1" anchor="t" anchorCtr="0" compatLnSpc="1">
+              <a:prstTxWarp prst="textNoShape">
+                <a:avLst/>
+              </a:prstTxWarp>
+            </a:bodyPr>
+            <a:lstStyle/>
+            <a:p>
+              <a:endParaRPr lang="ja-JP" altLang="en-US"/>
+            </a:p>
+          </p:txBody>
+        </p:sp>
+        <p:sp>
+          <p:nvSpPr>
+            <p:cNvPr id="78" name="Rectangle 66"/>
+            <p:cNvSpPr>
+              <a:spLocks noChangeArrowheads="1"/>
+            </p:cNvSpPr>
+            <p:nvPr/>
+          </p:nvSpPr>
+          <p:spPr bwMode="auto">
+            <a:xfrm rot="16200000">
+              <a:off x="4978" y="10797"/>
+              <a:ext cx="96" cy="132"/>
+            </a:xfrm>
+            <a:prstGeom prst="rect">
+              <a:avLst/>
+            </a:prstGeom>
+            <a:noFill/>
+            <a:ln>
+              <a:noFill/>
+            </a:ln>
+            <a:extLst>
+              <a:ext uri="{909E8E84-426E-40DD-AFC4-6F175D3DCCD1}">
+                <a14:hiddenFill xmlns:a14="http://schemas.microsoft.com/office/drawing/2010/main">
+                  <a:solidFill>
+                    <a:srgbClr val="FFFFFF"/>
+                  </a:solidFill>
+                </a14:hiddenFill>
+              </a:ext>
+              <a:ext uri="{91240B29-F687-4F45-9708-019B960494DF}">
+                <a14:hiddenLine xmlns:a14="http://schemas.microsoft.com/office/drawing/2010/main" w="9525">
+                  <a:solidFill>
+                    <a:srgbClr val="000000"/>
+                  </a:solidFill>
+                  <a:miter lim="800000"/>
+                  <a:headEnd/>
+                  <a:tailEnd/>
+                </a14:hiddenLine>
+              </a:ext>
+            </a:extLst>
+          </p:spPr>
+          <p:txBody>
+            <a:bodyPr vert="horz" wrap="none" lIns="0" tIns="0" rIns="0" bIns="0" numCol="1" anchor="t" anchorCtr="0" compatLnSpc="1">
+              <a:prstTxWarp prst="textNoShape">
+                <a:avLst/>
+              </a:prstTxWarp>
+              <a:spAutoFit/>
+            </a:bodyPr>
+            <a:lstStyle>
+              <a:lvl1pPr eaLnBrk="0" fontAlgn="base" hangingPunct="0">
+                <a:spcBef>
+                  <a:spcPct val="0"/>
+                </a:spcBef>
+                <a:spcAft>
+                  <a:spcPct val="0"/>
+                </a:spcAft>
+                <a:defRPr>
+                  <a:solidFill>
+                    <a:schemeClr val="tx1"/>
+                  </a:solidFill>
+                  <a:latin typeface="Arial" panose="020B0604020202020204" pitchFamily="34" charset="0"/>
+                </a:defRPr>
+              </a:lvl1pPr>
+              <a:lvl2pPr marL="457200" eaLnBrk="0" fontAlgn="base" hangingPunct="0">
+                <a:spcBef>
+                  <a:spcPct val="0"/>
+                </a:spcBef>
+                <a:spcAft>
+                  <a:spcPct val="0"/>
+                </a:spcAft>
+                <a:defRPr>
+                  <a:solidFill>
+                    <a:schemeClr val="tx1"/>
+                  </a:solidFill>
+                  <a:latin typeface="Arial" panose="020B0604020202020204" pitchFamily="34" charset="0"/>
+                </a:defRPr>
+              </a:lvl2pPr>
+              <a:lvl3pPr marL="914400" eaLnBrk="0" fontAlgn="base" hangingPunct="0">
+                <a:spcBef>
+                  <a:spcPct val="0"/>
+                </a:spcBef>
+                <a:spcAft>
+                  <a:spcPct val="0"/>
+                </a:spcAft>
+                <a:defRPr>
+                  <a:solidFill>
+                    <a:schemeClr val="tx1"/>
+                  </a:solidFill>
+                  <a:latin typeface="Arial" panose="020B0604020202020204" pitchFamily="34" charset="0"/>
+                </a:defRPr>
+              </a:lvl3pPr>
+              <a:lvl4pPr marL="1371600" eaLnBrk="0" fontAlgn="base" hangingPunct="0">
+                <a:spcBef>
+                  <a:spcPct val="0"/>
+                </a:spcBef>
+                <a:spcAft>
+                  <a:spcPct val="0"/>
+                </a:spcAft>
+                <a:defRPr>
+                  <a:solidFill>
+                    <a:schemeClr val="tx1"/>
+                  </a:solidFill>
+                  <a:latin typeface="Arial" panose="020B0604020202020204" pitchFamily="34" charset="0"/>
+                </a:defRPr>
+              </a:lvl4pPr>
+              <a:lvl5pPr marL="1828800" eaLnBrk="0" fontAlgn="base" hangingPunct="0">
+                <a:spcBef>
+                  <a:spcPct val="0"/>
+                </a:spcBef>
+                <a:spcAft>
+                  <a:spcPct val="0"/>
+                </a:spcAft>
+                <a:defRPr>
+                  <a:solidFill>
+                    <a:schemeClr val="tx1"/>
+                  </a:solidFill>
+                  <a:latin typeface="Arial" panose="020B0604020202020204" pitchFamily="34" charset="0"/>
+                </a:defRPr>
+              </a:lvl5pPr>
+              <a:lvl6pPr marL="2286000" eaLnBrk="0" fontAlgn="base" hangingPunct="0">
+                <a:spcBef>
+                  <a:spcPct val="0"/>
+                </a:spcBef>
+                <a:spcAft>
+                  <a:spcPct val="0"/>
+                </a:spcAft>
+                <a:defRPr>
+                  <a:solidFill>
+                    <a:schemeClr val="tx1"/>
+                  </a:solidFill>
+                  <a:latin typeface="Arial" panose="020B0604020202020204" pitchFamily="34" charset="0"/>
+                </a:defRPr>
+              </a:lvl6pPr>
+              <a:lvl7pPr marL="2743200" eaLnBrk="0" fontAlgn="base" hangingPunct="0">
+                <a:spcBef>
+                  <a:spcPct val="0"/>
+                </a:spcBef>
+                <a:spcAft>
+                  <a:spcPct val="0"/>
+                </a:spcAft>
+                <a:defRPr>
+                  <a:solidFill>
+                    <a:schemeClr val="tx1"/>
+                  </a:solidFill>
+                  <a:latin typeface="Arial" panose="020B0604020202020204" pitchFamily="34" charset="0"/>
+                </a:defRPr>
+              </a:lvl7pPr>
+              <a:lvl8pPr marL="3200400" eaLnBrk="0" fontAlgn="base" hangingPunct="0">
+                <a:spcBef>
+                  <a:spcPct val="0"/>
+                </a:spcBef>
+                <a:spcAft>
+                  <a:spcPct val="0"/>
+                </a:spcAft>
+                <a:defRPr>
+                  <a:solidFill>
+                    <a:schemeClr val="tx1"/>
+                  </a:solidFill>
+                  <a:latin typeface="Arial" panose="020B0604020202020204" pitchFamily="34" charset="0"/>
+                </a:defRPr>
+              </a:lvl8pPr>
+              <a:lvl9pPr marL="3657600" eaLnBrk="0" fontAlgn="base" hangingPunct="0">
+                <a:spcBef>
+                  <a:spcPct val="0"/>
+                </a:spcBef>
+                <a:spcAft>
+                  <a:spcPct val="0"/>
+                </a:spcAft>
+                <a:defRPr>
+                  <a:solidFill>
+                    <a:schemeClr val="tx1"/>
+                  </a:solidFill>
+                  <a:latin typeface="Arial" panose="020B0604020202020204" pitchFamily="34" charset="0"/>
+                </a:defRPr>
+              </a:lvl9pPr>
+            </a:lstStyle>
+            <a:p>
+              <a:pPr marL="0" marR="0" lvl="0" indent="0" algn="l" defTabSz="914400" rtl="0" eaLnBrk="0" fontAlgn="base" latinLnBrk="0" hangingPunct="0">
+                <a:lnSpc>
+                  <a:spcPct val="100000"/>
+                </a:lnSpc>
+                <a:spcBef>
+                  <a:spcPct val="0"/>
+                </a:spcBef>
+                <a:spcAft>
+                  <a:spcPct val="0"/>
+                </a:spcAft>
+                <a:buClrTx/>
+                <a:buSzTx/>
+                <a:buFontTx/>
+                <a:buNone/>
+                <a:tabLst/>
+              </a:pPr>
+              <a:r>
+                <a:rPr kumimoji="0" lang="ja-JP" altLang="ja-JP" sz="1200" b="0" i="0" u="none" strike="noStrike" cap="none" normalizeH="0" baseline="0" smtClean="0">
+                  <a:ln>
+                    <a:noFill/>
+                  </a:ln>
+                  <a:solidFill>
+                    <a:srgbClr val="000000"/>
+                  </a:solidFill>
+                  <a:effectLst/>
+                  <a:latin typeface="Arial" panose="020B0604020202020204" pitchFamily="34" charset="0"/>
+                </a:rPr>
+                <a:t>0</a:t>
+              </a:r>
+              <a:endParaRPr kumimoji="0" lang="ja-JP" altLang="ja-JP" sz="1800" b="0" i="0" u="none" strike="noStrike" cap="none" normalizeH="0" baseline="0" smtClean="0">
+                <a:ln>
+                  <a:noFill/>
+                </a:ln>
+                <a:solidFill>
+                  <a:schemeClr val="tx1"/>
+                </a:solidFill>
+                <a:effectLst/>
+                <a:latin typeface="Arial" panose="020B0604020202020204" pitchFamily="34" charset="0"/>
+              </a:endParaRPr>
+            </a:p>
+          </p:txBody>
+        </p:sp>
+        <p:sp>
+          <p:nvSpPr>
+            <p:cNvPr id="79" name="Rectangle 67"/>
+            <p:cNvSpPr>
+              <a:spLocks noChangeArrowheads="1"/>
+            </p:cNvSpPr>
+            <p:nvPr/>
+          </p:nvSpPr>
+          <p:spPr bwMode="auto">
+            <a:xfrm rot="16200000">
+              <a:off x="4951" y="10196"/>
+              <a:ext cx="150" cy="132"/>
+            </a:xfrm>
+            <a:prstGeom prst="rect">
+              <a:avLst/>
+            </a:prstGeom>
+            <a:noFill/>
+            <a:ln>
+              <a:noFill/>
+            </a:ln>
+            <a:extLst>
+              <a:ext uri="{909E8E84-426E-40DD-AFC4-6F175D3DCCD1}">
+                <a14:hiddenFill xmlns:a14="http://schemas.microsoft.com/office/drawing/2010/main">
+                  <a:solidFill>
+                    <a:srgbClr val="FFFFFF"/>
+                  </a:solidFill>
+                </a14:hiddenFill>
+              </a:ext>
+              <a:ext uri="{91240B29-F687-4F45-9708-019B960494DF}">
+                <a14:hiddenLine xmlns:a14="http://schemas.microsoft.com/office/drawing/2010/main" w="9525">
+                  <a:solidFill>
+                    <a:srgbClr val="000000"/>
+                  </a:solidFill>
+                  <a:miter lim="800000"/>
+                  <a:headEnd/>
+                  <a:tailEnd/>
+                </a14:hiddenLine>
+              </a:ext>
+            </a:extLst>
+          </p:spPr>
+          <p:txBody>
+            <a:bodyPr vert="horz" wrap="none" lIns="0" tIns="0" rIns="0" bIns="0" numCol="1" anchor="t" anchorCtr="0" compatLnSpc="1">
+              <a:prstTxWarp prst="textNoShape">
+                <a:avLst/>
+              </a:prstTxWarp>
+              <a:spAutoFit/>
+            </a:bodyPr>
+            <a:lstStyle>
+              <a:lvl1pPr eaLnBrk="0" fontAlgn="base" hangingPunct="0">
+                <a:spcBef>
+                  <a:spcPct val="0"/>
+                </a:spcBef>
+                <a:spcAft>
+                  <a:spcPct val="0"/>
+                </a:spcAft>
+                <a:defRPr>
+                  <a:solidFill>
+                    <a:schemeClr val="tx1"/>
+                  </a:solidFill>
+                  <a:latin typeface="Arial" panose="020B0604020202020204" pitchFamily="34" charset="0"/>
+                </a:defRPr>
+              </a:lvl1pPr>
+              <a:lvl2pPr marL="457200" eaLnBrk="0" fontAlgn="base" hangingPunct="0">
+                <a:spcBef>
+                  <a:spcPct val="0"/>
+                </a:spcBef>
+                <a:spcAft>
+                  <a:spcPct val="0"/>
+                </a:spcAft>
+                <a:defRPr>
+                  <a:solidFill>
+                    <a:schemeClr val="tx1"/>
+                  </a:solidFill>
+                  <a:latin typeface="Arial" panose="020B0604020202020204" pitchFamily="34" charset="0"/>
+                </a:defRPr>
+              </a:lvl2pPr>
+              <a:lvl3pPr marL="914400" eaLnBrk="0" fontAlgn="base" hangingPunct="0">
+                <a:spcBef>
+                  <a:spcPct val="0"/>
+                </a:spcBef>
+                <a:spcAft>
+                  <a:spcPct val="0"/>
+                </a:spcAft>
+                <a:defRPr>
+                  <a:solidFill>
+                    <a:schemeClr val="tx1"/>
+                  </a:solidFill>
+                  <a:latin typeface="Arial" panose="020B0604020202020204" pitchFamily="34" charset="0"/>
+                </a:defRPr>
+              </a:lvl3pPr>
+              <a:lvl4pPr marL="1371600" eaLnBrk="0" fontAlgn="base" hangingPunct="0">
+                <a:spcBef>
+                  <a:spcPct val="0"/>
+                </a:spcBef>
+                <a:spcAft>
+                  <a:spcPct val="0"/>
+                </a:spcAft>
+                <a:defRPr>
+                  <a:solidFill>
+                    <a:schemeClr val="tx1"/>
+                  </a:solidFill>
+                  <a:latin typeface="Arial" panose="020B0604020202020204" pitchFamily="34" charset="0"/>
+                </a:defRPr>
+              </a:lvl4pPr>
+              <a:lvl5pPr marL="1828800" eaLnBrk="0" fontAlgn="base" hangingPunct="0">
+                <a:spcBef>
+                  <a:spcPct val="0"/>
+                </a:spcBef>
+                <a:spcAft>
+                  <a:spcPct val="0"/>
+                </a:spcAft>
+                <a:defRPr>
+                  <a:solidFill>
+                    <a:schemeClr val="tx1"/>
+                  </a:solidFill>
+                  <a:latin typeface="Arial" panose="020B0604020202020204" pitchFamily="34" charset="0"/>
+                </a:defRPr>
+              </a:lvl5pPr>
+              <a:lvl6pPr marL="2286000" eaLnBrk="0" fontAlgn="base" hangingPunct="0">
+                <a:spcBef>
+                  <a:spcPct val="0"/>
+                </a:spcBef>
+                <a:spcAft>
+                  <a:spcPct val="0"/>
+                </a:spcAft>
+                <a:defRPr>
+                  <a:solidFill>
+                    <a:schemeClr val="tx1"/>
+                  </a:solidFill>
+                  <a:latin typeface="Arial" panose="020B0604020202020204" pitchFamily="34" charset="0"/>
+                </a:defRPr>
+              </a:lvl6pPr>
+              <a:lvl7pPr marL="2743200" eaLnBrk="0" fontAlgn="base" hangingPunct="0">
+                <a:spcBef>
+                  <a:spcPct val="0"/>
+                </a:spcBef>
+                <a:spcAft>
+                  <a:spcPct val="0"/>
+                </a:spcAft>
+                <a:defRPr>
+                  <a:solidFill>
+                    <a:schemeClr val="tx1"/>
+                  </a:solidFill>
+                  <a:latin typeface="Arial" panose="020B0604020202020204" pitchFamily="34" charset="0"/>
+                </a:defRPr>
+              </a:lvl7pPr>
+              <a:lvl8pPr marL="3200400" eaLnBrk="0" fontAlgn="base" hangingPunct="0">
+                <a:spcBef>
+                  <a:spcPct val="0"/>
+                </a:spcBef>
+                <a:spcAft>
+                  <a:spcPct val="0"/>
+                </a:spcAft>
+                <a:defRPr>
+                  <a:solidFill>
+                    <a:schemeClr val="tx1"/>
+                  </a:solidFill>
+                  <a:latin typeface="Arial" panose="020B0604020202020204" pitchFamily="34" charset="0"/>
+                </a:defRPr>
+              </a:lvl8pPr>
+              <a:lvl9pPr marL="3657600" eaLnBrk="0" fontAlgn="base" hangingPunct="0">
+                <a:spcBef>
+                  <a:spcPct val="0"/>
+                </a:spcBef>
+                <a:spcAft>
+                  <a:spcPct val="0"/>
+                </a:spcAft>
+                <a:defRPr>
+                  <a:solidFill>
+                    <a:schemeClr val="tx1"/>
+                  </a:solidFill>
+                  <a:latin typeface="Arial" panose="020B0604020202020204" pitchFamily="34" charset="0"/>
+                </a:defRPr>
+              </a:lvl9pPr>
+            </a:lstStyle>
+            <a:p>
+              <a:pPr marL="0" marR="0" lvl="0" indent="0" algn="l" defTabSz="914400" rtl="0" eaLnBrk="0" fontAlgn="base" latinLnBrk="0" hangingPunct="0">
+                <a:lnSpc>
+                  <a:spcPct val="100000"/>
+                </a:lnSpc>
+                <a:spcBef>
+                  <a:spcPct val="0"/>
+                </a:spcBef>
+                <a:spcAft>
+                  <a:spcPct val="0"/>
+                </a:spcAft>
+                <a:buClrTx/>
+                <a:buSzTx/>
+                <a:buFontTx/>
+                <a:buNone/>
+                <a:tabLst/>
+              </a:pPr>
+              <a:r>
+                <a:rPr kumimoji="0" lang="ja-JP" altLang="ja-JP" sz="1200" b="0" i="0" u="none" strike="noStrike" cap="none" normalizeH="0" baseline="0" smtClean="0">
+                  <a:ln>
+                    <a:noFill/>
+                  </a:ln>
+                  <a:solidFill>
+                    <a:srgbClr val="000000"/>
+                  </a:solidFill>
+                  <a:effectLst/>
+                  <a:latin typeface="Arial" panose="020B0604020202020204" pitchFamily="34" charset="0"/>
+                </a:rPr>
+                <a:t>20</a:t>
+              </a:r>
+              <a:endParaRPr kumimoji="0" lang="ja-JP" altLang="ja-JP" sz="1800" b="0" i="0" u="none" strike="noStrike" cap="none" normalizeH="0" baseline="0" smtClean="0">
+                <a:ln>
+                  <a:noFill/>
+                </a:ln>
+                <a:solidFill>
+                  <a:schemeClr val="tx1"/>
+                </a:solidFill>
+                <a:effectLst/>
+                <a:latin typeface="Arial" panose="020B0604020202020204" pitchFamily="34" charset="0"/>
+              </a:endParaRPr>
+            </a:p>
+          </p:txBody>
+        </p:sp>
+        <p:sp>
+          <p:nvSpPr>
+            <p:cNvPr id="80" name="Rectangle 68"/>
+            <p:cNvSpPr>
+              <a:spLocks noChangeArrowheads="1"/>
+            </p:cNvSpPr>
+            <p:nvPr/>
+          </p:nvSpPr>
+          <p:spPr bwMode="auto">
+            <a:xfrm rot="16200000">
+              <a:off x="4951" y="9594"/>
+              <a:ext cx="150" cy="132"/>
+            </a:xfrm>
+            <a:prstGeom prst="rect">
+              <a:avLst/>
+            </a:prstGeom>
+            <a:noFill/>
+            <a:ln>
+              <a:noFill/>
+            </a:ln>
+            <a:extLst>
+              <a:ext uri="{909E8E84-426E-40DD-AFC4-6F175D3DCCD1}">
+                <a14:hiddenFill xmlns:a14="http://schemas.microsoft.com/office/drawing/2010/main">
+                  <a:solidFill>
+                    <a:srgbClr val="FFFFFF"/>
+                  </a:solidFill>
+                </a14:hiddenFill>
+              </a:ext>
+              <a:ext uri="{91240B29-F687-4F45-9708-019B960494DF}">
+                <a14:hiddenLine xmlns:a14="http://schemas.microsoft.com/office/drawing/2010/main" w="9525">
+                  <a:solidFill>
+                    <a:srgbClr val="000000"/>
+                  </a:solidFill>
+                  <a:miter lim="800000"/>
+                  <a:headEnd/>
+                  <a:tailEnd/>
+                </a14:hiddenLine>
+              </a:ext>
+            </a:extLst>
+          </p:spPr>
+          <p:txBody>
+            <a:bodyPr vert="horz" wrap="none" lIns="0" tIns="0" rIns="0" bIns="0" numCol="1" anchor="t" anchorCtr="0" compatLnSpc="1">
+              <a:prstTxWarp prst="textNoShape">
+                <a:avLst/>
+              </a:prstTxWarp>
+              <a:spAutoFit/>
+            </a:bodyPr>
+            <a:lstStyle>
+              <a:lvl1pPr eaLnBrk="0" fontAlgn="base" hangingPunct="0">
+                <a:spcBef>
+                  <a:spcPct val="0"/>
+                </a:spcBef>
+                <a:spcAft>
+                  <a:spcPct val="0"/>
+                </a:spcAft>
+                <a:defRPr>
+                  <a:solidFill>
+                    <a:schemeClr val="tx1"/>
+                  </a:solidFill>
+                  <a:latin typeface="Arial" panose="020B0604020202020204" pitchFamily="34" charset="0"/>
+                </a:defRPr>
+              </a:lvl1pPr>
+              <a:lvl2pPr marL="457200" eaLnBrk="0" fontAlgn="base" hangingPunct="0">
+                <a:spcBef>
+                  <a:spcPct val="0"/>
+                </a:spcBef>
+                <a:spcAft>
+                  <a:spcPct val="0"/>
+                </a:spcAft>
+                <a:defRPr>
+                  <a:solidFill>
+                    <a:schemeClr val="tx1"/>
+                  </a:solidFill>
+                  <a:latin typeface="Arial" panose="020B0604020202020204" pitchFamily="34" charset="0"/>
+                </a:defRPr>
+              </a:lvl2pPr>
+              <a:lvl3pPr marL="914400" eaLnBrk="0" fontAlgn="base" hangingPunct="0">
+                <a:spcBef>
+                  <a:spcPct val="0"/>
+                </a:spcBef>
+                <a:spcAft>
+                  <a:spcPct val="0"/>
+                </a:spcAft>
+                <a:defRPr>
+                  <a:solidFill>
+                    <a:schemeClr val="tx1"/>
+                  </a:solidFill>
+                  <a:latin typeface="Arial" panose="020B0604020202020204" pitchFamily="34" charset="0"/>
+                </a:defRPr>
+              </a:lvl3pPr>
+              <a:lvl4pPr marL="1371600" eaLnBrk="0" fontAlgn="base" hangingPunct="0">
+                <a:spcBef>
+                  <a:spcPct val="0"/>
+                </a:spcBef>
+                <a:spcAft>
+                  <a:spcPct val="0"/>
+                </a:spcAft>
+                <a:defRPr>
+                  <a:solidFill>
+                    <a:schemeClr val="tx1"/>
+                  </a:solidFill>
+                  <a:latin typeface="Arial" panose="020B0604020202020204" pitchFamily="34" charset="0"/>
+                </a:defRPr>
+              </a:lvl4pPr>
+              <a:lvl5pPr marL="1828800" eaLnBrk="0" fontAlgn="base" hangingPunct="0">
+                <a:spcBef>
+                  <a:spcPct val="0"/>
+                </a:spcBef>
+                <a:spcAft>
+                  <a:spcPct val="0"/>
+                </a:spcAft>
+                <a:defRPr>
+                  <a:solidFill>
+                    <a:schemeClr val="tx1"/>
+                  </a:solidFill>
+                  <a:latin typeface="Arial" panose="020B0604020202020204" pitchFamily="34" charset="0"/>
+                </a:defRPr>
+              </a:lvl5pPr>
+              <a:lvl6pPr marL="2286000" eaLnBrk="0" fontAlgn="base" hangingPunct="0">
+                <a:spcBef>
+                  <a:spcPct val="0"/>
+                </a:spcBef>
+                <a:spcAft>
+                  <a:spcPct val="0"/>
+                </a:spcAft>
+                <a:defRPr>
+                  <a:solidFill>
+                    <a:schemeClr val="tx1"/>
+                  </a:solidFill>
+                  <a:latin typeface="Arial" panose="020B0604020202020204" pitchFamily="34" charset="0"/>
+                </a:defRPr>
+              </a:lvl6pPr>
+              <a:lvl7pPr marL="2743200" eaLnBrk="0" fontAlgn="base" hangingPunct="0">
+                <a:spcBef>
+                  <a:spcPct val="0"/>
+                </a:spcBef>
+                <a:spcAft>
+                  <a:spcPct val="0"/>
+                </a:spcAft>
+                <a:defRPr>
+                  <a:solidFill>
+                    <a:schemeClr val="tx1"/>
+                  </a:solidFill>
+                  <a:latin typeface="Arial" panose="020B0604020202020204" pitchFamily="34" charset="0"/>
+                </a:defRPr>
+              </a:lvl7pPr>
+              <a:lvl8pPr marL="3200400" eaLnBrk="0" fontAlgn="base" hangingPunct="0">
+                <a:spcBef>
+                  <a:spcPct val="0"/>
+                </a:spcBef>
+                <a:spcAft>
+                  <a:spcPct val="0"/>
+                </a:spcAft>
+                <a:defRPr>
+                  <a:solidFill>
+                    <a:schemeClr val="tx1"/>
+                  </a:solidFill>
+                  <a:latin typeface="Arial" panose="020B0604020202020204" pitchFamily="34" charset="0"/>
+                </a:defRPr>
+              </a:lvl8pPr>
+              <a:lvl9pPr marL="3657600" eaLnBrk="0" fontAlgn="base" hangingPunct="0">
+                <a:spcBef>
+                  <a:spcPct val="0"/>
+                </a:spcBef>
+                <a:spcAft>
+                  <a:spcPct val="0"/>
+                </a:spcAft>
+                <a:defRPr>
+                  <a:solidFill>
+                    <a:schemeClr val="tx1"/>
+                  </a:solidFill>
+                  <a:latin typeface="Arial" panose="020B0604020202020204" pitchFamily="34" charset="0"/>
+                </a:defRPr>
+              </a:lvl9pPr>
+            </a:lstStyle>
+            <a:p>
+              <a:pPr marL="0" marR="0" lvl="0" indent="0" algn="l" defTabSz="914400" rtl="0" eaLnBrk="0" fontAlgn="base" latinLnBrk="0" hangingPunct="0">
+                <a:lnSpc>
+                  <a:spcPct val="100000"/>
+                </a:lnSpc>
+                <a:spcBef>
+                  <a:spcPct val="0"/>
+                </a:spcBef>
+                <a:spcAft>
+                  <a:spcPct val="0"/>
+                </a:spcAft>
+                <a:buClrTx/>
+                <a:buSzTx/>
+                <a:buFontTx/>
+                <a:buNone/>
+                <a:tabLst/>
+              </a:pPr>
+              <a:r>
+                <a:rPr kumimoji="0" lang="ja-JP" altLang="ja-JP" sz="1200" b="0" i="0" u="none" strike="noStrike" cap="none" normalizeH="0" baseline="0" smtClean="0">
+                  <a:ln>
+                    <a:noFill/>
+                  </a:ln>
+                  <a:solidFill>
+                    <a:srgbClr val="000000"/>
+                  </a:solidFill>
+                  <a:effectLst/>
+                  <a:latin typeface="Arial" panose="020B0604020202020204" pitchFamily="34" charset="0"/>
+                </a:rPr>
+                <a:t>40</a:t>
+              </a:r>
+              <a:endParaRPr kumimoji="0" lang="ja-JP" altLang="ja-JP" sz="1800" b="0" i="0" u="none" strike="noStrike" cap="none" normalizeH="0" baseline="0" smtClean="0">
+                <a:ln>
+                  <a:noFill/>
+                </a:ln>
+                <a:solidFill>
+                  <a:schemeClr val="tx1"/>
+                </a:solidFill>
+                <a:effectLst/>
+                <a:latin typeface="Arial" panose="020B0604020202020204" pitchFamily="34" charset="0"/>
+              </a:endParaRPr>
+            </a:p>
+          </p:txBody>
+        </p:sp>
+        <p:sp>
+          <p:nvSpPr>
+            <p:cNvPr id="81" name="Rectangle 69"/>
+            <p:cNvSpPr>
+              <a:spLocks noChangeArrowheads="1"/>
+            </p:cNvSpPr>
+            <p:nvPr/>
+          </p:nvSpPr>
+          <p:spPr bwMode="auto">
+            <a:xfrm rot="16200000">
+              <a:off x="4951" y="8993"/>
+              <a:ext cx="150" cy="132"/>
+            </a:xfrm>
+            <a:prstGeom prst="rect">
+              <a:avLst/>
+            </a:prstGeom>
+            <a:noFill/>
+            <a:ln>
+              <a:noFill/>
+            </a:ln>
+            <a:extLst>
+              <a:ext uri="{909E8E84-426E-40DD-AFC4-6F175D3DCCD1}">
+                <a14:hiddenFill xmlns:a14="http://schemas.microsoft.com/office/drawing/2010/main">
+                  <a:solidFill>
+                    <a:srgbClr val="FFFFFF"/>
+                  </a:solidFill>
+                </a14:hiddenFill>
+              </a:ext>
+              <a:ext uri="{91240B29-F687-4F45-9708-019B960494DF}">
+                <a14:hiddenLine xmlns:a14="http://schemas.microsoft.com/office/drawing/2010/main" w="9525">
+                  <a:solidFill>
+                    <a:srgbClr val="000000"/>
+                  </a:solidFill>
+                  <a:miter lim="800000"/>
+                  <a:headEnd/>
+                  <a:tailEnd/>
+                </a14:hiddenLine>
+              </a:ext>
+            </a:extLst>
+          </p:spPr>
+          <p:txBody>
+            <a:bodyPr vert="horz" wrap="none" lIns="0" tIns="0" rIns="0" bIns="0" numCol="1" anchor="t" anchorCtr="0" compatLnSpc="1">
+              <a:prstTxWarp prst="textNoShape">
+                <a:avLst/>
+              </a:prstTxWarp>
+              <a:spAutoFit/>
+            </a:bodyPr>
+            <a:lstStyle>
+              <a:lvl1pPr eaLnBrk="0" fontAlgn="base" hangingPunct="0">
+                <a:spcBef>
+                  <a:spcPct val="0"/>
+                </a:spcBef>
+                <a:spcAft>
+                  <a:spcPct val="0"/>
+                </a:spcAft>
+                <a:defRPr>
+                  <a:solidFill>
+                    <a:schemeClr val="tx1"/>
+                  </a:solidFill>
+                  <a:latin typeface="Arial" panose="020B0604020202020204" pitchFamily="34" charset="0"/>
+                </a:defRPr>
+              </a:lvl1pPr>
+              <a:lvl2pPr marL="457200" eaLnBrk="0" fontAlgn="base" hangingPunct="0">
+                <a:spcBef>
+                  <a:spcPct val="0"/>
+                </a:spcBef>
+                <a:spcAft>
+                  <a:spcPct val="0"/>
+                </a:spcAft>
+                <a:defRPr>
+                  <a:solidFill>
+                    <a:schemeClr val="tx1"/>
+                  </a:solidFill>
+                  <a:latin typeface="Arial" panose="020B0604020202020204" pitchFamily="34" charset="0"/>
+                </a:defRPr>
+              </a:lvl2pPr>
+              <a:lvl3pPr marL="914400" eaLnBrk="0" fontAlgn="base" hangingPunct="0">
+                <a:spcBef>
+                  <a:spcPct val="0"/>
+                </a:spcBef>
+                <a:spcAft>
+                  <a:spcPct val="0"/>
+                </a:spcAft>
+                <a:defRPr>
+                  <a:solidFill>
+                    <a:schemeClr val="tx1"/>
+                  </a:solidFill>
+                  <a:latin typeface="Arial" panose="020B0604020202020204" pitchFamily="34" charset="0"/>
+                </a:defRPr>
+              </a:lvl3pPr>
+              <a:lvl4pPr marL="1371600" eaLnBrk="0" fontAlgn="base" hangingPunct="0">
+                <a:spcBef>
+                  <a:spcPct val="0"/>
+                </a:spcBef>
+                <a:spcAft>
+                  <a:spcPct val="0"/>
+                </a:spcAft>
+                <a:defRPr>
+                  <a:solidFill>
+                    <a:schemeClr val="tx1"/>
+                  </a:solidFill>
+                  <a:latin typeface="Arial" panose="020B0604020202020204" pitchFamily="34" charset="0"/>
+                </a:defRPr>
+              </a:lvl4pPr>
+              <a:lvl5pPr marL="1828800" eaLnBrk="0" fontAlgn="base" hangingPunct="0">
+                <a:spcBef>
+                  <a:spcPct val="0"/>
+                </a:spcBef>
+                <a:spcAft>
+                  <a:spcPct val="0"/>
+                </a:spcAft>
+                <a:defRPr>
+                  <a:solidFill>
+                    <a:schemeClr val="tx1"/>
+                  </a:solidFill>
+                  <a:latin typeface="Arial" panose="020B0604020202020204" pitchFamily="34" charset="0"/>
+                </a:defRPr>
+              </a:lvl5pPr>
+              <a:lvl6pPr marL="2286000" eaLnBrk="0" fontAlgn="base" hangingPunct="0">
+                <a:spcBef>
+                  <a:spcPct val="0"/>
+                </a:spcBef>
+                <a:spcAft>
+                  <a:spcPct val="0"/>
+                </a:spcAft>
+                <a:defRPr>
+                  <a:solidFill>
+                    <a:schemeClr val="tx1"/>
+                  </a:solidFill>
+                  <a:latin typeface="Arial" panose="020B0604020202020204" pitchFamily="34" charset="0"/>
+                </a:defRPr>
+              </a:lvl6pPr>
+              <a:lvl7pPr marL="2743200" eaLnBrk="0" fontAlgn="base" hangingPunct="0">
+                <a:spcBef>
+                  <a:spcPct val="0"/>
+                </a:spcBef>
+                <a:spcAft>
+                  <a:spcPct val="0"/>
+                </a:spcAft>
+                <a:defRPr>
+                  <a:solidFill>
+                    <a:schemeClr val="tx1"/>
+                  </a:solidFill>
+                  <a:latin typeface="Arial" panose="020B0604020202020204" pitchFamily="34" charset="0"/>
+                </a:defRPr>
+              </a:lvl7pPr>
+              <a:lvl8pPr marL="3200400" eaLnBrk="0" fontAlgn="base" hangingPunct="0">
+                <a:spcBef>
+                  <a:spcPct val="0"/>
+                </a:spcBef>
+                <a:spcAft>
+                  <a:spcPct val="0"/>
+                </a:spcAft>
+                <a:defRPr>
+                  <a:solidFill>
+                    <a:schemeClr val="tx1"/>
+                  </a:solidFill>
+                  <a:latin typeface="Arial" panose="020B0604020202020204" pitchFamily="34" charset="0"/>
+                </a:defRPr>
+              </a:lvl8pPr>
+              <a:lvl9pPr marL="3657600" eaLnBrk="0" fontAlgn="base" hangingPunct="0">
+                <a:spcBef>
+                  <a:spcPct val="0"/>
+                </a:spcBef>
+                <a:spcAft>
+                  <a:spcPct val="0"/>
+                </a:spcAft>
+                <a:defRPr>
+                  <a:solidFill>
+                    <a:schemeClr val="tx1"/>
+                  </a:solidFill>
+                  <a:latin typeface="Arial" panose="020B0604020202020204" pitchFamily="34" charset="0"/>
+                </a:defRPr>
+              </a:lvl9pPr>
+            </a:lstStyle>
+            <a:p>
+              <a:pPr marL="0" marR="0" lvl="0" indent="0" algn="l" defTabSz="914400" rtl="0" eaLnBrk="0" fontAlgn="base" latinLnBrk="0" hangingPunct="0">
+                <a:lnSpc>
+                  <a:spcPct val="100000"/>
+                </a:lnSpc>
+                <a:spcBef>
+                  <a:spcPct val="0"/>
+                </a:spcBef>
+                <a:spcAft>
+                  <a:spcPct val="0"/>
+                </a:spcAft>
+                <a:buClrTx/>
+                <a:buSzTx/>
+                <a:buFontTx/>
+                <a:buNone/>
+                <a:tabLst/>
+              </a:pPr>
+              <a:r>
+                <a:rPr kumimoji="0" lang="ja-JP" altLang="ja-JP" sz="1200" b="0" i="0" u="none" strike="noStrike" cap="none" normalizeH="0" baseline="0" smtClean="0">
+                  <a:ln>
+                    <a:noFill/>
+                  </a:ln>
+                  <a:solidFill>
+                    <a:srgbClr val="000000"/>
+                  </a:solidFill>
+                  <a:effectLst/>
+                  <a:latin typeface="Arial" panose="020B0604020202020204" pitchFamily="34" charset="0"/>
+                </a:rPr>
+                <a:t>60</a:t>
+              </a:r>
+              <a:endParaRPr kumimoji="0" lang="ja-JP" altLang="ja-JP" sz="1800" b="0" i="0" u="none" strike="noStrike" cap="none" normalizeH="0" baseline="0" smtClean="0">
+                <a:ln>
+                  <a:noFill/>
+                </a:ln>
+                <a:solidFill>
+                  <a:schemeClr val="tx1"/>
+                </a:solidFill>
+                <a:effectLst/>
+                <a:latin typeface="Arial" panose="020B0604020202020204" pitchFamily="34" charset="0"/>
+              </a:endParaRPr>
+            </a:p>
+          </p:txBody>
+        </p:sp>
+        <p:sp>
+          <p:nvSpPr>
+            <p:cNvPr id="82" name="Rectangle 70"/>
+            <p:cNvSpPr>
+              <a:spLocks noChangeArrowheads="1"/>
+            </p:cNvSpPr>
+            <p:nvPr/>
+          </p:nvSpPr>
+          <p:spPr bwMode="auto">
+            <a:xfrm rot="16200000">
+              <a:off x="4951" y="8397"/>
+              <a:ext cx="150" cy="132"/>
+            </a:xfrm>
+            <a:prstGeom prst="rect">
+              <a:avLst/>
+            </a:prstGeom>
+            <a:noFill/>
+            <a:ln>
+              <a:noFill/>
+            </a:ln>
+            <a:extLst>
+              <a:ext uri="{909E8E84-426E-40DD-AFC4-6F175D3DCCD1}">
+                <a14:hiddenFill xmlns:a14="http://schemas.microsoft.com/office/drawing/2010/main">
+                  <a:solidFill>
+                    <a:srgbClr val="FFFFFF"/>
+                  </a:solidFill>
+                </a14:hiddenFill>
+              </a:ext>
+              <a:ext uri="{91240B29-F687-4F45-9708-019B960494DF}">
+                <a14:hiddenLine xmlns:a14="http://schemas.microsoft.com/office/drawing/2010/main" w="9525">
+                  <a:solidFill>
+                    <a:srgbClr val="000000"/>
+                  </a:solidFill>
+                  <a:miter lim="800000"/>
+                  <a:headEnd/>
+                  <a:tailEnd/>
+                </a14:hiddenLine>
+              </a:ext>
+            </a:extLst>
+          </p:spPr>
+          <p:txBody>
+            <a:bodyPr vert="horz" wrap="none" lIns="0" tIns="0" rIns="0" bIns="0" numCol="1" anchor="t" anchorCtr="0" compatLnSpc="1">
+              <a:prstTxWarp prst="textNoShape">
+                <a:avLst/>
+              </a:prstTxWarp>
+              <a:spAutoFit/>
+            </a:bodyPr>
+            <a:lstStyle>
+              <a:lvl1pPr eaLnBrk="0" fontAlgn="base" hangingPunct="0">
+                <a:spcBef>
+                  <a:spcPct val="0"/>
+                </a:spcBef>
+                <a:spcAft>
+                  <a:spcPct val="0"/>
+                </a:spcAft>
+                <a:defRPr>
+                  <a:solidFill>
+                    <a:schemeClr val="tx1"/>
+                  </a:solidFill>
+                  <a:latin typeface="Arial" panose="020B0604020202020204" pitchFamily="34" charset="0"/>
+                </a:defRPr>
+              </a:lvl1pPr>
+              <a:lvl2pPr marL="457200" eaLnBrk="0" fontAlgn="base" hangingPunct="0">
+                <a:spcBef>
+                  <a:spcPct val="0"/>
+                </a:spcBef>
+                <a:spcAft>
+                  <a:spcPct val="0"/>
+                </a:spcAft>
+                <a:defRPr>
+                  <a:solidFill>
+                    <a:schemeClr val="tx1"/>
+                  </a:solidFill>
+                  <a:latin typeface="Arial" panose="020B0604020202020204" pitchFamily="34" charset="0"/>
+                </a:defRPr>
+              </a:lvl2pPr>
+              <a:lvl3pPr marL="914400" eaLnBrk="0" fontAlgn="base" hangingPunct="0">
+                <a:spcBef>
+                  <a:spcPct val="0"/>
+                </a:spcBef>
+                <a:spcAft>
+                  <a:spcPct val="0"/>
+                </a:spcAft>
+                <a:defRPr>
+                  <a:solidFill>
+                    <a:schemeClr val="tx1"/>
+                  </a:solidFill>
+                  <a:latin typeface="Arial" panose="020B0604020202020204" pitchFamily="34" charset="0"/>
+                </a:defRPr>
+              </a:lvl3pPr>
+              <a:lvl4pPr marL="1371600" eaLnBrk="0" fontAlgn="base" hangingPunct="0">
+                <a:spcBef>
+                  <a:spcPct val="0"/>
+                </a:spcBef>
+                <a:spcAft>
+                  <a:spcPct val="0"/>
+                </a:spcAft>
+                <a:defRPr>
+                  <a:solidFill>
+                    <a:schemeClr val="tx1"/>
+                  </a:solidFill>
+                  <a:latin typeface="Arial" panose="020B0604020202020204" pitchFamily="34" charset="0"/>
+                </a:defRPr>
+              </a:lvl4pPr>
+              <a:lvl5pPr marL="1828800" eaLnBrk="0" fontAlgn="base" hangingPunct="0">
+                <a:spcBef>
+                  <a:spcPct val="0"/>
+                </a:spcBef>
+                <a:spcAft>
+                  <a:spcPct val="0"/>
+                </a:spcAft>
+                <a:defRPr>
+                  <a:solidFill>
+                    <a:schemeClr val="tx1"/>
+                  </a:solidFill>
+                  <a:latin typeface="Arial" panose="020B0604020202020204" pitchFamily="34" charset="0"/>
+                </a:defRPr>
+              </a:lvl5pPr>
+              <a:lvl6pPr marL="2286000" eaLnBrk="0" fontAlgn="base" hangingPunct="0">
+                <a:spcBef>
+                  <a:spcPct val="0"/>
+                </a:spcBef>
+                <a:spcAft>
+                  <a:spcPct val="0"/>
+                </a:spcAft>
+                <a:defRPr>
+                  <a:solidFill>
+                    <a:schemeClr val="tx1"/>
+                  </a:solidFill>
+                  <a:latin typeface="Arial" panose="020B0604020202020204" pitchFamily="34" charset="0"/>
+                </a:defRPr>
+              </a:lvl6pPr>
+              <a:lvl7pPr marL="2743200" eaLnBrk="0" fontAlgn="base" hangingPunct="0">
+                <a:spcBef>
+                  <a:spcPct val="0"/>
+                </a:spcBef>
+                <a:spcAft>
+                  <a:spcPct val="0"/>
+                </a:spcAft>
+                <a:defRPr>
+                  <a:solidFill>
+                    <a:schemeClr val="tx1"/>
+                  </a:solidFill>
+                  <a:latin typeface="Arial" panose="020B0604020202020204" pitchFamily="34" charset="0"/>
+                </a:defRPr>
+              </a:lvl7pPr>
+              <a:lvl8pPr marL="3200400" eaLnBrk="0" fontAlgn="base" hangingPunct="0">
+                <a:spcBef>
+                  <a:spcPct val="0"/>
+                </a:spcBef>
+                <a:spcAft>
+                  <a:spcPct val="0"/>
+                </a:spcAft>
+                <a:defRPr>
+                  <a:solidFill>
+                    <a:schemeClr val="tx1"/>
+                  </a:solidFill>
+                  <a:latin typeface="Arial" panose="020B0604020202020204" pitchFamily="34" charset="0"/>
+                </a:defRPr>
+              </a:lvl8pPr>
+              <a:lvl9pPr marL="3657600" eaLnBrk="0" fontAlgn="base" hangingPunct="0">
+                <a:spcBef>
+                  <a:spcPct val="0"/>
+                </a:spcBef>
+                <a:spcAft>
+                  <a:spcPct val="0"/>
+                </a:spcAft>
+                <a:defRPr>
+                  <a:solidFill>
+                    <a:schemeClr val="tx1"/>
+                  </a:solidFill>
+                  <a:latin typeface="Arial" panose="020B0604020202020204" pitchFamily="34" charset="0"/>
+                </a:defRPr>
+              </a:lvl9pPr>
+            </a:lstStyle>
+            <a:p>
+              <a:pPr marL="0" marR="0" lvl="0" indent="0" algn="l" defTabSz="914400" rtl="0" eaLnBrk="0" fontAlgn="base" latinLnBrk="0" hangingPunct="0">
+                <a:lnSpc>
+                  <a:spcPct val="100000"/>
+                </a:lnSpc>
+                <a:spcBef>
+                  <a:spcPct val="0"/>
+                </a:spcBef>
+                <a:spcAft>
+                  <a:spcPct val="0"/>
+                </a:spcAft>
+                <a:buClrTx/>
+                <a:buSzTx/>
+                <a:buFontTx/>
+                <a:buNone/>
+                <a:tabLst/>
+              </a:pPr>
+              <a:r>
+                <a:rPr kumimoji="0" lang="ja-JP" altLang="ja-JP" sz="1200" b="0" i="0" u="none" strike="noStrike" cap="none" normalizeH="0" baseline="0" smtClean="0">
+                  <a:ln>
+                    <a:noFill/>
+                  </a:ln>
+                  <a:solidFill>
+                    <a:srgbClr val="000000"/>
+                  </a:solidFill>
+                  <a:effectLst/>
+                  <a:latin typeface="Arial" panose="020B0604020202020204" pitchFamily="34" charset="0"/>
+                </a:rPr>
+                <a:t>80</a:t>
+              </a:r>
+              <a:endParaRPr kumimoji="0" lang="ja-JP" altLang="ja-JP" sz="1800" b="0" i="0" u="none" strike="noStrike" cap="none" normalizeH="0" baseline="0" smtClean="0">
+                <a:ln>
+                  <a:noFill/>
+                </a:ln>
+                <a:solidFill>
+                  <a:schemeClr val="tx1"/>
+                </a:solidFill>
+                <a:effectLst/>
+                <a:latin typeface="Arial" panose="020B0604020202020204" pitchFamily="34" charset="0"/>
+              </a:endParaRPr>
+            </a:p>
+          </p:txBody>
+        </p:sp>
+        <p:sp>
+          <p:nvSpPr>
+            <p:cNvPr id="83" name="Rectangle 71"/>
+            <p:cNvSpPr>
+              <a:spLocks noChangeArrowheads="1"/>
+            </p:cNvSpPr>
+            <p:nvPr/>
+          </p:nvSpPr>
+          <p:spPr bwMode="auto">
+            <a:xfrm>
+              <a:off x="5309" y="8102"/>
+              <a:ext cx="440" cy="2761"/>
+            </a:xfrm>
+            <a:prstGeom prst="rect">
+              <a:avLst/>
+            </a:prstGeom>
+            <a:noFill/>
+            <a:ln w="9525" cap="rnd">
+              <a:solidFill>
+                <a:srgbClr val="000000"/>
+              </a:solidFill>
+              <a:prstDash val="solid"/>
+              <a:round/>
+              <a:headEnd/>
+              <a:tailEnd/>
+            </a:ln>
+            <a:extLst>
+              <a:ext uri="{909E8E84-426E-40DD-AFC4-6F175D3DCCD1}">
+                <a14:hiddenFill xmlns:a14="http://schemas.microsoft.com/office/drawing/2010/main">
+                  <a:solidFill>
+                    <a:srgbClr val="FFFFFF"/>
+                  </a:solidFill>
+                </a14:hiddenFill>
+              </a:ext>
+            </a:extLst>
+          </p:spPr>
+          <p:txBody>
+            <a:bodyPr vert="horz" wrap="square" lIns="91440" tIns="45720" rIns="91440" bIns="45720" numCol="1" anchor="t" anchorCtr="0" compatLnSpc="1">
+              <a:prstTxWarp prst="textNoShape">
+                <a:avLst/>
+              </a:prstTxWarp>
+            </a:bodyPr>
+            <a:lstStyle/>
+            <a:p>
+              <a:endParaRPr lang="ja-JP" altLang="en-US"/>
+            </a:p>
+          </p:txBody>
+        </p:sp>
+        <p:sp>
+          <p:nvSpPr>
+            <p:cNvPr id="84" name="Rectangle 72"/>
+            <p:cNvSpPr>
+              <a:spLocks noChangeArrowheads="1"/>
+            </p:cNvSpPr>
+            <p:nvPr/>
+          </p:nvSpPr>
+          <p:spPr bwMode="auto">
+            <a:xfrm>
+              <a:off x="5749" y="10563"/>
+              <a:ext cx="439" cy="300"/>
+            </a:xfrm>
+            <a:prstGeom prst="rect">
+              <a:avLst/>
+            </a:prstGeom>
+            <a:noFill/>
+            <a:ln w="9525" cap="rnd">
+              <a:solidFill>
+                <a:srgbClr val="000000"/>
+              </a:solidFill>
+              <a:prstDash val="solid"/>
+              <a:round/>
+              <a:headEnd/>
+              <a:tailEnd/>
+            </a:ln>
+            <a:extLst>
+              <a:ext uri="{909E8E84-426E-40DD-AFC4-6F175D3DCCD1}">
+                <a14:hiddenFill xmlns:a14="http://schemas.microsoft.com/office/drawing/2010/main">
+                  <a:solidFill>
+                    <a:srgbClr val="FFFFFF"/>
+                  </a:solidFill>
+                </a14:hiddenFill>
+              </a:ext>
+            </a:extLst>
+          </p:spPr>
+          <p:txBody>
+            <a:bodyPr vert="horz" wrap="square" lIns="91440" tIns="45720" rIns="91440" bIns="45720" numCol="1" anchor="t" anchorCtr="0" compatLnSpc="1">
+              <a:prstTxWarp prst="textNoShape">
+                <a:avLst/>
+              </a:prstTxWarp>
+            </a:bodyPr>
+            <a:lstStyle/>
+            <a:p>
+              <a:endParaRPr lang="ja-JP" altLang="en-US"/>
+            </a:p>
+          </p:txBody>
+        </p:sp>
+        <p:sp>
+          <p:nvSpPr>
+            <p:cNvPr id="85" name="Rectangle 73"/>
+            <p:cNvSpPr>
+              <a:spLocks noChangeArrowheads="1"/>
+            </p:cNvSpPr>
+            <p:nvPr/>
+          </p:nvSpPr>
+          <p:spPr bwMode="auto">
+            <a:xfrm>
+              <a:off x="6188" y="10863"/>
+              <a:ext cx="446" cy="1"/>
+            </a:xfrm>
+            <a:prstGeom prst="rect">
+              <a:avLst/>
+            </a:prstGeom>
+            <a:noFill/>
+            <a:ln w="9525" cap="rnd">
+              <a:solidFill>
+                <a:srgbClr val="000000"/>
+              </a:solidFill>
+              <a:prstDash val="solid"/>
+              <a:round/>
+              <a:headEnd/>
+              <a:tailEnd/>
+            </a:ln>
+            <a:extLst>
+              <a:ext uri="{909E8E84-426E-40DD-AFC4-6F175D3DCCD1}">
+                <a14:hiddenFill xmlns:a14="http://schemas.microsoft.com/office/drawing/2010/main">
+                  <a:solidFill>
+                    <a:srgbClr val="FFFFFF"/>
+                  </a:solidFill>
+                </a14:hiddenFill>
+              </a:ext>
+            </a:extLst>
+          </p:spPr>
+          <p:txBody>
+            <a:bodyPr vert="horz" wrap="square" lIns="91440" tIns="45720" rIns="91440" bIns="45720" numCol="1" anchor="t" anchorCtr="0" compatLnSpc="1">
+              <a:prstTxWarp prst="textNoShape">
+                <a:avLst/>
+              </a:prstTxWarp>
+            </a:bodyPr>
+            <a:lstStyle/>
+            <a:p>
+              <a:endParaRPr lang="ja-JP" altLang="en-US"/>
+            </a:p>
+          </p:txBody>
+        </p:sp>
+        <p:sp>
+          <p:nvSpPr>
+            <p:cNvPr id="86" name="Rectangle 74"/>
+            <p:cNvSpPr>
+              <a:spLocks noChangeArrowheads="1"/>
+            </p:cNvSpPr>
+            <p:nvPr/>
+          </p:nvSpPr>
+          <p:spPr bwMode="auto">
+            <a:xfrm>
+              <a:off x="6634" y="10803"/>
+              <a:ext cx="439" cy="60"/>
+            </a:xfrm>
+            <a:prstGeom prst="rect">
+              <a:avLst/>
+            </a:prstGeom>
+            <a:noFill/>
+            <a:ln w="9525" cap="rnd">
+              <a:solidFill>
+                <a:srgbClr val="000000"/>
+              </a:solidFill>
+              <a:prstDash val="solid"/>
+              <a:round/>
+              <a:headEnd/>
+              <a:tailEnd/>
+            </a:ln>
+            <a:extLst>
+              <a:ext uri="{909E8E84-426E-40DD-AFC4-6F175D3DCCD1}">
+                <a14:hiddenFill xmlns:a14="http://schemas.microsoft.com/office/drawing/2010/main">
+                  <a:solidFill>
+                    <a:srgbClr val="FFFFFF"/>
+                  </a:solidFill>
+                </a14:hiddenFill>
+              </a:ext>
+            </a:extLst>
+          </p:spPr>
+          <p:txBody>
+            <a:bodyPr vert="horz" wrap="square" lIns="91440" tIns="45720" rIns="91440" bIns="45720" numCol="1" anchor="t" anchorCtr="0" compatLnSpc="1">
+              <a:prstTxWarp prst="textNoShape">
+                <a:avLst/>
+              </a:prstTxWarp>
+            </a:bodyPr>
+            <a:lstStyle/>
+            <a:p>
+              <a:endParaRPr lang="ja-JP" altLang="en-US"/>
+            </a:p>
+          </p:txBody>
+        </p:sp>
+        <p:sp>
+          <p:nvSpPr>
+            <p:cNvPr id="87" name="Rectangle 75"/>
+            <p:cNvSpPr>
+              <a:spLocks noChangeArrowheads="1"/>
+            </p:cNvSpPr>
+            <p:nvPr/>
+          </p:nvSpPr>
+          <p:spPr bwMode="auto">
+            <a:xfrm>
+              <a:off x="7073" y="10833"/>
+              <a:ext cx="440" cy="30"/>
+            </a:xfrm>
+            <a:prstGeom prst="rect">
+              <a:avLst/>
+            </a:prstGeom>
+            <a:noFill/>
+            <a:ln w="9525" cap="rnd">
+              <a:solidFill>
+                <a:srgbClr val="000000"/>
+              </a:solidFill>
+              <a:prstDash val="solid"/>
+              <a:round/>
+              <a:headEnd/>
+              <a:tailEnd/>
+            </a:ln>
+            <a:extLst>
+              <a:ext uri="{909E8E84-426E-40DD-AFC4-6F175D3DCCD1}">
+                <a14:hiddenFill xmlns:a14="http://schemas.microsoft.com/office/drawing/2010/main">
+                  <a:solidFill>
+                    <a:srgbClr val="FFFFFF"/>
+                  </a:solidFill>
+                </a14:hiddenFill>
+              </a:ext>
+            </a:extLst>
+          </p:spPr>
+          <p:txBody>
+            <a:bodyPr vert="horz" wrap="square" lIns="91440" tIns="45720" rIns="91440" bIns="45720" numCol="1" anchor="t" anchorCtr="0" compatLnSpc="1">
+              <a:prstTxWarp prst="textNoShape">
+                <a:avLst/>
+              </a:prstTxWarp>
+            </a:bodyPr>
+            <a:lstStyle/>
+            <a:p>
+              <a:endParaRPr lang="ja-JP" altLang="en-US"/>
+            </a:p>
+          </p:txBody>
+        </p:sp>
+        <p:sp>
+          <p:nvSpPr>
+            <p:cNvPr id="88" name="Rectangle 76"/>
+            <p:cNvSpPr>
+              <a:spLocks noChangeArrowheads="1"/>
+            </p:cNvSpPr>
+            <p:nvPr/>
+          </p:nvSpPr>
+          <p:spPr bwMode="auto">
+            <a:xfrm>
+              <a:off x="7513" y="10863"/>
+              <a:ext cx="439" cy="1"/>
+            </a:xfrm>
+            <a:prstGeom prst="rect">
+              <a:avLst/>
+            </a:prstGeom>
+            <a:noFill/>
+            <a:ln w="9525" cap="rnd">
+              <a:solidFill>
+                <a:srgbClr val="000000"/>
+              </a:solidFill>
+              <a:prstDash val="solid"/>
+              <a:round/>
+              <a:headEnd/>
+              <a:tailEnd/>
+            </a:ln>
+            <a:extLst>
+              <a:ext uri="{909E8E84-426E-40DD-AFC4-6F175D3DCCD1}">
+                <a14:hiddenFill xmlns:a14="http://schemas.microsoft.com/office/drawing/2010/main">
+                  <a:solidFill>
+                    <a:srgbClr val="FFFFFF"/>
+                  </a:solidFill>
+                </a14:hiddenFill>
+              </a:ext>
+            </a:extLst>
+          </p:spPr>
+          <p:txBody>
+            <a:bodyPr vert="horz" wrap="square" lIns="91440" tIns="45720" rIns="91440" bIns="45720" numCol="1" anchor="t" anchorCtr="0" compatLnSpc="1">
+              <a:prstTxWarp prst="textNoShape">
+                <a:avLst/>
+              </a:prstTxWarp>
+            </a:bodyPr>
+            <a:lstStyle/>
+            <a:p>
+              <a:endParaRPr lang="ja-JP" altLang="en-US"/>
+            </a:p>
+          </p:txBody>
+        </p:sp>
+        <p:sp>
+          <p:nvSpPr>
+            <p:cNvPr id="89" name="Rectangle 77"/>
+            <p:cNvSpPr>
+              <a:spLocks noChangeArrowheads="1"/>
+            </p:cNvSpPr>
+            <p:nvPr/>
+          </p:nvSpPr>
+          <p:spPr bwMode="auto">
+            <a:xfrm>
+              <a:off x="7952" y="10833"/>
+              <a:ext cx="446" cy="30"/>
+            </a:xfrm>
+            <a:prstGeom prst="rect">
+              <a:avLst/>
+            </a:prstGeom>
+            <a:noFill/>
+            <a:ln w="9525" cap="rnd">
+              <a:solidFill>
+                <a:srgbClr val="000000"/>
+              </a:solidFill>
+              <a:prstDash val="solid"/>
+              <a:round/>
+              <a:headEnd/>
+              <a:tailEnd/>
+            </a:ln>
+            <a:extLst>
+              <a:ext uri="{909E8E84-426E-40DD-AFC4-6F175D3DCCD1}">
+                <a14:hiddenFill xmlns:a14="http://schemas.microsoft.com/office/drawing/2010/main">
+                  <a:solidFill>
+                    <a:srgbClr val="FFFFFF"/>
+                  </a:solidFill>
+                </a14:hiddenFill>
+              </a:ext>
+            </a:extLst>
+          </p:spPr>
+          <p:txBody>
+            <a:bodyPr vert="horz" wrap="square" lIns="91440" tIns="45720" rIns="91440" bIns="45720" numCol="1" anchor="t" anchorCtr="0" compatLnSpc="1">
+              <a:prstTxWarp prst="textNoShape">
+                <a:avLst/>
+              </a:prstTxWarp>
+            </a:bodyPr>
+            <a:lstStyle/>
+            <a:p>
+              <a:endParaRPr lang="ja-JP" altLang="en-US"/>
+            </a:p>
+          </p:txBody>
+        </p:sp>
+      </p:grpSp>
+      <p:grpSp>
+        <p:nvGrpSpPr>
+          <p:cNvPr id="91" name="Group 80"/>
+          <p:cNvGrpSpPr>
+            <a:grpSpLocks noChangeAspect="1"/>
+          </p:cNvGrpSpPr>
+          <p:nvPr/>
+        </p:nvGrpSpPr>
+        <p:grpSpPr bwMode="auto">
+          <a:xfrm>
+            <a:off x="2701925" y="14495463"/>
+            <a:ext cx="6423025" cy="6407150"/>
+            <a:chOff x="1702" y="9131"/>
+            <a:chExt cx="4046" cy="4036"/>
+          </a:xfrm>
+        </p:grpSpPr>
+        <p:sp>
+          <p:nvSpPr>
+            <p:cNvPr id="92" name="AutoShape 79"/>
+            <p:cNvSpPr>
+              <a:spLocks noChangeAspect="1" noChangeArrowheads="1" noTextEdit="1"/>
+            </p:cNvSpPr>
+            <p:nvPr/>
+          </p:nvSpPr>
+          <p:spPr bwMode="auto">
+            <a:xfrm>
+              <a:off x="1702" y="9131"/>
+              <a:ext cx="4046" cy="4036"/>
+            </a:xfrm>
+            <a:prstGeom prst="rect">
+              <a:avLst/>
+            </a:prstGeom>
+            <a:noFill/>
+            <a:ln>
+              <a:noFill/>
+            </a:ln>
+            <a:extLst>
+              <a:ext uri="{909E8E84-426E-40DD-AFC4-6F175D3DCCD1}">
+                <a14:hiddenFill xmlns:a14="http://schemas.microsoft.com/office/drawing/2010/main">
+                  <a:solidFill>
+                    <a:srgbClr val="FFFFFF"/>
+                  </a:solidFill>
+                </a14:hiddenFill>
+              </a:ext>
+              <a:ext uri="{91240B29-F687-4F45-9708-019B960494DF}">
+                <a14:hiddenLine xmlns:a14="http://schemas.microsoft.com/office/drawing/2010/main" w="9525">
+                  <a:solidFill>
+                    <a:srgbClr val="000000"/>
+                  </a:solidFill>
+                  <a:miter lim="800000"/>
+                  <a:headEnd/>
+                  <a:tailEnd/>
+                </a14:hiddenLine>
+              </a:ext>
+            </a:extLst>
+          </p:spPr>
+          <p:txBody>
+            <a:bodyPr vert="horz" wrap="square" lIns="91440" tIns="45720" rIns="91440" bIns="45720" numCol="1" anchor="t" anchorCtr="0" compatLnSpc="1">
+              <a:prstTxWarp prst="textNoShape">
+                <a:avLst/>
+              </a:prstTxWarp>
+            </a:bodyPr>
+            <a:lstStyle/>
+            <a:p>
+              <a:endParaRPr lang="ja-JP" altLang="en-US"/>
+            </a:p>
+          </p:txBody>
+        </p:sp>
+        <p:sp>
+          <p:nvSpPr>
+            <p:cNvPr id="93" name="Line 81"/>
+            <p:cNvSpPr>
+              <a:spLocks noChangeShapeType="1"/>
+            </p:cNvSpPr>
+            <p:nvPr/>
+          </p:nvSpPr>
+          <p:spPr bwMode="auto">
+            <a:xfrm>
+              <a:off x="2298" y="12590"/>
+              <a:ext cx="3089" cy="0"/>
+            </a:xfrm>
+            <a:prstGeom prst="line">
+              <a:avLst/>
+            </a:prstGeom>
+            <a:noFill/>
+            <a:ln w="9525" cap="rnd">
+              <a:solidFill>
+                <a:srgbClr val="000000"/>
+              </a:solidFill>
+              <a:prstDash val="solid"/>
+              <a:round/>
+              <a:headEnd/>
+              <a:tailEnd/>
+            </a:ln>
+            <a:extLst>
+              <a:ext uri="{909E8E84-426E-40DD-AFC4-6F175D3DCCD1}">
+                <a14:hiddenFill xmlns:a14="http://schemas.microsoft.com/office/drawing/2010/main">
+                  <a:noFill/>
+                </a14:hiddenFill>
+              </a:ext>
+            </a:extLst>
+          </p:spPr>
+          <p:txBody>
+            <a:bodyPr vert="horz" wrap="square" lIns="91440" tIns="45720" rIns="91440" bIns="45720" numCol="1" anchor="t" anchorCtr="0" compatLnSpc="1">
+              <a:prstTxWarp prst="textNoShape">
+                <a:avLst/>
+              </a:prstTxWarp>
+            </a:bodyPr>
+            <a:lstStyle/>
+            <a:p>
+              <a:endParaRPr lang="ja-JP" altLang="en-US"/>
+            </a:p>
+          </p:txBody>
+        </p:sp>
+        <p:sp>
+          <p:nvSpPr>
+            <p:cNvPr id="94" name="Line 82"/>
+            <p:cNvSpPr>
+              <a:spLocks noChangeShapeType="1"/>
+            </p:cNvSpPr>
+            <p:nvPr/>
+          </p:nvSpPr>
+          <p:spPr bwMode="auto">
+            <a:xfrm>
+              <a:off x="2298" y="12590"/>
+              <a:ext cx="0" cy="54"/>
+            </a:xfrm>
+            <a:prstGeom prst="line">
+              <a:avLst/>
+            </a:prstGeom>
+            <a:noFill/>
+            <a:ln w="9525" cap="rnd">
+              <a:solidFill>
+                <a:srgbClr val="000000"/>
+              </a:solidFill>
+              <a:prstDash val="solid"/>
+              <a:round/>
+              <a:headEnd/>
+              <a:tailEnd/>
+            </a:ln>
+            <a:extLst>
+              <a:ext uri="{909E8E84-426E-40DD-AFC4-6F175D3DCCD1}">
+                <a14:hiddenFill xmlns:a14="http://schemas.microsoft.com/office/drawing/2010/main">
+                  <a:noFill/>
+                </a14:hiddenFill>
+              </a:ext>
+            </a:extLst>
+          </p:spPr>
+          <p:txBody>
+            <a:bodyPr vert="horz" wrap="square" lIns="91440" tIns="45720" rIns="91440" bIns="45720" numCol="1" anchor="t" anchorCtr="0" compatLnSpc="1">
+              <a:prstTxWarp prst="textNoShape">
+                <a:avLst/>
+              </a:prstTxWarp>
+            </a:bodyPr>
+            <a:lstStyle/>
+            <a:p>
+              <a:endParaRPr lang="ja-JP" altLang="en-US"/>
+            </a:p>
+          </p:txBody>
+        </p:sp>
+        <p:sp>
+          <p:nvSpPr>
+            <p:cNvPr id="95" name="Line 83"/>
+            <p:cNvSpPr>
+              <a:spLocks noChangeShapeType="1"/>
+            </p:cNvSpPr>
+            <p:nvPr/>
+          </p:nvSpPr>
+          <p:spPr bwMode="auto">
+            <a:xfrm>
+              <a:off x="2810" y="12590"/>
+              <a:ext cx="0" cy="54"/>
+            </a:xfrm>
+            <a:prstGeom prst="line">
+              <a:avLst/>
+            </a:prstGeom>
+            <a:noFill/>
+            <a:ln w="9525" cap="rnd">
+              <a:solidFill>
+                <a:srgbClr val="000000"/>
+              </a:solidFill>
+              <a:prstDash val="solid"/>
+              <a:round/>
+              <a:headEnd/>
+              <a:tailEnd/>
+            </a:ln>
+            <a:extLst>
+              <a:ext uri="{909E8E84-426E-40DD-AFC4-6F175D3DCCD1}">
+                <a14:hiddenFill xmlns:a14="http://schemas.microsoft.com/office/drawing/2010/main">
+                  <a:noFill/>
+                </a14:hiddenFill>
+              </a:ext>
+            </a:extLst>
+          </p:spPr>
+          <p:txBody>
+            <a:bodyPr vert="horz" wrap="square" lIns="91440" tIns="45720" rIns="91440" bIns="45720" numCol="1" anchor="t" anchorCtr="0" compatLnSpc="1">
+              <a:prstTxWarp prst="textNoShape">
+                <a:avLst/>
+              </a:prstTxWarp>
+            </a:bodyPr>
+            <a:lstStyle/>
+            <a:p>
+              <a:endParaRPr lang="ja-JP" altLang="en-US"/>
+            </a:p>
+          </p:txBody>
+        </p:sp>
+        <p:sp>
+          <p:nvSpPr>
+            <p:cNvPr id="96" name="Line 84"/>
+            <p:cNvSpPr>
+              <a:spLocks noChangeShapeType="1"/>
+            </p:cNvSpPr>
+            <p:nvPr/>
+          </p:nvSpPr>
+          <p:spPr bwMode="auto">
+            <a:xfrm>
+              <a:off x="3328" y="12590"/>
+              <a:ext cx="0" cy="54"/>
+            </a:xfrm>
+            <a:prstGeom prst="line">
+              <a:avLst/>
+            </a:prstGeom>
+            <a:noFill/>
+            <a:ln w="9525" cap="rnd">
+              <a:solidFill>
+                <a:srgbClr val="000000"/>
+              </a:solidFill>
+              <a:prstDash val="solid"/>
+              <a:round/>
+              <a:headEnd/>
+              <a:tailEnd/>
+            </a:ln>
+            <a:extLst>
+              <a:ext uri="{909E8E84-426E-40DD-AFC4-6F175D3DCCD1}">
+                <a14:hiddenFill xmlns:a14="http://schemas.microsoft.com/office/drawing/2010/main">
+                  <a:noFill/>
+                </a14:hiddenFill>
+              </a:ext>
+            </a:extLst>
+          </p:spPr>
+          <p:txBody>
+            <a:bodyPr vert="horz" wrap="square" lIns="91440" tIns="45720" rIns="91440" bIns="45720" numCol="1" anchor="t" anchorCtr="0" compatLnSpc="1">
+              <a:prstTxWarp prst="textNoShape">
+                <a:avLst/>
+              </a:prstTxWarp>
+            </a:bodyPr>
+            <a:lstStyle/>
+            <a:p>
+              <a:endParaRPr lang="ja-JP" altLang="en-US"/>
+            </a:p>
+          </p:txBody>
+        </p:sp>
+        <p:sp>
+          <p:nvSpPr>
+            <p:cNvPr id="97" name="Line 85"/>
+            <p:cNvSpPr>
+              <a:spLocks noChangeShapeType="1"/>
+            </p:cNvSpPr>
+            <p:nvPr/>
+          </p:nvSpPr>
+          <p:spPr bwMode="auto">
+            <a:xfrm>
+              <a:off x="3839" y="12590"/>
+              <a:ext cx="0" cy="54"/>
+            </a:xfrm>
+            <a:prstGeom prst="line">
+              <a:avLst/>
+            </a:prstGeom>
+            <a:noFill/>
+            <a:ln w="9525" cap="rnd">
+              <a:solidFill>
+                <a:srgbClr val="000000"/>
+              </a:solidFill>
+              <a:prstDash val="solid"/>
+              <a:round/>
+              <a:headEnd/>
+              <a:tailEnd/>
+            </a:ln>
+            <a:extLst>
+              <a:ext uri="{909E8E84-426E-40DD-AFC4-6F175D3DCCD1}">
+                <a14:hiddenFill xmlns:a14="http://schemas.microsoft.com/office/drawing/2010/main">
+                  <a:noFill/>
+                </a14:hiddenFill>
+              </a:ext>
+            </a:extLst>
+          </p:spPr>
+          <p:txBody>
+            <a:bodyPr vert="horz" wrap="square" lIns="91440" tIns="45720" rIns="91440" bIns="45720" numCol="1" anchor="t" anchorCtr="0" compatLnSpc="1">
+              <a:prstTxWarp prst="textNoShape">
+                <a:avLst/>
+              </a:prstTxWarp>
+            </a:bodyPr>
+            <a:lstStyle/>
+            <a:p>
+              <a:endParaRPr lang="ja-JP" altLang="en-US"/>
+            </a:p>
+          </p:txBody>
+        </p:sp>
+        <p:sp>
+          <p:nvSpPr>
+            <p:cNvPr id="98" name="Line 86"/>
+            <p:cNvSpPr>
+              <a:spLocks noChangeShapeType="1"/>
+            </p:cNvSpPr>
+            <p:nvPr/>
+          </p:nvSpPr>
+          <p:spPr bwMode="auto">
+            <a:xfrm>
+              <a:off x="4357" y="12590"/>
+              <a:ext cx="0" cy="54"/>
+            </a:xfrm>
+            <a:prstGeom prst="line">
+              <a:avLst/>
+            </a:prstGeom>
+            <a:noFill/>
+            <a:ln w="9525" cap="rnd">
+              <a:solidFill>
+                <a:srgbClr val="000000"/>
+              </a:solidFill>
+              <a:prstDash val="solid"/>
+              <a:round/>
+              <a:headEnd/>
+              <a:tailEnd/>
+            </a:ln>
+            <a:extLst>
+              <a:ext uri="{909E8E84-426E-40DD-AFC4-6F175D3DCCD1}">
+                <a14:hiddenFill xmlns:a14="http://schemas.microsoft.com/office/drawing/2010/main">
+                  <a:noFill/>
+                </a14:hiddenFill>
+              </a:ext>
+            </a:extLst>
+          </p:spPr>
+          <p:txBody>
+            <a:bodyPr vert="horz" wrap="square" lIns="91440" tIns="45720" rIns="91440" bIns="45720" numCol="1" anchor="t" anchorCtr="0" compatLnSpc="1">
+              <a:prstTxWarp prst="textNoShape">
+                <a:avLst/>
+              </a:prstTxWarp>
+            </a:bodyPr>
+            <a:lstStyle/>
+            <a:p>
+              <a:endParaRPr lang="ja-JP" altLang="en-US"/>
+            </a:p>
+          </p:txBody>
+        </p:sp>
+        <p:sp>
+          <p:nvSpPr>
+            <p:cNvPr id="99" name="Line 87"/>
+            <p:cNvSpPr>
+              <a:spLocks noChangeShapeType="1"/>
+            </p:cNvSpPr>
+            <p:nvPr/>
+          </p:nvSpPr>
+          <p:spPr bwMode="auto">
+            <a:xfrm>
+              <a:off x="4869" y="12590"/>
+              <a:ext cx="0" cy="54"/>
+            </a:xfrm>
+            <a:prstGeom prst="line">
+              <a:avLst/>
+            </a:prstGeom>
+            <a:noFill/>
+            <a:ln w="9525" cap="rnd">
+              <a:solidFill>
+                <a:srgbClr val="000000"/>
+              </a:solidFill>
+              <a:prstDash val="solid"/>
+              <a:round/>
+              <a:headEnd/>
+              <a:tailEnd/>
+            </a:ln>
+            <a:extLst>
+              <a:ext uri="{909E8E84-426E-40DD-AFC4-6F175D3DCCD1}">
+                <a14:hiddenFill xmlns:a14="http://schemas.microsoft.com/office/drawing/2010/main">
+                  <a:noFill/>
+                </a14:hiddenFill>
+              </a:ext>
+            </a:extLst>
+          </p:spPr>
+          <p:txBody>
+            <a:bodyPr vert="horz" wrap="square" lIns="91440" tIns="45720" rIns="91440" bIns="45720" numCol="1" anchor="t" anchorCtr="0" compatLnSpc="1">
+              <a:prstTxWarp prst="textNoShape">
+                <a:avLst/>
+              </a:prstTxWarp>
+            </a:bodyPr>
+            <a:lstStyle/>
+            <a:p>
+              <a:endParaRPr lang="ja-JP" altLang="en-US"/>
+            </a:p>
+          </p:txBody>
+        </p:sp>
+        <p:sp>
+          <p:nvSpPr>
+            <p:cNvPr id="100" name="Line 88"/>
+            <p:cNvSpPr>
+              <a:spLocks noChangeShapeType="1"/>
+            </p:cNvSpPr>
+            <p:nvPr/>
+          </p:nvSpPr>
+          <p:spPr bwMode="auto">
+            <a:xfrm>
+              <a:off x="5387" y="12590"/>
+              <a:ext cx="0" cy="54"/>
+            </a:xfrm>
+            <a:prstGeom prst="line">
+              <a:avLst/>
+            </a:prstGeom>
+            <a:noFill/>
+            <a:ln w="9525" cap="rnd">
+              <a:solidFill>
+                <a:srgbClr val="000000"/>
+              </a:solidFill>
+              <a:prstDash val="solid"/>
+              <a:round/>
+              <a:headEnd/>
+              <a:tailEnd/>
+            </a:ln>
+            <a:extLst>
+              <a:ext uri="{909E8E84-426E-40DD-AFC4-6F175D3DCCD1}">
+                <a14:hiddenFill xmlns:a14="http://schemas.microsoft.com/office/drawing/2010/main">
+                  <a:noFill/>
+                </a14:hiddenFill>
+              </a:ext>
+            </a:extLst>
+          </p:spPr>
+          <p:txBody>
+            <a:bodyPr vert="horz" wrap="square" lIns="91440" tIns="45720" rIns="91440" bIns="45720" numCol="1" anchor="t" anchorCtr="0" compatLnSpc="1">
+              <a:prstTxWarp prst="textNoShape">
+                <a:avLst/>
+              </a:prstTxWarp>
+            </a:bodyPr>
+            <a:lstStyle/>
+            <a:p>
+              <a:endParaRPr lang="ja-JP" altLang="en-US"/>
+            </a:p>
+          </p:txBody>
+        </p:sp>
+        <p:sp>
+          <p:nvSpPr>
+            <p:cNvPr id="101" name="Rectangle 89"/>
+            <p:cNvSpPr>
+              <a:spLocks noChangeArrowheads="1"/>
+            </p:cNvSpPr>
+            <p:nvPr/>
+          </p:nvSpPr>
+          <p:spPr bwMode="auto">
+            <a:xfrm>
+              <a:off x="2211" y="12716"/>
+              <a:ext cx="174" cy="132"/>
+            </a:xfrm>
+            <a:prstGeom prst="rect">
+              <a:avLst/>
+            </a:prstGeom>
+            <a:noFill/>
+            <a:ln>
+              <a:noFill/>
+            </a:ln>
+            <a:extLst>
+              <a:ext uri="{909E8E84-426E-40DD-AFC4-6F175D3DCCD1}">
+                <a14:hiddenFill xmlns:a14="http://schemas.microsoft.com/office/drawing/2010/main">
+                  <a:solidFill>
+                    <a:srgbClr val="FFFFFF"/>
+                  </a:solidFill>
+                </a14:hiddenFill>
+              </a:ext>
+              <a:ext uri="{91240B29-F687-4F45-9708-019B960494DF}">
+                <a14:hiddenLine xmlns:a14="http://schemas.microsoft.com/office/drawing/2010/main" w="9525">
+                  <a:solidFill>
+                    <a:srgbClr val="000000"/>
+                  </a:solidFill>
+                  <a:miter lim="800000"/>
+                  <a:headEnd/>
+                  <a:tailEnd/>
+                </a14:hiddenLine>
+              </a:ext>
+            </a:extLst>
+          </p:spPr>
+          <p:txBody>
+            <a:bodyPr vert="horz" wrap="none" lIns="0" tIns="0" rIns="0" bIns="0" numCol="1" anchor="t" anchorCtr="0" compatLnSpc="1">
+              <a:prstTxWarp prst="textNoShape">
+                <a:avLst/>
+              </a:prstTxWarp>
+              <a:spAutoFit/>
+            </a:bodyPr>
+            <a:lstStyle>
+              <a:lvl1pPr eaLnBrk="0" fontAlgn="base" hangingPunct="0">
+                <a:spcBef>
+                  <a:spcPct val="0"/>
+                </a:spcBef>
+                <a:spcAft>
+                  <a:spcPct val="0"/>
+                </a:spcAft>
+                <a:defRPr>
+                  <a:solidFill>
+                    <a:schemeClr val="tx1"/>
+                  </a:solidFill>
+                  <a:latin typeface="Arial" panose="020B0604020202020204" pitchFamily="34" charset="0"/>
+                </a:defRPr>
+              </a:lvl1pPr>
+              <a:lvl2pPr marL="457200" eaLnBrk="0" fontAlgn="base" hangingPunct="0">
+                <a:spcBef>
+                  <a:spcPct val="0"/>
+                </a:spcBef>
+                <a:spcAft>
+                  <a:spcPct val="0"/>
+                </a:spcAft>
+                <a:defRPr>
+                  <a:solidFill>
+                    <a:schemeClr val="tx1"/>
+                  </a:solidFill>
+                  <a:latin typeface="Arial" panose="020B0604020202020204" pitchFamily="34" charset="0"/>
+                </a:defRPr>
+              </a:lvl2pPr>
+              <a:lvl3pPr marL="914400" eaLnBrk="0" fontAlgn="base" hangingPunct="0">
+                <a:spcBef>
+                  <a:spcPct val="0"/>
+                </a:spcBef>
+                <a:spcAft>
+                  <a:spcPct val="0"/>
+                </a:spcAft>
+                <a:defRPr>
+                  <a:solidFill>
+                    <a:schemeClr val="tx1"/>
+                  </a:solidFill>
+                  <a:latin typeface="Arial" panose="020B0604020202020204" pitchFamily="34" charset="0"/>
+                </a:defRPr>
+              </a:lvl3pPr>
+              <a:lvl4pPr marL="1371600" eaLnBrk="0" fontAlgn="base" hangingPunct="0">
+                <a:spcBef>
+                  <a:spcPct val="0"/>
+                </a:spcBef>
+                <a:spcAft>
+                  <a:spcPct val="0"/>
+                </a:spcAft>
+                <a:defRPr>
+                  <a:solidFill>
+                    <a:schemeClr val="tx1"/>
+                  </a:solidFill>
+                  <a:latin typeface="Arial" panose="020B0604020202020204" pitchFamily="34" charset="0"/>
+                </a:defRPr>
+              </a:lvl4pPr>
+              <a:lvl5pPr marL="1828800" eaLnBrk="0" fontAlgn="base" hangingPunct="0">
+                <a:spcBef>
+                  <a:spcPct val="0"/>
+                </a:spcBef>
+                <a:spcAft>
+                  <a:spcPct val="0"/>
+                </a:spcAft>
+                <a:defRPr>
+                  <a:solidFill>
+                    <a:schemeClr val="tx1"/>
+                  </a:solidFill>
+                  <a:latin typeface="Arial" panose="020B0604020202020204" pitchFamily="34" charset="0"/>
+                </a:defRPr>
+              </a:lvl5pPr>
+              <a:lvl6pPr marL="2286000" eaLnBrk="0" fontAlgn="base" hangingPunct="0">
+                <a:spcBef>
+                  <a:spcPct val="0"/>
+                </a:spcBef>
+                <a:spcAft>
+                  <a:spcPct val="0"/>
+                </a:spcAft>
+                <a:defRPr>
+                  <a:solidFill>
+                    <a:schemeClr val="tx1"/>
+                  </a:solidFill>
+                  <a:latin typeface="Arial" panose="020B0604020202020204" pitchFamily="34" charset="0"/>
+                </a:defRPr>
+              </a:lvl6pPr>
+              <a:lvl7pPr marL="2743200" eaLnBrk="0" fontAlgn="base" hangingPunct="0">
+                <a:spcBef>
+                  <a:spcPct val="0"/>
+                </a:spcBef>
+                <a:spcAft>
+                  <a:spcPct val="0"/>
+                </a:spcAft>
+                <a:defRPr>
+                  <a:solidFill>
+                    <a:schemeClr val="tx1"/>
+                  </a:solidFill>
+                  <a:latin typeface="Arial" panose="020B0604020202020204" pitchFamily="34" charset="0"/>
+                </a:defRPr>
+              </a:lvl7pPr>
+              <a:lvl8pPr marL="3200400" eaLnBrk="0" fontAlgn="base" hangingPunct="0">
+                <a:spcBef>
+                  <a:spcPct val="0"/>
+                </a:spcBef>
+                <a:spcAft>
+                  <a:spcPct val="0"/>
+                </a:spcAft>
+                <a:defRPr>
+                  <a:solidFill>
+                    <a:schemeClr val="tx1"/>
+                  </a:solidFill>
+                  <a:latin typeface="Arial" panose="020B0604020202020204" pitchFamily="34" charset="0"/>
+                </a:defRPr>
+              </a:lvl8pPr>
+              <a:lvl9pPr marL="3657600" eaLnBrk="0" fontAlgn="base" hangingPunct="0">
+                <a:spcBef>
+                  <a:spcPct val="0"/>
+                </a:spcBef>
+                <a:spcAft>
+                  <a:spcPct val="0"/>
+                </a:spcAft>
+                <a:defRPr>
+                  <a:solidFill>
+                    <a:schemeClr val="tx1"/>
+                  </a:solidFill>
+                  <a:latin typeface="Arial" panose="020B0604020202020204" pitchFamily="34" charset="0"/>
+                </a:defRPr>
+              </a:lvl9pPr>
+            </a:lstStyle>
+            <a:p>
+              <a:pPr marL="0" marR="0" lvl="0" indent="0" algn="l" defTabSz="914400" rtl="0" eaLnBrk="0" fontAlgn="base" latinLnBrk="0" hangingPunct="0">
+                <a:lnSpc>
+                  <a:spcPct val="100000"/>
+                </a:lnSpc>
+                <a:spcBef>
+                  <a:spcPct val="0"/>
+                </a:spcBef>
+                <a:spcAft>
+                  <a:spcPct val="0"/>
+                </a:spcAft>
+                <a:buClrTx/>
+                <a:buSzTx/>
+                <a:buFontTx/>
+                <a:buNone/>
+                <a:tabLst/>
+              </a:pPr>
+              <a:r>
+                <a:rPr kumimoji="0" lang="ja-JP" altLang="ja-JP" sz="1200" b="0" i="0" u="none" strike="noStrike" cap="none" normalizeH="0" baseline="0" smtClean="0">
+                  <a:ln>
+                    <a:noFill/>
+                  </a:ln>
+                  <a:solidFill>
+                    <a:srgbClr val="000000"/>
+                  </a:solidFill>
+                  <a:effectLst/>
+                  <a:latin typeface="Arial" panose="020B0604020202020204" pitchFamily="34" charset="0"/>
+                </a:rPr>
+                <a:t>0.0</a:t>
+              </a:r>
+              <a:endParaRPr kumimoji="0" lang="ja-JP" altLang="ja-JP" sz="1800" b="0" i="0" u="none" strike="noStrike" cap="none" normalizeH="0" baseline="0" smtClean="0">
+                <a:ln>
+                  <a:noFill/>
+                </a:ln>
+                <a:solidFill>
+                  <a:schemeClr val="tx1"/>
+                </a:solidFill>
+                <a:effectLst/>
+                <a:latin typeface="Arial" panose="020B0604020202020204" pitchFamily="34" charset="0"/>
+              </a:endParaRPr>
+            </a:p>
+          </p:txBody>
+        </p:sp>
+        <p:sp>
+          <p:nvSpPr>
+            <p:cNvPr id="102" name="Rectangle 90"/>
+            <p:cNvSpPr>
+              <a:spLocks noChangeArrowheads="1"/>
+            </p:cNvSpPr>
+            <p:nvPr/>
+          </p:nvSpPr>
+          <p:spPr bwMode="auto">
+            <a:xfrm>
+              <a:off x="2723" y="12716"/>
+              <a:ext cx="174" cy="132"/>
+            </a:xfrm>
+            <a:prstGeom prst="rect">
+              <a:avLst/>
+            </a:prstGeom>
+            <a:noFill/>
+            <a:ln>
+              <a:noFill/>
+            </a:ln>
+            <a:extLst>
+              <a:ext uri="{909E8E84-426E-40DD-AFC4-6F175D3DCCD1}">
+                <a14:hiddenFill xmlns:a14="http://schemas.microsoft.com/office/drawing/2010/main">
+                  <a:solidFill>
+                    <a:srgbClr val="FFFFFF"/>
+                  </a:solidFill>
+                </a14:hiddenFill>
+              </a:ext>
+              <a:ext uri="{91240B29-F687-4F45-9708-019B960494DF}">
+                <a14:hiddenLine xmlns:a14="http://schemas.microsoft.com/office/drawing/2010/main" w="9525">
+                  <a:solidFill>
+                    <a:srgbClr val="000000"/>
+                  </a:solidFill>
+                  <a:miter lim="800000"/>
+                  <a:headEnd/>
+                  <a:tailEnd/>
+                </a14:hiddenLine>
+              </a:ext>
+            </a:extLst>
+          </p:spPr>
+          <p:txBody>
+            <a:bodyPr vert="horz" wrap="none" lIns="0" tIns="0" rIns="0" bIns="0" numCol="1" anchor="t" anchorCtr="0" compatLnSpc="1">
+              <a:prstTxWarp prst="textNoShape">
+                <a:avLst/>
+              </a:prstTxWarp>
+              <a:spAutoFit/>
+            </a:bodyPr>
+            <a:lstStyle>
+              <a:lvl1pPr eaLnBrk="0" fontAlgn="base" hangingPunct="0">
+                <a:spcBef>
+                  <a:spcPct val="0"/>
+                </a:spcBef>
+                <a:spcAft>
+                  <a:spcPct val="0"/>
+                </a:spcAft>
+                <a:defRPr>
+                  <a:solidFill>
+                    <a:schemeClr val="tx1"/>
+                  </a:solidFill>
+                  <a:latin typeface="Arial" panose="020B0604020202020204" pitchFamily="34" charset="0"/>
+                </a:defRPr>
+              </a:lvl1pPr>
+              <a:lvl2pPr marL="457200" eaLnBrk="0" fontAlgn="base" hangingPunct="0">
+                <a:spcBef>
+                  <a:spcPct val="0"/>
+                </a:spcBef>
+                <a:spcAft>
+                  <a:spcPct val="0"/>
+                </a:spcAft>
+                <a:defRPr>
+                  <a:solidFill>
+                    <a:schemeClr val="tx1"/>
+                  </a:solidFill>
+                  <a:latin typeface="Arial" panose="020B0604020202020204" pitchFamily="34" charset="0"/>
+                </a:defRPr>
+              </a:lvl2pPr>
+              <a:lvl3pPr marL="914400" eaLnBrk="0" fontAlgn="base" hangingPunct="0">
+                <a:spcBef>
+                  <a:spcPct val="0"/>
+                </a:spcBef>
+                <a:spcAft>
+                  <a:spcPct val="0"/>
+                </a:spcAft>
+                <a:defRPr>
+                  <a:solidFill>
+                    <a:schemeClr val="tx1"/>
+                  </a:solidFill>
+                  <a:latin typeface="Arial" panose="020B0604020202020204" pitchFamily="34" charset="0"/>
+                </a:defRPr>
+              </a:lvl3pPr>
+              <a:lvl4pPr marL="1371600" eaLnBrk="0" fontAlgn="base" hangingPunct="0">
+                <a:spcBef>
+                  <a:spcPct val="0"/>
+                </a:spcBef>
+                <a:spcAft>
+                  <a:spcPct val="0"/>
+                </a:spcAft>
+                <a:defRPr>
+                  <a:solidFill>
+                    <a:schemeClr val="tx1"/>
+                  </a:solidFill>
+                  <a:latin typeface="Arial" panose="020B0604020202020204" pitchFamily="34" charset="0"/>
+                </a:defRPr>
+              </a:lvl4pPr>
+              <a:lvl5pPr marL="1828800" eaLnBrk="0" fontAlgn="base" hangingPunct="0">
+                <a:spcBef>
+                  <a:spcPct val="0"/>
+                </a:spcBef>
+                <a:spcAft>
+                  <a:spcPct val="0"/>
+                </a:spcAft>
+                <a:defRPr>
+                  <a:solidFill>
+                    <a:schemeClr val="tx1"/>
+                  </a:solidFill>
+                  <a:latin typeface="Arial" panose="020B0604020202020204" pitchFamily="34" charset="0"/>
+                </a:defRPr>
+              </a:lvl5pPr>
+              <a:lvl6pPr marL="2286000" eaLnBrk="0" fontAlgn="base" hangingPunct="0">
+                <a:spcBef>
+                  <a:spcPct val="0"/>
+                </a:spcBef>
+                <a:spcAft>
+                  <a:spcPct val="0"/>
+                </a:spcAft>
+                <a:defRPr>
+                  <a:solidFill>
+                    <a:schemeClr val="tx1"/>
+                  </a:solidFill>
+                  <a:latin typeface="Arial" panose="020B0604020202020204" pitchFamily="34" charset="0"/>
+                </a:defRPr>
+              </a:lvl6pPr>
+              <a:lvl7pPr marL="2743200" eaLnBrk="0" fontAlgn="base" hangingPunct="0">
+                <a:spcBef>
+                  <a:spcPct val="0"/>
+                </a:spcBef>
+                <a:spcAft>
+                  <a:spcPct val="0"/>
+                </a:spcAft>
+                <a:defRPr>
+                  <a:solidFill>
+                    <a:schemeClr val="tx1"/>
+                  </a:solidFill>
+                  <a:latin typeface="Arial" panose="020B0604020202020204" pitchFamily="34" charset="0"/>
+                </a:defRPr>
+              </a:lvl7pPr>
+              <a:lvl8pPr marL="3200400" eaLnBrk="0" fontAlgn="base" hangingPunct="0">
+                <a:spcBef>
+                  <a:spcPct val="0"/>
+                </a:spcBef>
+                <a:spcAft>
+                  <a:spcPct val="0"/>
+                </a:spcAft>
+                <a:defRPr>
+                  <a:solidFill>
+                    <a:schemeClr val="tx1"/>
+                  </a:solidFill>
+                  <a:latin typeface="Arial" panose="020B0604020202020204" pitchFamily="34" charset="0"/>
+                </a:defRPr>
+              </a:lvl8pPr>
+              <a:lvl9pPr marL="3657600" eaLnBrk="0" fontAlgn="base" hangingPunct="0">
+                <a:spcBef>
+                  <a:spcPct val="0"/>
+                </a:spcBef>
+                <a:spcAft>
+                  <a:spcPct val="0"/>
+                </a:spcAft>
+                <a:defRPr>
+                  <a:solidFill>
+                    <a:schemeClr val="tx1"/>
+                  </a:solidFill>
+                  <a:latin typeface="Arial" panose="020B0604020202020204" pitchFamily="34" charset="0"/>
+                </a:defRPr>
+              </a:lvl9pPr>
+            </a:lstStyle>
+            <a:p>
+              <a:pPr marL="0" marR="0" lvl="0" indent="0" algn="l" defTabSz="914400" rtl="0" eaLnBrk="0" fontAlgn="base" latinLnBrk="0" hangingPunct="0">
+                <a:lnSpc>
+                  <a:spcPct val="100000"/>
+                </a:lnSpc>
+                <a:spcBef>
+                  <a:spcPct val="0"/>
+                </a:spcBef>
+                <a:spcAft>
+                  <a:spcPct val="0"/>
+                </a:spcAft>
+                <a:buClrTx/>
+                <a:buSzTx/>
+                <a:buFontTx/>
+                <a:buNone/>
+                <a:tabLst/>
+              </a:pPr>
+              <a:r>
+                <a:rPr kumimoji="0" lang="ja-JP" altLang="ja-JP" sz="1200" b="0" i="0" u="none" strike="noStrike" cap="none" normalizeH="0" baseline="0" smtClean="0">
+                  <a:ln>
+                    <a:noFill/>
+                  </a:ln>
+                  <a:solidFill>
+                    <a:srgbClr val="000000"/>
+                  </a:solidFill>
+                  <a:effectLst/>
+                  <a:latin typeface="Arial" panose="020B0604020202020204" pitchFamily="34" charset="0"/>
+                </a:rPr>
+                <a:t>0.5</a:t>
+              </a:r>
+              <a:endParaRPr kumimoji="0" lang="ja-JP" altLang="ja-JP" sz="1800" b="0" i="0" u="none" strike="noStrike" cap="none" normalizeH="0" baseline="0" smtClean="0">
+                <a:ln>
+                  <a:noFill/>
+                </a:ln>
+                <a:solidFill>
+                  <a:schemeClr val="tx1"/>
+                </a:solidFill>
+                <a:effectLst/>
+                <a:latin typeface="Arial" panose="020B0604020202020204" pitchFamily="34" charset="0"/>
+              </a:endParaRPr>
+            </a:p>
+          </p:txBody>
+        </p:sp>
+        <p:sp>
+          <p:nvSpPr>
+            <p:cNvPr id="103" name="Rectangle 91"/>
+            <p:cNvSpPr>
+              <a:spLocks noChangeArrowheads="1"/>
+            </p:cNvSpPr>
+            <p:nvPr/>
+          </p:nvSpPr>
+          <p:spPr bwMode="auto">
+            <a:xfrm>
+              <a:off x="3241" y="12716"/>
+              <a:ext cx="174" cy="132"/>
+            </a:xfrm>
+            <a:prstGeom prst="rect">
+              <a:avLst/>
+            </a:prstGeom>
+            <a:noFill/>
+            <a:ln>
+              <a:noFill/>
+            </a:ln>
+            <a:extLst>
+              <a:ext uri="{909E8E84-426E-40DD-AFC4-6F175D3DCCD1}">
+                <a14:hiddenFill xmlns:a14="http://schemas.microsoft.com/office/drawing/2010/main">
+                  <a:solidFill>
+                    <a:srgbClr val="FFFFFF"/>
+                  </a:solidFill>
+                </a14:hiddenFill>
+              </a:ext>
+              <a:ext uri="{91240B29-F687-4F45-9708-019B960494DF}">
+                <a14:hiddenLine xmlns:a14="http://schemas.microsoft.com/office/drawing/2010/main" w="9525">
+                  <a:solidFill>
+                    <a:srgbClr val="000000"/>
+                  </a:solidFill>
+                  <a:miter lim="800000"/>
+                  <a:headEnd/>
+                  <a:tailEnd/>
+                </a14:hiddenLine>
+              </a:ext>
+            </a:extLst>
+          </p:spPr>
+          <p:txBody>
+            <a:bodyPr vert="horz" wrap="none" lIns="0" tIns="0" rIns="0" bIns="0" numCol="1" anchor="t" anchorCtr="0" compatLnSpc="1">
+              <a:prstTxWarp prst="textNoShape">
+                <a:avLst/>
+              </a:prstTxWarp>
+              <a:spAutoFit/>
+            </a:bodyPr>
+            <a:lstStyle>
+              <a:lvl1pPr eaLnBrk="0" fontAlgn="base" hangingPunct="0">
+                <a:spcBef>
+                  <a:spcPct val="0"/>
+                </a:spcBef>
+                <a:spcAft>
+                  <a:spcPct val="0"/>
+                </a:spcAft>
+                <a:defRPr>
+                  <a:solidFill>
+                    <a:schemeClr val="tx1"/>
+                  </a:solidFill>
+                  <a:latin typeface="Arial" panose="020B0604020202020204" pitchFamily="34" charset="0"/>
+                </a:defRPr>
+              </a:lvl1pPr>
+              <a:lvl2pPr marL="457200" eaLnBrk="0" fontAlgn="base" hangingPunct="0">
+                <a:spcBef>
+                  <a:spcPct val="0"/>
+                </a:spcBef>
+                <a:spcAft>
+                  <a:spcPct val="0"/>
+                </a:spcAft>
+                <a:defRPr>
+                  <a:solidFill>
+                    <a:schemeClr val="tx1"/>
+                  </a:solidFill>
+                  <a:latin typeface="Arial" panose="020B0604020202020204" pitchFamily="34" charset="0"/>
+                </a:defRPr>
+              </a:lvl2pPr>
+              <a:lvl3pPr marL="914400" eaLnBrk="0" fontAlgn="base" hangingPunct="0">
+                <a:spcBef>
+                  <a:spcPct val="0"/>
+                </a:spcBef>
+                <a:spcAft>
+                  <a:spcPct val="0"/>
+                </a:spcAft>
+                <a:defRPr>
+                  <a:solidFill>
+                    <a:schemeClr val="tx1"/>
+                  </a:solidFill>
+                  <a:latin typeface="Arial" panose="020B0604020202020204" pitchFamily="34" charset="0"/>
+                </a:defRPr>
+              </a:lvl3pPr>
+              <a:lvl4pPr marL="1371600" eaLnBrk="0" fontAlgn="base" hangingPunct="0">
+                <a:spcBef>
+                  <a:spcPct val="0"/>
+                </a:spcBef>
+                <a:spcAft>
+                  <a:spcPct val="0"/>
+                </a:spcAft>
+                <a:defRPr>
+                  <a:solidFill>
+                    <a:schemeClr val="tx1"/>
+                  </a:solidFill>
+                  <a:latin typeface="Arial" panose="020B0604020202020204" pitchFamily="34" charset="0"/>
+                </a:defRPr>
+              </a:lvl4pPr>
+              <a:lvl5pPr marL="1828800" eaLnBrk="0" fontAlgn="base" hangingPunct="0">
+                <a:spcBef>
+                  <a:spcPct val="0"/>
+                </a:spcBef>
+                <a:spcAft>
+                  <a:spcPct val="0"/>
+                </a:spcAft>
+                <a:defRPr>
+                  <a:solidFill>
+                    <a:schemeClr val="tx1"/>
+                  </a:solidFill>
+                  <a:latin typeface="Arial" panose="020B0604020202020204" pitchFamily="34" charset="0"/>
+                </a:defRPr>
+              </a:lvl5pPr>
+              <a:lvl6pPr marL="2286000" eaLnBrk="0" fontAlgn="base" hangingPunct="0">
+                <a:spcBef>
+                  <a:spcPct val="0"/>
+                </a:spcBef>
+                <a:spcAft>
+                  <a:spcPct val="0"/>
+                </a:spcAft>
+                <a:defRPr>
+                  <a:solidFill>
+                    <a:schemeClr val="tx1"/>
+                  </a:solidFill>
+                  <a:latin typeface="Arial" panose="020B0604020202020204" pitchFamily="34" charset="0"/>
+                </a:defRPr>
+              </a:lvl6pPr>
+              <a:lvl7pPr marL="2743200" eaLnBrk="0" fontAlgn="base" hangingPunct="0">
+                <a:spcBef>
+                  <a:spcPct val="0"/>
+                </a:spcBef>
+                <a:spcAft>
+                  <a:spcPct val="0"/>
+                </a:spcAft>
+                <a:defRPr>
+                  <a:solidFill>
+                    <a:schemeClr val="tx1"/>
+                  </a:solidFill>
+                  <a:latin typeface="Arial" panose="020B0604020202020204" pitchFamily="34" charset="0"/>
+                </a:defRPr>
+              </a:lvl7pPr>
+              <a:lvl8pPr marL="3200400" eaLnBrk="0" fontAlgn="base" hangingPunct="0">
+                <a:spcBef>
+                  <a:spcPct val="0"/>
+                </a:spcBef>
+                <a:spcAft>
+                  <a:spcPct val="0"/>
+                </a:spcAft>
+                <a:defRPr>
+                  <a:solidFill>
+                    <a:schemeClr val="tx1"/>
+                  </a:solidFill>
+                  <a:latin typeface="Arial" panose="020B0604020202020204" pitchFamily="34" charset="0"/>
+                </a:defRPr>
+              </a:lvl8pPr>
+              <a:lvl9pPr marL="3657600" eaLnBrk="0" fontAlgn="base" hangingPunct="0">
+                <a:spcBef>
+                  <a:spcPct val="0"/>
+                </a:spcBef>
+                <a:spcAft>
+                  <a:spcPct val="0"/>
+                </a:spcAft>
+                <a:defRPr>
+                  <a:solidFill>
+                    <a:schemeClr val="tx1"/>
+                  </a:solidFill>
+                  <a:latin typeface="Arial" panose="020B0604020202020204" pitchFamily="34" charset="0"/>
+                </a:defRPr>
+              </a:lvl9pPr>
+            </a:lstStyle>
+            <a:p>
+              <a:pPr marL="0" marR="0" lvl="0" indent="0" algn="l" defTabSz="914400" rtl="0" eaLnBrk="0" fontAlgn="base" latinLnBrk="0" hangingPunct="0">
+                <a:lnSpc>
+                  <a:spcPct val="100000"/>
+                </a:lnSpc>
+                <a:spcBef>
+                  <a:spcPct val="0"/>
+                </a:spcBef>
+                <a:spcAft>
+                  <a:spcPct val="0"/>
+                </a:spcAft>
+                <a:buClrTx/>
+                <a:buSzTx/>
+                <a:buFontTx/>
+                <a:buNone/>
+                <a:tabLst/>
+              </a:pPr>
+              <a:r>
+                <a:rPr kumimoji="0" lang="ja-JP" altLang="ja-JP" sz="1200" b="0" i="0" u="none" strike="noStrike" cap="none" normalizeH="0" baseline="0" smtClean="0">
+                  <a:ln>
+                    <a:noFill/>
+                  </a:ln>
+                  <a:solidFill>
+                    <a:srgbClr val="000000"/>
+                  </a:solidFill>
+                  <a:effectLst/>
+                  <a:latin typeface="Arial" panose="020B0604020202020204" pitchFamily="34" charset="0"/>
+                </a:rPr>
+                <a:t>1.0</a:t>
+              </a:r>
+              <a:endParaRPr kumimoji="0" lang="ja-JP" altLang="ja-JP" sz="1800" b="0" i="0" u="none" strike="noStrike" cap="none" normalizeH="0" baseline="0" smtClean="0">
+                <a:ln>
+                  <a:noFill/>
+                </a:ln>
+                <a:solidFill>
+                  <a:schemeClr val="tx1"/>
+                </a:solidFill>
+                <a:effectLst/>
+                <a:latin typeface="Arial" panose="020B0604020202020204" pitchFamily="34" charset="0"/>
+              </a:endParaRPr>
+            </a:p>
+          </p:txBody>
+        </p:sp>
+        <p:sp>
+          <p:nvSpPr>
+            <p:cNvPr id="104" name="Rectangle 92"/>
+            <p:cNvSpPr>
+              <a:spLocks noChangeArrowheads="1"/>
+            </p:cNvSpPr>
+            <p:nvPr/>
+          </p:nvSpPr>
+          <p:spPr bwMode="auto">
+            <a:xfrm>
+              <a:off x="3752" y="12716"/>
+              <a:ext cx="174" cy="132"/>
+            </a:xfrm>
+            <a:prstGeom prst="rect">
+              <a:avLst/>
+            </a:prstGeom>
+            <a:noFill/>
+            <a:ln>
+              <a:noFill/>
+            </a:ln>
+            <a:extLst>
+              <a:ext uri="{909E8E84-426E-40DD-AFC4-6F175D3DCCD1}">
+                <a14:hiddenFill xmlns:a14="http://schemas.microsoft.com/office/drawing/2010/main">
+                  <a:solidFill>
+                    <a:srgbClr val="FFFFFF"/>
+                  </a:solidFill>
+                </a14:hiddenFill>
+              </a:ext>
+              <a:ext uri="{91240B29-F687-4F45-9708-019B960494DF}">
+                <a14:hiddenLine xmlns:a14="http://schemas.microsoft.com/office/drawing/2010/main" w="9525">
+                  <a:solidFill>
+                    <a:srgbClr val="000000"/>
+                  </a:solidFill>
+                  <a:miter lim="800000"/>
+                  <a:headEnd/>
+                  <a:tailEnd/>
+                </a14:hiddenLine>
+              </a:ext>
+            </a:extLst>
+          </p:spPr>
+          <p:txBody>
+            <a:bodyPr vert="horz" wrap="none" lIns="0" tIns="0" rIns="0" bIns="0" numCol="1" anchor="t" anchorCtr="0" compatLnSpc="1">
+              <a:prstTxWarp prst="textNoShape">
+                <a:avLst/>
+              </a:prstTxWarp>
+              <a:spAutoFit/>
+            </a:bodyPr>
+            <a:lstStyle>
+              <a:lvl1pPr eaLnBrk="0" fontAlgn="base" hangingPunct="0">
+                <a:spcBef>
+                  <a:spcPct val="0"/>
+                </a:spcBef>
+                <a:spcAft>
+                  <a:spcPct val="0"/>
+                </a:spcAft>
+                <a:defRPr>
+                  <a:solidFill>
+                    <a:schemeClr val="tx1"/>
+                  </a:solidFill>
+                  <a:latin typeface="Arial" panose="020B0604020202020204" pitchFamily="34" charset="0"/>
+                </a:defRPr>
+              </a:lvl1pPr>
+              <a:lvl2pPr marL="457200" eaLnBrk="0" fontAlgn="base" hangingPunct="0">
+                <a:spcBef>
+                  <a:spcPct val="0"/>
+                </a:spcBef>
+                <a:spcAft>
+                  <a:spcPct val="0"/>
+                </a:spcAft>
+                <a:defRPr>
+                  <a:solidFill>
+                    <a:schemeClr val="tx1"/>
+                  </a:solidFill>
+                  <a:latin typeface="Arial" panose="020B0604020202020204" pitchFamily="34" charset="0"/>
+                </a:defRPr>
+              </a:lvl2pPr>
+              <a:lvl3pPr marL="914400" eaLnBrk="0" fontAlgn="base" hangingPunct="0">
+                <a:spcBef>
+                  <a:spcPct val="0"/>
+                </a:spcBef>
+                <a:spcAft>
+                  <a:spcPct val="0"/>
+                </a:spcAft>
+                <a:defRPr>
+                  <a:solidFill>
+                    <a:schemeClr val="tx1"/>
+                  </a:solidFill>
+                  <a:latin typeface="Arial" panose="020B0604020202020204" pitchFamily="34" charset="0"/>
+                </a:defRPr>
+              </a:lvl3pPr>
+              <a:lvl4pPr marL="1371600" eaLnBrk="0" fontAlgn="base" hangingPunct="0">
+                <a:spcBef>
+                  <a:spcPct val="0"/>
+                </a:spcBef>
+                <a:spcAft>
+                  <a:spcPct val="0"/>
+                </a:spcAft>
+                <a:defRPr>
+                  <a:solidFill>
+                    <a:schemeClr val="tx1"/>
+                  </a:solidFill>
+                  <a:latin typeface="Arial" panose="020B0604020202020204" pitchFamily="34" charset="0"/>
+                </a:defRPr>
+              </a:lvl4pPr>
+              <a:lvl5pPr marL="1828800" eaLnBrk="0" fontAlgn="base" hangingPunct="0">
+                <a:spcBef>
+                  <a:spcPct val="0"/>
+                </a:spcBef>
+                <a:spcAft>
+                  <a:spcPct val="0"/>
+                </a:spcAft>
+                <a:defRPr>
+                  <a:solidFill>
+                    <a:schemeClr val="tx1"/>
+                  </a:solidFill>
+                  <a:latin typeface="Arial" panose="020B0604020202020204" pitchFamily="34" charset="0"/>
+                </a:defRPr>
+              </a:lvl5pPr>
+              <a:lvl6pPr marL="2286000" eaLnBrk="0" fontAlgn="base" hangingPunct="0">
+                <a:spcBef>
+                  <a:spcPct val="0"/>
+                </a:spcBef>
+                <a:spcAft>
+                  <a:spcPct val="0"/>
+                </a:spcAft>
+                <a:defRPr>
+                  <a:solidFill>
+                    <a:schemeClr val="tx1"/>
+                  </a:solidFill>
+                  <a:latin typeface="Arial" panose="020B0604020202020204" pitchFamily="34" charset="0"/>
+                </a:defRPr>
+              </a:lvl6pPr>
+              <a:lvl7pPr marL="2743200" eaLnBrk="0" fontAlgn="base" hangingPunct="0">
+                <a:spcBef>
+                  <a:spcPct val="0"/>
+                </a:spcBef>
+                <a:spcAft>
+                  <a:spcPct val="0"/>
+                </a:spcAft>
+                <a:defRPr>
+                  <a:solidFill>
+                    <a:schemeClr val="tx1"/>
+                  </a:solidFill>
+                  <a:latin typeface="Arial" panose="020B0604020202020204" pitchFamily="34" charset="0"/>
+                </a:defRPr>
+              </a:lvl7pPr>
+              <a:lvl8pPr marL="3200400" eaLnBrk="0" fontAlgn="base" hangingPunct="0">
+                <a:spcBef>
+                  <a:spcPct val="0"/>
+                </a:spcBef>
+                <a:spcAft>
+                  <a:spcPct val="0"/>
+                </a:spcAft>
+                <a:defRPr>
+                  <a:solidFill>
+                    <a:schemeClr val="tx1"/>
+                  </a:solidFill>
+                  <a:latin typeface="Arial" panose="020B0604020202020204" pitchFamily="34" charset="0"/>
+                </a:defRPr>
+              </a:lvl8pPr>
+              <a:lvl9pPr marL="3657600" eaLnBrk="0" fontAlgn="base" hangingPunct="0">
+                <a:spcBef>
+                  <a:spcPct val="0"/>
+                </a:spcBef>
+                <a:spcAft>
+                  <a:spcPct val="0"/>
+                </a:spcAft>
+                <a:defRPr>
+                  <a:solidFill>
+                    <a:schemeClr val="tx1"/>
+                  </a:solidFill>
+                  <a:latin typeface="Arial" panose="020B0604020202020204" pitchFamily="34" charset="0"/>
+                </a:defRPr>
+              </a:lvl9pPr>
+            </a:lstStyle>
+            <a:p>
+              <a:pPr marL="0" marR="0" lvl="0" indent="0" algn="l" defTabSz="914400" rtl="0" eaLnBrk="0" fontAlgn="base" latinLnBrk="0" hangingPunct="0">
+                <a:lnSpc>
+                  <a:spcPct val="100000"/>
+                </a:lnSpc>
+                <a:spcBef>
+                  <a:spcPct val="0"/>
+                </a:spcBef>
+                <a:spcAft>
+                  <a:spcPct val="0"/>
+                </a:spcAft>
+                <a:buClrTx/>
+                <a:buSzTx/>
+                <a:buFontTx/>
+                <a:buNone/>
+                <a:tabLst/>
+              </a:pPr>
+              <a:r>
+                <a:rPr kumimoji="0" lang="ja-JP" altLang="ja-JP" sz="1200" b="0" i="0" u="none" strike="noStrike" cap="none" normalizeH="0" baseline="0" smtClean="0">
+                  <a:ln>
+                    <a:noFill/>
+                  </a:ln>
+                  <a:solidFill>
+                    <a:srgbClr val="000000"/>
+                  </a:solidFill>
+                  <a:effectLst/>
+                  <a:latin typeface="Arial" panose="020B0604020202020204" pitchFamily="34" charset="0"/>
+                </a:rPr>
+                <a:t>1.5</a:t>
+              </a:r>
+              <a:endParaRPr kumimoji="0" lang="ja-JP" altLang="ja-JP" sz="1800" b="0" i="0" u="none" strike="noStrike" cap="none" normalizeH="0" baseline="0" smtClean="0">
+                <a:ln>
+                  <a:noFill/>
+                </a:ln>
+                <a:solidFill>
+                  <a:schemeClr val="tx1"/>
+                </a:solidFill>
+                <a:effectLst/>
+                <a:latin typeface="Arial" panose="020B0604020202020204" pitchFamily="34" charset="0"/>
+              </a:endParaRPr>
+            </a:p>
+          </p:txBody>
+        </p:sp>
+        <p:sp>
+          <p:nvSpPr>
+            <p:cNvPr id="105" name="Rectangle 93"/>
+            <p:cNvSpPr>
+              <a:spLocks noChangeArrowheads="1"/>
+            </p:cNvSpPr>
+            <p:nvPr/>
+          </p:nvSpPr>
+          <p:spPr bwMode="auto">
+            <a:xfrm>
+              <a:off x="4270" y="12716"/>
+              <a:ext cx="174" cy="132"/>
+            </a:xfrm>
+            <a:prstGeom prst="rect">
+              <a:avLst/>
+            </a:prstGeom>
+            <a:noFill/>
+            <a:ln>
+              <a:noFill/>
+            </a:ln>
+            <a:extLst>
+              <a:ext uri="{909E8E84-426E-40DD-AFC4-6F175D3DCCD1}">
+                <a14:hiddenFill xmlns:a14="http://schemas.microsoft.com/office/drawing/2010/main">
+                  <a:solidFill>
+                    <a:srgbClr val="FFFFFF"/>
+                  </a:solidFill>
+                </a14:hiddenFill>
+              </a:ext>
+              <a:ext uri="{91240B29-F687-4F45-9708-019B960494DF}">
+                <a14:hiddenLine xmlns:a14="http://schemas.microsoft.com/office/drawing/2010/main" w="9525">
+                  <a:solidFill>
+                    <a:srgbClr val="000000"/>
+                  </a:solidFill>
+                  <a:miter lim="800000"/>
+                  <a:headEnd/>
+                  <a:tailEnd/>
+                </a14:hiddenLine>
+              </a:ext>
+            </a:extLst>
+          </p:spPr>
+          <p:txBody>
+            <a:bodyPr vert="horz" wrap="none" lIns="0" tIns="0" rIns="0" bIns="0" numCol="1" anchor="t" anchorCtr="0" compatLnSpc="1">
+              <a:prstTxWarp prst="textNoShape">
+                <a:avLst/>
+              </a:prstTxWarp>
+              <a:spAutoFit/>
+            </a:bodyPr>
+            <a:lstStyle>
+              <a:lvl1pPr eaLnBrk="0" fontAlgn="base" hangingPunct="0">
+                <a:spcBef>
+                  <a:spcPct val="0"/>
+                </a:spcBef>
+                <a:spcAft>
+                  <a:spcPct val="0"/>
+                </a:spcAft>
+                <a:defRPr>
+                  <a:solidFill>
+                    <a:schemeClr val="tx1"/>
+                  </a:solidFill>
+                  <a:latin typeface="Arial" panose="020B0604020202020204" pitchFamily="34" charset="0"/>
+                </a:defRPr>
+              </a:lvl1pPr>
+              <a:lvl2pPr marL="457200" eaLnBrk="0" fontAlgn="base" hangingPunct="0">
+                <a:spcBef>
+                  <a:spcPct val="0"/>
+                </a:spcBef>
+                <a:spcAft>
+                  <a:spcPct val="0"/>
+                </a:spcAft>
+                <a:defRPr>
+                  <a:solidFill>
+                    <a:schemeClr val="tx1"/>
+                  </a:solidFill>
+                  <a:latin typeface="Arial" panose="020B0604020202020204" pitchFamily="34" charset="0"/>
+                </a:defRPr>
+              </a:lvl2pPr>
+              <a:lvl3pPr marL="914400" eaLnBrk="0" fontAlgn="base" hangingPunct="0">
+                <a:spcBef>
+                  <a:spcPct val="0"/>
+                </a:spcBef>
+                <a:spcAft>
+                  <a:spcPct val="0"/>
+                </a:spcAft>
+                <a:defRPr>
+                  <a:solidFill>
+                    <a:schemeClr val="tx1"/>
+                  </a:solidFill>
+                  <a:latin typeface="Arial" panose="020B0604020202020204" pitchFamily="34" charset="0"/>
+                </a:defRPr>
+              </a:lvl3pPr>
+              <a:lvl4pPr marL="1371600" eaLnBrk="0" fontAlgn="base" hangingPunct="0">
+                <a:spcBef>
+                  <a:spcPct val="0"/>
+                </a:spcBef>
+                <a:spcAft>
+                  <a:spcPct val="0"/>
+                </a:spcAft>
+                <a:defRPr>
+                  <a:solidFill>
+                    <a:schemeClr val="tx1"/>
+                  </a:solidFill>
+                  <a:latin typeface="Arial" panose="020B0604020202020204" pitchFamily="34" charset="0"/>
+                </a:defRPr>
+              </a:lvl4pPr>
+              <a:lvl5pPr marL="1828800" eaLnBrk="0" fontAlgn="base" hangingPunct="0">
+                <a:spcBef>
+                  <a:spcPct val="0"/>
+                </a:spcBef>
+                <a:spcAft>
+                  <a:spcPct val="0"/>
+                </a:spcAft>
+                <a:defRPr>
+                  <a:solidFill>
+                    <a:schemeClr val="tx1"/>
+                  </a:solidFill>
+                  <a:latin typeface="Arial" panose="020B0604020202020204" pitchFamily="34" charset="0"/>
+                </a:defRPr>
+              </a:lvl5pPr>
+              <a:lvl6pPr marL="2286000" eaLnBrk="0" fontAlgn="base" hangingPunct="0">
+                <a:spcBef>
+                  <a:spcPct val="0"/>
+                </a:spcBef>
+                <a:spcAft>
+                  <a:spcPct val="0"/>
+                </a:spcAft>
+                <a:defRPr>
+                  <a:solidFill>
+                    <a:schemeClr val="tx1"/>
+                  </a:solidFill>
+                  <a:latin typeface="Arial" panose="020B0604020202020204" pitchFamily="34" charset="0"/>
+                </a:defRPr>
+              </a:lvl6pPr>
+              <a:lvl7pPr marL="2743200" eaLnBrk="0" fontAlgn="base" hangingPunct="0">
+                <a:spcBef>
+                  <a:spcPct val="0"/>
+                </a:spcBef>
+                <a:spcAft>
+                  <a:spcPct val="0"/>
+                </a:spcAft>
+                <a:defRPr>
+                  <a:solidFill>
+                    <a:schemeClr val="tx1"/>
+                  </a:solidFill>
+                  <a:latin typeface="Arial" panose="020B0604020202020204" pitchFamily="34" charset="0"/>
+                </a:defRPr>
+              </a:lvl7pPr>
+              <a:lvl8pPr marL="3200400" eaLnBrk="0" fontAlgn="base" hangingPunct="0">
+                <a:spcBef>
+                  <a:spcPct val="0"/>
+                </a:spcBef>
+                <a:spcAft>
+                  <a:spcPct val="0"/>
+                </a:spcAft>
+                <a:defRPr>
+                  <a:solidFill>
+                    <a:schemeClr val="tx1"/>
+                  </a:solidFill>
+                  <a:latin typeface="Arial" panose="020B0604020202020204" pitchFamily="34" charset="0"/>
+                </a:defRPr>
+              </a:lvl8pPr>
+              <a:lvl9pPr marL="3657600" eaLnBrk="0" fontAlgn="base" hangingPunct="0">
+                <a:spcBef>
+                  <a:spcPct val="0"/>
+                </a:spcBef>
+                <a:spcAft>
+                  <a:spcPct val="0"/>
+                </a:spcAft>
+                <a:defRPr>
+                  <a:solidFill>
+                    <a:schemeClr val="tx1"/>
+                  </a:solidFill>
+                  <a:latin typeface="Arial" panose="020B0604020202020204" pitchFamily="34" charset="0"/>
+                </a:defRPr>
+              </a:lvl9pPr>
+            </a:lstStyle>
+            <a:p>
+              <a:pPr marL="0" marR="0" lvl="0" indent="0" algn="l" defTabSz="914400" rtl="0" eaLnBrk="0" fontAlgn="base" latinLnBrk="0" hangingPunct="0">
+                <a:lnSpc>
+                  <a:spcPct val="100000"/>
+                </a:lnSpc>
+                <a:spcBef>
+                  <a:spcPct val="0"/>
+                </a:spcBef>
+                <a:spcAft>
+                  <a:spcPct val="0"/>
+                </a:spcAft>
+                <a:buClrTx/>
+                <a:buSzTx/>
+                <a:buFontTx/>
+                <a:buNone/>
+                <a:tabLst/>
+              </a:pPr>
+              <a:r>
+                <a:rPr kumimoji="0" lang="ja-JP" altLang="ja-JP" sz="1200" b="0" i="0" u="none" strike="noStrike" cap="none" normalizeH="0" baseline="0" smtClean="0">
+                  <a:ln>
+                    <a:noFill/>
+                  </a:ln>
+                  <a:solidFill>
+                    <a:srgbClr val="000000"/>
+                  </a:solidFill>
+                  <a:effectLst/>
+                  <a:latin typeface="Arial" panose="020B0604020202020204" pitchFamily="34" charset="0"/>
+                </a:rPr>
+                <a:t>2.0</a:t>
+              </a:r>
+              <a:endParaRPr kumimoji="0" lang="ja-JP" altLang="ja-JP" sz="1800" b="0" i="0" u="none" strike="noStrike" cap="none" normalizeH="0" baseline="0" smtClean="0">
+                <a:ln>
+                  <a:noFill/>
+                </a:ln>
+                <a:solidFill>
+                  <a:schemeClr val="tx1"/>
+                </a:solidFill>
+                <a:effectLst/>
+                <a:latin typeface="Arial" panose="020B0604020202020204" pitchFamily="34" charset="0"/>
+              </a:endParaRPr>
+            </a:p>
+          </p:txBody>
+        </p:sp>
+        <p:sp>
+          <p:nvSpPr>
+            <p:cNvPr id="106" name="Rectangle 94"/>
+            <p:cNvSpPr>
+              <a:spLocks noChangeArrowheads="1"/>
+            </p:cNvSpPr>
+            <p:nvPr/>
+          </p:nvSpPr>
+          <p:spPr bwMode="auto">
+            <a:xfrm>
+              <a:off x="4782" y="12716"/>
+              <a:ext cx="174" cy="132"/>
+            </a:xfrm>
+            <a:prstGeom prst="rect">
+              <a:avLst/>
+            </a:prstGeom>
+            <a:noFill/>
+            <a:ln>
+              <a:noFill/>
+            </a:ln>
+            <a:extLst>
+              <a:ext uri="{909E8E84-426E-40DD-AFC4-6F175D3DCCD1}">
+                <a14:hiddenFill xmlns:a14="http://schemas.microsoft.com/office/drawing/2010/main">
+                  <a:solidFill>
+                    <a:srgbClr val="FFFFFF"/>
+                  </a:solidFill>
+                </a14:hiddenFill>
+              </a:ext>
+              <a:ext uri="{91240B29-F687-4F45-9708-019B960494DF}">
+                <a14:hiddenLine xmlns:a14="http://schemas.microsoft.com/office/drawing/2010/main" w="9525">
+                  <a:solidFill>
+                    <a:srgbClr val="000000"/>
+                  </a:solidFill>
+                  <a:miter lim="800000"/>
+                  <a:headEnd/>
+                  <a:tailEnd/>
+                </a14:hiddenLine>
+              </a:ext>
+            </a:extLst>
+          </p:spPr>
+          <p:txBody>
+            <a:bodyPr vert="horz" wrap="none" lIns="0" tIns="0" rIns="0" bIns="0" numCol="1" anchor="t" anchorCtr="0" compatLnSpc="1">
+              <a:prstTxWarp prst="textNoShape">
+                <a:avLst/>
+              </a:prstTxWarp>
+              <a:spAutoFit/>
+            </a:bodyPr>
+            <a:lstStyle>
+              <a:lvl1pPr eaLnBrk="0" fontAlgn="base" hangingPunct="0">
+                <a:spcBef>
+                  <a:spcPct val="0"/>
+                </a:spcBef>
+                <a:spcAft>
+                  <a:spcPct val="0"/>
+                </a:spcAft>
+                <a:defRPr>
+                  <a:solidFill>
+                    <a:schemeClr val="tx1"/>
+                  </a:solidFill>
+                  <a:latin typeface="Arial" panose="020B0604020202020204" pitchFamily="34" charset="0"/>
+                </a:defRPr>
+              </a:lvl1pPr>
+              <a:lvl2pPr marL="457200" eaLnBrk="0" fontAlgn="base" hangingPunct="0">
+                <a:spcBef>
+                  <a:spcPct val="0"/>
+                </a:spcBef>
+                <a:spcAft>
+                  <a:spcPct val="0"/>
+                </a:spcAft>
+                <a:defRPr>
+                  <a:solidFill>
+                    <a:schemeClr val="tx1"/>
+                  </a:solidFill>
+                  <a:latin typeface="Arial" panose="020B0604020202020204" pitchFamily="34" charset="0"/>
+                </a:defRPr>
+              </a:lvl2pPr>
+              <a:lvl3pPr marL="914400" eaLnBrk="0" fontAlgn="base" hangingPunct="0">
+                <a:spcBef>
+                  <a:spcPct val="0"/>
+                </a:spcBef>
+                <a:spcAft>
+                  <a:spcPct val="0"/>
+                </a:spcAft>
+                <a:defRPr>
+                  <a:solidFill>
+                    <a:schemeClr val="tx1"/>
+                  </a:solidFill>
+                  <a:latin typeface="Arial" panose="020B0604020202020204" pitchFamily="34" charset="0"/>
+                </a:defRPr>
+              </a:lvl3pPr>
+              <a:lvl4pPr marL="1371600" eaLnBrk="0" fontAlgn="base" hangingPunct="0">
+                <a:spcBef>
+                  <a:spcPct val="0"/>
+                </a:spcBef>
+                <a:spcAft>
+                  <a:spcPct val="0"/>
+                </a:spcAft>
+                <a:defRPr>
+                  <a:solidFill>
+                    <a:schemeClr val="tx1"/>
+                  </a:solidFill>
+                  <a:latin typeface="Arial" panose="020B0604020202020204" pitchFamily="34" charset="0"/>
+                </a:defRPr>
+              </a:lvl4pPr>
+              <a:lvl5pPr marL="1828800" eaLnBrk="0" fontAlgn="base" hangingPunct="0">
+                <a:spcBef>
+                  <a:spcPct val="0"/>
+                </a:spcBef>
+                <a:spcAft>
+                  <a:spcPct val="0"/>
+                </a:spcAft>
+                <a:defRPr>
+                  <a:solidFill>
+                    <a:schemeClr val="tx1"/>
+                  </a:solidFill>
+                  <a:latin typeface="Arial" panose="020B0604020202020204" pitchFamily="34" charset="0"/>
+                </a:defRPr>
+              </a:lvl5pPr>
+              <a:lvl6pPr marL="2286000" eaLnBrk="0" fontAlgn="base" hangingPunct="0">
+                <a:spcBef>
+                  <a:spcPct val="0"/>
+                </a:spcBef>
+                <a:spcAft>
+                  <a:spcPct val="0"/>
+                </a:spcAft>
+                <a:defRPr>
+                  <a:solidFill>
+                    <a:schemeClr val="tx1"/>
+                  </a:solidFill>
+                  <a:latin typeface="Arial" panose="020B0604020202020204" pitchFamily="34" charset="0"/>
+                </a:defRPr>
+              </a:lvl6pPr>
+              <a:lvl7pPr marL="2743200" eaLnBrk="0" fontAlgn="base" hangingPunct="0">
+                <a:spcBef>
+                  <a:spcPct val="0"/>
+                </a:spcBef>
+                <a:spcAft>
+                  <a:spcPct val="0"/>
+                </a:spcAft>
+                <a:defRPr>
+                  <a:solidFill>
+                    <a:schemeClr val="tx1"/>
+                  </a:solidFill>
+                  <a:latin typeface="Arial" panose="020B0604020202020204" pitchFamily="34" charset="0"/>
+                </a:defRPr>
+              </a:lvl7pPr>
+              <a:lvl8pPr marL="3200400" eaLnBrk="0" fontAlgn="base" hangingPunct="0">
+                <a:spcBef>
+                  <a:spcPct val="0"/>
+                </a:spcBef>
+                <a:spcAft>
+                  <a:spcPct val="0"/>
+                </a:spcAft>
+                <a:defRPr>
+                  <a:solidFill>
+                    <a:schemeClr val="tx1"/>
+                  </a:solidFill>
+                  <a:latin typeface="Arial" panose="020B0604020202020204" pitchFamily="34" charset="0"/>
+                </a:defRPr>
+              </a:lvl8pPr>
+              <a:lvl9pPr marL="3657600" eaLnBrk="0" fontAlgn="base" hangingPunct="0">
+                <a:spcBef>
+                  <a:spcPct val="0"/>
+                </a:spcBef>
+                <a:spcAft>
+                  <a:spcPct val="0"/>
+                </a:spcAft>
+                <a:defRPr>
+                  <a:solidFill>
+                    <a:schemeClr val="tx1"/>
+                  </a:solidFill>
+                  <a:latin typeface="Arial" panose="020B0604020202020204" pitchFamily="34" charset="0"/>
+                </a:defRPr>
+              </a:lvl9pPr>
+            </a:lstStyle>
+            <a:p>
+              <a:pPr marL="0" marR="0" lvl="0" indent="0" algn="l" defTabSz="914400" rtl="0" eaLnBrk="0" fontAlgn="base" latinLnBrk="0" hangingPunct="0">
+                <a:lnSpc>
+                  <a:spcPct val="100000"/>
+                </a:lnSpc>
+                <a:spcBef>
+                  <a:spcPct val="0"/>
+                </a:spcBef>
+                <a:spcAft>
+                  <a:spcPct val="0"/>
+                </a:spcAft>
+                <a:buClrTx/>
+                <a:buSzTx/>
+                <a:buFontTx/>
+                <a:buNone/>
+                <a:tabLst/>
+              </a:pPr>
+              <a:r>
+                <a:rPr kumimoji="0" lang="ja-JP" altLang="ja-JP" sz="1200" b="0" i="0" u="none" strike="noStrike" cap="none" normalizeH="0" baseline="0" smtClean="0">
+                  <a:ln>
+                    <a:noFill/>
+                  </a:ln>
+                  <a:solidFill>
+                    <a:srgbClr val="000000"/>
+                  </a:solidFill>
+                  <a:effectLst/>
+                  <a:latin typeface="Arial" panose="020B0604020202020204" pitchFamily="34" charset="0"/>
+                </a:rPr>
+                <a:t>2.5</a:t>
+              </a:r>
+              <a:endParaRPr kumimoji="0" lang="ja-JP" altLang="ja-JP" sz="1800" b="0" i="0" u="none" strike="noStrike" cap="none" normalizeH="0" baseline="0" smtClean="0">
+                <a:ln>
+                  <a:noFill/>
+                </a:ln>
+                <a:solidFill>
+                  <a:schemeClr val="tx1"/>
+                </a:solidFill>
+                <a:effectLst/>
+                <a:latin typeface="Arial" panose="020B0604020202020204" pitchFamily="34" charset="0"/>
+              </a:endParaRPr>
+            </a:p>
+          </p:txBody>
+        </p:sp>
+        <p:sp>
+          <p:nvSpPr>
+            <p:cNvPr id="107" name="Rectangle 95"/>
+            <p:cNvSpPr>
+              <a:spLocks noChangeArrowheads="1"/>
+            </p:cNvSpPr>
+            <p:nvPr/>
+          </p:nvSpPr>
+          <p:spPr bwMode="auto">
+            <a:xfrm>
+              <a:off x="5300" y="12716"/>
+              <a:ext cx="174" cy="132"/>
+            </a:xfrm>
+            <a:prstGeom prst="rect">
+              <a:avLst/>
+            </a:prstGeom>
+            <a:noFill/>
+            <a:ln>
+              <a:noFill/>
+            </a:ln>
+            <a:extLst>
+              <a:ext uri="{909E8E84-426E-40DD-AFC4-6F175D3DCCD1}">
+                <a14:hiddenFill xmlns:a14="http://schemas.microsoft.com/office/drawing/2010/main">
+                  <a:solidFill>
+                    <a:srgbClr val="FFFFFF"/>
+                  </a:solidFill>
+                </a14:hiddenFill>
+              </a:ext>
+              <a:ext uri="{91240B29-F687-4F45-9708-019B960494DF}">
+                <a14:hiddenLine xmlns:a14="http://schemas.microsoft.com/office/drawing/2010/main" w="9525">
+                  <a:solidFill>
+                    <a:srgbClr val="000000"/>
+                  </a:solidFill>
+                  <a:miter lim="800000"/>
+                  <a:headEnd/>
+                  <a:tailEnd/>
+                </a14:hiddenLine>
+              </a:ext>
+            </a:extLst>
+          </p:spPr>
+          <p:txBody>
+            <a:bodyPr vert="horz" wrap="none" lIns="0" tIns="0" rIns="0" bIns="0" numCol="1" anchor="t" anchorCtr="0" compatLnSpc="1">
+              <a:prstTxWarp prst="textNoShape">
+                <a:avLst/>
+              </a:prstTxWarp>
+              <a:spAutoFit/>
+            </a:bodyPr>
+            <a:lstStyle>
+              <a:lvl1pPr eaLnBrk="0" fontAlgn="base" hangingPunct="0">
+                <a:spcBef>
+                  <a:spcPct val="0"/>
+                </a:spcBef>
+                <a:spcAft>
+                  <a:spcPct val="0"/>
+                </a:spcAft>
+                <a:defRPr>
+                  <a:solidFill>
+                    <a:schemeClr val="tx1"/>
+                  </a:solidFill>
+                  <a:latin typeface="Arial" panose="020B0604020202020204" pitchFamily="34" charset="0"/>
+                </a:defRPr>
+              </a:lvl1pPr>
+              <a:lvl2pPr marL="457200" eaLnBrk="0" fontAlgn="base" hangingPunct="0">
+                <a:spcBef>
+                  <a:spcPct val="0"/>
+                </a:spcBef>
+                <a:spcAft>
+                  <a:spcPct val="0"/>
+                </a:spcAft>
+                <a:defRPr>
+                  <a:solidFill>
+                    <a:schemeClr val="tx1"/>
+                  </a:solidFill>
+                  <a:latin typeface="Arial" panose="020B0604020202020204" pitchFamily="34" charset="0"/>
+                </a:defRPr>
+              </a:lvl2pPr>
+              <a:lvl3pPr marL="914400" eaLnBrk="0" fontAlgn="base" hangingPunct="0">
+                <a:spcBef>
+                  <a:spcPct val="0"/>
+                </a:spcBef>
+                <a:spcAft>
+                  <a:spcPct val="0"/>
+                </a:spcAft>
+                <a:defRPr>
+                  <a:solidFill>
+                    <a:schemeClr val="tx1"/>
+                  </a:solidFill>
+                  <a:latin typeface="Arial" panose="020B0604020202020204" pitchFamily="34" charset="0"/>
+                </a:defRPr>
+              </a:lvl3pPr>
+              <a:lvl4pPr marL="1371600" eaLnBrk="0" fontAlgn="base" hangingPunct="0">
+                <a:spcBef>
+                  <a:spcPct val="0"/>
+                </a:spcBef>
+                <a:spcAft>
+                  <a:spcPct val="0"/>
+                </a:spcAft>
+                <a:defRPr>
+                  <a:solidFill>
+                    <a:schemeClr val="tx1"/>
+                  </a:solidFill>
+                  <a:latin typeface="Arial" panose="020B0604020202020204" pitchFamily="34" charset="0"/>
+                </a:defRPr>
+              </a:lvl4pPr>
+              <a:lvl5pPr marL="1828800" eaLnBrk="0" fontAlgn="base" hangingPunct="0">
+                <a:spcBef>
+                  <a:spcPct val="0"/>
+                </a:spcBef>
+                <a:spcAft>
+                  <a:spcPct val="0"/>
+                </a:spcAft>
+                <a:defRPr>
+                  <a:solidFill>
+                    <a:schemeClr val="tx1"/>
+                  </a:solidFill>
+                  <a:latin typeface="Arial" panose="020B0604020202020204" pitchFamily="34" charset="0"/>
+                </a:defRPr>
+              </a:lvl5pPr>
+              <a:lvl6pPr marL="2286000" eaLnBrk="0" fontAlgn="base" hangingPunct="0">
+                <a:spcBef>
+                  <a:spcPct val="0"/>
+                </a:spcBef>
+                <a:spcAft>
+                  <a:spcPct val="0"/>
+                </a:spcAft>
+                <a:defRPr>
+                  <a:solidFill>
+                    <a:schemeClr val="tx1"/>
+                  </a:solidFill>
+                  <a:latin typeface="Arial" panose="020B0604020202020204" pitchFamily="34" charset="0"/>
+                </a:defRPr>
+              </a:lvl6pPr>
+              <a:lvl7pPr marL="2743200" eaLnBrk="0" fontAlgn="base" hangingPunct="0">
+                <a:spcBef>
+                  <a:spcPct val="0"/>
+                </a:spcBef>
+                <a:spcAft>
+                  <a:spcPct val="0"/>
+                </a:spcAft>
+                <a:defRPr>
+                  <a:solidFill>
+                    <a:schemeClr val="tx1"/>
+                  </a:solidFill>
+                  <a:latin typeface="Arial" panose="020B0604020202020204" pitchFamily="34" charset="0"/>
+                </a:defRPr>
+              </a:lvl7pPr>
+              <a:lvl8pPr marL="3200400" eaLnBrk="0" fontAlgn="base" hangingPunct="0">
+                <a:spcBef>
+                  <a:spcPct val="0"/>
+                </a:spcBef>
+                <a:spcAft>
+                  <a:spcPct val="0"/>
+                </a:spcAft>
+                <a:defRPr>
+                  <a:solidFill>
+                    <a:schemeClr val="tx1"/>
+                  </a:solidFill>
+                  <a:latin typeface="Arial" panose="020B0604020202020204" pitchFamily="34" charset="0"/>
+                </a:defRPr>
+              </a:lvl8pPr>
+              <a:lvl9pPr marL="3657600" eaLnBrk="0" fontAlgn="base" hangingPunct="0">
+                <a:spcBef>
+                  <a:spcPct val="0"/>
+                </a:spcBef>
+                <a:spcAft>
+                  <a:spcPct val="0"/>
+                </a:spcAft>
+                <a:defRPr>
+                  <a:solidFill>
+                    <a:schemeClr val="tx1"/>
+                  </a:solidFill>
+                  <a:latin typeface="Arial" panose="020B0604020202020204" pitchFamily="34" charset="0"/>
+                </a:defRPr>
+              </a:lvl9pPr>
+            </a:lstStyle>
+            <a:p>
+              <a:pPr marL="0" marR="0" lvl="0" indent="0" algn="l" defTabSz="914400" rtl="0" eaLnBrk="0" fontAlgn="base" latinLnBrk="0" hangingPunct="0">
+                <a:lnSpc>
+                  <a:spcPct val="100000"/>
+                </a:lnSpc>
+                <a:spcBef>
+                  <a:spcPct val="0"/>
+                </a:spcBef>
+                <a:spcAft>
+                  <a:spcPct val="0"/>
+                </a:spcAft>
+                <a:buClrTx/>
+                <a:buSzTx/>
+                <a:buFontTx/>
+                <a:buNone/>
+                <a:tabLst/>
+              </a:pPr>
+              <a:r>
+                <a:rPr kumimoji="0" lang="ja-JP" altLang="ja-JP" sz="1200" b="0" i="0" u="none" strike="noStrike" cap="none" normalizeH="0" baseline="0" smtClean="0">
+                  <a:ln>
+                    <a:noFill/>
+                  </a:ln>
+                  <a:solidFill>
+                    <a:srgbClr val="000000"/>
+                  </a:solidFill>
+                  <a:effectLst/>
+                  <a:latin typeface="Arial" panose="020B0604020202020204" pitchFamily="34" charset="0"/>
+                </a:rPr>
+                <a:t>3.0</a:t>
+              </a:r>
+              <a:endParaRPr kumimoji="0" lang="ja-JP" altLang="ja-JP" sz="1800" b="0" i="0" u="none" strike="noStrike" cap="none" normalizeH="0" baseline="0" smtClean="0">
+                <a:ln>
+                  <a:noFill/>
+                </a:ln>
+                <a:solidFill>
+                  <a:schemeClr val="tx1"/>
+                </a:solidFill>
+                <a:effectLst/>
+                <a:latin typeface="Arial" panose="020B0604020202020204" pitchFamily="34" charset="0"/>
+              </a:endParaRPr>
+            </a:p>
+          </p:txBody>
+        </p:sp>
+        <p:sp>
+          <p:nvSpPr>
+            <p:cNvPr id="108" name="Line 96"/>
+            <p:cNvSpPr>
+              <a:spLocks noChangeShapeType="1"/>
+            </p:cNvSpPr>
+            <p:nvPr/>
+          </p:nvSpPr>
+          <p:spPr bwMode="auto">
+            <a:xfrm flipV="1">
+              <a:off x="2172" y="9841"/>
+              <a:ext cx="0" cy="2634"/>
+            </a:xfrm>
+            <a:prstGeom prst="line">
+              <a:avLst/>
+            </a:prstGeom>
+            <a:noFill/>
+            <a:ln w="9525" cap="rnd">
+              <a:solidFill>
+                <a:srgbClr val="000000"/>
+              </a:solidFill>
+              <a:prstDash val="solid"/>
+              <a:round/>
+              <a:headEnd/>
+              <a:tailEnd/>
+            </a:ln>
+            <a:extLst>
+              <a:ext uri="{909E8E84-426E-40DD-AFC4-6F175D3DCCD1}">
+                <a14:hiddenFill xmlns:a14="http://schemas.microsoft.com/office/drawing/2010/main">
+                  <a:noFill/>
+                </a14:hiddenFill>
+              </a:ext>
+            </a:extLst>
+          </p:spPr>
+          <p:txBody>
+            <a:bodyPr vert="horz" wrap="square" lIns="91440" tIns="45720" rIns="91440" bIns="45720" numCol="1" anchor="t" anchorCtr="0" compatLnSpc="1">
+              <a:prstTxWarp prst="textNoShape">
+                <a:avLst/>
+              </a:prstTxWarp>
+            </a:bodyPr>
+            <a:lstStyle/>
+            <a:p>
+              <a:endParaRPr lang="ja-JP" altLang="en-US"/>
+            </a:p>
+          </p:txBody>
+        </p:sp>
+        <p:sp>
+          <p:nvSpPr>
+            <p:cNvPr id="109" name="Line 97"/>
+            <p:cNvSpPr>
+              <a:spLocks noChangeShapeType="1"/>
+            </p:cNvSpPr>
+            <p:nvPr/>
+          </p:nvSpPr>
+          <p:spPr bwMode="auto">
+            <a:xfrm flipH="1">
+              <a:off x="2117" y="12475"/>
+              <a:ext cx="55" cy="0"/>
+            </a:xfrm>
+            <a:prstGeom prst="line">
+              <a:avLst/>
+            </a:prstGeom>
+            <a:noFill/>
+            <a:ln w="9525" cap="rnd">
+              <a:solidFill>
+                <a:srgbClr val="000000"/>
+              </a:solidFill>
+              <a:prstDash val="solid"/>
+              <a:round/>
+              <a:headEnd/>
+              <a:tailEnd/>
+            </a:ln>
+            <a:extLst>
+              <a:ext uri="{909E8E84-426E-40DD-AFC4-6F175D3DCCD1}">
+                <a14:hiddenFill xmlns:a14="http://schemas.microsoft.com/office/drawing/2010/main">
+                  <a:noFill/>
+                </a14:hiddenFill>
+              </a:ext>
+            </a:extLst>
+          </p:spPr>
+          <p:txBody>
+            <a:bodyPr vert="horz" wrap="square" lIns="91440" tIns="45720" rIns="91440" bIns="45720" numCol="1" anchor="t" anchorCtr="0" compatLnSpc="1">
+              <a:prstTxWarp prst="textNoShape">
+                <a:avLst/>
+              </a:prstTxWarp>
+            </a:bodyPr>
+            <a:lstStyle/>
+            <a:p>
+              <a:endParaRPr lang="ja-JP" altLang="en-US"/>
+            </a:p>
+          </p:txBody>
+        </p:sp>
+        <p:sp>
+          <p:nvSpPr>
+            <p:cNvPr id="110" name="Line 98"/>
+            <p:cNvSpPr>
+              <a:spLocks noChangeShapeType="1"/>
+            </p:cNvSpPr>
+            <p:nvPr/>
+          </p:nvSpPr>
+          <p:spPr bwMode="auto">
+            <a:xfrm flipH="1">
+              <a:off x="2117" y="12036"/>
+              <a:ext cx="55" cy="0"/>
+            </a:xfrm>
+            <a:prstGeom prst="line">
+              <a:avLst/>
+            </a:prstGeom>
+            <a:noFill/>
+            <a:ln w="9525" cap="rnd">
+              <a:solidFill>
+                <a:srgbClr val="000000"/>
+              </a:solidFill>
+              <a:prstDash val="solid"/>
+              <a:round/>
+              <a:headEnd/>
+              <a:tailEnd/>
+            </a:ln>
+            <a:extLst>
+              <a:ext uri="{909E8E84-426E-40DD-AFC4-6F175D3DCCD1}">
+                <a14:hiddenFill xmlns:a14="http://schemas.microsoft.com/office/drawing/2010/main">
+                  <a:noFill/>
+                </a14:hiddenFill>
+              </a:ext>
+            </a:extLst>
+          </p:spPr>
+          <p:txBody>
+            <a:bodyPr vert="horz" wrap="square" lIns="91440" tIns="45720" rIns="91440" bIns="45720" numCol="1" anchor="t" anchorCtr="0" compatLnSpc="1">
+              <a:prstTxWarp prst="textNoShape">
+                <a:avLst/>
+              </a:prstTxWarp>
+            </a:bodyPr>
+            <a:lstStyle/>
+            <a:p>
+              <a:endParaRPr lang="ja-JP" altLang="en-US"/>
+            </a:p>
+          </p:txBody>
+        </p:sp>
+        <p:sp>
+          <p:nvSpPr>
+            <p:cNvPr id="111" name="Line 99"/>
+            <p:cNvSpPr>
+              <a:spLocks noChangeShapeType="1"/>
+            </p:cNvSpPr>
+            <p:nvPr/>
+          </p:nvSpPr>
+          <p:spPr bwMode="auto">
+            <a:xfrm flipH="1">
+              <a:off x="2117" y="11597"/>
+              <a:ext cx="55" cy="0"/>
+            </a:xfrm>
+            <a:prstGeom prst="line">
+              <a:avLst/>
+            </a:prstGeom>
+            <a:noFill/>
+            <a:ln w="9525" cap="rnd">
+              <a:solidFill>
+                <a:srgbClr val="000000"/>
+              </a:solidFill>
+              <a:prstDash val="solid"/>
+              <a:round/>
+              <a:headEnd/>
+              <a:tailEnd/>
+            </a:ln>
+            <a:extLst>
+              <a:ext uri="{909E8E84-426E-40DD-AFC4-6F175D3DCCD1}">
+                <a14:hiddenFill xmlns:a14="http://schemas.microsoft.com/office/drawing/2010/main">
+                  <a:noFill/>
+                </a14:hiddenFill>
+              </a:ext>
+            </a:extLst>
+          </p:spPr>
+          <p:txBody>
+            <a:bodyPr vert="horz" wrap="square" lIns="91440" tIns="45720" rIns="91440" bIns="45720" numCol="1" anchor="t" anchorCtr="0" compatLnSpc="1">
+              <a:prstTxWarp prst="textNoShape">
+                <a:avLst/>
+              </a:prstTxWarp>
+            </a:bodyPr>
+            <a:lstStyle/>
+            <a:p>
+              <a:endParaRPr lang="ja-JP" altLang="en-US"/>
+            </a:p>
+          </p:txBody>
+        </p:sp>
+        <p:sp>
+          <p:nvSpPr>
+            <p:cNvPr id="112" name="Line 100"/>
+            <p:cNvSpPr>
+              <a:spLocks noChangeShapeType="1"/>
+            </p:cNvSpPr>
+            <p:nvPr/>
+          </p:nvSpPr>
+          <p:spPr bwMode="auto">
+            <a:xfrm flipH="1">
+              <a:off x="2117" y="11158"/>
+              <a:ext cx="55" cy="0"/>
+            </a:xfrm>
+            <a:prstGeom prst="line">
+              <a:avLst/>
+            </a:prstGeom>
+            <a:noFill/>
+            <a:ln w="9525" cap="rnd">
+              <a:solidFill>
+                <a:srgbClr val="000000"/>
+              </a:solidFill>
+              <a:prstDash val="solid"/>
+              <a:round/>
+              <a:headEnd/>
+              <a:tailEnd/>
+            </a:ln>
+            <a:extLst>
+              <a:ext uri="{909E8E84-426E-40DD-AFC4-6F175D3DCCD1}">
+                <a14:hiddenFill xmlns:a14="http://schemas.microsoft.com/office/drawing/2010/main">
+                  <a:noFill/>
+                </a14:hiddenFill>
+              </a:ext>
+            </a:extLst>
+          </p:spPr>
+          <p:txBody>
+            <a:bodyPr vert="horz" wrap="square" lIns="91440" tIns="45720" rIns="91440" bIns="45720" numCol="1" anchor="t" anchorCtr="0" compatLnSpc="1">
+              <a:prstTxWarp prst="textNoShape">
+                <a:avLst/>
+              </a:prstTxWarp>
+            </a:bodyPr>
+            <a:lstStyle/>
+            <a:p>
+              <a:endParaRPr lang="ja-JP" altLang="en-US"/>
+            </a:p>
+          </p:txBody>
+        </p:sp>
+        <p:sp>
+          <p:nvSpPr>
+            <p:cNvPr id="113" name="Line 101"/>
+            <p:cNvSpPr>
+              <a:spLocks noChangeShapeType="1"/>
+            </p:cNvSpPr>
+            <p:nvPr/>
+          </p:nvSpPr>
+          <p:spPr bwMode="auto">
+            <a:xfrm flipH="1">
+              <a:off x="2117" y="10719"/>
+              <a:ext cx="55" cy="0"/>
+            </a:xfrm>
+            <a:prstGeom prst="line">
+              <a:avLst/>
+            </a:prstGeom>
+            <a:noFill/>
+            <a:ln w="9525" cap="rnd">
+              <a:solidFill>
+                <a:srgbClr val="000000"/>
+              </a:solidFill>
+              <a:prstDash val="solid"/>
+              <a:round/>
+              <a:headEnd/>
+              <a:tailEnd/>
+            </a:ln>
+            <a:extLst>
+              <a:ext uri="{909E8E84-426E-40DD-AFC4-6F175D3DCCD1}">
+                <a14:hiddenFill xmlns:a14="http://schemas.microsoft.com/office/drawing/2010/main">
+                  <a:noFill/>
+                </a14:hiddenFill>
+              </a:ext>
+            </a:extLst>
+          </p:spPr>
+          <p:txBody>
+            <a:bodyPr vert="horz" wrap="square" lIns="91440" tIns="45720" rIns="91440" bIns="45720" numCol="1" anchor="t" anchorCtr="0" compatLnSpc="1">
+              <a:prstTxWarp prst="textNoShape">
+                <a:avLst/>
+              </a:prstTxWarp>
+            </a:bodyPr>
+            <a:lstStyle/>
+            <a:p>
+              <a:endParaRPr lang="ja-JP" altLang="en-US"/>
+            </a:p>
+          </p:txBody>
+        </p:sp>
+        <p:sp>
+          <p:nvSpPr>
+            <p:cNvPr id="114" name="Line 102"/>
+            <p:cNvSpPr>
+              <a:spLocks noChangeShapeType="1"/>
+            </p:cNvSpPr>
+            <p:nvPr/>
+          </p:nvSpPr>
+          <p:spPr bwMode="auto">
+            <a:xfrm flipH="1">
+              <a:off x="2117" y="10280"/>
+              <a:ext cx="55" cy="0"/>
+            </a:xfrm>
+            <a:prstGeom prst="line">
+              <a:avLst/>
+            </a:prstGeom>
+            <a:noFill/>
+            <a:ln w="9525" cap="rnd">
+              <a:solidFill>
+                <a:srgbClr val="000000"/>
+              </a:solidFill>
+              <a:prstDash val="solid"/>
+              <a:round/>
+              <a:headEnd/>
+              <a:tailEnd/>
+            </a:ln>
+            <a:extLst>
+              <a:ext uri="{909E8E84-426E-40DD-AFC4-6F175D3DCCD1}">
+                <a14:hiddenFill xmlns:a14="http://schemas.microsoft.com/office/drawing/2010/main">
+                  <a:noFill/>
+                </a14:hiddenFill>
+              </a:ext>
+            </a:extLst>
+          </p:spPr>
+          <p:txBody>
+            <a:bodyPr vert="horz" wrap="square" lIns="91440" tIns="45720" rIns="91440" bIns="45720" numCol="1" anchor="t" anchorCtr="0" compatLnSpc="1">
+              <a:prstTxWarp prst="textNoShape">
+                <a:avLst/>
+              </a:prstTxWarp>
+            </a:bodyPr>
+            <a:lstStyle/>
+            <a:p>
+              <a:endParaRPr lang="ja-JP" altLang="en-US"/>
+            </a:p>
+          </p:txBody>
+        </p:sp>
+        <p:sp>
+          <p:nvSpPr>
+            <p:cNvPr id="115" name="Line 103"/>
+            <p:cNvSpPr>
+              <a:spLocks noChangeShapeType="1"/>
+            </p:cNvSpPr>
+            <p:nvPr/>
+          </p:nvSpPr>
+          <p:spPr bwMode="auto">
+            <a:xfrm flipH="1">
+              <a:off x="2117" y="9841"/>
+              <a:ext cx="55" cy="0"/>
+            </a:xfrm>
+            <a:prstGeom prst="line">
+              <a:avLst/>
+            </a:prstGeom>
+            <a:noFill/>
+            <a:ln w="9525" cap="rnd">
+              <a:solidFill>
+                <a:srgbClr val="000000"/>
+              </a:solidFill>
+              <a:prstDash val="solid"/>
+              <a:round/>
+              <a:headEnd/>
+              <a:tailEnd/>
+            </a:ln>
+            <a:extLst>
+              <a:ext uri="{909E8E84-426E-40DD-AFC4-6F175D3DCCD1}">
+                <a14:hiddenFill xmlns:a14="http://schemas.microsoft.com/office/drawing/2010/main">
+                  <a:noFill/>
+                </a14:hiddenFill>
+              </a:ext>
+            </a:extLst>
+          </p:spPr>
+          <p:txBody>
+            <a:bodyPr vert="horz" wrap="square" lIns="91440" tIns="45720" rIns="91440" bIns="45720" numCol="1" anchor="t" anchorCtr="0" compatLnSpc="1">
+              <a:prstTxWarp prst="textNoShape">
+                <a:avLst/>
+              </a:prstTxWarp>
+            </a:bodyPr>
+            <a:lstStyle/>
+            <a:p>
+              <a:endParaRPr lang="ja-JP" altLang="en-US"/>
+            </a:p>
+          </p:txBody>
+        </p:sp>
+        <p:sp>
+          <p:nvSpPr>
+            <p:cNvPr id="116" name="Rectangle 104"/>
+            <p:cNvSpPr>
+              <a:spLocks noChangeArrowheads="1"/>
+            </p:cNvSpPr>
+            <p:nvPr/>
+          </p:nvSpPr>
+          <p:spPr bwMode="auto">
+            <a:xfrm rot="16200000">
+              <a:off x="1967" y="12409"/>
+              <a:ext cx="96" cy="132"/>
+            </a:xfrm>
+            <a:prstGeom prst="rect">
+              <a:avLst/>
+            </a:prstGeom>
+            <a:noFill/>
+            <a:ln>
+              <a:noFill/>
+            </a:ln>
+            <a:extLst>
+              <a:ext uri="{909E8E84-426E-40DD-AFC4-6F175D3DCCD1}">
+                <a14:hiddenFill xmlns:a14="http://schemas.microsoft.com/office/drawing/2010/main">
+                  <a:solidFill>
+                    <a:srgbClr val="FFFFFF"/>
+                  </a:solidFill>
+                </a14:hiddenFill>
+              </a:ext>
+              <a:ext uri="{91240B29-F687-4F45-9708-019B960494DF}">
+                <a14:hiddenLine xmlns:a14="http://schemas.microsoft.com/office/drawing/2010/main" w="9525">
+                  <a:solidFill>
+                    <a:srgbClr val="000000"/>
+                  </a:solidFill>
+                  <a:miter lim="800000"/>
+                  <a:headEnd/>
+                  <a:tailEnd/>
+                </a14:hiddenLine>
+              </a:ext>
+            </a:extLst>
+          </p:spPr>
+          <p:txBody>
+            <a:bodyPr vert="horz" wrap="none" lIns="0" tIns="0" rIns="0" bIns="0" numCol="1" anchor="t" anchorCtr="0" compatLnSpc="1">
+              <a:prstTxWarp prst="textNoShape">
+                <a:avLst/>
+              </a:prstTxWarp>
+              <a:spAutoFit/>
+            </a:bodyPr>
+            <a:lstStyle>
+              <a:lvl1pPr eaLnBrk="0" fontAlgn="base" hangingPunct="0">
+                <a:spcBef>
+                  <a:spcPct val="0"/>
+                </a:spcBef>
+                <a:spcAft>
+                  <a:spcPct val="0"/>
+                </a:spcAft>
+                <a:defRPr>
+                  <a:solidFill>
+                    <a:schemeClr val="tx1"/>
+                  </a:solidFill>
+                  <a:latin typeface="Arial" panose="020B0604020202020204" pitchFamily="34" charset="0"/>
+                </a:defRPr>
+              </a:lvl1pPr>
+              <a:lvl2pPr marL="457200" eaLnBrk="0" fontAlgn="base" hangingPunct="0">
+                <a:spcBef>
+                  <a:spcPct val="0"/>
+                </a:spcBef>
+                <a:spcAft>
+                  <a:spcPct val="0"/>
+                </a:spcAft>
+                <a:defRPr>
+                  <a:solidFill>
+                    <a:schemeClr val="tx1"/>
+                  </a:solidFill>
+                  <a:latin typeface="Arial" panose="020B0604020202020204" pitchFamily="34" charset="0"/>
+                </a:defRPr>
+              </a:lvl2pPr>
+              <a:lvl3pPr marL="914400" eaLnBrk="0" fontAlgn="base" hangingPunct="0">
+                <a:spcBef>
+                  <a:spcPct val="0"/>
+                </a:spcBef>
+                <a:spcAft>
+                  <a:spcPct val="0"/>
+                </a:spcAft>
+                <a:defRPr>
+                  <a:solidFill>
+                    <a:schemeClr val="tx1"/>
+                  </a:solidFill>
+                  <a:latin typeface="Arial" panose="020B0604020202020204" pitchFamily="34" charset="0"/>
+                </a:defRPr>
+              </a:lvl3pPr>
+              <a:lvl4pPr marL="1371600" eaLnBrk="0" fontAlgn="base" hangingPunct="0">
+                <a:spcBef>
+                  <a:spcPct val="0"/>
+                </a:spcBef>
+                <a:spcAft>
+                  <a:spcPct val="0"/>
+                </a:spcAft>
+                <a:defRPr>
+                  <a:solidFill>
+                    <a:schemeClr val="tx1"/>
+                  </a:solidFill>
+                  <a:latin typeface="Arial" panose="020B0604020202020204" pitchFamily="34" charset="0"/>
+                </a:defRPr>
+              </a:lvl4pPr>
+              <a:lvl5pPr marL="1828800" eaLnBrk="0" fontAlgn="base" hangingPunct="0">
+                <a:spcBef>
+                  <a:spcPct val="0"/>
+                </a:spcBef>
+                <a:spcAft>
+                  <a:spcPct val="0"/>
+                </a:spcAft>
+                <a:defRPr>
+                  <a:solidFill>
+                    <a:schemeClr val="tx1"/>
+                  </a:solidFill>
+                  <a:latin typeface="Arial" panose="020B0604020202020204" pitchFamily="34" charset="0"/>
+                </a:defRPr>
+              </a:lvl5pPr>
+              <a:lvl6pPr marL="2286000" eaLnBrk="0" fontAlgn="base" hangingPunct="0">
+                <a:spcBef>
+                  <a:spcPct val="0"/>
+                </a:spcBef>
+                <a:spcAft>
+                  <a:spcPct val="0"/>
+                </a:spcAft>
+                <a:defRPr>
+                  <a:solidFill>
+                    <a:schemeClr val="tx1"/>
+                  </a:solidFill>
+                  <a:latin typeface="Arial" panose="020B0604020202020204" pitchFamily="34" charset="0"/>
+                </a:defRPr>
+              </a:lvl6pPr>
+              <a:lvl7pPr marL="2743200" eaLnBrk="0" fontAlgn="base" hangingPunct="0">
+                <a:spcBef>
+                  <a:spcPct val="0"/>
+                </a:spcBef>
+                <a:spcAft>
+                  <a:spcPct val="0"/>
+                </a:spcAft>
+                <a:defRPr>
+                  <a:solidFill>
+                    <a:schemeClr val="tx1"/>
+                  </a:solidFill>
+                  <a:latin typeface="Arial" panose="020B0604020202020204" pitchFamily="34" charset="0"/>
+                </a:defRPr>
+              </a:lvl7pPr>
+              <a:lvl8pPr marL="3200400" eaLnBrk="0" fontAlgn="base" hangingPunct="0">
+                <a:spcBef>
+                  <a:spcPct val="0"/>
+                </a:spcBef>
+                <a:spcAft>
+                  <a:spcPct val="0"/>
+                </a:spcAft>
+                <a:defRPr>
+                  <a:solidFill>
+                    <a:schemeClr val="tx1"/>
+                  </a:solidFill>
+                  <a:latin typeface="Arial" panose="020B0604020202020204" pitchFamily="34" charset="0"/>
+                </a:defRPr>
+              </a:lvl8pPr>
+              <a:lvl9pPr marL="3657600" eaLnBrk="0" fontAlgn="base" hangingPunct="0">
+                <a:spcBef>
+                  <a:spcPct val="0"/>
+                </a:spcBef>
+                <a:spcAft>
+                  <a:spcPct val="0"/>
+                </a:spcAft>
+                <a:defRPr>
+                  <a:solidFill>
+                    <a:schemeClr val="tx1"/>
+                  </a:solidFill>
+                  <a:latin typeface="Arial" panose="020B0604020202020204" pitchFamily="34" charset="0"/>
+                </a:defRPr>
+              </a:lvl9pPr>
+            </a:lstStyle>
+            <a:p>
+              <a:pPr marL="0" marR="0" lvl="0" indent="0" algn="l" defTabSz="914400" rtl="0" eaLnBrk="0" fontAlgn="base" latinLnBrk="0" hangingPunct="0">
+                <a:lnSpc>
+                  <a:spcPct val="100000"/>
+                </a:lnSpc>
+                <a:spcBef>
+                  <a:spcPct val="0"/>
+                </a:spcBef>
+                <a:spcAft>
+                  <a:spcPct val="0"/>
+                </a:spcAft>
+                <a:buClrTx/>
+                <a:buSzTx/>
+                <a:buFontTx/>
+                <a:buNone/>
+                <a:tabLst/>
+              </a:pPr>
+              <a:r>
+                <a:rPr kumimoji="0" lang="ja-JP" altLang="ja-JP" sz="1200" b="0" i="0" u="none" strike="noStrike" cap="none" normalizeH="0" baseline="0" smtClean="0">
+                  <a:ln>
+                    <a:noFill/>
+                  </a:ln>
+                  <a:solidFill>
+                    <a:srgbClr val="000000"/>
+                  </a:solidFill>
+                  <a:effectLst/>
+                  <a:latin typeface="Arial" panose="020B0604020202020204" pitchFamily="34" charset="0"/>
+                </a:rPr>
+                <a:t>0</a:t>
+              </a:r>
+              <a:endParaRPr kumimoji="0" lang="ja-JP" altLang="ja-JP" sz="1800" b="0" i="0" u="none" strike="noStrike" cap="none" normalizeH="0" baseline="0" smtClean="0">
+                <a:ln>
+                  <a:noFill/>
+                </a:ln>
+                <a:solidFill>
+                  <a:schemeClr val="tx1"/>
+                </a:solidFill>
+                <a:effectLst/>
+                <a:latin typeface="Arial" panose="020B0604020202020204" pitchFamily="34" charset="0"/>
+              </a:endParaRPr>
+            </a:p>
+          </p:txBody>
+        </p:sp>
+        <p:sp>
+          <p:nvSpPr>
+            <p:cNvPr id="117" name="Rectangle 105"/>
+            <p:cNvSpPr>
+              <a:spLocks noChangeArrowheads="1"/>
+            </p:cNvSpPr>
+            <p:nvPr/>
+          </p:nvSpPr>
+          <p:spPr bwMode="auto">
+            <a:xfrm rot="16200000">
+              <a:off x="1940" y="11970"/>
+              <a:ext cx="150" cy="132"/>
+            </a:xfrm>
+            <a:prstGeom prst="rect">
+              <a:avLst/>
+            </a:prstGeom>
+            <a:noFill/>
+            <a:ln>
+              <a:noFill/>
+            </a:ln>
+            <a:extLst>
+              <a:ext uri="{909E8E84-426E-40DD-AFC4-6F175D3DCCD1}">
+                <a14:hiddenFill xmlns:a14="http://schemas.microsoft.com/office/drawing/2010/main">
+                  <a:solidFill>
+                    <a:srgbClr val="FFFFFF"/>
+                  </a:solidFill>
+                </a14:hiddenFill>
+              </a:ext>
+              <a:ext uri="{91240B29-F687-4F45-9708-019B960494DF}">
+                <a14:hiddenLine xmlns:a14="http://schemas.microsoft.com/office/drawing/2010/main" w="9525">
+                  <a:solidFill>
+                    <a:srgbClr val="000000"/>
+                  </a:solidFill>
+                  <a:miter lim="800000"/>
+                  <a:headEnd/>
+                  <a:tailEnd/>
+                </a14:hiddenLine>
+              </a:ext>
+            </a:extLst>
+          </p:spPr>
+          <p:txBody>
+            <a:bodyPr vert="horz" wrap="none" lIns="0" tIns="0" rIns="0" bIns="0" numCol="1" anchor="t" anchorCtr="0" compatLnSpc="1">
+              <a:prstTxWarp prst="textNoShape">
+                <a:avLst/>
+              </a:prstTxWarp>
+              <a:spAutoFit/>
+            </a:bodyPr>
+            <a:lstStyle>
+              <a:lvl1pPr eaLnBrk="0" fontAlgn="base" hangingPunct="0">
+                <a:spcBef>
+                  <a:spcPct val="0"/>
+                </a:spcBef>
+                <a:spcAft>
+                  <a:spcPct val="0"/>
+                </a:spcAft>
+                <a:defRPr>
+                  <a:solidFill>
+                    <a:schemeClr val="tx1"/>
+                  </a:solidFill>
+                  <a:latin typeface="Arial" panose="020B0604020202020204" pitchFamily="34" charset="0"/>
+                </a:defRPr>
+              </a:lvl1pPr>
+              <a:lvl2pPr marL="457200" eaLnBrk="0" fontAlgn="base" hangingPunct="0">
+                <a:spcBef>
+                  <a:spcPct val="0"/>
+                </a:spcBef>
+                <a:spcAft>
+                  <a:spcPct val="0"/>
+                </a:spcAft>
+                <a:defRPr>
+                  <a:solidFill>
+                    <a:schemeClr val="tx1"/>
+                  </a:solidFill>
+                  <a:latin typeface="Arial" panose="020B0604020202020204" pitchFamily="34" charset="0"/>
+                </a:defRPr>
+              </a:lvl2pPr>
+              <a:lvl3pPr marL="914400" eaLnBrk="0" fontAlgn="base" hangingPunct="0">
+                <a:spcBef>
+                  <a:spcPct val="0"/>
+                </a:spcBef>
+                <a:spcAft>
+                  <a:spcPct val="0"/>
+                </a:spcAft>
+                <a:defRPr>
+                  <a:solidFill>
+                    <a:schemeClr val="tx1"/>
+                  </a:solidFill>
+                  <a:latin typeface="Arial" panose="020B0604020202020204" pitchFamily="34" charset="0"/>
+                </a:defRPr>
+              </a:lvl3pPr>
+              <a:lvl4pPr marL="1371600" eaLnBrk="0" fontAlgn="base" hangingPunct="0">
+                <a:spcBef>
+                  <a:spcPct val="0"/>
+                </a:spcBef>
+                <a:spcAft>
+                  <a:spcPct val="0"/>
+                </a:spcAft>
+                <a:defRPr>
+                  <a:solidFill>
+                    <a:schemeClr val="tx1"/>
+                  </a:solidFill>
+                  <a:latin typeface="Arial" panose="020B0604020202020204" pitchFamily="34" charset="0"/>
+                </a:defRPr>
+              </a:lvl4pPr>
+              <a:lvl5pPr marL="1828800" eaLnBrk="0" fontAlgn="base" hangingPunct="0">
+                <a:spcBef>
+                  <a:spcPct val="0"/>
+                </a:spcBef>
+                <a:spcAft>
+                  <a:spcPct val="0"/>
+                </a:spcAft>
+                <a:defRPr>
+                  <a:solidFill>
+                    <a:schemeClr val="tx1"/>
+                  </a:solidFill>
+                  <a:latin typeface="Arial" panose="020B0604020202020204" pitchFamily="34" charset="0"/>
+                </a:defRPr>
+              </a:lvl5pPr>
+              <a:lvl6pPr marL="2286000" eaLnBrk="0" fontAlgn="base" hangingPunct="0">
+                <a:spcBef>
+                  <a:spcPct val="0"/>
+                </a:spcBef>
+                <a:spcAft>
+                  <a:spcPct val="0"/>
+                </a:spcAft>
+                <a:defRPr>
+                  <a:solidFill>
+                    <a:schemeClr val="tx1"/>
+                  </a:solidFill>
+                  <a:latin typeface="Arial" panose="020B0604020202020204" pitchFamily="34" charset="0"/>
+                </a:defRPr>
+              </a:lvl6pPr>
+              <a:lvl7pPr marL="2743200" eaLnBrk="0" fontAlgn="base" hangingPunct="0">
+                <a:spcBef>
+                  <a:spcPct val="0"/>
+                </a:spcBef>
+                <a:spcAft>
+                  <a:spcPct val="0"/>
+                </a:spcAft>
+                <a:defRPr>
+                  <a:solidFill>
+                    <a:schemeClr val="tx1"/>
+                  </a:solidFill>
+                  <a:latin typeface="Arial" panose="020B0604020202020204" pitchFamily="34" charset="0"/>
+                </a:defRPr>
+              </a:lvl7pPr>
+              <a:lvl8pPr marL="3200400" eaLnBrk="0" fontAlgn="base" hangingPunct="0">
+                <a:spcBef>
+                  <a:spcPct val="0"/>
+                </a:spcBef>
+                <a:spcAft>
+                  <a:spcPct val="0"/>
+                </a:spcAft>
+                <a:defRPr>
+                  <a:solidFill>
+                    <a:schemeClr val="tx1"/>
+                  </a:solidFill>
+                  <a:latin typeface="Arial" panose="020B0604020202020204" pitchFamily="34" charset="0"/>
+                </a:defRPr>
+              </a:lvl8pPr>
+              <a:lvl9pPr marL="3657600" eaLnBrk="0" fontAlgn="base" hangingPunct="0">
+                <a:spcBef>
+                  <a:spcPct val="0"/>
+                </a:spcBef>
+                <a:spcAft>
+                  <a:spcPct val="0"/>
+                </a:spcAft>
+                <a:defRPr>
+                  <a:solidFill>
+                    <a:schemeClr val="tx1"/>
+                  </a:solidFill>
+                  <a:latin typeface="Arial" panose="020B0604020202020204" pitchFamily="34" charset="0"/>
+                </a:defRPr>
+              </a:lvl9pPr>
+            </a:lstStyle>
+            <a:p>
+              <a:pPr marL="0" marR="0" lvl="0" indent="0" algn="l" defTabSz="914400" rtl="0" eaLnBrk="0" fontAlgn="base" latinLnBrk="0" hangingPunct="0">
+                <a:lnSpc>
+                  <a:spcPct val="100000"/>
+                </a:lnSpc>
+                <a:spcBef>
+                  <a:spcPct val="0"/>
+                </a:spcBef>
+                <a:spcAft>
+                  <a:spcPct val="0"/>
+                </a:spcAft>
+                <a:buClrTx/>
+                <a:buSzTx/>
+                <a:buFontTx/>
+                <a:buNone/>
+                <a:tabLst/>
+              </a:pPr>
+              <a:r>
+                <a:rPr kumimoji="0" lang="ja-JP" altLang="ja-JP" sz="1200" b="0" i="0" u="none" strike="noStrike" cap="none" normalizeH="0" baseline="0" smtClean="0">
+                  <a:ln>
+                    <a:noFill/>
+                  </a:ln>
+                  <a:solidFill>
+                    <a:srgbClr val="000000"/>
+                  </a:solidFill>
+                  <a:effectLst/>
+                  <a:latin typeface="Arial" panose="020B0604020202020204" pitchFamily="34" charset="0"/>
+                </a:rPr>
+                <a:t>10</a:t>
+              </a:r>
+              <a:endParaRPr kumimoji="0" lang="ja-JP" altLang="ja-JP" sz="1800" b="0" i="0" u="none" strike="noStrike" cap="none" normalizeH="0" baseline="0" smtClean="0">
+                <a:ln>
+                  <a:noFill/>
+                </a:ln>
+                <a:solidFill>
+                  <a:schemeClr val="tx1"/>
+                </a:solidFill>
+                <a:effectLst/>
+                <a:latin typeface="Arial" panose="020B0604020202020204" pitchFamily="34" charset="0"/>
+              </a:endParaRPr>
+            </a:p>
+          </p:txBody>
+        </p:sp>
+        <p:sp>
+          <p:nvSpPr>
+            <p:cNvPr id="118" name="Rectangle 106"/>
+            <p:cNvSpPr>
+              <a:spLocks noChangeArrowheads="1"/>
+            </p:cNvSpPr>
+            <p:nvPr/>
+          </p:nvSpPr>
+          <p:spPr bwMode="auto">
+            <a:xfrm rot="16200000">
+              <a:off x="1940" y="11531"/>
+              <a:ext cx="150" cy="132"/>
+            </a:xfrm>
+            <a:prstGeom prst="rect">
+              <a:avLst/>
+            </a:prstGeom>
+            <a:noFill/>
+            <a:ln>
+              <a:noFill/>
+            </a:ln>
+            <a:extLst>
+              <a:ext uri="{909E8E84-426E-40DD-AFC4-6F175D3DCCD1}">
+                <a14:hiddenFill xmlns:a14="http://schemas.microsoft.com/office/drawing/2010/main">
+                  <a:solidFill>
+                    <a:srgbClr val="FFFFFF"/>
+                  </a:solidFill>
+                </a14:hiddenFill>
+              </a:ext>
+              <a:ext uri="{91240B29-F687-4F45-9708-019B960494DF}">
+                <a14:hiddenLine xmlns:a14="http://schemas.microsoft.com/office/drawing/2010/main" w="9525">
+                  <a:solidFill>
+                    <a:srgbClr val="000000"/>
+                  </a:solidFill>
+                  <a:miter lim="800000"/>
+                  <a:headEnd/>
+                  <a:tailEnd/>
+                </a14:hiddenLine>
+              </a:ext>
+            </a:extLst>
+          </p:spPr>
+          <p:txBody>
+            <a:bodyPr vert="horz" wrap="none" lIns="0" tIns="0" rIns="0" bIns="0" numCol="1" anchor="t" anchorCtr="0" compatLnSpc="1">
+              <a:prstTxWarp prst="textNoShape">
+                <a:avLst/>
+              </a:prstTxWarp>
+              <a:spAutoFit/>
+            </a:bodyPr>
+            <a:lstStyle>
+              <a:lvl1pPr eaLnBrk="0" fontAlgn="base" hangingPunct="0">
+                <a:spcBef>
+                  <a:spcPct val="0"/>
+                </a:spcBef>
+                <a:spcAft>
+                  <a:spcPct val="0"/>
+                </a:spcAft>
+                <a:defRPr>
+                  <a:solidFill>
+                    <a:schemeClr val="tx1"/>
+                  </a:solidFill>
+                  <a:latin typeface="Arial" panose="020B0604020202020204" pitchFamily="34" charset="0"/>
+                </a:defRPr>
+              </a:lvl1pPr>
+              <a:lvl2pPr marL="457200" eaLnBrk="0" fontAlgn="base" hangingPunct="0">
+                <a:spcBef>
+                  <a:spcPct val="0"/>
+                </a:spcBef>
+                <a:spcAft>
+                  <a:spcPct val="0"/>
+                </a:spcAft>
+                <a:defRPr>
+                  <a:solidFill>
+                    <a:schemeClr val="tx1"/>
+                  </a:solidFill>
+                  <a:latin typeface="Arial" panose="020B0604020202020204" pitchFamily="34" charset="0"/>
+                </a:defRPr>
+              </a:lvl2pPr>
+              <a:lvl3pPr marL="914400" eaLnBrk="0" fontAlgn="base" hangingPunct="0">
+                <a:spcBef>
+                  <a:spcPct val="0"/>
+                </a:spcBef>
+                <a:spcAft>
+                  <a:spcPct val="0"/>
+                </a:spcAft>
+                <a:defRPr>
+                  <a:solidFill>
+                    <a:schemeClr val="tx1"/>
+                  </a:solidFill>
+                  <a:latin typeface="Arial" panose="020B0604020202020204" pitchFamily="34" charset="0"/>
+                </a:defRPr>
+              </a:lvl3pPr>
+              <a:lvl4pPr marL="1371600" eaLnBrk="0" fontAlgn="base" hangingPunct="0">
+                <a:spcBef>
+                  <a:spcPct val="0"/>
+                </a:spcBef>
+                <a:spcAft>
+                  <a:spcPct val="0"/>
+                </a:spcAft>
+                <a:defRPr>
+                  <a:solidFill>
+                    <a:schemeClr val="tx1"/>
+                  </a:solidFill>
+                  <a:latin typeface="Arial" panose="020B0604020202020204" pitchFamily="34" charset="0"/>
+                </a:defRPr>
+              </a:lvl4pPr>
+              <a:lvl5pPr marL="1828800" eaLnBrk="0" fontAlgn="base" hangingPunct="0">
+                <a:spcBef>
+                  <a:spcPct val="0"/>
+                </a:spcBef>
+                <a:spcAft>
+                  <a:spcPct val="0"/>
+                </a:spcAft>
+                <a:defRPr>
+                  <a:solidFill>
+                    <a:schemeClr val="tx1"/>
+                  </a:solidFill>
+                  <a:latin typeface="Arial" panose="020B0604020202020204" pitchFamily="34" charset="0"/>
+                </a:defRPr>
+              </a:lvl5pPr>
+              <a:lvl6pPr marL="2286000" eaLnBrk="0" fontAlgn="base" hangingPunct="0">
+                <a:spcBef>
+                  <a:spcPct val="0"/>
+                </a:spcBef>
+                <a:spcAft>
+                  <a:spcPct val="0"/>
+                </a:spcAft>
+                <a:defRPr>
+                  <a:solidFill>
+                    <a:schemeClr val="tx1"/>
+                  </a:solidFill>
+                  <a:latin typeface="Arial" panose="020B0604020202020204" pitchFamily="34" charset="0"/>
+                </a:defRPr>
+              </a:lvl6pPr>
+              <a:lvl7pPr marL="2743200" eaLnBrk="0" fontAlgn="base" hangingPunct="0">
+                <a:spcBef>
+                  <a:spcPct val="0"/>
+                </a:spcBef>
+                <a:spcAft>
+                  <a:spcPct val="0"/>
+                </a:spcAft>
+                <a:defRPr>
+                  <a:solidFill>
+                    <a:schemeClr val="tx1"/>
+                  </a:solidFill>
+                  <a:latin typeface="Arial" panose="020B0604020202020204" pitchFamily="34" charset="0"/>
+                </a:defRPr>
+              </a:lvl7pPr>
+              <a:lvl8pPr marL="3200400" eaLnBrk="0" fontAlgn="base" hangingPunct="0">
+                <a:spcBef>
+                  <a:spcPct val="0"/>
+                </a:spcBef>
+                <a:spcAft>
+                  <a:spcPct val="0"/>
+                </a:spcAft>
+                <a:defRPr>
+                  <a:solidFill>
+                    <a:schemeClr val="tx1"/>
+                  </a:solidFill>
+                  <a:latin typeface="Arial" panose="020B0604020202020204" pitchFamily="34" charset="0"/>
+                </a:defRPr>
+              </a:lvl8pPr>
+              <a:lvl9pPr marL="3657600" eaLnBrk="0" fontAlgn="base" hangingPunct="0">
+                <a:spcBef>
+                  <a:spcPct val="0"/>
+                </a:spcBef>
+                <a:spcAft>
+                  <a:spcPct val="0"/>
+                </a:spcAft>
+                <a:defRPr>
+                  <a:solidFill>
+                    <a:schemeClr val="tx1"/>
+                  </a:solidFill>
+                  <a:latin typeface="Arial" panose="020B0604020202020204" pitchFamily="34" charset="0"/>
+                </a:defRPr>
+              </a:lvl9pPr>
+            </a:lstStyle>
+            <a:p>
+              <a:pPr marL="0" marR="0" lvl="0" indent="0" algn="l" defTabSz="914400" rtl="0" eaLnBrk="0" fontAlgn="base" latinLnBrk="0" hangingPunct="0">
+                <a:lnSpc>
+                  <a:spcPct val="100000"/>
+                </a:lnSpc>
+                <a:spcBef>
+                  <a:spcPct val="0"/>
+                </a:spcBef>
+                <a:spcAft>
+                  <a:spcPct val="0"/>
+                </a:spcAft>
+                <a:buClrTx/>
+                <a:buSzTx/>
+                <a:buFontTx/>
+                <a:buNone/>
+                <a:tabLst/>
+              </a:pPr>
+              <a:r>
+                <a:rPr kumimoji="0" lang="ja-JP" altLang="ja-JP" sz="1200" b="0" i="0" u="none" strike="noStrike" cap="none" normalizeH="0" baseline="0" smtClean="0">
+                  <a:ln>
+                    <a:noFill/>
+                  </a:ln>
+                  <a:solidFill>
+                    <a:srgbClr val="000000"/>
+                  </a:solidFill>
+                  <a:effectLst/>
+                  <a:latin typeface="Arial" panose="020B0604020202020204" pitchFamily="34" charset="0"/>
+                </a:rPr>
+                <a:t>20</a:t>
+              </a:r>
+              <a:endParaRPr kumimoji="0" lang="ja-JP" altLang="ja-JP" sz="1800" b="0" i="0" u="none" strike="noStrike" cap="none" normalizeH="0" baseline="0" smtClean="0">
+                <a:ln>
+                  <a:noFill/>
+                </a:ln>
+                <a:solidFill>
+                  <a:schemeClr val="tx1"/>
+                </a:solidFill>
+                <a:effectLst/>
+                <a:latin typeface="Arial" panose="020B0604020202020204" pitchFamily="34" charset="0"/>
+              </a:endParaRPr>
+            </a:p>
+          </p:txBody>
+        </p:sp>
+        <p:sp>
+          <p:nvSpPr>
+            <p:cNvPr id="119" name="Rectangle 107"/>
+            <p:cNvSpPr>
+              <a:spLocks noChangeArrowheads="1"/>
+            </p:cNvSpPr>
+            <p:nvPr/>
+          </p:nvSpPr>
+          <p:spPr bwMode="auto">
+            <a:xfrm rot="16200000">
+              <a:off x="1940" y="11092"/>
+              <a:ext cx="150" cy="132"/>
+            </a:xfrm>
+            <a:prstGeom prst="rect">
+              <a:avLst/>
+            </a:prstGeom>
+            <a:noFill/>
+            <a:ln>
+              <a:noFill/>
+            </a:ln>
+            <a:extLst>
+              <a:ext uri="{909E8E84-426E-40DD-AFC4-6F175D3DCCD1}">
+                <a14:hiddenFill xmlns:a14="http://schemas.microsoft.com/office/drawing/2010/main">
+                  <a:solidFill>
+                    <a:srgbClr val="FFFFFF"/>
+                  </a:solidFill>
+                </a14:hiddenFill>
+              </a:ext>
+              <a:ext uri="{91240B29-F687-4F45-9708-019B960494DF}">
+                <a14:hiddenLine xmlns:a14="http://schemas.microsoft.com/office/drawing/2010/main" w="9525">
+                  <a:solidFill>
+                    <a:srgbClr val="000000"/>
+                  </a:solidFill>
+                  <a:miter lim="800000"/>
+                  <a:headEnd/>
+                  <a:tailEnd/>
+                </a14:hiddenLine>
+              </a:ext>
+            </a:extLst>
+          </p:spPr>
+          <p:txBody>
+            <a:bodyPr vert="horz" wrap="none" lIns="0" tIns="0" rIns="0" bIns="0" numCol="1" anchor="t" anchorCtr="0" compatLnSpc="1">
+              <a:prstTxWarp prst="textNoShape">
+                <a:avLst/>
+              </a:prstTxWarp>
+              <a:spAutoFit/>
+            </a:bodyPr>
+            <a:lstStyle>
+              <a:lvl1pPr eaLnBrk="0" fontAlgn="base" hangingPunct="0">
+                <a:spcBef>
+                  <a:spcPct val="0"/>
+                </a:spcBef>
+                <a:spcAft>
+                  <a:spcPct val="0"/>
+                </a:spcAft>
+                <a:defRPr>
+                  <a:solidFill>
+                    <a:schemeClr val="tx1"/>
+                  </a:solidFill>
+                  <a:latin typeface="Arial" panose="020B0604020202020204" pitchFamily="34" charset="0"/>
+                </a:defRPr>
+              </a:lvl1pPr>
+              <a:lvl2pPr marL="457200" eaLnBrk="0" fontAlgn="base" hangingPunct="0">
+                <a:spcBef>
+                  <a:spcPct val="0"/>
+                </a:spcBef>
+                <a:spcAft>
+                  <a:spcPct val="0"/>
+                </a:spcAft>
+                <a:defRPr>
+                  <a:solidFill>
+                    <a:schemeClr val="tx1"/>
+                  </a:solidFill>
+                  <a:latin typeface="Arial" panose="020B0604020202020204" pitchFamily="34" charset="0"/>
+                </a:defRPr>
+              </a:lvl2pPr>
+              <a:lvl3pPr marL="914400" eaLnBrk="0" fontAlgn="base" hangingPunct="0">
+                <a:spcBef>
+                  <a:spcPct val="0"/>
+                </a:spcBef>
+                <a:spcAft>
+                  <a:spcPct val="0"/>
+                </a:spcAft>
+                <a:defRPr>
+                  <a:solidFill>
+                    <a:schemeClr val="tx1"/>
+                  </a:solidFill>
+                  <a:latin typeface="Arial" panose="020B0604020202020204" pitchFamily="34" charset="0"/>
+                </a:defRPr>
+              </a:lvl3pPr>
+              <a:lvl4pPr marL="1371600" eaLnBrk="0" fontAlgn="base" hangingPunct="0">
+                <a:spcBef>
+                  <a:spcPct val="0"/>
+                </a:spcBef>
+                <a:spcAft>
+                  <a:spcPct val="0"/>
+                </a:spcAft>
+                <a:defRPr>
+                  <a:solidFill>
+                    <a:schemeClr val="tx1"/>
+                  </a:solidFill>
+                  <a:latin typeface="Arial" panose="020B0604020202020204" pitchFamily="34" charset="0"/>
+                </a:defRPr>
+              </a:lvl4pPr>
+              <a:lvl5pPr marL="1828800" eaLnBrk="0" fontAlgn="base" hangingPunct="0">
+                <a:spcBef>
+                  <a:spcPct val="0"/>
+                </a:spcBef>
+                <a:spcAft>
+                  <a:spcPct val="0"/>
+                </a:spcAft>
+                <a:defRPr>
+                  <a:solidFill>
+                    <a:schemeClr val="tx1"/>
+                  </a:solidFill>
+                  <a:latin typeface="Arial" panose="020B0604020202020204" pitchFamily="34" charset="0"/>
+                </a:defRPr>
+              </a:lvl5pPr>
+              <a:lvl6pPr marL="2286000" eaLnBrk="0" fontAlgn="base" hangingPunct="0">
+                <a:spcBef>
+                  <a:spcPct val="0"/>
+                </a:spcBef>
+                <a:spcAft>
+                  <a:spcPct val="0"/>
+                </a:spcAft>
+                <a:defRPr>
+                  <a:solidFill>
+                    <a:schemeClr val="tx1"/>
+                  </a:solidFill>
+                  <a:latin typeface="Arial" panose="020B0604020202020204" pitchFamily="34" charset="0"/>
+                </a:defRPr>
+              </a:lvl6pPr>
+              <a:lvl7pPr marL="2743200" eaLnBrk="0" fontAlgn="base" hangingPunct="0">
+                <a:spcBef>
+                  <a:spcPct val="0"/>
+                </a:spcBef>
+                <a:spcAft>
+                  <a:spcPct val="0"/>
+                </a:spcAft>
+                <a:defRPr>
+                  <a:solidFill>
+                    <a:schemeClr val="tx1"/>
+                  </a:solidFill>
+                  <a:latin typeface="Arial" panose="020B0604020202020204" pitchFamily="34" charset="0"/>
+                </a:defRPr>
+              </a:lvl7pPr>
+              <a:lvl8pPr marL="3200400" eaLnBrk="0" fontAlgn="base" hangingPunct="0">
+                <a:spcBef>
+                  <a:spcPct val="0"/>
+                </a:spcBef>
+                <a:spcAft>
+                  <a:spcPct val="0"/>
+                </a:spcAft>
+                <a:defRPr>
+                  <a:solidFill>
+                    <a:schemeClr val="tx1"/>
+                  </a:solidFill>
+                  <a:latin typeface="Arial" panose="020B0604020202020204" pitchFamily="34" charset="0"/>
+                </a:defRPr>
+              </a:lvl8pPr>
+              <a:lvl9pPr marL="3657600" eaLnBrk="0" fontAlgn="base" hangingPunct="0">
+                <a:spcBef>
+                  <a:spcPct val="0"/>
+                </a:spcBef>
+                <a:spcAft>
+                  <a:spcPct val="0"/>
+                </a:spcAft>
+                <a:defRPr>
+                  <a:solidFill>
+                    <a:schemeClr val="tx1"/>
+                  </a:solidFill>
+                  <a:latin typeface="Arial" panose="020B0604020202020204" pitchFamily="34" charset="0"/>
+                </a:defRPr>
+              </a:lvl9pPr>
+            </a:lstStyle>
+            <a:p>
+              <a:pPr marL="0" marR="0" lvl="0" indent="0" algn="l" defTabSz="914400" rtl="0" eaLnBrk="0" fontAlgn="base" latinLnBrk="0" hangingPunct="0">
+                <a:lnSpc>
+                  <a:spcPct val="100000"/>
+                </a:lnSpc>
+                <a:spcBef>
+                  <a:spcPct val="0"/>
+                </a:spcBef>
+                <a:spcAft>
+                  <a:spcPct val="0"/>
+                </a:spcAft>
+                <a:buClrTx/>
+                <a:buSzTx/>
+                <a:buFontTx/>
+                <a:buNone/>
+                <a:tabLst/>
+              </a:pPr>
+              <a:r>
+                <a:rPr kumimoji="0" lang="ja-JP" altLang="ja-JP" sz="1200" b="0" i="0" u="none" strike="noStrike" cap="none" normalizeH="0" baseline="0" smtClean="0">
+                  <a:ln>
+                    <a:noFill/>
+                  </a:ln>
+                  <a:solidFill>
+                    <a:srgbClr val="000000"/>
+                  </a:solidFill>
+                  <a:effectLst/>
+                  <a:latin typeface="Arial" panose="020B0604020202020204" pitchFamily="34" charset="0"/>
+                </a:rPr>
+                <a:t>30</a:t>
+              </a:r>
+              <a:endParaRPr kumimoji="0" lang="ja-JP" altLang="ja-JP" sz="1800" b="0" i="0" u="none" strike="noStrike" cap="none" normalizeH="0" baseline="0" smtClean="0">
+                <a:ln>
+                  <a:noFill/>
+                </a:ln>
+                <a:solidFill>
+                  <a:schemeClr val="tx1"/>
+                </a:solidFill>
+                <a:effectLst/>
+                <a:latin typeface="Arial" panose="020B0604020202020204" pitchFamily="34" charset="0"/>
+              </a:endParaRPr>
+            </a:p>
+          </p:txBody>
+        </p:sp>
+        <p:sp>
+          <p:nvSpPr>
+            <p:cNvPr id="120" name="Rectangle 108"/>
+            <p:cNvSpPr>
+              <a:spLocks noChangeArrowheads="1"/>
+            </p:cNvSpPr>
+            <p:nvPr/>
+          </p:nvSpPr>
+          <p:spPr bwMode="auto">
+            <a:xfrm rot="16200000">
+              <a:off x="1940" y="10653"/>
+              <a:ext cx="150" cy="132"/>
+            </a:xfrm>
+            <a:prstGeom prst="rect">
+              <a:avLst/>
+            </a:prstGeom>
+            <a:noFill/>
+            <a:ln>
+              <a:noFill/>
+            </a:ln>
+            <a:extLst>
+              <a:ext uri="{909E8E84-426E-40DD-AFC4-6F175D3DCCD1}">
+                <a14:hiddenFill xmlns:a14="http://schemas.microsoft.com/office/drawing/2010/main">
+                  <a:solidFill>
+                    <a:srgbClr val="FFFFFF"/>
+                  </a:solidFill>
+                </a14:hiddenFill>
+              </a:ext>
+              <a:ext uri="{91240B29-F687-4F45-9708-019B960494DF}">
+                <a14:hiddenLine xmlns:a14="http://schemas.microsoft.com/office/drawing/2010/main" w="9525">
+                  <a:solidFill>
+                    <a:srgbClr val="000000"/>
+                  </a:solidFill>
+                  <a:miter lim="800000"/>
+                  <a:headEnd/>
+                  <a:tailEnd/>
+                </a14:hiddenLine>
+              </a:ext>
+            </a:extLst>
+          </p:spPr>
+          <p:txBody>
+            <a:bodyPr vert="horz" wrap="none" lIns="0" tIns="0" rIns="0" bIns="0" numCol="1" anchor="t" anchorCtr="0" compatLnSpc="1">
+              <a:prstTxWarp prst="textNoShape">
+                <a:avLst/>
+              </a:prstTxWarp>
+              <a:spAutoFit/>
+            </a:bodyPr>
+            <a:lstStyle>
+              <a:lvl1pPr eaLnBrk="0" fontAlgn="base" hangingPunct="0">
+                <a:spcBef>
+                  <a:spcPct val="0"/>
+                </a:spcBef>
+                <a:spcAft>
+                  <a:spcPct val="0"/>
+                </a:spcAft>
+                <a:defRPr>
+                  <a:solidFill>
+                    <a:schemeClr val="tx1"/>
+                  </a:solidFill>
+                  <a:latin typeface="Arial" panose="020B0604020202020204" pitchFamily="34" charset="0"/>
+                </a:defRPr>
+              </a:lvl1pPr>
+              <a:lvl2pPr marL="457200" eaLnBrk="0" fontAlgn="base" hangingPunct="0">
+                <a:spcBef>
+                  <a:spcPct val="0"/>
+                </a:spcBef>
+                <a:spcAft>
+                  <a:spcPct val="0"/>
+                </a:spcAft>
+                <a:defRPr>
+                  <a:solidFill>
+                    <a:schemeClr val="tx1"/>
+                  </a:solidFill>
+                  <a:latin typeface="Arial" panose="020B0604020202020204" pitchFamily="34" charset="0"/>
+                </a:defRPr>
+              </a:lvl2pPr>
+              <a:lvl3pPr marL="914400" eaLnBrk="0" fontAlgn="base" hangingPunct="0">
+                <a:spcBef>
+                  <a:spcPct val="0"/>
+                </a:spcBef>
+                <a:spcAft>
+                  <a:spcPct val="0"/>
+                </a:spcAft>
+                <a:defRPr>
+                  <a:solidFill>
+                    <a:schemeClr val="tx1"/>
+                  </a:solidFill>
+                  <a:latin typeface="Arial" panose="020B0604020202020204" pitchFamily="34" charset="0"/>
+                </a:defRPr>
+              </a:lvl3pPr>
+              <a:lvl4pPr marL="1371600" eaLnBrk="0" fontAlgn="base" hangingPunct="0">
+                <a:spcBef>
+                  <a:spcPct val="0"/>
+                </a:spcBef>
+                <a:spcAft>
+                  <a:spcPct val="0"/>
+                </a:spcAft>
+                <a:defRPr>
+                  <a:solidFill>
+                    <a:schemeClr val="tx1"/>
+                  </a:solidFill>
+                  <a:latin typeface="Arial" panose="020B0604020202020204" pitchFamily="34" charset="0"/>
+                </a:defRPr>
+              </a:lvl4pPr>
+              <a:lvl5pPr marL="1828800" eaLnBrk="0" fontAlgn="base" hangingPunct="0">
+                <a:spcBef>
+                  <a:spcPct val="0"/>
+                </a:spcBef>
+                <a:spcAft>
+                  <a:spcPct val="0"/>
+                </a:spcAft>
+                <a:defRPr>
+                  <a:solidFill>
+                    <a:schemeClr val="tx1"/>
+                  </a:solidFill>
+                  <a:latin typeface="Arial" panose="020B0604020202020204" pitchFamily="34" charset="0"/>
+                </a:defRPr>
+              </a:lvl5pPr>
+              <a:lvl6pPr marL="2286000" eaLnBrk="0" fontAlgn="base" hangingPunct="0">
+                <a:spcBef>
+                  <a:spcPct val="0"/>
+                </a:spcBef>
+                <a:spcAft>
+                  <a:spcPct val="0"/>
+                </a:spcAft>
+                <a:defRPr>
+                  <a:solidFill>
+                    <a:schemeClr val="tx1"/>
+                  </a:solidFill>
+                  <a:latin typeface="Arial" panose="020B0604020202020204" pitchFamily="34" charset="0"/>
+                </a:defRPr>
+              </a:lvl6pPr>
+              <a:lvl7pPr marL="2743200" eaLnBrk="0" fontAlgn="base" hangingPunct="0">
+                <a:spcBef>
+                  <a:spcPct val="0"/>
+                </a:spcBef>
+                <a:spcAft>
+                  <a:spcPct val="0"/>
+                </a:spcAft>
+                <a:defRPr>
+                  <a:solidFill>
+                    <a:schemeClr val="tx1"/>
+                  </a:solidFill>
+                  <a:latin typeface="Arial" panose="020B0604020202020204" pitchFamily="34" charset="0"/>
+                </a:defRPr>
+              </a:lvl7pPr>
+              <a:lvl8pPr marL="3200400" eaLnBrk="0" fontAlgn="base" hangingPunct="0">
+                <a:spcBef>
+                  <a:spcPct val="0"/>
+                </a:spcBef>
+                <a:spcAft>
+                  <a:spcPct val="0"/>
+                </a:spcAft>
+                <a:defRPr>
+                  <a:solidFill>
+                    <a:schemeClr val="tx1"/>
+                  </a:solidFill>
+                  <a:latin typeface="Arial" panose="020B0604020202020204" pitchFamily="34" charset="0"/>
+                </a:defRPr>
+              </a:lvl8pPr>
+              <a:lvl9pPr marL="3657600" eaLnBrk="0" fontAlgn="base" hangingPunct="0">
+                <a:spcBef>
+                  <a:spcPct val="0"/>
+                </a:spcBef>
+                <a:spcAft>
+                  <a:spcPct val="0"/>
+                </a:spcAft>
+                <a:defRPr>
+                  <a:solidFill>
+                    <a:schemeClr val="tx1"/>
+                  </a:solidFill>
+                  <a:latin typeface="Arial" panose="020B0604020202020204" pitchFamily="34" charset="0"/>
+                </a:defRPr>
+              </a:lvl9pPr>
+            </a:lstStyle>
+            <a:p>
+              <a:pPr marL="0" marR="0" lvl="0" indent="0" algn="l" defTabSz="914400" rtl="0" eaLnBrk="0" fontAlgn="base" latinLnBrk="0" hangingPunct="0">
+                <a:lnSpc>
+                  <a:spcPct val="100000"/>
+                </a:lnSpc>
+                <a:spcBef>
+                  <a:spcPct val="0"/>
+                </a:spcBef>
+                <a:spcAft>
+                  <a:spcPct val="0"/>
+                </a:spcAft>
+                <a:buClrTx/>
+                <a:buSzTx/>
+                <a:buFontTx/>
+                <a:buNone/>
+                <a:tabLst/>
+              </a:pPr>
+              <a:r>
+                <a:rPr kumimoji="0" lang="ja-JP" altLang="ja-JP" sz="1200" b="0" i="0" u="none" strike="noStrike" cap="none" normalizeH="0" baseline="0" smtClean="0">
+                  <a:ln>
+                    <a:noFill/>
+                  </a:ln>
+                  <a:solidFill>
+                    <a:srgbClr val="000000"/>
+                  </a:solidFill>
+                  <a:effectLst/>
+                  <a:latin typeface="Arial" panose="020B0604020202020204" pitchFamily="34" charset="0"/>
+                </a:rPr>
+                <a:t>40</a:t>
+              </a:r>
+              <a:endParaRPr kumimoji="0" lang="ja-JP" altLang="ja-JP" sz="1800" b="0" i="0" u="none" strike="noStrike" cap="none" normalizeH="0" baseline="0" smtClean="0">
+                <a:ln>
+                  <a:noFill/>
+                </a:ln>
+                <a:solidFill>
+                  <a:schemeClr val="tx1"/>
+                </a:solidFill>
+                <a:effectLst/>
+                <a:latin typeface="Arial" panose="020B0604020202020204" pitchFamily="34" charset="0"/>
+              </a:endParaRPr>
+            </a:p>
+          </p:txBody>
+        </p:sp>
+        <p:sp>
+          <p:nvSpPr>
+            <p:cNvPr id="121" name="Rectangle 109"/>
+            <p:cNvSpPr>
+              <a:spLocks noChangeArrowheads="1"/>
+            </p:cNvSpPr>
+            <p:nvPr/>
+          </p:nvSpPr>
+          <p:spPr bwMode="auto">
+            <a:xfrm rot="16200000">
+              <a:off x="1940" y="10214"/>
+              <a:ext cx="150" cy="132"/>
+            </a:xfrm>
+            <a:prstGeom prst="rect">
+              <a:avLst/>
+            </a:prstGeom>
+            <a:noFill/>
+            <a:ln>
+              <a:noFill/>
+            </a:ln>
+            <a:extLst>
+              <a:ext uri="{909E8E84-426E-40DD-AFC4-6F175D3DCCD1}">
+                <a14:hiddenFill xmlns:a14="http://schemas.microsoft.com/office/drawing/2010/main">
+                  <a:solidFill>
+                    <a:srgbClr val="FFFFFF"/>
+                  </a:solidFill>
+                </a14:hiddenFill>
+              </a:ext>
+              <a:ext uri="{91240B29-F687-4F45-9708-019B960494DF}">
+                <a14:hiddenLine xmlns:a14="http://schemas.microsoft.com/office/drawing/2010/main" w="9525">
+                  <a:solidFill>
+                    <a:srgbClr val="000000"/>
+                  </a:solidFill>
+                  <a:miter lim="800000"/>
+                  <a:headEnd/>
+                  <a:tailEnd/>
+                </a14:hiddenLine>
+              </a:ext>
+            </a:extLst>
+          </p:spPr>
+          <p:txBody>
+            <a:bodyPr vert="horz" wrap="none" lIns="0" tIns="0" rIns="0" bIns="0" numCol="1" anchor="t" anchorCtr="0" compatLnSpc="1">
+              <a:prstTxWarp prst="textNoShape">
+                <a:avLst/>
+              </a:prstTxWarp>
+              <a:spAutoFit/>
+            </a:bodyPr>
+            <a:lstStyle>
+              <a:lvl1pPr eaLnBrk="0" fontAlgn="base" hangingPunct="0">
+                <a:spcBef>
+                  <a:spcPct val="0"/>
+                </a:spcBef>
+                <a:spcAft>
+                  <a:spcPct val="0"/>
+                </a:spcAft>
+                <a:defRPr>
+                  <a:solidFill>
+                    <a:schemeClr val="tx1"/>
+                  </a:solidFill>
+                  <a:latin typeface="Arial" panose="020B0604020202020204" pitchFamily="34" charset="0"/>
+                </a:defRPr>
+              </a:lvl1pPr>
+              <a:lvl2pPr marL="457200" eaLnBrk="0" fontAlgn="base" hangingPunct="0">
+                <a:spcBef>
+                  <a:spcPct val="0"/>
+                </a:spcBef>
+                <a:spcAft>
+                  <a:spcPct val="0"/>
+                </a:spcAft>
+                <a:defRPr>
+                  <a:solidFill>
+                    <a:schemeClr val="tx1"/>
+                  </a:solidFill>
+                  <a:latin typeface="Arial" panose="020B0604020202020204" pitchFamily="34" charset="0"/>
+                </a:defRPr>
+              </a:lvl2pPr>
+              <a:lvl3pPr marL="914400" eaLnBrk="0" fontAlgn="base" hangingPunct="0">
+                <a:spcBef>
+                  <a:spcPct val="0"/>
+                </a:spcBef>
+                <a:spcAft>
+                  <a:spcPct val="0"/>
+                </a:spcAft>
+                <a:defRPr>
+                  <a:solidFill>
+                    <a:schemeClr val="tx1"/>
+                  </a:solidFill>
+                  <a:latin typeface="Arial" panose="020B0604020202020204" pitchFamily="34" charset="0"/>
+                </a:defRPr>
+              </a:lvl3pPr>
+              <a:lvl4pPr marL="1371600" eaLnBrk="0" fontAlgn="base" hangingPunct="0">
+                <a:spcBef>
+                  <a:spcPct val="0"/>
+                </a:spcBef>
+                <a:spcAft>
+                  <a:spcPct val="0"/>
+                </a:spcAft>
+                <a:defRPr>
+                  <a:solidFill>
+                    <a:schemeClr val="tx1"/>
+                  </a:solidFill>
+                  <a:latin typeface="Arial" panose="020B0604020202020204" pitchFamily="34" charset="0"/>
+                </a:defRPr>
+              </a:lvl4pPr>
+              <a:lvl5pPr marL="1828800" eaLnBrk="0" fontAlgn="base" hangingPunct="0">
+                <a:spcBef>
+                  <a:spcPct val="0"/>
+                </a:spcBef>
+                <a:spcAft>
+                  <a:spcPct val="0"/>
+                </a:spcAft>
+                <a:defRPr>
+                  <a:solidFill>
+                    <a:schemeClr val="tx1"/>
+                  </a:solidFill>
+                  <a:latin typeface="Arial" panose="020B0604020202020204" pitchFamily="34" charset="0"/>
+                </a:defRPr>
+              </a:lvl5pPr>
+              <a:lvl6pPr marL="2286000" eaLnBrk="0" fontAlgn="base" hangingPunct="0">
+                <a:spcBef>
+                  <a:spcPct val="0"/>
+                </a:spcBef>
+                <a:spcAft>
+                  <a:spcPct val="0"/>
+                </a:spcAft>
+                <a:defRPr>
+                  <a:solidFill>
+                    <a:schemeClr val="tx1"/>
+                  </a:solidFill>
+                  <a:latin typeface="Arial" panose="020B0604020202020204" pitchFamily="34" charset="0"/>
+                </a:defRPr>
+              </a:lvl6pPr>
+              <a:lvl7pPr marL="2743200" eaLnBrk="0" fontAlgn="base" hangingPunct="0">
+                <a:spcBef>
+                  <a:spcPct val="0"/>
+                </a:spcBef>
+                <a:spcAft>
+                  <a:spcPct val="0"/>
+                </a:spcAft>
+                <a:defRPr>
+                  <a:solidFill>
+                    <a:schemeClr val="tx1"/>
+                  </a:solidFill>
+                  <a:latin typeface="Arial" panose="020B0604020202020204" pitchFamily="34" charset="0"/>
+                </a:defRPr>
+              </a:lvl7pPr>
+              <a:lvl8pPr marL="3200400" eaLnBrk="0" fontAlgn="base" hangingPunct="0">
+                <a:spcBef>
+                  <a:spcPct val="0"/>
+                </a:spcBef>
+                <a:spcAft>
+                  <a:spcPct val="0"/>
+                </a:spcAft>
+                <a:defRPr>
+                  <a:solidFill>
+                    <a:schemeClr val="tx1"/>
+                  </a:solidFill>
+                  <a:latin typeface="Arial" panose="020B0604020202020204" pitchFamily="34" charset="0"/>
+                </a:defRPr>
+              </a:lvl8pPr>
+              <a:lvl9pPr marL="3657600" eaLnBrk="0" fontAlgn="base" hangingPunct="0">
+                <a:spcBef>
+                  <a:spcPct val="0"/>
+                </a:spcBef>
+                <a:spcAft>
+                  <a:spcPct val="0"/>
+                </a:spcAft>
+                <a:defRPr>
+                  <a:solidFill>
+                    <a:schemeClr val="tx1"/>
+                  </a:solidFill>
+                  <a:latin typeface="Arial" panose="020B0604020202020204" pitchFamily="34" charset="0"/>
+                </a:defRPr>
+              </a:lvl9pPr>
+            </a:lstStyle>
+            <a:p>
+              <a:pPr marL="0" marR="0" lvl="0" indent="0" algn="l" defTabSz="914400" rtl="0" eaLnBrk="0" fontAlgn="base" latinLnBrk="0" hangingPunct="0">
+                <a:lnSpc>
+                  <a:spcPct val="100000"/>
+                </a:lnSpc>
+                <a:spcBef>
+                  <a:spcPct val="0"/>
+                </a:spcBef>
+                <a:spcAft>
+                  <a:spcPct val="0"/>
+                </a:spcAft>
+                <a:buClrTx/>
+                <a:buSzTx/>
+                <a:buFontTx/>
+                <a:buNone/>
+                <a:tabLst/>
+              </a:pPr>
+              <a:r>
+                <a:rPr kumimoji="0" lang="ja-JP" altLang="ja-JP" sz="1200" b="0" i="0" u="none" strike="noStrike" cap="none" normalizeH="0" baseline="0" smtClean="0">
+                  <a:ln>
+                    <a:noFill/>
+                  </a:ln>
+                  <a:solidFill>
+                    <a:srgbClr val="000000"/>
+                  </a:solidFill>
+                  <a:effectLst/>
+                  <a:latin typeface="Arial" panose="020B0604020202020204" pitchFamily="34" charset="0"/>
+                </a:rPr>
+                <a:t>50</a:t>
+              </a:r>
+              <a:endParaRPr kumimoji="0" lang="ja-JP" altLang="ja-JP" sz="1800" b="0" i="0" u="none" strike="noStrike" cap="none" normalizeH="0" baseline="0" smtClean="0">
+                <a:ln>
+                  <a:noFill/>
+                </a:ln>
+                <a:solidFill>
+                  <a:schemeClr val="tx1"/>
+                </a:solidFill>
+                <a:effectLst/>
+                <a:latin typeface="Arial" panose="020B0604020202020204" pitchFamily="34" charset="0"/>
+              </a:endParaRPr>
+            </a:p>
+          </p:txBody>
+        </p:sp>
+        <p:sp>
+          <p:nvSpPr>
+            <p:cNvPr id="122" name="Rectangle 110"/>
+            <p:cNvSpPr>
+              <a:spLocks noChangeArrowheads="1"/>
+            </p:cNvSpPr>
+            <p:nvPr/>
+          </p:nvSpPr>
+          <p:spPr bwMode="auto">
+            <a:xfrm rot="16200000">
+              <a:off x="1940" y="9775"/>
+              <a:ext cx="150" cy="132"/>
+            </a:xfrm>
+            <a:prstGeom prst="rect">
+              <a:avLst/>
+            </a:prstGeom>
+            <a:noFill/>
+            <a:ln>
+              <a:noFill/>
+            </a:ln>
+            <a:extLst>
+              <a:ext uri="{909E8E84-426E-40DD-AFC4-6F175D3DCCD1}">
+                <a14:hiddenFill xmlns:a14="http://schemas.microsoft.com/office/drawing/2010/main">
+                  <a:solidFill>
+                    <a:srgbClr val="FFFFFF"/>
+                  </a:solidFill>
+                </a14:hiddenFill>
+              </a:ext>
+              <a:ext uri="{91240B29-F687-4F45-9708-019B960494DF}">
+                <a14:hiddenLine xmlns:a14="http://schemas.microsoft.com/office/drawing/2010/main" w="9525">
+                  <a:solidFill>
+                    <a:srgbClr val="000000"/>
+                  </a:solidFill>
+                  <a:miter lim="800000"/>
+                  <a:headEnd/>
+                  <a:tailEnd/>
+                </a14:hiddenLine>
+              </a:ext>
+            </a:extLst>
+          </p:spPr>
+          <p:txBody>
+            <a:bodyPr vert="horz" wrap="none" lIns="0" tIns="0" rIns="0" bIns="0" numCol="1" anchor="t" anchorCtr="0" compatLnSpc="1">
+              <a:prstTxWarp prst="textNoShape">
+                <a:avLst/>
+              </a:prstTxWarp>
+              <a:spAutoFit/>
+            </a:bodyPr>
+            <a:lstStyle>
+              <a:lvl1pPr eaLnBrk="0" fontAlgn="base" hangingPunct="0">
+                <a:spcBef>
+                  <a:spcPct val="0"/>
+                </a:spcBef>
+                <a:spcAft>
+                  <a:spcPct val="0"/>
+                </a:spcAft>
+                <a:defRPr>
+                  <a:solidFill>
+                    <a:schemeClr val="tx1"/>
+                  </a:solidFill>
+                  <a:latin typeface="Arial" panose="020B0604020202020204" pitchFamily="34" charset="0"/>
+                </a:defRPr>
+              </a:lvl1pPr>
+              <a:lvl2pPr marL="457200" eaLnBrk="0" fontAlgn="base" hangingPunct="0">
+                <a:spcBef>
+                  <a:spcPct val="0"/>
+                </a:spcBef>
+                <a:spcAft>
+                  <a:spcPct val="0"/>
+                </a:spcAft>
+                <a:defRPr>
+                  <a:solidFill>
+                    <a:schemeClr val="tx1"/>
+                  </a:solidFill>
+                  <a:latin typeface="Arial" panose="020B0604020202020204" pitchFamily="34" charset="0"/>
+                </a:defRPr>
+              </a:lvl2pPr>
+              <a:lvl3pPr marL="914400" eaLnBrk="0" fontAlgn="base" hangingPunct="0">
+                <a:spcBef>
+                  <a:spcPct val="0"/>
+                </a:spcBef>
+                <a:spcAft>
+                  <a:spcPct val="0"/>
+                </a:spcAft>
+                <a:defRPr>
+                  <a:solidFill>
+                    <a:schemeClr val="tx1"/>
+                  </a:solidFill>
+                  <a:latin typeface="Arial" panose="020B0604020202020204" pitchFamily="34" charset="0"/>
+                </a:defRPr>
+              </a:lvl3pPr>
+              <a:lvl4pPr marL="1371600" eaLnBrk="0" fontAlgn="base" hangingPunct="0">
+                <a:spcBef>
+                  <a:spcPct val="0"/>
+                </a:spcBef>
+                <a:spcAft>
+                  <a:spcPct val="0"/>
+                </a:spcAft>
+                <a:defRPr>
+                  <a:solidFill>
+                    <a:schemeClr val="tx1"/>
+                  </a:solidFill>
+                  <a:latin typeface="Arial" panose="020B0604020202020204" pitchFamily="34" charset="0"/>
+                </a:defRPr>
+              </a:lvl4pPr>
+              <a:lvl5pPr marL="1828800" eaLnBrk="0" fontAlgn="base" hangingPunct="0">
+                <a:spcBef>
+                  <a:spcPct val="0"/>
+                </a:spcBef>
+                <a:spcAft>
+                  <a:spcPct val="0"/>
+                </a:spcAft>
+                <a:defRPr>
+                  <a:solidFill>
+                    <a:schemeClr val="tx1"/>
+                  </a:solidFill>
+                  <a:latin typeface="Arial" panose="020B0604020202020204" pitchFamily="34" charset="0"/>
+                </a:defRPr>
+              </a:lvl5pPr>
+              <a:lvl6pPr marL="2286000" eaLnBrk="0" fontAlgn="base" hangingPunct="0">
+                <a:spcBef>
+                  <a:spcPct val="0"/>
+                </a:spcBef>
+                <a:spcAft>
+                  <a:spcPct val="0"/>
+                </a:spcAft>
+                <a:defRPr>
+                  <a:solidFill>
+                    <a:schemeClr val="tx1"/>
+                  </a:solidFill>
+                  <a:latin typeface="Arial" panose="020B0604020202020204" pitchFamily="34" charset="0"/>
+                </a:defRPr>
+              </a:lvl6pPr>
+              <a:lvl7pPr marL="2743200" eaLnBrk="0" fontAlgn="base" hangingPunct="0">
+                <a:spcBef>
+                  <a:spcPct val="0"/>
+                </a:spcBef>
+                <a:spcAft>
+                  <a:spcPct val="0"/>
+                </a:spcAft>
+                <a:defRPr>
+                  <a:solidFill>
+                    <a:schemeClr val="tx1"/>
+                  </a:solidFill>
+                  <a:latin typeface="Arial" panose="020B0604020202020204" pitchFamily="34" charset="0"/>
+                </a:defRPr>
+              </a:lvl7pPr>
+              <a:lvl8pPr marL="3200400" eaLnBrk="0" fontAlgn="base" hangingPunct="0">
+                <a:spcBef>
+                  <a:spcPct val="0"/>
+                </a:spcBef>
+                <a:spcAft>
+                  <a:spcPct val="0"/>
+                </a:spcAft>
+                <a:defRPr>
+                  <a:solidFill>
+                    <a:schemeClr val="tx1"/>
+                  </a:solidFill>
+                  <a:latin typeface="Arial" panose="020B0604020202020204" pitchFamily="34" charset="0"/>
+                </a:defRPr>
+              </a:lvl8pPr>
+              <a:lvl9pPr marL="3657600" eaLnBrk="0" fontAlgn="base" hangingPunct="0">
+                <a:spcBef>
+                  <a:spcPct val="0"/>
+                </a:spcBef>
+                <a:spcAft>
+                  <a:spcPct val="0"/>
+                </a:spcAft>
+                <a:defRPr>
+                  <a:solidFill>
+                    <a:schemeClr val="tx1"/>
+                  </a:solidFill>
+                  <a:latin typeface="Arial" panose="020B0604020202020204" pitchFamily="34" charset="0"/>
+                </a:defRPr>
+              </a:lvl9pPr>
+            </a:lstStyle>
+            <a:p>
+              <a:pPr marL="0" marR="0" lvl="0" indent="0" algn="l" defTabSz="914400" rtl="0" eaLnBrk="0" fontAlgn="base" latinLnBrk="0" hangingPunct="0">
+                <a:lnSpc>
+                  <a:spcPct val="100000"/>
+                </a:lnSpc>
+                <a:spcBef>
+                  <a:spcPct val="0"/>
+                </a:spcBef>
+                <a:spcAft>
+                  <a:spcPct val="0"/>
+                </a:spcAft>
+                <a:buClrTx/>
+                <a:buSzTx/>
+                <a:buFontTx/>
+                <a:buNone/>
+                <a:tabLst/>
+              </a:pPr>
+              <a:r>
+                <a:rPr kumimoji="0" lang="ja-JP" altLang="ja-JP" sz="1200" b="0" i="0" u="none" strike="noStrike" cap="none" normalizeH="0" baseline="0" smtClean="0">
+                  <a:ln>
+                    <a:noFill/>
+                  </a:ln>
+                  <a:solidFill>
+                    <a:srgbClr val="000000"/>
+                  </a:solidFill>
+                  <a:effectLst/>
+                  <a:latin typeface="Arial" panose="020B0604020202020204" pitchFamily="34" charset="0"/>
+                </a:rPr>
+                <a:t>60</a:t>
+              </a:r>
+              <a:endParaRPr kumimoji="0" lang="ja-JP" altLang="ja-JP" sz="1800" b="0" i="0" u="none" strike="noStrike" cap="none" normalizeH="0" baseline="0" smtClean="0">
+                <a:ln>
+                  <a:noFill/>
+                </a:ln>
+                <a:solidFill>
+                  <a:schemeClr val="tx1"/>
+                </a:solidFill>
+                <a:effectLst/>
+                <a:latin typeface="Arial" panose="020B0604020202020204" pitchFamily="34" charset="0"/>
+              </a:endParaRPr>
+            </a:p>
+          </p:txBody>
+        </p:sp>
+        <p:sp>
+          <p:nvSpPr>
+            <p:cNvPr id="123" name="Rectangle 111"/>
+            <p:cNvSpPr>
+              <a:spLocks noChangeArrowheads="1"/>
+            </p:cNvSpPr>
+            <p:nvPr/>
+          </p:nvSpPr>
+          <p:spPr bwMode="auto">
+            <a:xfrm>
+              <a:off x="2298" y="9714"/>
+              <a:ext cx="512" cy="2761"/>
+            </a:xfrm>
+            <a:prstGeom prst="rect">
+              <a:avLst/>
+            </a:prstGeom>
+            <a:noFill/>
+            <a:ln w="9525" cap="rnd">
+              <a:solidFill>
+                <a:srgbClr val="000000"/>
+              </a:solidFill>
+              <a:prstDash val="solid"/>
+              <a:round/>
+              <a:headEnd/>
+              <a:tailEnd/>
+            </a:ln>
+            <a:extLst>
+              <a:ext uri="{909E8E84-426E-40DD-AFC4-6F175D3DCCD1}">
+                <a14:hiddenFill xmlns:a14="http://schemas.microsoft.com/office/drawing/2010/main">
+                  <a:solidFill>
+                    <a:srgbClr val="FFFFFF"/>
+                  </a:solidFill>
+                </a14:hiddenFill>
+              </a:ext>
+            </a:extLst>
+          </p:spPr>
+          <p:txBody>
+            <a:bodyPr vert="horz" wrap="square" lIns="91440" tIns="45720" rIns="91440" bIns="45720" numCol="1" anchor="t" anchorCtr="0" compatLnSpc="1">
+              <a:prstTxWarp prst="textNoShape">
+                <a:avLst/>
+              </a:prstTxWarp>
+            </a:bodyPr>
+            <a:lstStyle/>
+            <a:p>
+              <a:endParaRPr lang="ja-JP" altLang="en-US"/>
+            </a:p>
+          </p:txBody>
+        </p:sp>
+        <p:sp>
+          <p:nvSpPr>
+            <p:cNvPr id="124" name="Rectangle 112"/>
+            <p:cNvSpPr>
+              <a:spLocks noChangeArrowheads="1"/>
+            </p:cNvSpPr>
+            <p:nvPr/>
+          </p:nvSpPr>
+          <p:spPr bwMode="auto">
+            <a:xfrm>
+              <a:off x="2810" y="11820"/>
+              <a:ext cx="518" cy="655"/>
+            </a:xfrm>
+            <a:prstGeom prst="rect">
+              <a:avLst/>
+            </a:prstGeom>
+            <a:noFill/>
+            <a:ln w="9525" cap="rnd">
+              <a:solidFill>
+                <a:srgbClr val="000000"/>
+              </a:solidFill>
+              <a:prstDash val="solid"/>
+              <a:round/>
+              <a:headEnd/>
+              <a:tailEnd/>
+            </a:ln>
+            <a:extLst>
+              <a:ext uri="{909E8E84-426E-40DD-AFC4-6F175D3DCCD1}">
+                <a14:hiddenFill xmlns:a14="http://schemas.microsoft.com/office/drawing/2010/main">
+                  <a:solidFill>
+                    <a:srgbClr val="FFFFFF"/>
+                  </a:solidFill>
+                </a14:hiddenFill>
+              </a:ext>
+            </a:extLst>
+          </p:spPr>
+          <p:txBody>
+            <a:bodyPr vert="horz" wrap="square" lIns="91440" tIns="45720" rIns="91440" bIns="45720" numCol="1" anchor="t" anchorCtr="0" compatLnSpc="1">
+              <a:prstTxWarp prst="textNoShape">
+                <a:avLst/>
+              </a:prstTxWarp>
+            </a:bodyPr>
+            <a:lstStyle/>
+            <a:p>
+              <a:endParaRPr lang="ja-JP" altLang="en-US"/>
+            </a:p>
+          </p:txBody>
+        </p:sp>
+        <p:sp>
+          <p:nvSpPr>
+            <p:cNvPr id="125" name="Rectangle 113"/>
+            <p:cNvSpPr>
+              <a:spLocks noChangeArrowheads="1"/>
+            </p:cNvSpPr>
+            <p:nvPr/>
+          </p:nvSpPr>
+          <p:spPr bwMode="auto">
+            <a:xfrm>
+              <a:off x="3328" y="11904"/>
+              <a:ext cx="511" cy="571"/>
+            </a:xfrm>
+            <a:prstGeom prst="rect">
+              <a:avLst/>
+            </a:prstGeom>
+            <a:noFill/>
+            <a:ln w="9525" cap="rnd">
+              <a:solidFill>
+                <a:srgbClr val="000000"/>
+              </a:solidFill>
+              <a:prstDash val="solid"/>
+              <a:round/>
+              <a:headEnd/>
+              <a:tailEnd/>
+            </a:ln>
+            <a:extLst>
+              <a:ext uri="{909E8E84-426E-40DD-AFC4-6F175D3DCCD1}">
+                <a14:hiddenFill xmlns:a14="http://schemas.microsoft.com/office/drawing/2010/main">
+                  <a:solidFill>
+                    <a:srgbClr val="FFFFFF"/>
+                  </a:solidFill>
+                </a14:hiddenFill>
+              </a:ext>
+            </a:extLst>
+          </p:spPr>
+          <p:txBody>
+            <a:bodyPr vert="horz" wrap="square" lIns="91440" tIns="45720" rIns="91440" bIns="45720" numCol="1" anchor="t" anchorCtr="0" compatLnSpc="1">
+              <a:prstTxWarp prst="textNoShape">
+                <a:avLst/>
+              </a:prstTxWarp>
+            </a:bodyPr>
+            <a:lstStyle/>
+            <a:p>
+              <a:endParaRPr lang="ja-JP" altLang="en-US"/>
+            </a:p>
+          </p:txBody>
+        </p:sp>
+        <p:sp>
+          <p:nvSpPr>
+            <p:cNvPr id="126" name="Rectangle 114"/>
+            <p:cNvSpPr>
+              <a:spLocks noChangeArrowheads="1"/>
+            </p:cNvSpPr>
+            <p:nvPr/>
+          </p:nvSpPr>
+          <p:spPr bwMode="auto">
+            <a:xfrm>
+              <a:off x="3839" y="12343"/>
+              <a:ext cx="518" cy="132"/>
+            </a:xfrm>
+            <a:prstGeom prst="rect">
+              <a:avLst/>
+            </a:prstGeom>
+            <a:noFill/>
+            <a:ln w="9525" cap="rnd">
+              <a:solidFill>
+                <a:srgbClr val="000000"/>
+              </a:solidFill>
+              <a:prstDash val="solid"/>
+              <a:round/>
+              <a:headEnd/>
+              <a:tailEnd/>
+            </a:ln>
+            <a:extLst>
+              <a:ext uri="{909E8E84-426E-40DD-AFC4-6F175D3DCCD1}">
+                <a14:hiddenFill xmlns:a14="http://schemas.microsoft.com/office/drawing/2010/main">
+                  <a:solidFill>
+                    <a:srgbClr val="FFFFFF"/>
+                  </a:solidFill>
+                </a14:hiddenFill>
+              </a:ext>
+            </a:extLst>
+          </p:spPr>
+          <p:txBody>
+            <a:bodyPr vert="horz" wrap="square" lIns="91440" tIns="45720" rIns="91440" bIns="45720" numCol="1" anchor="t" anchorCtr="0" compatLnSpc="1">
+              <a:prstTxWarp prst="textNoShape">
+                <a:avLst/>
+              </a:prstTxWarp>
+            </a:bodyPr>
+            <a:lstStyle/>
+            <a:p>
+              <a:endParaRPr lang="ja-JP" altLang="en-US"/>
+            </a:p>
+          </p:txBody>
+        </p:sp>
+        <p:sp>
+          <p:nvSpPr>
+            <p:cNvPr id="127" name="Rectangle 115"/>
+            <p:cNvSpPr>
+              <a:spLocks noChangeArrowheads="1"/>
+            </p:cNvSpPr>
+            <p:nvPr/>
+          </p:nvSpPr>
+          <p:spPr bwMode="auto">
+            <a:xfrm>
+              <a:off x="4357" y="12211"/>
+              <a:ext cx="512" cy="264"/>
+            </a:xfrm>
+            <a:prstGeom prst="rect">
+              <a:avLst/>
+            </a:prstGeom>
+            <a:noFill/>
+            <a:ln w="9525" cap="rnd">
+              <a:solidFill>
+                <a:srgbClr val="000000"/>
+              </a:solidFill>
+              <a:prstDash val="solid"/>
+              <a:round/>
+              <a:headEnd/>
+              <a:tailEnd/>
+            </a:ln>
+            <a:extLst>
+              <a:ext uri="{909E8E84-426E-40DD-AFC4-6F175D3DCCD1}">
+                <a14:hiddenFill xmlns:a14="http://schemas.microsoft.com/office/drawing/2010/main">
+                  <a:solidFill>
+                    <a:srgbClr val="FFFFFF"/>
+                  </a:solidFill>
+                </a14:hiddenFill>
+              </a:ext>
+            </a:extLst>
+          </p:spPr>
+          <p:txBody>
+            <a:bodyPr vert="horz" wrap="square" lIns="91440" tIns="45720" rIns="91440" bIns="45720" numCol="1" anchor="t" anchorCtr="0" compatLnSpc="1">
+              <a:prstTxWarp prst="textNoShape">
+                <a:avLst/>
+              </a:prstTxWarp>
+            </a:bodyPr>
+            <a:lstStyle/>
+            <a:p>
+              <a:endParaRPr lang="ja-JP" altLang="en-US"/>
+            </a:p>
+          </p:txBody>
+        </p:sp>
+        <p:sp>
+          <p:nvSpPr>
+            <p:cNvPr id="128" name="Rectangle 116"/>
+            <p:cNvSpPr>
+              <a:spLocks noChangeArrowheads="1"/>
+            </p:cNvSpPr>
+            <p:nvPr/>
+          </p:nvSpPr>
+          <p:spPr bwMode="auto">
+            <a:xfrm>
+              <a:off x="4869" y="12343"/>
+              <a:ext cx="518" cy="132"/>
+            </a:xfrm>
+            <a:prstGeom prst="rect">
+              <a:avLst/>
+            </a:prstGeom>
+            <a:noFill/>
+            <a:ln w="9525" cap="rnd">
+              <a:solidFill>
+                <a:srgbClr val="000000"/>
+              </a:solidFill>
+              <a:prstDash val="solid"/>
+              <a:round/>
+              <a:headEnd/>
+              <a:tailEnd/>
+            </a:ln>
+            <a:extLst>
+              <a:ext uri="{909E8E84-426E-40DD-AFC4-6F175D3DCCD1}">
+                <a14:hiddenFill xmlns:a14="http://schemas.microsoft.com/office/drawing/2010/main">
+                  <a:solidFill>
+                    <a:srgbClr val="FFFFFF"/>
+                  </a:solidFill>
+                </a14:hiddenFill>
+              </a:ext>
+            </a:extLst>
+          </p:spPr>
+          <p:txBody>
+            <a:bodyPr vert="horz" wrap="square" lIns="91440" tIns="45720" rIns="91440" bIns="45720" numCol="1" anchor="t" anchorCtr="0" compatLnSpc="1">
+              <a:prstTxWarp prst="textNoShape">
+                <a:avLst/>
+              </a:prstTxWarp>
+            </a:bodyPr>
+            <a:lstStyle/>
+            <a:p>
+              <a:endParaRPr lang="ja-JP" altLang="en-US"/>
+            </a:p>
+          </p:txBody>
+        </p:sp>
+      </p:grpSp>
     </p:spTree>
     <p:extLst>
       <p:ext uri="{BB962C8B-B14F-4D97-AF65-F5344CB8AC3E}">

--- a/卒業論文/2015/泉雄太/中間審査/卒業論文＿中間審査＿ポスター＿泉雄太.pptx
+++ b/卒業論文/2015/泉雄太/中間審査/卒業論文＿中間審査＿ポスター＿泉雄太.pptx
@@ -208,7 +208,7 @@
           <a:p>
             <a:fld id="{210935E7-A51F-4FE3-8E46-E43B536CCFB8}" type="datetimeFigureOut">
               <a:rPr kumimoji="1" lang="ja-JP" altLang="en-US" smtClean="0"/>
-              <a:t>2016/10/4</a:t>
+              <a:t>2016/10/5</a:t>
             </a:fld>
             <a:endParaRPr kumimoji="1" lang="ja-JP" altLang="en-US"/>
           </a:p>
@@ -697,7 +697,7 @@
                 </a:solidFill>
               </a:rPr>
               <a:pPr/>
-              <a:t>2016/10/4</a:t>
+              <a:t>2016/10/5</a:t>
             </a:fld>
             <a:endParaRPr lang="ja-JP" altLang="en-US">
               <a:solidFill>
@@ -937,7 +937,7 @@
                 </a:solidFill>
               </a:rPr>
               <a:pPr defTabSz="2951897"/>
-              <a:t>2016/10/4</a:t>
+              <a:t>2016/10/5</a:t>
             </a:fld>
             <a:endParaRPr lang="ja-JP" altLang="en-US">
               <a:solidFill>
@@ -1189,7 +1189,7 @@
                 </a:solidFill>
               </a:rPr>
               <a:pPr defTabSz="2951897"/>
-              <a:t>2016/10/4</a:t>
+              <a:t>2016/10/5</a:t>
             </a:fld>
             <a:endParaRPr lang="ja-JP" altLang="en-US">
               <a:solidFill>
@@ -1430,7 +1430,7 @@
                 </a:solidFill>
               </a:rPr>
               <a:pPr/>
-              <a:t>2016/10/4</a:t>
+              <a:t>2016/10/5</a:t>
             </a:fld>
             <a:endParaRPr lang="ja-JP" altLang="en-US">
               <a:solidFill>
@@ -1713,7 +1713,7 @@
                 </a:solidFill>
               </a:rPr>
               <a:pPr/>
-              <a:t>2016/10/4</a:t>
+              <a:t>2016/10/5</a:t>
             </a:fld>
             <a:endParaRPr lang="ja-JP" altLang="en-US">
               <a:solidFill>
@@ -2102,7 +2102,7 @@
                 </a:solidFill>
               </a:rPr>
               <a:pPr/>
-              <a:t>2016/10/4</a:t>
+              <a:t>2016/10/5</a:t>
             </a:fld>
             <a:endParaRPr lang="ja-JP" altLang="en-US">
               <a:solidFill>
@@ -2625,7 +2625,7 @@
                 </a:solidFill>
               </a:rPr>
               <a:pPr/>
-              <a:t>2016/10/4</a:t>
+              <a:t>2016/10/5</a:t>
             </a:fld>
             <a:endParaRPr lang="ja-JP" altLang="en-US">
               <a:solidFill>
@@ -2780,7 +2780,7 @@
                 </a:solidFill>
               </a:rPr>
               <a:pPr/>
-              <a:t>2016/10/4</a:t>
+              <a:t>2016/10/5</a:t>
             </a:fld>
             <a:endParaRPr lang="ja-JP" altLang="en-US">
               <a:solidFill>
@@ -2912,7 +2912,7 @@
                 </a:solidFill>
               </a:rPr>
               <a:pPr/>
-              <a:t>2016/10/4</a:t>
+              <a:t>2016/10/5</a:t>
             </a:fld>
             <a:endParaRPr lang="ja-JP" altLang="en-US">
               <a:solidFill>
@@ -3259,7 +3259,7 @@
                 </a:solidFill>
               </a:rPr>
               <a:pPr defTabSz="2951897"/>
-              <a:t>2016/10/4</a:t>
+              <a:t>2016/10/5</a:t>
             </a:fld>
             <a:endParaRPr lang="ja-JP" altLang="en-US">
               <a:solidFill>
@@ -3551,7 +3551,7 @@
                 </a:solidFill>
               </a:rPr>
               <a:pPr/>
-              <a:t>2016/10/4</a:t>
+              <a:t>2016/10/5</a:t>
             </a:fld>
             <a:endParaRPr lang="ja-JP" altLang="en-US">
               <a:solidFill>
@@ -3834,7 +3834,7 @@
                 </a:solidFill>
               </a:rPr>
               <a:pPr defTabSz="2951897"/>
-              <a:t>2016/10/4</a:t>
+              <a:t>2016/10/5</a:t>
             </a:fld>
             <a:endParaRPr lang="ja-JP" altLang="en-US">
               <a:solidFill>
@@ -4249,7 +4249,7 @@
         <p:spPr>
           <a:xfrm flipH="1">
             <a:off x="558544" y="432370"/>
-            <a:ext cx="20431999" cy="2985433"/>
+            <a:ext cx="20431999" cy="2308324"/>
           </a:xfrm>
           <a:prstGeom prst="rect">
             <a:avLst/>
@@ -4264,8 +4264,12 @@
           <a:p>
             <a:pPr algn="ctr"/>
             <a:r>
+              <a:rPr lang="ja-JP" altLang="en-US" sz="7200" dirty="0" smtClean="0"/>
+              <a:t>ゲーム</a:t>
+            </a:r>
+            <a:r>
               <a:rPr lang="ja-JP" altLang="en-US" sz="7200" dirty="0"/>
-              <a:t>ゲーム攻略</a:t>
+              <a:t>攻略</a:t>
             </a:r>
             <a:r>
               <a:rPr lang="en-US" altLang="ja-JP" sz="7200" dirty="0"/>
@@ -4296,54 +4300,6 @@
               <a:t>分析</a:t>
             </a:r>
             <a:endParaRPr lang="en-US" altLang="ja-JP" sz="7200" dirty="0" smtClean="0"/>
-          </a:p>
-          <a:p>
-            <a:pPr algn="r"/>
-            <a:r>
-              <a:rPr lang="ja-JP" altLang="en-US" sz="4400" dirty="0" smtClean="0">
-                <a:ln w="0"/>
-              </a:rPr>
-              <a:t>矢吹</a:t>
-            </a:r>
-            <a:r>
-              <a:rPr lang="ja-JP" altLang="en-US" sz="4400" dirty="0">
-                <a:ln w="0"/>
-              </a:rPr>
-              <a:t>研究室　</a:t>
-            </a:r>
-            <a:r>
-              <a:rPr lang="en-US" altLang="ja-JP" sz="4400" dirty="0" smtClean="0">
-                <a:ln w="0"/>
-              </a:rPr>
-              <a:t>1342014</a:t>
-            </a:r>
-            <a:r>
-              <a:rPr lang="ja-JP" altLang="ja-JP" sz="4400" dirty="0">
-                <a:ln w="0"/>
-              </a:rPr>
-              <a:t>　</a:t>
-            </a:r>
-            <a:r>
-              <a:rPr lang="ja-JP" altLang="en-US" sz="4400" dirty="0" smtClean="0">
-                <a:ln w="0"/>
-              </a:rPr>
-              <a:t>泉</a:t>
-            </a:r>
-            <a:r>
-              <a:rPr lang="ja-JP" altLang="en-US" sz="4400" dirty="0">
-                <a:ln w="0"/>
-              </a:rPr>
-              <a:t>雄</a:t>
-            </a:r>
-            <a:r>
-              <a:rPr lang="ja-JP" altLang="en-US" sz="4400" dirty="0" smtClean="0">
-                <a:ln w="0"/>
-              </a:rPr>
-              <a:t>太</a:t>
-            </a:r>
-            <a:endParaRPr lang="ja-JP" altLang="en-US" sz="4400" dirty="0">
-              <a:ln w="0"/>
-            </a:endParaRPr>
           </a:p>
         </p:txBody>
       </p:sp>
@@ -4355,7 +4311,7 @@
         </p:nvSpPr>
         <p:spPr>
           <a:xfrm>
-            <a:off x="548311" y="3417803"/>
+            <a:off x="514411" y="3834731"/>
             <a:ext cx="20431999" cy="5817528"/>
           </a:xfrm>
           <a:prstGeom prst="rect">
@@ -4400,7 +4356,7 @@
         </p:nvSpPr>
         <p:spPr>
           <a:xfrm>
-            <a:off x="900312" y="3762723"/>
+            <a:off x="496602" y="3837164"/>
             <a:ext cx="3456384" cy="1080120"/>
           </a:xfrm>
           <a:prstGeom prst="snip2DiagRect">
@@ -4467,8 +4423,8 @@
         </p:nvSpPr>
         <p:spPr>
           <a:xfrm>
-            <a:off x="1908424" y="5119237"/>
-            <a:ext cx="19783928" cy="1200329"/>
+            <a:off x="1016234" y="5221646"/>
+            <a:ext cx="19783928" cy="1323439"/>
           </a:xfrm>
           <a:prstGeom prst="rect">
             <a:avLst/>
@@ -4482,7 +4438,7 @@
           <a:lstStyle/>
           <a:p>
             <a:r>
-              <a:rPr lang="ja-JP" altLang="en-US" sz="3600" dirty="0">
+              <a:rPr lang="ja-JP" altLang="en-US" sz="4000" dirty="0">
                 <a:solidFill>
                   <a:sysClr val="windowText" lastClr="000000"/>
                 </a:solidFill>
@@ -4490,7 +4446,7 @@
               <a:t>かつてはゲームの攻略と言えば攻略本</a:t>
             </a:r>
             <a:r>
-              <a:rPr lang="ja-JP" altLang="en-US" sz="3600" dirty="0" smtClean="0">
+              <a:rPr lang="ja-JP" altLang="en-US" sz="4000" dirty="0" smtClean="0">
                 <a:solidFill>
                   <a:sysClr val="windowText" lastClr="000000"/>
                 </a:solidFill>
@@ -4498,7 +4454,7 @@
               <a:t>だったが，インターネット</a:t>
             </a:r>
             <a:r>
-              <a:rPr lang="ja-JP" altLang="en-US" sz="3600" dirty="0">
+              <a:rPr lang="ja-JP" altLang="en-US" sz="4000" dirty="0">
                 <a:solidFill>
                   <a:sysClr val="windowText" lastClr="000000"/>
                 </a:solidFill>
@@ -4506,7 +4462,7 @@
               <a:t>とともに攻略</a:t>
             </a:r>
             <a:r>
-              <a:rPr lang="en-US" altLang="ja-JP" sz="3600" dirty="0">
+              <a:rPr lang="en-US" altLang="ja-JP" sz="4000" dirty="0">
                 <a:solidFill>
                   <a:sysClr val="windowText" lastClr="000000"/>
                 </a:solidFill>
@@ -4514,7 +4470,7 @@
               <a:t>wiki</a:t>
             </a:r>
             <a:r>
-              <a:rPr lang="ja-JP" altLang="en-US" sz="3600" dirty="0" err="1">
+              <a:rPr lang="ja-JP" altLang="en-US" sz="4000" dirty="0" err="1">
                 <a:solidFill>
                   <a:sysClr val="windowText" lastClr="000000"/>
                 </a:solidFill>
@@ -4522,7 +4478,7 @@
               <a:t>が普</a:t>
             </a:r>
             <a:r>
-              <a:rPr lang="ja-JP" altLang="en-US" sz="3600" dirty="0">
+              <a:rPr lang="ja-JP" altLang="en-US" sz="4000" dirty="0">
                 <a:solidFill>
                   <a:sysClr val="windowText" lastClr="000000"/>
                 </a:solidFill>
@@ -4530,14 +4486,14 @@
               <a:t>及した</a:t>
             </a:r>
             <a:r>
-              <a:rPr lang="ja-JP" altLang="en-US" sz="3600" dirty="0" smtClean="0">
+              <a:rPr lang="ja-JP" altLang="en-US" sz="4000" dirty="0" smtClean="0">
                 <a:solidFill>
                   <a:sysClr val="windowText" lastClr="000000"/>
                 </a:solidFill>
               </a:rPr>
               <a:t>．</a:t>
             </a:r>
-            <a:endParaRPr lang="en-US" altLang="ja-JP" sz="3600" dirty="0" smtClean="0">
+            <a:endParaRPr lang="en-US" altLang="ja-JP" sz="4000" dirty="0" smtClean="0">
               <a:solidFill>
                 <a:sysClr val="windowText" lastClr="000000"/>
               </a:solidFill>
@@ -4545,7 +4501,7 @@
           </a:p>
           <a:p>
             <a:r>
-              <a:rPr lang="ja-JP" altLang="en-US" sz="3600" dirty="0">
+              <a:rPr lang="ja-JP" altLang="en-US" sz="4000" dirty="0">
                 <a:solidFill>
                   <a:sysClr val="windowText" lastClr="000000"/>
                 </a:solidFill>
@@ -4553,7 +4509,7 @@
               <a:t>攻略</a:t>
             </a:r>
             <a:r>
-              <a:rPr lang="en-US" altLang="ja-JP" sz="3600" dirty="0" smtClean="0">
+              <a:rPr lang="en-US" altLang="ja-JP" sz="4000" dirty="0" smtClean="0">
                 <a:solidFill>
                   <a:sysClr val="windowText" lastClr="000000"/>
                 </a:solidFill>
@@ -4561,14 +4517,14 @@
               <a:t>wiki</a:t>
             </a:r>
             <a:r>
-              <a:rPr lang="ja-JP" altLang="en-US" sz="3600" dirty="0" smtClean="0">
+              <a:rPr lang="ja-JP" altLang="en-US" sz="4000" dirty="0" smtClean="0">
                 <a:solidFill>
                   <a:sysClr val="windowText" lastClr="000000"/>
                 </a:solidFill>
               </a:rPr>
               <a:t>は通常，インターネット上で誰でも編集可能であり，オープンなプロジェクトと言える．</a:t>
             </a:r>
-            <a:endParaRPr lang="ja-JP" altLang="en-US" sz="3600" dirty="0">
+            <a:endParaRPr lang="ja-JP" altLang="en-US" sz="4000" dirty="0">
               <a:solidFill>
                 <a:sysClr val="windowText" lastClr="000000"/>
               </a:solidFill>
@@ -4584,7 +4540,7 @@
         </p:nvSpPr>
         <p:spPr>
           <a:xfrm>
-            <a:off x="8992076" y="6617778"/>
+            <a:off x="8958176" y="6655651"/>
             <a:ext cx="2808312" cy="1187573"/>
           </a:xfrm>
           <a:prstGeom prst="downArrow">
@@ -4641,8 +4597,8 @@
         </p:nvSpPr>
         <p:spPr>
           <a:xfrm>
-            <a:off x="1907326" y="7962994"/>
-            <a:ext cx="17713968" cy="1200329"/>
+            <a:off x="1067401" y="8036259"/>
+            <a:ext cx="19616565" cy="1323439"/>
           </a:xfrm>
           <a:prstGeom prst="rect">
             <a:avLst/>
@@ -4656,40 +4612,44 @@
           <a:lstStyle/>
           <a:p>
             <a:r>
+              <a:rPr lang="ja-JP" altLang="en-US" sz="4000" dirty="0" smtClean="0"/>
+              <a:t>不特定多数が参加可能なオープンプロジェクトにおける特性を探るため</a:t>
+            </a:r>
+            <a:r>
+              <a:rPr lang="ja-JP" altLang="en-US" sz="4000" dirty="0"/>
+              <a:t>，</a:t>
+            </a:r>
+            <a:r>
+              <a:rPr lang="ja-JP" altLang="en-US" sz="4000" dirty="0" smtClean="0"/>
+              <a:t>本研究</a:t>
+            </a:r>
+            <a:r>
+              <a:rPr lang="ja-JP" altLang="en-US" sz="4000" dirty="0"/>
+              <a:t>ではゲーム攻略</a:t>
+            </a:r>
+            <a:r>
+              <a:rPr lang="en-US" altLang="ja-JP" sz="4000" dirty="0"/>
+              <a:t>wiki</a:t>
+            </a:r>
+            <a:r>
+              <a:rPr lang="ja-JP" altLang="en-US" sz="4000" dirty="0"/>
+              <a:t>を対象</a:t>
+            </a:r>
+            <a:r>
+              <a:rPr lang="ja-JP" altLang="en-US" sz="4000" dirty="0" smtClean="0"/>
+              <a:t>に調査</a:t>
+            </a:r>
+            <a:r>
+              <a:rPr lang="ja-JP" altLang="en-US" sz="4000" dirty="0"/>
+              <a:t>を</a:t>
+            </a:r>
+            <a:r>
+              <a:rPr lang="ja-JP" altLang="en-US" sz="4000" dirty="0" smtClean="0"/>
+              <a:t>行う</a:t>
+            </a:r>
+            <a:r>
               <a:rPr lang="ja-JP" altLang="en-US" sz="3600" dirty="0" smtClean="0"/>
-              <a:t>不特定多数が参加可能なオープンプロジェクトにおける特性を探るため</a:t>
-            </a:r>
-            <a:r>
-              <a:rPr lang="ja-JP" altLang="en-US" sz="3600" dirty="0"/>
-              <a:t>，</a:t>
-            </a:r>
-            <a:r>
-              <a:rPr lang="ja-JP" altLang="en-US" sz="3600" dirty="0" smtClean="0"/>
-              <a:t>本研究</a:t>
-            </a:r>
-            <a:r>
-              <a:rPr lang="ja-JP" altLang="en-US" sz="3600" dirty="0"/>
-              <a:t>ではゲーム攻略</a:t>
-            </a:r>
-            <a:r>
-              <a:rPr lang="en-US" altLang="ja-JP" sz="3600" dirty="0"/>
-              <a:t>wiki</a:t>
-            </a:r>
-            <a:r>
-              <a:rPr lang="ja-JP" altLang="en-US" sz="3600" dirty="0"/>
-              <a:t>を対象</a:t>
-            </a:r>
-            <a:r>
-              <a:rPr lang="ja-JP" altLang="en-US" sz="3600" dirty="0" smtClean="0"/>
-              <a:t>に調査</a:t>
-            </a:r>
-            <a:r>
-              <a:rPr lang="ja-JP" altLang="en-US" sz="3600" dirty="0"/>
-              <a:t>を</a:t>
-            </a:r>
-            <a:r>
-              <a:rPr lang="ja-JP" altLang="en-US" sz="3600" dirty="0" smtClean="0"/>
-              <a:t>行う．</a:t>
+              <a:t>．</a:t>
             </a:r>
             <a:endParaRPr lang="en-US" altLang="ja-JP" sz="3600" dirty="0" smtClean="0">
               <a:solidFill>
@@ -4707,8 +4667,8 @@
         </p:nvSpPr>
         <p:spPr>
           <a:xfrm>
-            <a:off x="530502" y="9451355"/>
-            <a:ext cx="20431999" cy="2904127"/>
+            <a:off x="496602" y="10130609"/>
+            <a:ext cx="20431999" cy="3392022"/>
           </a:xfrm>
           <a:prstGeom prst="rect">
             <a:avLst/>
@@ -4752,7 +4712,7 @@
         </p:nvSpPr>
         <p:spPr>
           <a:xfrm>
-            <a:off x="882503" y="9796275"/>
+            <a:off x="496602" y="10134067"/>
             <a:ext cx="3456384" cy="1080120"/>
           </a:xfrm>
           <a:prstGeom prst="snip2DiagRect">
@@ -4819,8 +4779,8 @@
         </p:nvSpPr>
         <p:spPr>
           <a:xfrm>
-            <a:off x="1233483" y="11020435"/>
-            <a:ext cx="19082120" cy="1200329"/>
+            <a:off x="789095" y="15414317"/>
+            <a:ext cx="9451023" cy="1938992"/>
           </a:xfrm>
           <a:prstGeom prst="rect">
             <a:avLst/>
@@ -4834,78 +4794,46 @@
           <a:lstStyle/>
           <a:p>
             <a:r>
-              <a:rPr lang="ja-JP" altLang="en-US" sz="3600" dirty="0"/>
-              <a:t>データマイニングにより，ゲーム攻略</a:t>
-            </a:r>
-            <a:r>
-              <a:rPr lang="en-US" altLang="ja-JP" sz="3600" dirty="0"/>
-              <a:t>wiki</a:t>
-            </a:r>
-            <a:r>
-              <a:rPr lang="ja-JP" altLang="en-US" sz="3600" dirty="0"/>
-              <a:t>におけるプロジェクトマネジメントの状況を</a:t>
-            </a:r>
-            <a:r>
-              <a:rPr lang="ja-JP" altLang="en-US" sz="3600" dirty="0" smtClean="0"/>
-              <a:t>分析する．さらに，</a:t>
-            </a:r>
-            <a:r>
-              <a:rPr lang="en-US" altLang="ja-JP" sz="3600" dirty="0" smtClean="0">
+              <a:rPr lang="ja-JP" altLang="en-US" sz="4000" dirty="0" smtClean="0">
                 <a:solidFill>
                   <a:sysClr val="windowText" lastClr="000000"/>
                 </a:solidFill>
               </a:rPr>
-              <a:t>Wiki</a:t>
-            </a:r>
-            <a:r>
-              <a:rPr lang="ja-JP" altLang="en-US" sz="3600" dirty="0">
+              <a:t>編集履歴から編集者</a:t>
+            </a:r>
+            <a:r>
+              <a:rPr lang="en-US" altLang="ja-JP" sz="4000" dirty="0" smtClean="0">
                 <a:solidFill>
                   <a:sysClr val="windowText" lastClr="000000"/>
                 </a:solidFill>
               </a:rPr>
-              <a:t>を用いたオープンなプロジェクトである</a:t>
-            </a:r>
-            <a:r>
-              <a:rPr lang="en-US" altLang="ja-JP" sz="3600" dirty="0">
+              <a:t>ID</a:t>
+            </a:r>
+            <a:r>
+              <a:rPr lang="ja-JP" altLang="en-US" sz="4000" dirty="0" smtClean="0">
                 <a:solidFill>
                   <a:sysClr val="windowText" lastClr="000000"/>
                 </a:solidFill>
               </a:rPr>
-              <a:t>Wikipedia</a:t>
-            </a:r>
-            <a:r>
-              <a:rPr lang="ja-JP" altLang="en-US" sz="3600" dirty="0">
+              <a:t>と編集文字数，編集回数を記録する．その後，データをもとに</a:t>
+            </a:r>
+            <a:r>
+              <a:rPr lang="en-US" altLang="ja-JP" sz="4000" dirty="0" smtClean="0">
                 <a:solidFill>
                   <a:sysClr val="windowText" lastClr="000000"/>
                 </a:solidFill>
               </a:rPr>
-              <a:t>と比較し，ゲーム攻略</a:t>
-            </a:r>
-            <a:r>
-              <a:rPr lang="en-US" altLang="ja-JP" sz="3600" dirty="0">
+              <a:t>R</a:t>
+            </a:r>
+            <a:r>
+              <a:rPr lang="ja-JP" altLang="en-US" sz="4000" dirty="0" smtClean="0">
                 <a:solidFill>
                   <a:sysClr val="windowText" lastClr="000000"/>
                 </a:solidFill>
               </a:rPr>
-              <a:t>wiki</a:t>
-            </a:r>
-            <a:r>
-              <a:rPr lang="ja-JP" altLang="en-US" sz="3600" dirty="0">
-                <a:solidFill>
-                  <a:sysClr val="windowText" lastClr="000000"/>
-                </a:solidFill>
-              </a:rPr>
-              <a:t>の特性を</a:t>
-            </a:r>
-            <a:r>
-              <a:rPr lang="ja-JP" altLang="en-US" sz="3600" dirty="0" smtClean="0">
-                <a:solidFill>
-                  <a:sysClr val="windowText" lastClr="000000"/>
-                </a:solidFill>
-              </a:rPr>
-              <a:t>見つける．</a:t>
-            </a:r>
-            <a:endParaRPr lang="ja-JP" altLang="en-US" sz="3600" dirty="0">
+              <a:t>を用いてヒストグラムを作成する．</a:t>
+            </a:r>
+            <a:endParaRPr lang="ja-JP" altLang="en-US" sz="4000" dirty="0">
               <a:solidFill>
                 <a:sysClr val="windowText" lastClr="000000"/>
               </a:solidFill>
@@ -4921,8 +4849,8 @@
         </p:nvSpPr>
         <p:spPr>
           <a:xfrm>
-            <a:off x="558545" y="12559955"/>
-            <a:ext cx="9990840" cy="9564808"/>
+            <a:off x="519187" y="14054694"/>
+            <a:ext cx="9990840" cy="11650199"/>
           </a:xfrm>
           <a:prstGeom prst="rect">
             <a:avLst/>
@@ -4966,7 +4894,7 @@
         </p:nvSpPr>
         <p:spPr>
           <a:xfrm>
-            <a:off x="918561" y="12924787"/>
+            <a:off x="541904" y="14072896"/>
             <a:ext cx="3384268" cy="999775"/>
           </a:xfrm>
           <a:prstGeom prst="snip2DiagRect">
@@ -5015,7 +4943,15 @@
                   <a:sysClr val="windowText" lastClr="000000"/>
                 </a:solidFill>
               </a:rPr>
-              <a:t>進捗状況</a:t>
+              <a:t>研究</a:t>
+            </a:r>
+            <a:r>
+              <a:rPr lang="ja-JP" altLang="en-US" dirty="0">
+                <a:solidFill>
+                  <a:sysClr val="windowText" lastClr="000000"/>
+                </a:solidFill>
+              </a:rPr>
+              <a:t>手法</a:t>
             </a:r>
             <a:endParaRPr kumimoji="1" lang="ja-JP" altLang="en-US" dirty="0">
               <a:solidFill>
@@ -5035,8 +4971,8 @@
         </p:nvGrpSpPr>
         <p:grpSpPr bwMode="auto">
           <a:xfrm>
-            <a:off x="7481888" y="11936413"/>
-            <a:ext cx="6423025" cy="6407150"/>
+            <a:off x="10964420" y="19895986"/>
+            <a:ext cx="5161435" cy="5148678"/>
             <a:chOff x="4713" y="7519"/>
             <a:chExt cx="4046" cy="4036"/>
           </a:xfrm>
@@ -5089,7 +5025,7 @@
             </a:bodyPr>
             <a:lstStyle/>
             <a:p>
-              <a:endParaRPr lang="ja-JP" altLang="en-US"/>
+              <a:endParaRPr lang="ja-JP" altLang="en-US" sz="9600"/>
             </a:p>
           </p:txBody>
         </p:sp>
@@ -5135,7 +5071,7 @@
             </a:bodyPr>
             <a:lstStyle/>
             <a:p>
-              <a:endParaRPr lang="ja-JP" altLang="en-US"/>
+              <a:endParaRPr lang="ja-JP" altLang="en-US" sz="9600"/>
             </a:p>
           </p:txBody>
         </p:sp>
@@ -5181,7 +5117,7 @@
             </a:bodyPr>
             <a:lstStyle/>
             <a:p>
-              <a:endParaRPr lang="ja-JP" altLang="en-US"/>
+              <a:endParaRPr lang="ja-JP" altLang="en-US" sz="9600"/>
             </a:p>
           </p:txBody>
         </p:sp>
@@ -5227,7 +5163,7 @@
             </a:bodyPr>
             <a:lstStyle/>
             <a:p>
-              <a:endParaRPr lang="ja-JP" altLang="en-US"/>
+              <a:endParaRPr lang="ja-JP" altLang="en-US" sz="9600"/>
             </a:p>
           </p:txBody>
         </p:sp>
@@ -5273,7 +5209,7 @@
             </a:bodyPr>
             <a:lstStyle/>
             <a:p>
-              <a:endParaRPr lang="ja-JP" altLang="en-US"/>
+              <a:endParaRPr lang="ja-JP" altLang="en-US" sz="9600"/>
             </a:p>
           </p:txBody>
         </p:sp>
@@ -5319,7 +5255,7 @@
             </a:bodyPr>
             <a:lstStyle/>
             <a:p>
-              <a:endParaRPr lang="ja-JP" altLang="en-US"/>
+              <a:endParaRPr lang="ja-JP" altLang="en-US" sz="9600"/>
             </a:p>
           </p:txBody>
         </p:sp>
@@ -5365,7 +5301,7 @@
             </a:bodyPr>
             <a:lstStyle/>
             <a:p>
-              <a:endParaRPr lang="ja-JP" altLang="en-US"/>
+              <a:endParaRPr lang="ja-JP" altLang="en-US" sz="9600"/>
             </a:p>
           </p:txBody>
         </p:sp>
@@ -5411,7 +5347,7 @@
             </a:bodyPr>
             <a:lstStyle/>
             <a:p>
-              <a:endParaRPr lang="ja-JP" altLang="en-US"/>
+              <a:endParaRPr lang="ja-JP" altLang="en-US" sz="9600"/>
             </a:p>
           </p:txBody>
         </p:sp>
@@ -5457,7 +5393,7 @@
             </a:bodyPr>
             <a:lstStyle/>
             <a:p>
-              <a:endParaRPr lang="ja-JP" altLang="en-US"/>
+              <a:endParaRPr lang="ja-JP" altLang="en-US" sz="9600"/>
             </a:p>
           </p:txBody>
         </p:sp>
@@ -5503,7 +5439,7 @@
             </a:bodyPr>
             <a:lstStyle/>
             <a:p>
-              <a:endParaRPr lang="ja-JP" altLang="en-US"/>
+              <a:endParaRPr lang="ja-JP" altLang="en-US" sz="9600"/>
             </a:p>
           </p:txBody>
         </p:sp>
@@ -5518,7 +5454,7 @@
           <p:spPr bwMode="auto">
             <a:xfrm>
               <a:off x="5261" y="11104"/>
-              <a:ext cx="96" cy="132"/>
+              <a:ext cx="126" cy="271"/>
             </a:xfrm>
             <a:prstGeom prst="rect">
               <a:avLst/>
@@ -5700,7 +5636,7 @@
                 <a:tabLst/>
               </a:pPr>
               <a:r>
-                <a:rPr kumimoji="0" lang="ja-JP" altLang="ja-JP" sz="1200" b="0" i="0" u="none" strike="noStrike" cap="none" normalizeH="0" baseline="0" smtClean="0">
+                <a:rPr kumimoji="0" lang="ja-JP" altLang="ja-JP" sz="2800" b="0" i="0" u="none" strike="noStrike" cap="none" normalizeH="0" baseline="0" smtClean="0">
                   <a:ln>
                     <a:noFill/>
                   </a:ln>
@@ -5712,7 +5648,7 @@
                 </a:rPr>
                 <a:t>0</a:t>
               </a:r>
-              <a:endParaRPr kumimoji="0" lang="ja-JP" altLang="ja-JP" sz="1800" b="0" i="0" u="none" strike="noStrike" cap="none" normalizeH="0" baseline="0" smtClean="0">
+              <a:endParaRPr kumimoji="0" lang="ja-JP" altLang="ja-JP" sz="4000" b="0" i="0" u="none" strike="noStrike" cap="none" normalizeH="0" baseline="0" smtClean="0">
                 <a:ln>
                   <a:noFill/>
                 </a:ln>
@@ -5736,7 +5672,7 @@
           <p:spPr bwMode="auto">
             <a:xfrm>
               <a:off x="5701" y="11104"/>
-              <a:ext cx="96" cy="132"/>
+              <a:ext cx="126" cy="271"/>
             </a:xfrm>
             <a:prstGeom prst="rect">
               <a:avLst/>
@@ -5918,7 +5854,7 @@
                 <a:tabLst/>
               </a:pPr>
               <a:r>
-                <a:rPr kumimoji="0" lang="ja-JP" altLang="ja-JP" sz="1200" b="0" i="0" u="none" strike="noStrike" cap="none" normalizeH="0" baseline="0" smtClean="0">
+                <a:rPr kumimoji="0" lang="ja-JP" altLang="ja-JP" sz="2800" b="0" i="0" u="none" strike="noStrike" cap="none" normalizeH="0" baseline="0" smtClean="0">
                   <a:ln>
                     <a:noFill/>
                   </a:ln>
@@ -5930,7 +5866,7 @@
                 </a:rPr>
                 <a:t>2</a:t>
               </a:r>
-              <a:endParaRPr kumimoji="0" lang="ja-JP" altLang="ja-JP" sz="1800" b="0" i="0" u="none" strike="noStrike" cap="none" normalizeH="0" baseline="0" smtClean="0">
+              <a:endParaRPr kumimoji="0" lang="ja-JP" altLang="ja-JP" sz="4000" b="0" i="0" u="none" strike="noStrike" cap="none" normalizeH="0" baseline="0" smtClean="0">
                 <a:ln>
                   <a:noFill/>
                 </a:ln>
@@ -5954,7 +5890,7 @@
           <p:spPr bwMode="auto">
             <a:xfrm>
               <a:off x="6140" y="11104"/>
-              <a:ext cx="96" cy="132"/>
+              <a:ext cx="126" cy="271"/>
             </a:xfrm>
             <a:prstGeom prst="rect">
               <a:avLst/>
@@ -6136,7 +6072,7 @@
                 <a:tabLst/>
               </a:pPr>
               <a:r>
-                <a:rPr kumimoji="0" lang="ja-JP" altLang="ja-JP" sz="1200" b="0" i="0" u="none" strike="noStrike" cap="none" normalizeH="0" baseline="0" smtClean="0">
+                <a:rPr kumimoji="0" lang="ja-JP" altLang="ja-JP" sz="2800" b="0" i="0" u="none" strike="noStrike" cap="none" normalizeH="0" baseline="0" smtClean="0">
                   <a:ln>
                     <a:noFill/>
                   </a:ln>
@@ -6148,7 +6084,7 @@
                 </a:rPr>
                 <a:t>4</a:t>
               </a:r>
-              <a:endParaRPr kumimoji="0" lang="ja-JP" altLang="ja-JP" sz="1800" b="0" i="0" u="none" strike="noStrike" cap="none" normalizeH="0" baseline="0" smtClean="0">
+              <a:endParaRPr kumimoji="0" lang="ja-JP" altLang="ja-JP" sz="4000" b="0" i="0" u="none" strike="noStrike" cap="none" normalizeH="0" baseline="0" smtClean="0">
                 <a:ln>
                   <a:noFill/>
                 </a:ln>
@@ -6172,7 +6108,7 @@
           <p:spPr bwMode="auto">
             <a:xfrm>
               <a:off x="6586" y="11104"/>
-              <a:ext cx="96" cy="132"/>
+              <a:ext cx="126" cy="271"/>
             </a:xfrm>
             <a:prstGeom prst="rect">
               <a:avLst/>
@@ -6354,7 +6290,7 @@
                 <a:tabLst/>
               </a:pPr>
               <a:r>
-                <a:rPr kumimoji="0" lang="ja-JP" altLang="ja-JP" sz="1200" b="0" i="0" u="none" strike="noStrike" cap="none" normalizeH="0" baseline="0" smtClean="0">
+                <a:rPr kumimoji="0" lang="ja-JP" altLang="ja-JP" sz="2800" b="0" i="0" u="none" strike="noStrike" cap="none" normalizeH="0" baseline="0" smtClean="0">
                   <a:ln>
                     <a:noFill/>
                   </a:ln>
@@ -6366,7 +6302,7 @@
                 </a:rPr>
                 <a:t>6</a:t>
               </a:r>
-              <a:endParaRPr kumimoji="0" lang="ja-JP" altLang="ja-JP" sz="1800" b="0" i="0" u="none" strike="noStrike" cap="none" normalizeH="0" baseline="0" smtClean="0">
+              <a:endParaRPr kumimoji="0" lang="ja-JP" altLang="ja-JP" sz="4000" b="0" i="0" u="none" strike="noStrike" cap="none" normalizeH="0" baseline="0" smtClean="0">
                 <a:ln>
                   <a:noFill/>
                 </a:ln>
@@ -6390,7 +6326,7 @@
           <p:spPr bwMode="auto">
             <a:xfrm>
               <a:off x="7025" y="11104"/>
-              <a:ext cx="96" cy="132"/>
+              <a:ext cx="126" cy="271"/>
             </a:xfrm>
             <a:prstGeom prst="rect">
               <a:avLst/>
@@ -6572,7 +6508,7 @@
                 <a:tabLst/>
               </a:pPr>
               <a:r>
-                <a:rPr kumimoji="0" lang="ja-JP" altLang="ja-JP" sz="1200" b="0" i="0" u="none" strike="noStrike" cap="none" normalizeH="0" baseline="0" smtClean="0">
+                <a:rPr kumimoji="0" lang="ja-JP" altLang="ja-JP" sz="2800" b="0" i="0" u="none" strike="noStrike" cap="none" normalizeH="0" baseline="0" smtClean="0">
                   <a:ln>
                     <a:noFill/>
                   </a:ln>
@@ -6584,7 +6520,7 @@
                 </a:rPr>
                 <a:t>8</a:t>
               </a:r>
-              <a:endParaRPr kumimoji="0" lang="ja-JP" altLang="ja-JP" sz="1800" b="0" i="0" u="none" strike="noStrike" cap="none" normalizeH="0" baseline="0" smtClean="0">
+              <a:endParaRPr kumimoji="0" lang="ja-JP" altLang="ja-JP" sz="4000" b="0" i="0" u="none" strike="noStrike" cap="none" normalizeH="0" baseline="0" smtClean="0">
                 <a:ln>
                   <a:noFill/>
                 </a:ln>
@@ -6608,7 +6544,7 @@
           <p:spPr bwMode="auto">
             <a:xfrm>
               <a:off x="7438" y="11104"/>
-              <a:ext cx="150" cy="132"/>
+              <a:ext cx="252" cy="271"/>
             </a:xfrm>
             <a:prstGeom prst="rect">
               <a:avLst/>
@@ -6790,7 +6726,7 @@
                 <a:tabLst/>
               </a:pPr>
               <a:r>
-                <a:rPr kumimoji="0" lang="ja-JP" altLang="ja-JP" sz="1200" b="0" i="0" u="none" strike="noStrike" cap="none" normalizeH="0" baseline="0" smtClean="0">
+                <a:rPr kumimoji="0" lang="ja-JP" altLang="ja-JP" sz="2800" b="0" i="0" u="none" strike="noStrike" cap="none" normalizeH="0" baseline="0" dirty="0" smtClean="0">
                   <a:ln>
                     <a:noFill/>
                   </a:ln>
@@ -6802,7 +6738,7 @@
                 </a:rPr>
                 <a:t>10</a:t>
               </a:r>
-              <a:endParaRPr kumimoji="0" lang="ja-JP" altLang="ja-JP" sz="1800" b="0" i="0" u="none" strike="noStrike" cap="none" normalizeH="0" baseline="0" smtClean="0">
+              <a:endParaRPr kumimoji="0" lang="ja-JP" altLang="ja-JP" sz="4000" b="0" i="0" u="none" strike="noStrike" cap="none" normalizeH="0" baseline="0" dirty="0" smtClean="0">
                 <a:ln>
                   <a:noFill/>
                 </a:ln>
@@ -6826,7 +6762,7 @@
           <p:spPr bwMode="auto">
             <a:xfrm>
               <a:off x="7877" y="11104"/>
-              <a:ext cx="150" cy="132"/>
+              <a:ext cx="252" cy="271"/>
             </a:xfrm>
             <a:prstGeom prst="rect">
               <a:avLst/>
@@ -7008,7 +6944,7 @@
                 <a:tabLst/>
               </a:pPr>
               <a:r>
-                <a:rPr kumimoji="0" lang="ja-JP" altLang="ja-JP" sz="1200" b="0" i="0" u="none" strike="noStrike" cap="none" normalizeH="0" baseline="0" smtClean="0">
+                <a:rPr kumimoji="0" lang="ja-JP" altLang="ja-JP" sz="2800" b="0" i="0" u="none" strike="noStrike" cap="none" normalizeH="0" baseline="0" smtClean="0">
                   <a:ln>
                     <a:noFill/>
                   </a:ln>
@@ -7020,7 +6956,7 @@
                 </a:rPr>
                 <a:t>12</a:t>
               </a:r>
-              <a:endParaRPr kumimoji="0" lang="ja-JP" altLang="ja-JP" sz="1800" b="0" i="0" u="none" strike="noStrike" cap="none" normalizeH="0" baseline="0" smtClean="0">
+              <a:endParaRPr kumimoji="0" lang="ja-JP" altLang="ja-JP" sz="4000" b="0" i="0" u="none" strike="noStrike" cap="none" normalizeH="0" baseline="0" smtClean="0">
                 <a:ln>
                   <a:noFill/>
                 </a:ln>
@@ -7044,7 +6980,7 @@
           <p:spPr bwMode="auto">
             <a:xfrm>
               <a:off x="8323" y="11104"/>
-              <a:ext cx="150" cy="132"/>
+              <a:ext cx="252" cy="271"/>
             </a:xfrm>
             <a:prstGeom prst="rect">
               <a:avLst/>
@@ -7226,7 +7162,7 @@
                 <a:tabLst/>
               </a:pPr>
               <a:r>
-                <a:rPr kumimoji="0" lang="ja-JP" altLang="ja-JP" sz="1200" b="0" i="0" u="none" strike="noStrike" cap="none" normalizeH="0" baseline="0" smtClean="0">
+                <a:rPr kumimoji="0" lang="ja-JP" altLang="ja-JP" sz="2800" b="0" i="0" u="none" strike="noStrike" cap="none" normalizeH="0" baseline="0" smtClean="0">
                   <a:ln>
                     <a:noFill/>
                   </a:ln>
@@ -7238,7 +7174,7 @@
                 </a:rPr>
                 <a:t>14</a:t>
               </a:r>
-              <a:endParaRPr kumimoji="0" lang="ja-JP" altLang="ja-JP" sz="1800" b="0" i="0" u="none" strike="noStrike" cap="none" normalizeH="0" baseline="0" smtClean="0">
+              <a:endParaRPr kumimoji="0" lang="ja-JP" altLang="ja-JP" sz="4000" b="0" i="0" u="none" strike="noStrike" cap="none" normalizeH="0" baseline="0" smtClean="0">
                 <a:ln>
                   <a:noFill/>
                 </a:ln>
@@ -7293,7 +7229,7 @@
             </a:bodyPr>
             <a:lstStyle/>
             <a:p>
-              <a:endParaRPr lang="ja-JP" altLang="en-US"/>
+              <a:endParaRPr lang="ja-JP" altLang="en-US" sz="9600"/>
             </a:p>
           </p:txBody>
         </p:sp>
@@ -7339,7 +7275,7 @@
             </a:bodyPr>
             <a:lstStyle/>
             <a:p>
-              <a:endParaRPr lang="ja-JP" altLang="en-US"/>
+              <a:endParaRPr lang="ja-JP" altLang="en-US" sz="9600"/>
             </a:p>
           </p:txBody>
         </p:sp>
@@ -7385,7 +7321,7 @@
             </a:bodyPr>
             <a:lstStyle/>
             <a:p>
-              <a:endParaRPr lang="ja-JP" altLang="en-US"/>
+              <a:endParaRPr lang="ja-JP" altLang="en-US" sz="9600"/>
             </a:p>
           </p:txBody>
         </p:sp>
@@ -7431,7 +7367,7 @@
             </a:bodyPr>
             <a:lstStyle/>
             <a:p>
-              <a:endParaRPr lang="ja-JP" altLang="en-US"/>
+              <a:endParaRPr lang="ja-JP" altLang="en-US" sz="9600"/>
             </a:p>
           </p:txBody>
         </p:sp>
@@ -7477,7 +7413,7 @@
             </a:bodyPr>
             <a:lstStyle/>
             <a:p>
-              <a:endParaRPr lang="ja-JP" altLang="en-US"/>
+              <a:endParaRPr lang="ja-JP" altLang="en-US" sz="9600"/>
             </a:p>
           </p:txBody>
         </p:sp>
@@ -7523,7 +7459,7 @@
             </a:bodyPr>
             <a:lstStyle/>
             <a:p>
-              <a:endParaRPr lang="ja-JP" altLang="en-US"/>
+              <a:endParaRPr lang="ja-JP" altLang="en-US" sz="9600"/>
             </a:p>
           </p:txBody>
         </p:sp>
@@ -7537,8 +7473,8 @@
           </p:nvSpPr>
           <p:spPr bwMode="auto">
             <a:xfrm rot="16200000">
-              <a:off x="4978" y="10797"/>
-              <a:ext cx="96" cy="132"/>
+              <a:off x="4964" y="10726"/>
+              <a:ext cx="126" cy="271"/>
             </a:xfrm>
             <a:prstGeom prst="rect">
               <a:avLst/>
@@ -7720,7 +7656,7 @@
                 <a:tabLst/>
               </a:pPr>
               <a:r>
-                <a:rPr kumimoji="0" lang="ja-JP" altLang="ja-JP" sz="1200" b="0" i="0" u="none" strike="noStrike" cap="none" normalizeH="0" baseline="0" smtClean="0">
+                <a:rPr kumimoji="0" lang="ja-JP" altLang="ja-JP" sz="2800" b="0" i="0" u="none" strike="noStrike" cap="none" normalizeH="0" baseline="0" smtClean="0">
                   <a:ln>
                     <a:noFill/>
                   </a:ln>
@@ -7732,7 +7668,7 @@
                 </a:rPr>
                 <a:t>0</a:t>
               </a:r>
-              <a:endParaRPr kumimoji="0" lang="ja-JP" altLang="ja-JP" sz="1800" b="0" i="0" u="none" strike="noStrike" cap="none" normalizeH="0" baseline="0" smtClean="0">
+              <a:endParaRPr kumimoji="0" lang="ja-JP" altLang="ja-JP" sz="4000" b="0" i="0" u="none" strike="noStrike" cap="none" normalizeH="0" baseline="0" smtClean="0">
                 <a:ln>
                   <a:noFill/>
                 </a:ln>
@@ -7755,8 +7691,8 @@
           </p:nvSpPr>
           <p:spPr bwMode="auto">
             <a:xfrm rot="16200000">
-              <a:off x="4951" y="10196"/>
-              <a:ext cx="150" cy="132"/>
+              <a:off x="4900" y="10125"/>
+              <a:ext cx="252" cy="271"/>
             </a:xfrm>
             <a:prstGeom prst="rect">
               <a:avLst/>
@@ -7938,7 +7874,7 @@
                 <a:tabLst/>
               </a:pPr>
               <a:r>
-                <a:rPr kumimoji="0" lang="ja-JP" altLang="ja-JP" sz="1200" b="0" i="0" u="none" strike="noStrike" cap="none" normalizeH="0" baseline="0" smtClean="0">
+                <a:rPr kumimoji="0" lang="ja-JP" altLang="ja-JP" sz="2800" b="0" i="0" u="none" strike="noStrike" cap="none" normalizeH="0" baseline="0" smtClean="0">
                   <a:ln>
                     <a:noFill/>
                   </a:ln>
@@ -7950,7 +7886,7 @@
                 </a:rPr>
                 <a:t>20</a:t>
               </a:r>
-              <a:endParaRPr kumimoji="0" lang="ja-JP" altLang="ja-JP" sz="1800" b="0" i="0" u="none" strike="noStrike" cap="none" normalizeH="0" baseline="0" smtClean="0">
+              <a:endParaRPr kumimoji="0" lang="ja-JP" altLang="ja-JP" sz="4000" b="0" i="0" u="none" strike="noStrike" cap="none" normalizeH="0" baseline="0" smtClean="0">
                 <a:ln>
                   <a:noFill/>
                 </a:ln>
@@ -7973,8 +7909,8 @@
           </p:nvSpPr>
           <p:spPr bwMode="auto">
             <a:xfrm rot="16200000">
-              <a:off x="4951" y="9594"/>
-              <a:ext cx="150" cy="132"/>
+              <a:off x="4900" y="9523"/>
+              <a:ext cx="252" cy="271"/>
             </a:xfrm>
             <a:prstGeom prst="rect">
               <a:avLst/>
@@ -8156,7 +8092,7 @@
                 <a:tabLst/>
               </a:pPr>
               <a:r>
-                <a:rPr kumimoji="0" lang="ja-JP" altLang="ja-JP" sz="1200" b="0" i="0" u="none" strike="noStrike" cap="none" normalizeH="0" baseline="0" smtClean="0">
+                <a:rPr kumimoji="0" lang="ja-JP" altLang="ja-JP" sz="2800" b="0" i="0" u="none" strike="noStrike" cap="none" normalizeH="0" baseline="0" dirty="0" smtClean="0">
                   <a:ln>
                     <a:noFill/>
                   </a:ln>
@@ -8168,7 +8104,7 @@
                 </a:rPr>
                 <a:t>40</a:t>
               </a:r>
-              <a:endParaRPr kumimoji="0" lang="ja-JP" altLang="ja-JP" sz="1800" b="0" i="0" u="none" strike="noStrike" cap="none" normalizeH="0" baseline="0" smtClean="0">
+              <a:endParaRPr kumimoji="0" lang="ja-JP" altLang="ja-JP" sz="4000" b="0" i="0" u="none" strike="noStrike" cap="none" normalizeH="0" baseline="0" dirty="0" smtClean="0">
                 <a:ln>
                   <a:noFill/>
                 </a:ln>
@@ -8191,8 +8127,8 @@
           </p:nvSpPr>
           <p:spPr bwMode="auto">
             <a:xfrm rot="16200000">
-              <a:off x="4951" y="8993"/>
-              <a:ext cx="150" cy="132"/>
+              <a:off x="4900" y="8922"/>
+              <a:ext cx="252" cy="271"/>
             </a:xfrm>
             <a:prstGeom prst="rect">
               <a:avLst/>
@@ -8374,7 +8310,7 @@
                 <a:tabLst/>
               </a:pPr>
               <a:r>
-                <a:rPr kumimoji="0" lang="ja-JP" altLang="ja-JP" sz="1200" b="0" i="0" u="none" strike="noStrike" cap="none" normalizeH="0" baseline="0" smtClean="0">
+                <a:rPr kumimoji="0" lang="ja-JP" altLang="ja-JP" sz="2800" b="0" i="0" u="none" strike="noStrike" cap="none" normalizeH="0" baseline="0" smtClean="0">
                   <a:ln>
                     <a:noFill/>
                   </a:ln>
@@ -8386,7 +8322,7 @@
                 </a:rPr>
                 <a:t>60</a:t>
               </a:r>
-              <a:endParaRPr kumimoji="0" lang="ja-JP" altLang="ja-JP" sz="1800" b="0" i="0" u="none" strike="noStrike" cap="none" normalizeH="0" baseline="0" smtClean="0">
+              <a:endParaRPr kumimoji="0" lang="ja-JP" altLang="ja-JP" sz="4000" b="0" i="0" u="none" strike="noStrike" cap="none" normalizeH="0" baseline="0" smtClean="0">
                 <a:ln>
                   <a:noFill/>
                 </a:ln>
@@ -8409,8 +8345,8 @@
           </p:nvSpPr>
           <p:spPr bwMode="auto">
             <a:xfrm rot="16200000">
-              <a:off x="4951" y="8397"/>
-              <a:ext cx="150" cy="132"/>
+              <a:off x="4900" y="8326"/>
+              <a:ext cx="252" cy="271"/>
             </a:xfrm>
             <a:prstGeom prst="rect">
               <a:avLst/>
@@ -8592,7 +8528,7 @@
                 <a:tabLst/>
               </a:pPr>
               <a:r>
-                <a:rPr kumimoji="0" lang="ja-JP" altLang="ja-JP" sz="1200" b="0" i="0" u="none" strike="noStrike" cap="none" normalizeH="0" baseline="0" smtClean="0">
+                <a:rPr kumimoji="0" lang="ja-JP" altLang="ja-JP" sz="2800" b="0" i="0" u="none" strike="noStrike" cap="none" normalizeH="0" baseline="0" smtClean="0">
                   <a:ln>
                     <a:noFill/>
                   </a:ln>
@@ -8604,7 +8540,7 @@
                 </a:rPr>
                 <a:t>80</a:t>
               </a:r>
-              <a:endParaRPr kumimoji="0" lang="ja-JP" altLang="ja-JP" sz="1800" b="0" i="0" u="none" strike="noStrike" cap="none" normalizeH="0" baseline="0" smtClean="0">
+              <a:endParaRPr kumimoji="0" lang="ja-JP" altLang="ja-JP" sz="4000" b="0" i="0" u="none" strike="noStrike" cap="none" normalizeH="0" baseline="0" smtClean="0">
                 <a:ln>
                   <a:noFill/>
                 </a:ln>
@@ -8661,7 +8597,7 @@
             </a:bodyPr>
             <a:lstStyle/>
             <a:p>
-              <a:endParaRPr lang="ja-JP" altLang="en-US"/>
+              <a:endParaRPr lang="ja-JP" altLang="en-US" sz="9600"/>
             </a:p>
           </p:txBody>
         </p:sp>
@@ -8709,7 +8645,7 @@
             </a:bodyPr>
             <a:lstStyle/>
             <a:p>
-              <a:endParaRPr lang="ja-JP" altLang="en-US"/>
+              <a:endParaRPr lang="ja-JP" altLang="en-US" sz="9600"/>
             </a:p>
           </p:txBody>
         </p:sp>
@@ -8757,7 +8693,7 @@
             </a:bodyPr>
             <a:lstStyle/>
             <a:p>
-              <a:endParaRPr lang="ja-JP" altLang="en-US"/>
+              <a:endParaRPr lang="ja-JP" altLang="en-US" sz="9600"/>
             </a:p>
           </p:txBody>
         </p:sp>
@@ -8805,7 +8741,7 @@
             </a:bodyPr>
             <a:lstStyle/>
             <a:p>
-              <a:endParaRPr lang="ja-JP" altLang="en-US"/>
+              <a:endParaRPr lang="ja-JP" altLang="en-US" sz="9600"/>
             </a:p>
           </p:txBody>
         </p:sp>
@@ -8853,7 +8789,7 @@
             </a:bodyPr>
             <a:lstStyle/>
             <a:p>
-              <a:endParaRPr lang="ja-JP" altLang="en-US"/>
+              <a:endParaRPr lang="ja-JP" altLang="en-US" sz="9600"/>
             </a:p>
           </p:txBody>
         </p:sp>
@@ -8901,7 +8837,7 @@
             </a:bodyPr>
             <a:lstStyle/>
             <a:p>
-              <a:endParaRPr lang="ja-JP" altLang="en-US"/>
+              <a:endParaRPr lang="ja-JP" altLang="en-US" sz="9600"/>
             </a:p>
           </p:txBody>
         </p:sp>
@@ -8949,7 +8885,7 @@
             </a:bodyPr>
             <a:lstStyle/>
             <a:p>
-              <a:endParaRPr lang="ja-JP" altLang="en-US"/>
+              <a:endParaRPr lang="ja-JP" altLang="en-US" sz="9600"/>
             </a:p>
           </p:txBody>
         </p:sp>
@@ -8964,8 +8900,8 @@
         </p:nvGrpSpPr>
         <p:grpSpPr bwMode="auto">
           <a:xfrm>
-            <a:off x="2701925" y="14495463"/>
-            <a:ext cx="6423025" cy="6407150"/>
+            <a:off x="15805982" y="20080154"/>
+            <a:ext cx="4976811" cy="4964510"/>
             <a:chOff x="1702" y="9131"/>
             <a:chExt cx="4046" cy="4036"/>
           </a:xfrm>
@@ -9018,7 +8954,7 @@
             </a:bodyPr>
             <a:lstStyle/>
             <a:p>
-              <a:endParaRPr lang="ja-JP" altLang="en-US"/>
+              <a:endParaRPr lang="ja-JP" altLang="en-US" sz="9600"/>
             </a:p>
           </p:txBody>
         </p:sp>
@@ -9064,7 +9000,7 @@
             </a:bodyPr>
             <a:lstStyle/>
             <a:p>
-              <a:endParaRPr lang="ja-JP" altLang="en-US"/>
+              <a:endParaRPr lang="ja-JP" altLang="en-US" sz="9600"/>
             </a:p>
           </p:txBody>
         </p:sp>
@@ -9110,7 +9046,7 @@
             </a:bodyPr>
             <a:lstStyle/>
             <a:p>
-              <a:endParaRPr lang="ja-JP" altLang="en-US"/>
+              <a:endParaRPr lang="ja-JP" altLang="en-US" sz="9600"/>
             </a:p>
           </p:txBody>
         </p:sp>
@@ -9156,7 +9092,7 @@
             </a:bodyPr>
             <a:lstStyle/>
             <a:p>
-              <a:endParaRPr lang="ja-JP" altLang="en-US"/>
+              <a:endParaRPr lang="ja-JP" altLang="en-US" sz="9600"/>
             </a:p>
           </p:txBody>
         </p:sp>
@@ -9202,7 +9138,7 @@
             </a:bodyPr>
             <a:lstStyle/>
             <a:p>
-              <a:endParaRPr lang="ja-JP" altLang="en-US"/>
+              <a:endParaRPr lang="ja-JP" altLang="en-US" sz="9600"/>
             </a:p>
           </p:txBody>
         </p:sp>
@@ -9248,7 +9184,7 @@
             </a:bodyPr>
             <a:lstStyle/>
             <a:p>
-              <a:endParaRPr lang="ja-JP" altLang="en-US"/>
+              <a:endParaRPr lang="ja-JP" altLang="en-US" sz="9600"/>
             </a:p>
           </p:txBody>
         </p:sp>
@@ -9294,7 +9230,7 @@
             </a:bodyPr>
             <a:lstStyle/>
             <a:p>
-              <a:endParaRPr lang="ja-JP" altLang="en-US"/>
+              <a:endParaRPr lang="ja-JP" altLang="en-US" sz="9600"/>
             </a:p>
           </p:txBody>
         </p:sp>
@@ -9340,7 +9276,7 @@
             </a:bodyPr>
             <a:lstStyle/>
             <a:p>
-              <a:endParaRPr lang="ja-JP" altLang="en-US"/>
+              <a:endParaRPr lang="ja-JP" altLang="en-US" sz="9600"/>
             </a:p>
           </p:txBody>
         </p:sp>
@@ -9386,7 +9322,7 @@
             </a:bodyPr>
             <a:lstStyle/>
             <a:p>
-              <a:endParaRPr lang="ja-JP" altLang="en-US"/>
+              <a:endParaRPr lang="ja-JP" altLang="en-US" sz="9600"/>
             </a:p>
           </p:txBody>
         </p:sp>
@@ -9401,7 +9337,7 @@
           <p:spPr bwMode="auto">
             <a:xfrm>
               <a:off x="2211" y="12716"/>
-              <a:ext cx="174" cy="132"/>
+              <a:ext cx="315" cy="271"/>
             </a:xfrm>
             <a:prstGeom prst="rect">
               <a:avLst/>
@@ -9583,7 +9519,7 @@
                 <a:tabLst/>
               </a:pPr>
               <a:r>
-                <a:rPr kumimoji="0" lang="ja-JP" altLang="ja-JP" sz="1200" b="0" i="0" u="none" strike="noStrike" cap="none" normalizeH="0" baseline="0" smtClean="0">
+                <a:rPr kumimoji="0" lang="ja-JP" altLang="ja-JP" sz="2800" b="0" i="0" u="none" strike="noStrike" cap="none" normalizeH="0" baseline="0" smtClean="0">
                   <a:ln>
                     <a:noFill/>
                   </a:ln>
@@ -9595,7 +9531,7 @@
                 </a:rPr>
                 <a:t>0.0</a:t>
               </a:r>
-              <a:endParaRPr kumimoji="0" lang="ja-JP" altLang="ja-JP" sz="1800" b="0" i="0" u="none" strike="noStrike" cap="none" normalizeH="0" baseline="0" smtClean="0">
+              <a:endParaRPr kumimoji="0" lang="ja-JP" altLang="ja-JP" sz="4000" b="0" i="0" u="none" strike="noStrike" cap="none" normalizeH="0" baseline="0" smtClean="0">
                 <a:ln>
                   <a:noFill/>
                 </a:ln>
@@ -9619,7 +9555,7 @@
           <p:spPr bwMode="auto">
             <a:xfrm>
               <a:off x="2723" y="12716"/>
-              <a:ext cx="174" cy="132"/>
+              <a:ext cx="315" cy="271"/>
             </a:xfrm>
             <a:prstGeom prst="rect">
               <a:avLst/>
@@ -9801,7 +9737,7 @@
                 <a:tabLst/>
               </a:pPr>
               <a:r>
-                <a:rPr kumimoji="0" lang="ja-JP" altLang="ja-JP" sz="1200" b="0" i="0" u="none" strike="noStrike" cap="none" normalizeH="0" baseline="0" smtClean="0">
+                <a:rPr kumimoji="0" lang="ja-JP" altLang="ja-JP" sz="2800" b="0" i="0" u="none" strike="noStrike" cap="none" normalizeH="0" baseline="0" smtClean="0">
                   <a:ln>
                     <a:noFill/>
                   </a:ln>
@@ -9813,7 +9749,7 @@
                 </a:rPr>
                 <a:t>0.5</a:t>
               </a:r>
-              <a:endParaRPr kumimoji="0" lang="ja-JP" altLang="ja-JP" sz="1800" b="0" i="0" u="none" strike="noStrike" cap="none" normalizeH="0" baseline="0" smtClean="0">
+              <a:endParaRPr kumimoji="0" lang="ja-JP" altLang="ja-JP" sz="4000" b="0" i="0" u="none" strike="noStrike" cap="none" normalizeH="0" baseline="0" smtClean="0">
                 <a:ln>
                   <a:noFill/>
                 </a:ln>
@@ -9837,7 +9773,7 @@
           <p:spPr bwMode="auto">
             <a:xfrm>
               <a:off x="3241" y="12716"/>
-              <a:ext cx="174" cy="132"/>
+              <a:ext cx="315" cy="271"/>
             </a:xfrm>
             <a:prstGeom prst="rect">
               <a:avLst/>
@@ -10019,7 +9955,7 @@
                 <a:tabLst/>
               </a:pPr>
               <a:r>
-                <a:rPr kumimoji="0" lang="ja-JP" altLang="ja-JP" sz="1200" b="0" i="0" u="none" strike="noStrike" cap="none" normalizeH="0" baseline="0" smtClean="0">
+                <a:rPr kumimoji="0" lang="ja-JP" altLang="ja-JP" sz="2800" b="0" i="0" u="none" strike="noStrike" cap="none" normalizeH="0" baseline="0" dirty="0" smtClean="0">
                   <a:ln>
                     <a:noFill/>
                   </a:ln>
@@ -10031,7 +9967,7 @@
                 </a:rPr>
                 <a:t>1.0</a:t>
               </a:r>
-              <a:endParaRPr kumimoji="0" lang="ja-JP" altLang="ja-JP" sz="1800" b="0" i="0" u="none" strike="noStrike" cap="none" normalizeH="0" baseline="0" smtClean="0">
+              <a:endParaRPr kumimoji="0" lang="ja-JP" altLang="ja-JP" sz="4000" b="0" i="0" u="none" strike="noStrike" cap="none" normalizeH="0" baseline="0" dirty="0" smtClean="0">
                 <a:ln>
                   <a:noFill/>
                 </a:ln>
@@ -10055,7 +9991,7 @@
           <p:spPr bwMode="auto">
             <a:xfrm>
               <a:off x="3752" y="12716"/>
-              <a:ext cx="174" cy="132"/>
+              <a:ext cx="315" cy="271"/>
             </a:xfrm>
             <a:prstGeom prst="rect">
               <a:avLst/>
@@ -10237,7 +10173,7 @@
                 <a:tabLst/>
               </a:pPr>
               <a:r>
-                <a:rPr kumimoji="0" lang="ja-JP" altLang="ja-JP" sz="1200" b="0" i="0" u="none" strike="noStrike" cap="none" normalizeH="0" baseline="0" smtClean="0">
+                <a:rPr kumimoji="0" lang="ja-JP" altLang="ja-JP" sz="2800" b="0" i="0" u="none" strike="noStrike" cap="none" normalizeH="0" baseline="0" smtClean="0">
                   <a:ln>
                     <a:noFill/>
                   </a:ln>
@@ -10249,7 +10185,7 @@
                 </a:rPr>
                 <a:t>1.5</a:t>
               </a:r>
-              <a:endParaRPr kumimoji="0" lang="ja-JP" altLang="ja-JP" sz="1800" b="0" i="0" u="none" strike="noStrike" cap="none" normalizeH="0" baseline="0" smtClean="0">
+              <a:endParaRPr kumimoji="0" lang="ja-JP" altLang="ja-JP" sz="4000" b="0" i="0" u="none" strike="noStrike" cap="none" normalizeH="0" baseline="0" smtClean="0">
                 <a:ln>
                   <a:noFill/>
                 </a:ln>
@@ -10273,7 +10209,7 @@
           <p:spPr bwMode="auto">
             <a:xfrm>
               <a:off x="4270" y="12716"/>
-              <a:ext cx="174" cy="132"/>
+              <a:ext cx="315" cy="271"/>
             </a:xfrm>
             <a:prstGeom prst="rect">
               <a:avLst/>
@@ -10455,7 +10391,7 @@
                 <a:tabLst/>
               </a:pPr>
               <a:r>
-                <a:rPr kumimoji="0" lang="ja-JP" altLang="ja-JP" sz="1200" b="0" i="0" u="none" strike="noStrike" cap="none" normalizeH="0" baseline="0" smtClean="0">
+                <a:rPr kumimoji="0" lang="ja-JP" altLang="ja-JP" sz="2800" b="0" i="0" u="none" strike="noStrike" cap="none" normalizeH="0" baseline="0" dirty="0" smtClean="0">
                   <a:ln>
                     <a:noFill/>
                   </a:ln>
@@ -10467,7 +10403,7 @@
                 </a:rPr>
                 <a:t>2.0</a:t>
               </a:r>
-              <a:endParaRPr kumimoji="0" lang="ja-JP" altLang="ja-JP" sz="1800" b="0" i="0" u="none" strike="noStrike" cap="none" normalizeH="0" baseline="0" smtClean="0">
+              <a:endParaRPr kumimoji="0" lang="ja-JP" altLang="ja-JP" sz="4000" b="0" i="0" u="none" strike="noStrike" cap="none" normalizeH="0" baseline="0" dirty="0" smtClean="0">
                 <a:ln>
                   <a:noFill/>
                 </a:ln>
@@ -10491,7 +10427,7 @@
           <p:spPr bwMode="auto">
             <a:xfrm>
               <a:off x="4782" y="12716"/>
-              <a:ext cx="174" cy="132"/>
+              <a:ext cx="315" cy="271"/>
             </a:xfrm>
             <a:prstGeom prst="rect">
               <a:avLst/>
@@ -10673,7 +10609,7 @@
                 <a:tabLst/>
               </a:pPr>
               <a:r>
-                <a:rPr kumimoji="0" lang="ja-JP" altLang="ja-JP" sz="1200" b="0" i="0" u="none" strike="noStrike" cap="none" normalizeH="0" baseline="0" smtClean="0">
+                <a:rPr kumimoji="0" lang="ja-JP" altLang="ja-JP" sz="2800" b="0" i="0" u="none" strike="noStrike" cap="none" normalizeH="0" baseline="0" smtClean="0">
                   <a:ln>
                     <a:noFill/>
                   </a:ln>
@@ -10685,7 +10621,7 @@
                 </a:rPr>
                 <a:t>2.5</a:t>
               </a:r>
-              <a:endParaRPr kumimoji="0" lang="ja-JP" altLang="ja-JP" sz="1800" b="0" i="0" u="none" strike="noStrike" cap="none" normalizeH="0" baseline="0" smtClean="0">
+              <a:endParaRPr kumimoji="0" lang="ja-JP" altLang="ja-JP" sz="4000" b="0" i="0" u="none" strike="noStrike" cap="none" normalizeH="0" baseline="0" smtClean="0">
                 <a:ln>
                   <a:noFill/>
                 </a:ln>
@@ -10709,7 +10645,7 @@
           <p:spPr bwMode="auto">
             <a:xfrm>
               <a:off x="5300" y="12716"/>
-              <a:ext cx="174" cy="132"/>
+              <a:ext cx="315" cy="271"/>
             </a:xfrm>
             <a:prstGeom prst="rect">
               <a:avLst/>
@@ -10891,7 +10827,7 @@
                 <a:tabLst/>
               </a:pPr>
               <a:r>
-                <a:rPr kumimoji="0" lang="ja-JP" altLang="ja-JP" sz="1200" b="0" i="0" u="none" strike="noStrike" cap="none" normalizeH="0" baseline="0" smtClean="0">
+                <a:rPr kumimoji="0" lang="ja-JP" altLang="ja-JP" sz="2800" b="0" i="0" u="none" strike="noStrike" cap="none" normalizeH="0" baseline="0" smtClean="0">
                   <a:ln>
                     <a:noFill/>
                   </a:ln>
@@ -10903,7 +10839,7 @@
                 </a:rPr>
                 <a:t>3.0</a:t>
               </a:r>
-              <a:endParaRPr kumimoji="0" lang="ja-JP" altLang="ja-JP" sz="1800" b="0" i="0" u="none" strike="noStrike" cap="none" normalizeH="0" baseline="0" smtClean="0">
+              <a:endParaRPr kumimoji="0" lang="ja-JP" altLang="ja-JP" sz="4000" b="0" i="0" u="none" strike="noStrike" cap="none" normalizeH="0" baseline="0" smtClean="0">
                 <a:ln>
                   <a:noFill/>
                 </a:ln>
@@ -10958,7 +10894,7 @@
             </a:bodyPr>
             <a:lstStyle/>
             <a:p>
-              <a:endParaRPr lang="ja-JP" altLang="en-US"/>
+              <a:endParaRPr lang="ja-JP" altLang="en-US" sz="9600"/>
             </a:p>
           </p:txBody>
         </p:sp>
@@ -11004,7 +10940,7 @@
             </a:bodyPr>
             <a:lstStyle/>
             <a:p>
-              <a:endParaRPr lang="ja-JP" altLang="en-US"/>
+              <a:endParaRPr lang="ja-JP" altLang="en-US" sz="9600"/>
             </a:p>
           </p:txBody>
         </p:sp>
@@ -11050,7 +10986,7 @@
             </a:bodyPr>
             <a:lstStyle/>
             <a:p>
-              <a:endParaRPr lang="ja-JP" altLang="en-US"/>
+              <a:endParaRPr lang="ja-JP" altLang="en-US" sz="9600"/>
             </a:p>
           </p:txBody>
         </p:sp>
@@ -11096,7 +11032,7 @@
             </a:bodyPr>
             <a:lstStyle/>
             <a:p>
-              <a:endParaRPr lang="ja-JP" altLang="en-US"/>
+              <a:endParaRPr lang="ja-JP" altLang="en-US" sz="9600"/>
             </a:p>
           </p:txBody>
         </p:sp>
@@ -11142,7 +11078,7 @@
             </a:bodyPr>
             <a:lstStyle/>
             <a:p>
-              <a:endParaRPr lang="ja-JP" altLang="en-US"/>
+              <a:endParaRPr lang="ja-JP" altLang="en-US" sz="9600"/>
             </a:p>
           </p:txBody>
         </p:sp>
@@ -11188,7 +11124,7 @@
             </a:bodyPr>
             <a:lstStyle/>
             <a:p>
-              <a:endParaRPr lang="ja-JP" altLang="en-US"/>
+              <a:endParaRPr lang="ja-JP" altLang="en-US" sz="9600"/>
             </a:p>
           </p:txBody>
         </p:sp>
@@ -11234,7 +11170,7 @@
             </a:bodyPr>
             <a:lstStyle/>
             <a:p>
-              <a:endParaRPr lang="ja-JP" altLang="en-US"/>
+              <a:endParaRPr lang="ja-JP" altLang="en-US" sz="9600"/>
             </a:p>
           </p:txBody>
         </p:sp>
@@ -11280,7 +11216,7 @@
             </a:bodyPr>
             <a:lstStyle/>
             <a:p>
-              <a:endParaRPr lang="ja-JP" altLang="en-US"/>
+              <a:endParaRPr lang="ja-JP" altLang="en-US" sz="9600"/>
             </a:p>
           </p:txBody>
         </p:sp>
@@ -11294,8 +11230,8 @@
           </p:nvSpPr>
           <p:spPr bwMode="auto">
             <a:xfrm rot="16200000">
-              <a:off x="1967" y="12409"/>
-              <a:ext cx="96" cy="132"/>
+              <a:off x="1954" y="12339"/>
+              <a:ext cx="126" cy="271"/>
             </a:xfrm>
             <a:prstGeom prst="rect">
               <a:avLst/>
@@ -11477,7 +11413,7 @@
                 <a:tabLst/>
               </a:pPr>
               <a:r>
-                <a:rPr kumimoji="0" lang="ja-JP" altLang="ja-JP" sz="1200" b="0" i="0" u="none" strike="noStrike" cap="none" normalizeH="0" baseline="0" smtClean="0">
+                <a:rPr kumimoji="0" lang="ja-JP" altLang="ja-JP" sz="2800" b="0" i="0" u="none" strike="noStrike" cap="none" normalizeH="0" baseline="0" smtClean="0">
                   <a:ln>
                     <a:noFill/>
                   </a:ln>
@@ -11489,7 +11425,7 @@
                 </a:rPr>
                 <a:t>0</a:t>
               </a:r>
-              <a:endParaRPr kumimoji="0" lang="ja-JP" altLang="ja-JP" sz="1800" b="0" i="0" u="none" strike="noStrike" cap="none" normalizeH="0" baseline="0" smtClean="0">
+              <a:endParaRPr kumimoji="0" lang="ja-JP" altLang="ja-JP" sz="4000" b="0" i="0" u="none" strike="noStrike" cap="none" normalizeH="0" baseline="0" smtClean="0">
                 <a:ln>
                   <a:noFill/>
                 </a:ln>
@@ -11512,8 +11448,8 @@
           </p:nvSpPr>
           <p:spPr bwMode="auto">
             <a:xfrm rot="16200000">
-              <a:off x="1940" y="11970"/>
-              <a:ext cx="150" cy="132"/>
+              <a:off x="1889" y="11900"/>
+              <a:ext cx="252" cy="271"/>
             </a:xfrm>
             <a:prstGeom prst="rect">
               <a:avLst/>
@@ -11695,7 +11631,7 @@
                 <a:tabLst/>
               </a:pPr>
               <a:r>
-                <a:rPr kumimoji="0" lang="ja-JP" altLang="ja-JP" sz="1200" b="0" i="0" u="none" strike="noStrike" cap="none" normalizeH="0" baseline="0" smtClean="0">
+                <a:rPr kumimoji="0" lang="ja-JP" altLang="ja-JP" sz="2800" b="0" i="0" u="none" strike="noStrike" cap="none" normalizeH="0" baseline="0" smtClean="0">
                   <a:ln>
                     <a:noFill/>
                   </a:ln>
@@ -11707,7 +11643,7 @@
                 </a:rPr>
                 <a:t>10</a:t>
               </a:r>
-              <a:endParaRPr kumimoji="0" lang="ja-JP" altLang="ja-JP" sz="1800" b="0" i="0" u="none" strike="noStrike" cap="none" normalizeH="0" baseline="0" smtClean="0">
+              <a:endParaRPr kumimoji="0" lang="ja-JP" altLang="ja-JP" sz="4000" b="0" i="0" u="none" strike="noStrike" cap="none" normalizeH="0" baseline="0" smtClean="0">
                 <a:ln>
                   <a:noFill/>
                 </a:ln>
@@ -11730,8 +11666,8 @@
           </p:nvSpPr>
           <p:spPr bwMode="auto">
             <a:xfrm rot="16200000">
-              <a:off x="1940" y="11531"/>
-              <a:ext cx="150" cy="132"/>
+              <a:off x="1889" y="11461"/>
+              <a:ext cx="252" cy="271"/>
             </a:xfrm>
             <a:prstGeom prst="rect">
               <a:avLst/>
@@ -11913,7 +11849,7 @@
                 <a:tabLst/>
               </a:pPr>
               <a:r>
-                <a:rPr kumimoji="0" lang="ja-JP" altLang="ja-JP" sz="1200" b="0" i="0" u="none" strike="noStrike" cap="none" normalizeH="0" baseline="0" smtClean="0">
+                <a:rPr kumimoji="0" lang="ja-JP" altLang="ja-JP" sz="2800" b="0" i="0" u="none" strike="noStrike" cap="none" normalizeH="0" baseline="0" smtClean="0">
                   <a:ln>
                     <a:noFill/>
                   </a:ln>
@@ -11925,7 +11861,7 @@
                 </a:rPr>
                 <a:t>20</a:t>
               </a:r>
-              <a:endParaRPr kumimoji="0" lang="ja-JP" altLang="ja-JP" sz="1800" b="0" i="0" u="none" strike="noStrike" cap="none" normalizeH="0" baseline="0" smtClean="0">
+              <a:endParaRPr kumimoji="0" lang="ja-JP" altLang="ja-JP" sz="4000" b="0" i="0" u="none" strike="noStrike" cap="none" normalizeH="0" baseline="0" smtClean="0">
                 <a:ln>
                   <a:noFill/>
                 </a:ln>
@@ -11948,8 +11884,8 @@
           </p:nvSpPr>
           <p:spPr bwMode="auto">
             <a:xfrm rot="16200000">
-              <a:off x="1940" y="11092"/>
-              <a:ext cx="150" cy="132"/>
+              <a:off x="1889" y="11022"/>
+              <a:ext cx="252" cy="271"/>
             </a:xfrm>
             <a:prstGeom prst="rect">
               <a:avLst/>
@@ -12131,7 +12067,7 @@
                 <a:tabLst/>
               </a:pPr>
               <a:r>
-                <a:rPr kumimoji="0" lang="ja-JP" altLang="ja-JP" sz="1200" b="0" i="0" u="none" strike="noStrike" cap="none" normalizeH="0" baseline="0" smtClean="0">
+                <a:rPr kumimoji="0" lang="ja-JP" altLang="ja-JP" sz="2800" b="0" i="0" u="none" strike="noStrike" cap="none" normalizeH="0" baseline="0" smtClean="0">
                   <a:ln>
                     <a:noFill/>
                   </a:ln>
@@ -12143,7 +12079,7 @@
                 </a:rPr>
                 <a:t>30</a:t>
               </a:r>
-              <a:endParaRPr kumimoji="0" lang="ja-JP" altLang="ja-JP" sz="1800" b="0" i="0" u="none" strike="noStrike" cap="none" normalizeH="0" baseline="0" smtClean="0">
+              <a:endParaRPr kumimoji="0" lang="ja-JP" altLang="ja-JP" sz="4000" b="0" i="0" u="none" strike="noStrike" cap="none" normalizeH="0" baseline="0" smtClean="0">
                 <a:ln>
                   <a:noFill/>
                 </a:ln>
@@ -12166,8 +12102,8 @@
           </p:nvSpPr>
           <p:spPr bwMode="auto">
             <a:xfrm rot="16200000">
-              <a:off x="1940" y="10653"/>
-              <a:ext cx="150" cy="132"/>
+              <a:off x="1889" y="10583"/>
+              <a:ext cx="252" cy="271"/>
             </a:xfrm>
             <a:prstGeom prst="rect">
               <a:avLst/>
@@ -12349,7 +12285,7 @@
                 <a:tabLst/>
               </a:pPr>
               <a:r>
-                <a:rPr kumimoji="0" lang="ja-JP" altLang="ja-JP" sz="1200" b="0" i="0" u="none" strike="noStrike" cap="none" normalizeH="0" baseline="0" smtClean="0">
+                <a:rPr kumimoji="0" lang="ja-JP" altLang="ja-JP" sz="2800" b="0" i="0" u="none" strike="noStrike" cap="none" normalizeH="0" baseline="0" smtClean="0">
                   <a:ln>
                     <a:noFill/>
                   </a:ln>
@@ -12361,7 +12297,7 @@
                 </a:rPr>
                 <a:t>40</a:t>
               </a:r>
-              <a:endParaRPr kumimoji="0" lang="ja-JP" altLang="ja-JP" sz="1800" b="0" i="0" u="none" strike="noStrike" cap="none" normalizeH="0" baseline="0" smtClean="0">
+              <a:endParaRPr kumimoji="0" lang="ja-JP" altLang="ja-JP" sz="4000" b="0" i="0" u="none" strike="noStrike" cap="none" normalizeH="0" baseline="0" smtClean="0">
                 <a:ln>
                   <a:noFill/>
                 </a:ln>
@@ -12384,8 +12320,8 @@
           </p:nvSpPr>
           <p:spPr bwMode="auto">
             <a:xfrm rot="16200000">
-              <a:off x="1940" y="10214"/>
-              <a:ext cx="150" cy="132"/>
+              <a:off x="1889" y="10144"/>
+              <a:ext cx="252" cy="271"/>
             </a:xfrm>
             <a:prstGeom prst="rect">
               <a:avLst/>
@@ -12567,7 +12503,7 @@
                 <a:tabLst/>
               </a:pPr>
               <a:r>
-                <a:rPr kumimoji="0" lang="ja-JP" altLang="ja-JP" sz="1200" b="0" i="0" u="none" strike="noStrike" cap="none" normalizeH="0" baseline="0" smtClean="0">
+                <a:rPr kumimoji="0" lang="ja-JP" altLang="ja-JP" sz="2800" b="0" i="0" u="none" strike="noStrike" cap="none" normalizeH="0" baseline="0" smtClean="0">
                   <a:ln>
                     <a:noFill/>
                   </a:ln>
@@ -12579,7 +12515,7 @@
                 </a:rPr>
                 <a:t>50</a:t>
               </a:r>
-              <a:endParaRPr kumimoji="0" lang="ja-JP" altLang="ja-JP" sz="1800" b="0" i="0" u="none" strike="noStrike" cap="none" normalizeH="0" baseline="0" smtClean="0">
+              <a:endParaRPr kumimoji="0" lang="ja-JP" altLang="ja-JP" sz="4000" b="0" i="0" u="none" strike="noStrike" cap="none" normalizeH="0" baseline="0" smtClean="0">
                 <a:ln>
                   <a:noFill/>
                 </a:ln>
@@ -12602,8 +12538,8 @@
           </p:nvSpPr>
           <p:spPr bwMode="auto">
             <a:xfrm rot="16200000">
-              <a:off x="1940" y="9775"/>
-              <a:ext cx="150" cy="132"/>
+              <a:off x="1889" y="9705"/>
+              <a:ext cx="252" cy="271"/>
             </a:xfrm>
             <a:prstGeom prst="rect">
               <a:avLst/>
@@ -12785,7 +12721,7 @@
                 <a:tabLst/>
               </a:pPr>
               <a:r>
-                <a:rPr kumimoji="0" lang="ja-JP" altLang="ja-JP" sz="1200" b="0" i="0" u="none" strike="noStrike" cap="none" normalizeH="0" baseline="0" smtClean="0">
+                <a:rPr kumimoji="0" lang="ja-JP" altLang="ja-JP" sz="2800" b="0" i="0" u="none" strike="noStrike" cap="none" normalizeH="0" baseline="0" smtClean="0">
                   <a:ln>
                     <a:noFill/>
                   </a:ln>
@@ -12797,7 +12733,7 @@
                 </a:rPr>
                 <a:t>60</a:t>
               </a:r>
-              <a:endParaRPr kumimoji="0" lang="ja-JP" altLang="ja-JP" sz="1800" b="0" i="0" u="none" strike="noStrike" cap="none" normalizeH="0" baseline="0" smtClean="0">
+              <a:endParaRPr kumimoji="0" lang="ja-JP" altLang="ja-JP" sz="4000" b="0" i="0" u="none" strike="noStrike" cap="none" normalizeH="0" baseline="0" smtClean="0">
                 <a:ln>
                   <a:noFill/>
                 </a:ln>
@@ -12854,7 +12790,7 @@
             </a:bodyPr>
             <a:lstStyle/>
             <a:p>
-              <a:endParaRPr lang="ja-JP" altLang="en-US"/>
+              <a:endParaRPr lang="ja-JP" altLang="en-US" sz="9600"/>
             </a:p>
           </p:txBody>
         </p:sp>
@@ -12902,7 +12838,7 @@
             </a:bodyPr>
             <a:lstStyle/>
             <a:p>
-              <a:endParaRPr lang="ja-JP" altLang="en-US"/>
+              <a:endParaRPr lang="ja-JP" altLang="en-US" sz="9600"/>
             </a:p>
           </p:txBody>
         </p:sp>
@@ -12950,7 +12886,7 @@
             </a:bodyPr>
             <a:lstStyle/>
             <a:p>
-              <a:endParaRPr lang="ja-JP" altLang="en-US"/>
+              <a:endParaRPr lang="ja-JP" altLang="en-US" sz="9600"/>
             </a:p>
           </p:txBody>
         </p:sp>
@@ -12998,7 +12934,7 @@
             </a:bodyPr>
             <a:lstStyle/>
             <a:p>
-              <a:endParaRPr lang="ja-JP" altLang="en-US"/>
+              <a:endParaRPr lang="ja-JP" altLang="en-US" sz="9600"/>
             </a:p>
           </p:txBody>
         </p:sp>
@@ -13046,7 +12982,7 @@
             </a:bodyPr>
             <a:lstStyle/>
             <a:p>
-              <a:endParaRPr lang="ja-JP" altLang="en-US"/>
+              <a:endParaRPr lang="ja-JP" altLang="en-US" sz="9600"/>
             </a:p>
           </p:txBody>
         </p:sp>
@@ -13094,11 +13030,1539 @@
             </a:bodyPr>
             <a:lstStyle/>
             <a:p>
-              <a:endParaRPr lang="ja-JP" altLang="en-US"/>
+              <a:endParaRPr lang="ja-JP" altLang="en-US" sz="9600"/>
             </a:p>
           </p:txBody>
         </p:sp>
       </p:grpSp>
+      <p:sp>
+        <p:nvSpPr>
+          <p:cNvPr id="90" name="テキスト ボックス 89"/>
+          <p:cNvSpPr txBox="1"/>
+          <p:nvPr/>
+        </p:nvSpPr>
+        <p:spPr>
+          <a:xfrm>
+            <a:off x="1367139" y="11509044"/>
+            <a:ext cx="19082120" cy="1938992"/>
+          </a:xfrm>
+          <a:prstGeom prst="rect">
+            <a:avLst/>
+          </a:prstGeom>
+          <a:noFill/>
+        </p:spPr>
+        <p:txBody>
+          <a:bodyPr wrap="square" rtlCol="0">
+            <a:spAutoFit/>
+          </a:bodyPr>
+          <a:lstStyle/>
+          <a:p>
+            <a:r>
+              <a:rPr lang="ja-JP" altLang="en-US" sz="4000" dirty="0"/>
+              <a:t>データマイニングにより，ゲーム攻略</a:t>
+            </a:r>
+            <a:r>
+              <a:rPr lang="en-US" altLang="ja-JP" sz="4000" dirty="0"/>
+              <a:t>wiki</a:t>
+            </a:r>
+            <a:r>
+              <a:rPr lang="ja-JP" altLang="en-US" sz="4000" dirty="0"/>
+              <a:t>におけるプロジェクトマネジメントの状況を</a:t>
+            </a:r>
+            <a:r>
+              <a:rPr lang="ja-JP" altLang="en-US" sz="4000" dirty="0" smtClean="0"/>
+              <a:t>分析する．</a:t>
+            </a:r>
+            <a:r>
+              <a:rPr lang="ja-JP" altLang="en-US" sz="4000" dirty="0" smtClean="0"/>
+              <a:t>さらに</a:t>
+            </a:r>
+            <a:r>
+              <a:rPr lang="en-US" altLang="ja-JP" sz="4000" dirty="0" smtClean="0">
+                <a:solidFill>
+                  <a:sysClr val="windowText" lastClr="000000"/>
+                </a:solidFill>
+              </a:rPr>
+              <a:t>Wiki</a:t>
+            </a:r>
+            <a:r>
+              <a:rPr lang="ja-JP" altLang="en-US" sz="4000" dirty="0">
+                <a:solidFill>
+                  <a:sysClr val="windowText" lastClr="000000"/>
+                </a:solidFill>
+              </a:rPr>
+              <a:t>を用いたオープンなプロジェクトである</a:t>
+            </a:r>
+            <a:r>
+              <a:rPr lang="en-US" altLang="ja-JP" sz="4000" dirty="0">
+                <a:solidFill>
+                  <a:sysClr val="windowText" lastClr="000000"/>
+                </a:solidFill>
+              </a:rPr>
+              <a:t>Wikipedia</a:t>
+            </a:r>
+            <a:r>
+              <a:rPr lang="ja-JP" altLang="en-US" sz="4000" dirty="0">
+                <a:solidFill>
+                  <a:sysClr val="windowText" lastClr="000000"/>
+                </a:solidFill>
+              </a:rPr>
+              <a:t>と比較し，ゲーム攻略</a:t>
+            </a:r>
+            <a:r>
+              <a:rPr lang="en-US" altLang="ja-JP" sz="4000" dirty="0">
+                <a:solidFill>
+                  <a:sysClr val="windowText" lastClr="000000"/>
+                </a:solidFill>
+              </a:rPr>
+              <a:t>wiki</a:t>
+            </a:r>
+            <a:r>
+              <a:rPr lang="ja-JP" altLang="en-US" sz="4000" dirty="0">
+                <a:solidFill>
+                  <a:sysClr val="windowText" lastClr="000000"/>
+                </a:solidFill>
+              </a:rPr>
+              <a:t>の特性を</a:t>
+            </a:r>
+            <a:r>
+              <a:rPr lang="ja-JP" altLang="en-US" sz="4000" dirty="0" smtClean="0">
+                <a:solidFill>
+                  <a:sysClr val="windowText" lastClr="000000"/>
+                </a:solidFill>
+              </a:rPr>
+              <a:t>見つける．</a:t>
+            </a:r>
+            <a:endParaRPr lang="ja-JP" altLang="en-US" sz="4000" dirty="0">
+              <a:solidFill>
+                <a:sysClr val="windowText" lastClr="000000"/>
+              </a:solidFill>
+            </a:endParaRPr>
+          </a:p>
+        </p:txBody>
+      </p:sp>
+      <p:graphicFrame>
+        <p:nvGraphicFramePr>
+          <p:cNvPr id="6" name="表 5"/>
+          <p:cNvGraphicFramePr>
+            <a:graphicFrameLocks noGrp="1"/>
+          </p:cNvGraphicFramePr>
+          <p:nvPr>
+            <p:extLst>
+              <p:ext uri="{D42A27DB-BD31-4B8C-83A1-F6EECF244321}">
+                <p14:modId xmlns:p14="http://schemas.microsoft.com/office/powerpoint/2010/main" val="293439821"/>
+              </p:ext>
+            </p:extLst>
+          </p:nvPr>
+        </p:nvGraphicFramePr>
+        <p:xfrm>
+          <a:off x="789095" y="17600025"/>
+          <a:ext cx="5300593" cy="7830483"/>
+        </p:xfrm>
+        <a:graphic>
+          <a:graphicData uri="http://schemas.openxmlformats.org/drawingml/2006/table">
+            <a:tbl>
+              <a:tblPr>
+                <a:tableStyleId>{5C22544A-7EE6-4342-B048-85BDC9FD1C3A}</a:tableStyleId>
+              </a:tblPr>
+              <a:tblGrid>
+                <a:gridCol w="2625527"/>
+                <a:gridCol w="2675066"/>
+              </a:tblGrid>
+              <a:tr h="507887">
+                <a:tc>
+                  <a:txBody>
+                    <a:bodyPr/>
+                    <a:lstStyle/>
+                    <a:p>
+                      <a:pPr algn="l" fontAlgn="ctr"/>
+                      <a:r>
+                        <a:rPr lang="ja-JP" altLang="en-US" sz="2400" u="none" strike="noStrike" dirty="0">
+                          <a:effectLst/>
+                        </a:rPr>
+                        <a:t>編集者</a:t>
+                      </a:r>
+                      <a:endParaRPr lang="ja-JP" altLang="en-US" sz="2400" b="0" i="0" u="none" strike="noStrike" dirty="0">
+                        <a:solidFill>
+                          <a:srgbClr val="000000"/>
+                        </a:solidFill>
+                        <a:effectLst/>
+                        <a:latin typeface="ＭＳ Ｐゴシック" panose="020B0600070205080204" pitchFamily="50" charset="-128"/>
+                        <a:ea typeface="ＭＳ Ｐゴシック" panose="020B0600070205080204" pitchFamily="50" charset="-128"/>
+                      </a:endParaRPr>
+                    </a:p>
+                  </a:txBody>
+                  <a:tcPr marL="9525" marR="9525" marT="9525" marB="0" anchor="ctr"/>
+                </a:tc>
+                <a:tc>
+                  <a:txBody>
+                    <a:bodyPr/>
+                    <a:lstStyle/>
+                    <a:p>
+                      <a:pPr algn="l" fontAlgn="ctr"/>
+                      <a:r>
+                        <a:rPr lang="ja-JP" altLang="en-US" sz="2400" b="0" i="0" u="none" strike="noStrike" dirty="0" smtClean="0">
+                          <a:solidFill>
+                            <a:schemeClr val="dk1"/>
+                          </a:solidFill>
+                          <a:effectLst/>
+                          <a:latin typeface="+mn-lt"/>
+                          <a:ea typeface="+mn-ea"/>
+                        </a:rPr>
+                        <a:t>編集文字数</a:t>
+                      </a:r>
+                      <a:endParaRPr lang="ja-JP" altLang="en-US" sz="2400" b="0" i="0" u="none" strike="noStrike" dirty="0">
+                        <a:solidFill>
+                          <a:srgbClr val="000000"/>
+                        </a:solidFill>
+                        <a:effectLst/>
+                        <a:latin typeface="ＭＳ Ｐゴシック" panose="020B0600070205080204" pitchFamily="50" charset="-128"/>
+                        <a:ea typeface="ＭＳ Ｐゴシック" panose="020B0600070205080204" pitchFamily="50" charset="-128"/>
+                      </a:endParaRPr>
+                    </a:p>
+                  </a:txBody>
+                  <a:tcPr marL="9525" marR="9525" marT="9525" marB="0" anchor="ctr"/>
+                </a:tc>
+              </a:tr>
+              <a:tr h="507887">
+                <a:tc>
+                  <a:txBody>
+                    <a:bodyPr/>
+                    <a:lstStyle/>
+                    <a:p>
+                      <a:pPr algn="l" fontAlgn="ctr"/>
+                      <a:r>
+                        <a:rPr lang="en-US" sz="2400" u="none" strike="noStrike">
+                          <a:effectLst/>
+                        </a:rPr>
+                        <a:t>BiO9B9t4xiT</a:t>
+                      </a:r>
+                      <a:endParaRPr lang="en-US" sz="2400" b="0" i="0" u="none" strike="noStrike">
+                        <a:solidFill>
+                          <a:srgbClr val="000000"/>
+                        </a:solidFill>
+                        <a:effectLst/>
+                        <a:latin typeface="ＭＳ Ｐゴシック" panose="020B0600070205080204" pitchFamily="50" charset="-128"/>
+                        <a:ea typeface="ＭＳ Ｐゴシック" panose="020B0600070205080204" pitchFamily="50" charset="-128"/>
+                      </a:endParaRPr>
+                    </a:p>
+                  </a:txBody>
+                  <a:tcPr marL="9525" marR="9525" marT="9525" marB="0" anchor="ctr"/>
+                </a:tc>
+                <a:tc>
+                  <a:txBody>
+                    <a:bodyPr/>
+                    <a:lstStyle/>
+                    <a:p>
+                      <a:pPr algn="r" fontAlgn="ctr"/>
+                      <a:r>
+                        <a:rPr lang="en-US" altLang="ja-JP" sz="2400" u="none" strike="noStrike">
+                          <a:effectLst/>
+                        </a:rPr>
+                        <a:t>3</a:t>
+                      </a:r>
+                      <a:endParaRPr lang="en-US" altLang="ja-JP" sz="2400" b="0" i="0" u="none" strike="noStrike">
+                        <a:solidFill>
+                          <a:srgbClr val="000000"/>
+                        </a:solidFill>
+                        <a:effectLst/>
+                        <a:latin typeface="ＭＳ Ｐゴシック" panose="020B0600070205080204" pitchFamily="50" charset="-128"/>
+                        <a:ea typeface="ＭＳ Ｐゴシック" panose="020B0600070205080204" pitchFamily="50" charset="-128"/>
+                      </a:endParaRPr>
+                    </a:p>
+                  </a:txBody>
+                  <a:tcPr marL="9525" marR="9525" marT="9525" marB="0" anchor="ctr"/>
+                </a:tc>
+              </a:tr>
+              <a:tr h="507887">
+                <a:tc>
+                  <a:txBody>
+                    <a:bodyPr/>
+                    <a:lstStyle/>
+                    <a:p>
+                      <a:pPr algn="l" fontAlgn="ctr"/>
+                      <a:r>
+                        <a:rPr lang="en-US" sz="2400" u="none" strike="noStrike">
+                          <a:effectLst/>
+                        </a:rPr>
+                        <a:t>BiO9B9t4xiT</a:t>
+                      </a:r>
+                      <a:endParaRPr lang="en-US" sz="2400" b="0" i="0" u="none" strike="noStrike">
+                        <a:solidFill>
+                          <a:srgbClr val="000000"/>
+                        </a:solidFill>
+                        <a:effectLst/>
+                        <a:latin typeface="ＭＳ Ｐゴシック" panose="020B0600070205080204" pitchFamily="50" charset="-128"/>
+                        <a:ea typeface="ＭＳ Ｐゴシック" panose="020B0600070205080204" pitchFamily="50" charset="-128"/>
+                      </a:endParaRPr>
+                    </a:p>
+                  </a:txBody>
+                  <a:tcPr marL="9525" marR="9525" marT="9525" marB="0" anchor="ctr"/>
+                </a:tc>
+                <a:tc>
+                  <a:txBody>
+                    <a:bodyPr/>
+                    <a:lstStyle/>
+                    <a:p>
+                      <a:pPr algn="r" fontAlgn="ctr"/>
+                      <a:r>
+                        <a:rPr lang="en-US" altLang="ja-JP" sz="2400" u="none" strike="noStrike" dirty="0">
+                          <a:effectLst/>
+                        </a:rPr>
+                        <a:t>4</a:t>
+                      </a:r>
+                      <a:endParaRPr lang="en-US" altLang="ja-JP" sz="2400" b="0" i="0" u="none" strike="noStrike" dirty="0">
+                        <a:solidFill>
+                          <a:srgbClr val="000000"/>
+                        </a:solidFill>
+                        <a:effectLst/>
+                        <a:latin typeface="ＭＳ Ｐゴシック" panose="020B0600070205080204" pitchFamily="50" charset="-128"/>
+                        <a:ea typeface="ＭＳ Ｐゴシック" panose="020B0600070205080204" pitchFamily="50" charset="-128"/>
+                      </a:endParaRPr>
+                    </a:p>
+                  </a:txBody>
+                  <a:tcPr marL="9525" marR="9525" marT="9525" marB="0" anchor="ctr"/>
+                </a:tc>
+              </a:tr>
+              <a:tr h="507887">
+                <a:tc>
+                  <a:txBody>
+                    <a:bodyPr/>
+                    <a:lstStyle/>
+                    <a:p>
+                      <a:pPr algn="l" fontAlgn="ctr"/>
+                      <a:r>
+                        <a:rPr lang="en-US" sz="2400" u="none" strike="noStrike">
+                          <a:effectLst/>
+                        </a:rPr>
+                        <a:t>keYEKDrRYl</a:t>
+                      </a:r>
+                      <a:endParaRPr lang="en-US" sz="2400" b="0" i="0" u="none" strike="noStrike">
+                        <a:solidFill>
+                          <a:srgbClr val="000000"/>
+                        </a:solidFill>
+                        <a:effectLst/>
+                        <a:latin typeface="ＭＳ Ｐゴシック" panose="020B0600070205080204" pitchFamily="50" charset="-128"/>
+                        <a:ea typeface="ＭＳ Ｐゴシック" panose="020B0600070205080204" pitchFamily="50" charset="-128"/>
+                      </a:endParaRPr>
+                    </a:p>
+                  </a:txBody>
+                  <a:tcPr marL="9525" marR="9525" marT="9525" marB="0" anchor="ctr"/>
+                </a:tc>
+                <a:tc>
+                  <a:txBody>
+                    <a:bodyPr/>
+                    <a:lstStyle/>
+                    <a:p>
+                      <a:pPr algn="r" fontAlgn="ctr"/>
+                      <a:r>
+                        <a:rPr lang="en-US" altLang="ja-JP" sz="2400" u="none" strike="noStrike">
+                          <a:effectLst/>
+                        </a:rPr>
+                        <a:t>1</a:t>
+                      </a:r>
+                      <a:endParaRPr lang="en-US" altLang="ja-JP" sz="2400" b="0" i="0" u="none" strike="noStrike">
+                        <a:solidFill>
+                          <a:srgbClr val="000000"/>
+                        </a:solidFill>
+                        <a:effectLst/>
+                        <a:latin typeface="ＭＳ Ｐゴシック" panose="020B0600070205080204" pitchFamily="50" charset="-128"/>
+                        <a:ea typeface="ＭＳ Ｐゴシック" panose="020B0600070205080204" pitchFamily="50" charset="-128"/>
+                      </a:endParaRPr>
+                    </a:p>
+                  </a:txBody>
+                  <a:tcPr marL="9525" marR="9525" marT="9525" marB="0" anchor="ctr"/>
+                </a:tc>
+              </a:tr>
+              <a:tr h="507887">
+                <a:tc>
+                  <a:txBody>
+                    <a:bodyPr/>
+                    <a:lstStyle/>
+                    <a:p>
+                      <a:pPr algn="l" fontAlgn="ctr"/>
+                      <a:r>
+                        <a:rPr lang="en-US" sz="2400" u="none" strike="noStrike">
+                          <a:effectLst/>
+                        </a:rPr>
+                        <a:t>E5oN997tA9v</a:t>
+                      </a:r>
+                      <a:endParaRPr lang="en-US" sz="2400" b="0" i="0" u="none" strike="noStrike">
+                        <a:solidFill>
+                          <a:srgbClr val="000000"/>
+                        </a:solidFill>
+                        <a:effectLst/>
+                        <a:latin typeface="ＭＳ Ｐゴシック" panose="020B0600070205080204" pitchFamily="50" charset="-128"/>
+                        <a:ea typeface="ＭＳ Ｐゴシック" panose="020B0600070205080204" pitchFamily="50" charset="-128"/>
+                      </a:endParaRPr>
+                    </a:p>
+                  </a:txBody>
+                  <a:tcPr marL="9525" marR="9525" marT="9525" marB="0" anchor="ctr"/>
+                </a:tc>
+                <a:tc>
+                  <a:txBody>
+                    <a:bodyPr/>
+                    <a:lstStyle/>
+                    <a:p>
+                      <a:pPr algn="r" fontAlgn="ctr"/>
+                      <a:r>
+                        <a:rPr lang="en-US" altLang="ja-JP" sz="2400" u="none" strike="noStrike">
+                          <a:effectLst/>
+                        </a:rPr>
+                        <a:t>10</a:t>
+                      </a:r>
+                      <a:endParaRPr lang="en-US" altLang="ja-JP" sz="2400" b="0" i="0" u="none" strike="noStrike">
+                        <a:solidFill>
+                          <a:srgbClr val="000000"/>
+                        </a:solidFill>
+                        <a:effectLst/>
+                        <a:latin typeface="ＭＳ Ｐゴシック" panose="020B0600070205080204" pitchFamily="50" charset="-128"/>
+                        <a:ea typeface="ＭＳ Ｐゴシック" panose="020B0600070205080204" pitchFamily="50" charset="-128"/>
+                      </a:endParaRPr>
+                    </a:p>
+                  </a:txBody>
+                  <a:tcPr marL="9525" marR="9525" marT="9525" marB="0" anchor="ctr"/>
+                </a:tc>
+              </a:tr>
+              <a:tr h="507887">
+                <a:tc>
+                  <a:txBody>
+                    <a:bodyPr/>
+                    <a:lstStyle/>
+                    <a:p>
+                      <a:pPr algn="l" fontAlgn="ctr"/>
+                      <a:r>
+                        <a:rPr lang="en-US" sz="2400" u="none" strike="noStrike">
+                          <a:effectLst/>
+                        </a:rPr>
+                        <a:t>HrG78k72T2s</a:t>
+                      </a:r>
+                      <a:endParaRPr lang="en-US" sz="2400" b="0" i="0" u="none" strike="noStrike">
+                        <a:solidFill>
+                          <a:srgbClr val="000000"/>
+                        </a:solidFill>
+                        <a:effectLst/>
+                        <a:latin typeface="ＭＳ Ｐゴシック" panose="020B0600070205080204" pitchFamily="50" charset="-128"/>
+                        <a:ea typeface="ＭＳ Ｐゴシック" panose="020B0600070205080204" pitchFamily="50" charset="-128"/>
+                      </a:endParaRPr>
+                    </a:p>
+                  </a:txBody>
+                  <a:tcPr marL="9525" marR="9525" marT="9525" marB="0" anchor="ctr"/>
+                </a:tc>
+                <a:tc>
+                  <a:txBody>
+                    <a:bodyPr/>
+                    <a:lstStyle/>
+                    <a:p>
+                      <a:pPr algn="r" fontAlgn="ctr"/>
+                      <a:r>
+                        <a:rPr lang="en-US" altLang="ja-JP" sz="2400" u="none" strike="noStrike">
+                          <a:effectLst/>
+                        </a:rPr>
+                        <a:t>2</a:t>
+                      </a:r>
+                      <a:endParaRPr lang="en-US" altLang="ja-JP" sz="2400" b="0" i="0" u="none" strike="noStrike">
+                        <a:solidFill>
+                          <a:srgbClr val="000000"/>
+                        </a:solidFill>
+                        <a:effectLst/>
+                        <a:latin typeface="ＭＳ Ｐゴシック" panose="020B0600070205080204" pitchFamily="50" charset="-128"/>
+                        <a:ea typeface="ＭＳ Ｐゴシック" panose="020B0600070205080204" pitchFamily="50" charset="-128"/>
+                      </a:endParaRPr>
+                    </a:p>
+                  </a:txBody>
+                  <a:tcPr marL="9525" marR="9525" marT="9525" marB="0" anchor="ctr"/>
+                </a:tc>
+              </a:tr>
+              <a:tr h="720065">
+                <a:tc>
+                  <a:txBody>
+                    <a:bodyPr/>
+                    <a:lstStyle/>
+                    <a:p>
+                      <a:pPr algn="l" fontAlgn="ctr"/>
+                      <a:r>
+                        <a:rPr lang="en-US" sz="2400" u="none" strike="noStrike">
+                          <a:effectLst/>
+                        </a:rPr>
+                        <a:t>-t1buG66449</a:t>
+                      </a:r>
+                      <a:endParaRPr lang="en-US" sz="2400" b="0" i="0" u="none" strike="noStrike">
+                        <a:solidFill>
+                          <a:srgbClr val="000000"/>
+                        </a:solidFill>
+                        <a:effectLst/>
+                        <a:latin typeface="ＭＳ Ｐゴシック" panose="020B0600070205080204" pitchFamily="50" charset="-128"/>
+                        <a:ea typeface="ＭＳ Ｐゴシック" panose="020B0600070205080204" pitchFamily="50" charset="-128"/>
+                      </a:endParaRPr>
+                    </a:p>
+                  </a:txBody>
+                  <a:tcPr marL="9525" marR="9525" marT="9525" marB="0" anchor="ctr"/>
+                </a:tc>
+                <a:tc>
+                  <a:txBody>
+                    <a:bodyPr/>
+                    <a:lstStyle/>
+                    <a:p>
+                      <a:pPr algn="r" fontAlgn="ctr"/>
+                      <a:r>
+                        <a:rPr lang="en-US" altLang="ja-JP" sz="2400" u="none" strike="noStrike" dirty="0">
+                          <a:effectLst/>
+                        </a:rPr>
+                        <a:t>1</a:t>
+                      </a:r>
+                      <a:endParaRPr lang="en-US" altLang="ja-JP" sz="2400" b="0" i="0" u="none" strike="noStrike" dirty="0">
+                        <a:solidFill>
+                          <a:srgbClr val="000000"/>
+                        </a:solidFill>
+                        <a:effectLst/>
+                        <a:latin typeface="ＭＳ Ｐゴシック" panose="020B0600070205080204" pitchFamily="50" charset="-128"/>
+                        <a:ea typeface="ＭＳ Ｐゴシック" panose="020B0600070205080204" pitchFamily="50" charset="-128"/>
+                      </a:endParaRPr>
+                    </a:p>
+                  </a:txBody>
+                  <a:tcPr marL="9525" marR="9525" marT="9525" marB="0" anchor="ctr"/>
+                </a:tc>
+              </a:tr>
+              <a:tr h="507887">
+                <a:tc>
+                  <a:txBody>
+                    <a:bodyPr/>
+                    <a:lstStyle/>
+                    <a:p>
+                      <a:pPr algn="l" fontAlgn="ctr"/>
+                      <a:r>
+                        <a:rPr lang="en-US" sz="2400" u="none" strike="noStrike">
+                          <a:effectLst/>
+                        </a:rPr>
+                        <a:t>xVsvnquz834</a:t>
+                      </a:r>
+                      <a:endParaRPr lang="en-US" sz="2400" b="0" i="0" u="none" strike="noStrike">
+                        <a:solidFill>
+                          <a:srgbClr val="000000"/>
+                        </a:solidFill>
+                        <a:effectLst/>
+                        <a:latin typeface="ＭＳ Ｐゴシック" panose="020B0600070205080204" pitchFamily="50" charset="-128"/>
+                        <a:ea typeface="ＭＳ Ｐゴシック" panose="020B0600070205080204" pitchFamily="50" charset="-128"/>
+                      </a:endParaRPr>
+                    </a:p>
+                  </a:txBody>
+                  <a:tcPr marL="9525" marR="9525" marT="9525" marB="0" anchor="ctr"/>
+                </a:tc>
+                <a:tc>
+                  <a:txBody>
+                    <a:bodyPr/>
+                    <a:lstStyle/>
+                    <a:p>
+                      <a:pPr algn="r" fontAlgn="ctr"/>
+                      <a:r>
+                        <a:rPr lang="en-US" altLang="ja-JP" sz="2400" u="none" strike="noStrike">
+                          <a:effectLst/>
+                        </a:rPr>
+                        <a:t>1</a:t>
+                      </a:r>
+                      <a:endParaRPr lang="en-US" altLang="ja-JP" sz="2400" b="0" i="0" u="none" strike="noStrike">
+                        <a:solidFill>
+                          <a:srgbClr val="000000"/>
+                        </a:solidFill>
+                        <a:effectLst/>
+                        <a:latin typeface="ＭＳ Ｐゴシック" panose="020B0600070205080204" pitchFamily="50" charset="-128"/>
+                        <a:ea typeface="ＭＳ Ｐゴシック" panose="020B0600070205080204" pitchFamily="50" charset="-128"/>
+                      </a:endParaRPr>
+                    </a:p>
+                  </a:txBody>
+                  <a:tcPr marL="9525" marR="9525" marT="9525" marB="0" anchor="ctr"/>
+                </a:tc>
+              </a:tr>
+              <a:tr h="507887">
+                <a:tc>
+                  <a:txBody>
+                    <a:bodyPr/>
+                    <a:lstStyle/>
+                    <a:p>
+                      <a:pPr algn="l" fontAlgn="ctr"/>
+                      <a:r>
+                        <a:rPr lang="en-US" sz="2400" u="none" strike="noStrike">
+                          <a:effectLst/>
+                        </a:rPr>
+                        <a:t>cZDLuGRhefQ</a:t>
+                      </a:r>
+                      <a:endParaRPr lang="en-US" sz="2400" b="0" i="0" u="none" strike="noStrike">
+                        <a:solidFill>
+                          <a:srgbClr val="000000"/>
+                        </a:solidFill>
+                        <a:effectLst/>
+                        <a:latin typeface="ＭＳ Ｐゴシック" panose="020B0600070205080204" pitchFamily="50" charset="-128"/>
+                        <a:ea typeface="ＭＳ Ｐゴシック" panose="020B0600070205080204" pitchFamily="50" charset="-128"/>
+                      </a:endParaRPr>
+                    </a:p>
+                  </a:txBody>
+                  <a:tcPr marL="9525" marR="9525" marT="9525" marB="0" anchor="ctr"/>
+                </a:tc>
+                <a:tc>
+                  <a:txBody>
+                    <a:bodyPr/>
+                    <a:lstStyle/>
+                    <a:p>
+                      <a:pPr algn="r" fontAlgn="ctr"/>
+                      <a:r>
+                        <a:rPr lang="en-US" altLang="ja-JP" sz="2400" u="none" strike="noStrike">
+                          <a:effectLst/>
+                        </a:rPr>
+                        <a:t>13</a:t>
+                      </a:r>
+                      <a:endParaRPr lang="en-US" altLang="ja-JP" sz="2400" b="0" i="0" u="none" strike="noStrike">
+                        <a:solidFill>
+                          <a:srgbClr val="000000"/>
+                        </a:solidFill>
+                        <a:effectLst/>
+                        <a:latin typeface="ＭＳ Ｐゴシック" panose="020B0600070205080204" pitchFamily="50" charset="-128"/>
+                        <a:ea typeface="ＭＳ Ｐゴシック" panose="020B0600070205080204" pitchFamily="50" charset="-128"/>
+                      </a:endParaRPr>
+                    </a:p>
+                  </a:txBody>
+                  <a:tcPr marL="9525" marR="9525" marT="9525" marB="0" anchor="ctr"/>
+                </a:tc>
+              </a:tr>
+              <a:tr h="507887">
+                <a:tc>
+                  <a:txBody>
+                    <a:bodyPr/>
+                    <a:lstStyle/>
+                    <a:p>
+                      <a:pPr algn="l" fontAlgn="ctr"/>
+                      <a:r>
+                        <a:rPr lang="en-US" sz="2400" u="none" strike="noStrike">
+                          <a:effectLst/>
+                        </a:rPr>
+                        <a:t>QH5pPrrgWOp</a:t>
+                      </a:r>
+                      <a:endParaRPr lang="en-US" sz="2400" b="0" i="0" u="none" strike="noStrike">
+                        <a:solidFill>
+                          <a:srgbClr val="000000"/>
+                        </a:solidFill>
+                        <a:effectLst/>
+                        <a:latin typeface="ＭＳ Ｐゴシック" panose="020B0600070205080204" pitchFamily="50" charset="-128"/>
+                        <a:ea typeface="ＭＳ Ｐゴシック" panose="020B0600070205080204" pitchFamily="50" charset="-128"/>
+                      </a:endParaRPr>
+                    </a:p>
+                  </a:txBody>
+                  <a:tcPr marL="9525" marR="9525" marT="9525" marB="0" anchor="ctr"/>
+                </a:tc>
+                <a:tc>
+                  <a:txBody>
+                    <a:bodyPr/>
+                    <a:lstStyle/>
+                    <a:p>
+                      <a:pPr algn="r" fontAlgn="ctr"/>
+                      <a:r>
+                        <a:rPr lang="en-US" altLang="ja-JP" sz="2400" u="none" strike="noStrike">
+                          <a:effectLst/>
+                        </a:rPr>
+                        <a:t>26</a:t>
+                      </a:r>
+                      <a:endParaRPr lang="en-US" altLang="ja-JP" sz="2400" b="0" i="0" u="none" strike="noStrike">
+                        <a:solidFill>
+                          <a:srgbClr val="000000"/>
+                        </a:solidFill>
+                        <a:effectLst/>
+                        <a:latin typeface="ＭＳ Ｐゴシック" panose="020B0600070205080204" pitchFamily="50" charset="-128"/>
+                        <a:ea typeface="ＭＳ Ｐゴシック" panose="020B0600070205080204" pitchFamily="50" charset="-128"/>
+                      </a:endParaRPr>
+                    </a:p>
+                  </a:txBody>
+                  <a:tcPr marL="9525" marR="9525" marT="9525" marB="0" anchor="ctr"/>
+                </a:tc>
+              </a:tr>
+              <a:tr h="507887">
+                <a:tc>
+                  <a:txBody>
+                    <a:bodyPr/>
+                    <a:lstStyle/>
+                    <a:p>
+                      <a:pPr algn="l" fontAlgn="ctr"/>
+                      <a:r>
+                        <a:rPr lang="en-US" sz="2400" u="none" strike="noStrike">
+                          <a:effectLst/>
+                        </a:rPr>
+                        <a:t>VJzcwvPo</a:t>
+                      </a:r>
+                      <a:endParaRPr lang="en-US" sz="2400" b="0" i="0" u="none" strike="noStrike">
+                        <a:solidFill>
+                          <a:srgbClr val="000000"/>
+                        </a:solidFill>
+                        <a:effectLst/>
+                        <a:latin typeface="ＭＳ Ｐゴシック" panose="020B0600070205080204" pitchFamily="50" charset="-128"/>
+                        <a:ea typeface="ＭＳ Ｐゴシック" panose="020B0600070205080204" pitchFamily="50" charset="-128"/>
+                      </a:endParaRPr>
+                    </a:p>
+                  </a:txBody>
+                  <a:tcPr marL="9525" marR="9525" marT="9525" marB="0" anchor="ctr"/>
+                </a:tc>
+                <a:tc>
+                  <a:txBody>
+                    <a:bodyPr/>
+                    <a:lstStyle/>
+                    <a:p>
+                      <a:pPr algn="r" fontAlgn="ctr"/>
+                      <a:r>
+                        <a:rPr lang="en-US" altLang="ja-JP" sz="2400" u="none" strike="noStrike">
+                          <a:effectLst/>
+                        </a:rPr>
+                        <a:t>1</a:t>
+                      </a:r>
+                      <a:endParaRPr lang="en-US" altLang="ja-JP" sz="2400" b="0" i="0" u="none" strike="noStrike">
+                        <a:solidFill>
+                          <a:srgbClr val="000000"/>
+                        </a:solidFill>
+                        <a:effectLst/>
+                        <a:latin typeface="ＭＳ Ｐゴシック" panose="020B0600070205080204" pitchFamily="50" charset="-128"/>
+                        <a:ea typeface="ＭＳ Ｐゴシック" panose="020B0600070205080204" pitchFamily="50" charset="-128"/>
+                      </a:endParaRPr>
+                    </a:p>
+                  </a:txBody>
+                  <a:tcPr marL="9525" marR="9525" marT="9525" marB="0" anchor="ctr"/>
+                </a:tc>
+              </a:tr>
+              <a:tr h="507887">
+                <a:tc>
+                  <a:txBody>
+                    <a:bodyPr/>
+                    <a:lstStyle/>
+                    <a:p>
+                      <a:pPr algn="l" fontAlgn="ctr"/>
+                      <a:r>
+                        <a:rPr lang="en-US" sz="2400" u="none" strike="noStrike">
+                          <a:effectLst/>
+                        </a:rPr>
+                        <a:t>sOr5vckj</a:t>
+                      </a:r>
+                      <a:endParaRPr lang="en-US" sz="2400" b="0" i="0" u="none" strike="noStrike">
+                        <a:solidFill>
+                          <a:srgbClr val="000000"/>
+                        </a:solidFill>
+                        <a:effectLst/>
+                        <a:latin typeface="ＭＳ Ｐゴシック" panose="020B0600070205080204" pitchFamily="50" charset="-128"/>
+                        <a:ea typeface="ＭＳ Ｐゴシック" panose="020B0600070205080204" pitchFamily="50" charset="-128"/>
+                      </a:endParaRPr>
+                    </a:p>
+                  </a:txBody>
+                  <a:tcPr marL="9525" marR="9525" marT="9525" marB="0" anchor="ctr"/>
+                </a:tc>
+                <a:tc>
+                  <a:txBody>
+                    <a:bodyPr/>
+                    <a:lstStyle/>
+                    <a:p>
+                      <a:pPr algn="r" fontAlgn="ctr"/>
+                      <a:r>
+                        <a:rPr lang="en-US" altLang="ja-JP" sz="2400" u="none" strike="noStrike">
+                          <a:effectLst/>
+                        </a:rPr>
+                        <a:t>3</a:t>
+                      </a:r>
+                      <a:endParaRPr lang="en-US" altLang="ja-JP" sz="2400" b="0" i="0" u="none" strike="noStrike">
+                        <a:solidFill>
+                          <a:srgbClr val="000000"/>
+                        </a:solidFill>
+                        <a:effectLst/>
+                        <a:latin typeface="ＭＳ Ｐゴシック" panose="020B0600070205080204" pitchFamily="50" charset="-128"/>
+                        <a:ea typeface="ＭＳ Ｐゴシック" panose="020B0600070205080204" pitchFamily="50" charset="-128"/>
+                      </a:endParaRPr>
+                    </a:p>
+                  </a:txBody>
+                  <a:tcPr marL="9525" marR="9525" marT="9525" marB="0" anchor="ctr"/>
+                </a:tc>
+              </a:tr>
+              <a:tr h="507887">
+                <a:tc>
+                  <a:txBody>
+                    <a:bodyPr/>
+                    <a:lstStyle/>
+                    <a:p>
+                      <a:pPr algn="l" fontAlgn="ctr"/>
+                      <a:r>
+                        <a:rPr lang="en-US" sz="2400" u="none" strike="noStrike">
+                          <a:effectLst/>
+                        </a:rPr>
+                        <a:t>cCEggKEl</a:t>
+                      </a:r>
+                      <a:endParaRPr lang="en-US" sz="2400" b="0" i="0" u="none" strike="noStrike">
+                        <a:solidFill>
+                          <a:srgbClr val="000000"/>
+                        </a:solidFill>
+                        <a:effectLst/>
+                        <a:latin typeface="ＭＳ Ｐゴシック" panose="020B0600070205080204" pitchFamily="50" charset="-128"/>
+                        <a:ea typeface="ＭＳ Ｐゴシック" panose="020B0600070205080204" pitchFamily="50" charset="-128"/>
+                      </a:endParaRPr>
+                    </a:p>
+                  </a:txBody>
+                  <a:tcPr marL="9525" marR="9525" marT="9525" marB="0" anchor="ctr"/>
+                </a:tc>
+                <a:tc>
+                  <a:txBody>
+                    <a:bodyPr/>
+                    <a:lstStyle/>
+                    <a:p>
+                      <a:pPr algn="r" fontAlgn="ctr"/>
+                      <a:r>
+                        <a:rPr lang="en-US" altLang="ja-JP" sz="2400" u="none" strike="noStrike">
+                          <a:effectLst/>
+                        </a:rPr>
+                        <a:t>17</a:t>
+                      </a:r>
+                      <a:endParaRPr lang="en-US" altLang="ja-JP" sz="2400" b="0" i="0" u="none" strike="noStrike">
+                        <a:solidFill>
+                          <a:srgbClr val="000000"/>
+                        </a:solidFill>
+                        <a:effectLst/>
+                        <a:latin typeface="ＭＳ Ｐゴシック" panose="020B0600070205080204" pitchFamily="50" charset="-128"/>
+                        <a:ea typeface="ＭＳ Ｐゴシック" panose="020B0600070205080204" pitchFamily="50" charset="-128"/>
+                      </a:endParaRPr>
+                    </a:p>
+                  </a:txBody>
+                  <a:tcPr marL="9525" marR="9525" marT="9525" marB="0" anchor="ctr"/>
+                </a:tc>
+              </a:tr>
+              <a:tr h="507887">
+                <a:tc>
+                  <a:txBody>
+                    <a:bodyPr/>
+                    <a:lstStyle/>
+                    <a:p>
+                      <a:pPr algn="l" fontAlgn="ctr"/>
+                      <a:r>
+                        <a:rPr lang="en-US" sz="2400" u="none" strike="noStrike">
+                          <a:effectLst/>
+                        </a:rPr>
+                        <a:t>BbG7zuvU</a:t>
+                      </a:r>
+                      <a:endParaRPr lang="en-US" sz="2400" b="0" i="0" u="none" strike="noStrike">
+                        <a:solidFill>
+                          <a:srgbClr val="000000"/>
+                        </a:solidFill>
+                        <a:effectLst/>
+                        <a:latin typeface="ＭＳ Ｐゴシック" panose="020B0600070205080204" pitchFamily="50" charset="-128"/>
+                        <a:ea typeface="ＭＳ Ｐゴシック" panose="020B0600070205080204" pitchFamily="50" charset="-128"/>
+                      </a:endParaRPr>
+                    </a:p>
+                  </a:txBody>
+                  <a:tcPr marL="9525" marR="9525" marT="9525" marB="0" anchor="ctr"/>
+                </a:tc>
+                <a:tc>
+                  <a:txBody>
+                    <a:bodyPr/>
+                    <a:lstStyle/>
+                    <a:p>
+                      <a:pPr algn="r" fontAlgn="ctr"/>
+                      <a:r>
+                        <a:rPr lang="en-US" altLang="ja-JP" sz="2400" u="none" strike="noStrike">
+                          <a:effectLst/>
+                        </a:rPr>
+                        <a:t>1</a:t>
+                      </a:r>
+                      <a:endParaRPr lang="en-US" altLang="ja-JP" sz="2400" b="0" i="0" u="none" strike="noStrike">
+                        <a:solidFill>
+                          <a:srgbClr val="000000"/>
+                        </a:solidFill>
+                        <a:effectLst/>
+                        <a:latin typeface="ＭＳ Ｐゴシック" panose="020B0600070205080204" pitchFamily="50" charset="-128"/>
+                        <a:ea typeface="ＭＳ Ｐゴシック" panose="020B0600070205080204" pitchFamily="50" charset="-128"/>
+                      </a:endParaRPr>
+                    </a:p>
+                  </a:txBody>
+                  <a:tcPr marL="9525" marR="9525" marT="9525" marB="0" anchor="ctr"/>
+                </a:tc>
+              </a:tr>
+              <a:tr h="507887">
+                <a:tc>
+                  <a:txBody>
+                    <a:bodyPr/>
+                    <a:lstStyle/>
+                    <a:p>
+                      <a:pPr algn="l" fontAlgn="ctr"/>
+                      <a:r>
+                        <a:rPr lang="en-US" sz="2400" u="none" strike="noStrike">
+                          <a:effectLst/>
+                        </a:rPr>
+                        <a:t>BbG7zuvU</a:t>
+                      </a:r>
+                      <a:endParaRPr lang="en-US" sz="2400" b="0" i="0" u="none" strike="noStrike">
+                        <a:solidFill>
+                          <a:srgbClr val="000000"/>
+                        </a:solidFill>
+                        <a:effectLst/>
+                        <a:latin typeface="ＭＳ Ｐゴシック" panose="020B0600070205080204" pitchFamily="50" charset="-128"/>
+                        <a:ea typeface="ＭＳ Ｐゴシック" panose="020B0600070205080204" pitchFamily="50" charset="-128"/>
+                      </a:endParaRPr>
+                    </a:p>
+                  </a:txBody>
+                  <a:tcPr marL="9525" marR="9525" marT="9525" marB="0" anchor="ctr"/>
+                </a:tc>
+                <a:tc>
+                  <a:txBody>
+                    <a:bodyPr/>
+                    <a:lstStyle/>
+                    <a:p>
+                      <a:pPr algn="r" fontAlgn="ctr"/>
+                      <a:r>
+                        <a:rPr lang="en-US" altLang="ja-JP" sz="2400" u="none" strike="noStrike" dirty="0">
+                          <a:effectLst/>
+                        </a:rPr>
+                        <a:t>4</a:t>
+                      </a:r>
+                      <a:endParaRPr lang="en-US" altLang="ja-JP" sz="2400" b="0" i="0" u="none" strike="noStrike" dirty="0">
+                        <a:solidFill>
+                          <a:srgbClr val="000000"/>
+                        </a:solidFill>
+                        <a:effectLst/>
+                        <a:latin typeface="ＭＳ Ｐゴシック" panose="020B0600070205080204" pitchFamily="50" charset="-128"/>
+                        <a:ea typeface="ＭＳ Ｐゴシック" panose="020B0600070205080204" pitchFamily="50" charset="-128"/>
+                      </a:endParaRPr>
+                    </a:p>
+                  </a:txBody>
+                  <a:tcPr marL="9525" marR="9525" marT="9525" marB="0" anchor="ctr"/>
+                </a:tc>
+              </a:tr>
+            </a:tbl>
+          </a:graphicData>
+        </a:graphic>
+      </p:graphicFrame>
+      <p:sp>
+        <p:nvSpPr>
+          <p:cNvPr id="129" name="テキスト ボックス 128"/>
+          <p:cNvSpPr txBox="1"/>
+          <p:nvPr/>
+        </p:nvSpPr>
+        <p:spPr>
+          <a:xfrm>
+            <a:off x="6194330" y="17335981"/>
+            <a:ext cx="4045787" cy="8094524"/>
+          </a:xfrm>
+          <a:prstGeom prst="rect">
+            <a:avLst/>
+          </a:prstGeom>
+          <a:noFill/>
+        </p:spPr>
+        <p:txBody>
+          <a:bodyPr wrap="square" rtlCol="0">
+            <a:spAutoFit/>
+          </a:bodyPr>
+          <a:lstStyle/>
+          <a:p>
+            <a:r>
+              <a:rPr lang="ja-JP" altLang="en-US" sz="4000" dirty="0">
+                <a:solidFill>
+                  <a:sysClr val="windowText" lastClr="000000"/>
+                </a:solidFill>
+              </a:rPr>
+              <a:t>左</a:t>
+            </a:r>
+            <a:r>
+              <a:rPr lang="ja-JP" altLang="en-US" sz="4000" dirty="0" smtClean="0">
+                <a:solidFill>
+                  <a:sysClr val="windowText" lastClr="000000"/>
+                </a:solidFill>
+              </a:rPr>
+              <a:t>のような形で記録し，編集者ごとの編集文字数を</a:t>
+            </a:r>
+            <a:r>
+              <a:rPr lang="en-US" altLang="ja-JP" sz="4000" dirty="0" smtClean="0">
+                <a:solidFill>
+                  <a:sysClr val="windowText" lastClr="000000"/>
+                </a:solidFill>
+              </a:rPr>
+              <a:t>SUMIF</a:t>
+            </a:r>
+            <a:r>
+              <a:rPr lang="ja-JP" altLang="en-US" sz="4000" dirty="0" smtClean="0">
+                <a:solidFill>
+                  <a:sysClr val="windowText" lastClr="000000"/>
+                </a:solidFill>
+              </a:rPr>
+              <a:t>関数，編集者ごとの編集回数を</a:t>
+            </a:r>
+            <a:r>
+              <a:rPr lang="en-US" altLang="ja-JP" sz="4000" dirty="0" smtClean="0">
+                <a:solidFill>
+                  <a:sysClr val="windowText" lastClr="000000"/>
+                </a:solidFill>
+              </a:rPr>
+              <a:t>COUNTIF</a:t>
+            </a:r>
+            <a:r>
+              <a:rPr lang="ja-JP" altLang="en-US" sz="4000" dirty="0" smtClean="0">
+                <a:solidFill>
+                  <a:sysClr val="windowText" lastClr="000000"/>
+                </a:solidFill>
+              </a:rPr>
+              <a:t>関数を使い算出する．</a:t>
+            </a:r>
+            <a:endParaRPr lang="en-US" altLang="ja-JP" sz="4000" dirty="0" smtClean="0">
+              <a:solidFill>
+                <a:sysClr val="windowText" lastClr="000000"/>
+              </a:solidFill>
+            </a:endParaRPr>
+          </a:p>
+          <a:p>
+            <a:r>
+              <a:rPr lang="ja-JP" altLang="en-US" sz="4000" dirty="0" smtClean="0">
+                <a:solidFill>
+                  <a:sysClr val="windowText" lastClr="000000"/>
+                </a:solidFill>
+              </a:rPr>
+              <a:t>また，編集文字数のヒストグラムは幅が広くなりすぎるため，頻度が偏らないように対数化したものを使う．</a:t>
+            </a:r>
+            <a:endParaRPr lang="ja-JP" altLang="en-US" sz="4000" dirty="0">
+              <a:solidFill>
+                <a:sysClr val="windowText" lastClr="000000"/>
+              </a:solidFill>
+            </a:endParaRPr>
+          </a:p>
+        </p:txBody>
+      </p:sp>
+      <p:sp>
+        <p:nvSpPr>
+          <p:cNvPr id="130" name="正方形/長方形 129"/>
+          <p:cNvSpPr/>
+          <p:nvPr/>
+        </p:nvSpPr>
+        <p:spPr>
+          <a:xfrm>
+            <a:off x="10902741" y="14085801"/>
+            <a:ext cx="9990840" cy="11619092"/>
+          </a:xfrm>
+          <a:prstGeom prst="rect">
+            <a:avLst/>
+          </a:prstGeom>
+          <a:noFill/>
+          <a:ln>
+            <a:solidFill>
+              <a:schemeClr val="tx1"/>
+            </a:solidFill>
+          </a:ln>
+          <a:effectLst/>
+        </p:spPr>
+        <p:style>
+          <a:lnRef idx="1">
+            <a:schemeClr val="accent1"/>
+          </a:lnRef>
+          <a:fillRef idx="3">
+            <a:schemeClr val="accent1"/>
+          </a:fillRef>
+          <a:effectRef idx="2">
+            <a:schemeClr val="accent1"/>
+          </a:effectRef>
+          <a:fontRef idx="minor">
+            <a:schemeClr val="lt1"/>
+          </a:fontRef>
+        </p:style>
+        <p:txBody>
+          <a:bodyPr rtlCol="0" anchor="ctr"/>
+          <a:lstStyle/>
+          <a:p>
+            <a:pPr algn="ctr"/>
+            <a:endParaRPr kumimoji="1" lang="ja-JP" altLang="en-US"/>
+          </a:p>
+        </p:txBody>
+      </p:sp>
+      <p:sp>
+        <p:nvSpPr>
+          <p:cNvPr id="8" name="テキスト ボックス 7"/>
+          <p:cNvSpPr txBox="1"/>
+          <p:nvPr/>
+        </p:nvSpPr>
+        <p:spPr>
+          <a:xfrm>
+            <a:off x="11110531" y="15328017"/>
+            <a:ext cx="9847381" cy="5016758"/>
+          </a:xfrm>
+          <a:prstGeom prst="rect">
+            <a:avLst/>
+          </a:prstGeom>
+          <a:noFill/>
+        </p:spPr>
+        <p:txBody>
+          <a:bodyPr wrap="square" rtlCol="0">
+            <a:spAutoFit/>
+          </a:bodyPr>
+          <a:lstStyle/>
+          <a:p>
+            <a:r>
+              <a:rPr lang="en-US" altLang="ja-JP" sz="4000" dirty="0"/>
+              <a:t>2011</a:t>
+            </a:r>
+            <a:r>
+              <a:rPr lang="ja-JP" altLang="en-US" sz="4000" dirty="0"/>
+              <a:t>年発売のプレイステーション</a:t>
+            </a:r>
+            <a:r>
+              <a:rPr lang="en-US" altLang="ja-JP" sz="4000" dirty="0"/>
+              <a:t>3 / Xbox360 / Windows</a:t>
+            </a:r>
+            <a:r>
+              <a:rPr lang="ja-JP" altLang="en-US" sz="4000" dirty="0"/>
+              <a:t>用ソフト「</a:t>
+            </a:r>
+            <a:r>
+              <a:rPr lang="en-US" altLang="ja-JP" sz="4000" dirty="0"/>
+              <a:t>The Elder Scrolls V Skyrim</a:t>
+            </a:r>
+            <a:r>
+              <a:rPr lang="ja-JP" altLang="en-US" sz="4000" dirty="0" smtClean="0"/>
+              <a:t>」の</a:t>
+            </a:r>
+            <a:r>
+              <a:rPr lang="ja-JP" altLang="en-US" sz="4000" dirty="0"/>
+              <a:t>日本語版攻略</a:t>
+            </a:r>
+            <a:r>
+              <a:rPr lang="en-US" altLang="ja-JP" sz="4000" dirty="0" smtClean="0"/>
+              <a:t>wiki</a:t>
+            </a:r>
+            <a:r>
+              <a:rPr lang="ja-JP" altLang="en-US" sz="4000" dirty="0" smtClean="0"/>
+              <a:t>を</a:t>
+            </a:r>
+            <a:r>
+              <a:rPr lang="ja-JP" altLang="en-US" sz="4000" dirty="0"/>
+              <a:t>対象に調査をおこなっている．現在，同</a:t>
+            </a:r>
+            <a:r>
+              <a:rPr lang="en-US" altLang="ja-JP" sz="4000" dirty="0"/>
+              <a:t>wiki</a:t>
+            </a:r>
+            <a:r>
+              <a:rPr lang="ja-JP" altLang="en-US" sz="4000" dirty="0"/>
+              <a:t>のページのうち</a:t>
+            </a:r>
+            <a:r>
+              <a:rPr lang="en-US" altLang="ja-JP" sz="4000" dirty="0"/>
+              <a:t>3</a:t>
+            </a:r>
+            <a:r>
+              <a:rPr lang="ja-JP" altLang="en-US" sz="4000" dirty="0"/>
+              <a:t>ページ分の調査を行い，</a:t>
+            </a:r>
+            <a:r>
+              <a:rPr lang="en-US" altLang="ja-JP" sz="4000" dirty="0"/>
+              <a:t>106</a:t>
+            </a:r>
+            <a:r>
+              <a:rPr lang="ja-JP" altLang="en-US" sz="4000" dirty="0"/>
+              <a:t>人の編集者の編集回数と編集文字数を記録し，それらのデータをもとに以下の</a:t>
+            </a:r>
+            <a:r>
+              <a:rPr lang="en-US" altLang="ja-JP" sz="4000" dirty="0"/>
+              <a:t>2</a:t>
+            </a:r>
+            <a:r>
+              <a:rPr lang="ja-JP" altLang="en-US" sz="4000" dirty="0" err="1"/>
+              <a:t>つの</a:t>
+            </a:r>
+            <a:r>
+              <a:rPr lang="ja-JP" altLang="en-US" sz="4000" dirty="0"/>
+              <a:t>ヒストグラムを作成した．</a:t>
+            </a:r>
+            <a:endParaRPr kumimoji="1" lang="ja-JP" altLang="en-US" sz="4000" dirty="0"/>
+          </a:p>
+        </p:txBody>
+      </p:sp>
+      <p:sp>
+        <p:nvSpPr>
+          <p:cNvPr id="131" name="対角する 2 つの角を切り取った四角形 130"/>
+          <p:cNvSpPr/>
+          <p:nvPr/>
+        </p:nvSpPr>
+        <p:spPr>
+          <a:xfrm>
+            <a:off x="10902741" y="14103377"/>
+            <a:ext cx="3384268" cy="999775"/>
+          </a:xfrm>
+          <a:prstGeom prst="snip2DiagRect">
+            <a:avLst/>
+          </a:prstGeom>
+          <a:solidFill>
+            <a:schemeClr val="tx2">
+              <a:lumMod val="20000"/>
+              <a:lumOff val="80000"/>
+            </a:schemeClr>
+          </a:solidFill>
+          <a:ln>
+            <a:solidFill>
+              <a:schemeClr val="tx1"/>
+            </a:solidFill>
+          </a:ln>
+          <a:effectLst/>
+        </p:spPr>
+        <p:style>
+          <a:lnRef idx="1">
+            <a:schemeClr val="accent1"/>
+          </a:lnRef>
+          <a:fillRef idx="3">
+            <a:schemeClr val="accent1"/>
+          </a:fillRef>
+          <a:effectRef idx="2">
+            <a:schemeClr val="accent1"/>
+          </a:effectRef>
+          <a:fontRef idx="minor">
+            <a:schemeClr val="lt1"/>
+          </a:fontRef>
+        </p:style>
+        <p:txBody>
+          <a:bodyPr rot="0" spcFirstLastPara="0" vertOverflow="overflow" horzOverflow="overflow" vert="horz" wrap="square" lIns="91440" tIns="45720" rIns="91440" bIns="45720" numCol="1" spcCol="0" rtlCol="0" fromWordArt="0" anchor="ctr" anchorCtr="0" forceAA="0" compatLnSpc="1">
+            <a:prstTxWarp prst="textNoShape">
+              <a:avLst/>
+            </a:prstTxWarp>
+            <a:noAutofit/>
+          </a:bodyPr>
+          <a:lstStyle/>
+          <a:p>
+            <a:pPr algn="ctr"/>
+            <a:r>
+              <a:rPr lang="ja-JP" altLang="en-US" dirty="0" smtClean="0">
+                <a:solidFill>
+                  <a:sysClr val="windowText" lastClr="000000"/>
+                </a:solidFill>
+              </a:rPr>
+              <a:t>進行</a:t>
+            </a:r>
+            <a:r>
+              <a:rPr lang="ja-JP" altLang="en-US" dirty="0">
+                <a:solidFill>
+                  <a:sysClr val="windowText" lastClr="000000"/>
+                </a:solidFill>
+              </a:rPr>
+              <a:t>状況</a:t>
+            </a:r>
+            <a:endParaRPr kumimoji="1" lang="ja-JP" altLang="en-US" dirty="0">
+              <a:solidFill>
+                <a:sysClr val="windowText" lastClr="000000"/>
+              </a:solidFill>
+            </a:endParaRPr>
+          </a:p>
+        </p:txBody>
+      </p:sp>
+      <p:sp>
+        <p:nvSpPr>
+          <p:cNvPr id="13" name="テキスト ボックス 12"/>
+          <p:cNvSpPr txBox="1"/>
+          <p:nvPr/>
+        </p:nvSpPr>
+        <p:spPr>
+          <a:xfrm>
+            <a:off x="11670134" y="24975777"/>
+            <a:ext cx="3971148" cy="461665"/>
+          </a:xfrm>
+          <a:prstGeom prst="rect">
+            <a:avLst/>
+          </a:prstGeom>
+          <a:noFill/>
+        </p:spPr>
+        <p:txBody>
+          <a:bodyPr wrap="square" rtlCol="0">
+            <a:spAutoFit/>
+          </a:bodyPr>
+          <a:lstStyle/>
+          <a:p>
+            <a:r>
+              <a:rPr kumimoji="1" lang="ja-JP" altLang="en-US" sz="2400" dirty="0" smtClean="0"/>
+              <a:t>図</a:t>
+            </a:r>
+            <a:r>
+              <a:rPr kumimoji="1" lang="en-US" altLang="ja-JP" sz="2400" dirty="0" smtClean="0"/>
+              <a:t>1</a:t>
+            </a:r>
+            <a:r>
+              <a:rPr kumimoji="1" lang="ja-JP" altLang="en-US" sz="2400" dirty="0" smtClean="0"/>
+              <a:t>　編集回数のヒストグラム</a:t>
+            </a:r>
+            <a:endParaRPr kumimoji="1" lang="ja-JP" altLang="en-US" sz="2400" dirty="0"/>
+          </a:p>
+        </p:txBody>
+      </p:sp>
+      <p:sp>
+        <p:nvSpPr>
+          <p:cNvPr id="132" name="テキスト ボックス 131"/>
+          <p:cNvSpPr txBox="1"/>
+          <p:nvPr/>
+        </p:nvSpPr>
+        <p:spPr>
+          <a:xfrm>
+            <a:off x="16308813" y="24976198"/>
+            <a:ext cx="4473980" cy="461665"/>
+          </a:xfrm>
+          <a:prstGeom prst="rect">
+            <a:avLst/>
+          </a:prstGeom>
+          <a:noFill/>
+        </p:spPr>
+        <p:txBody>
+          <a:bodyPr wrap="square" rtlCol="0">
+            <a:spAutoFit/>
+          </a:bodyPr>
+          <a:lstStyle/>
+          <a:p>
+            <a:r>
+              <a:rPr kumimoji="1" lang="ja-JP" altLang="en-US" sz="2400" dirty="0" smtClean="0"/>
+              <a:t>図</a:t>
+            </a:r>
+            <a:r>
+              <a:rPr lang="en-US" altLang="ja-JP" sz="2400" dirty="0"/>
+              <a:t>2</a:t>
+            </a:r>
+            <a:r>
+              <a:rPr kumimoji="1" lang="ja-JP" altLang="en-US" sz="2400" dirty="0" smtClean="0"/>
+              <a:t>　編集文字数のヒストグラム</a:t>
+            </a:r>
+            <a:endParaRPr kumimoji="1" lang="ja-JP" altLang="en-US" sz="2400" dirty="0"/>
+          </a:p>
+        </p:txBody>
+      </p:sp>
+      <p:sp>
+        <p:nvSpPr>
+          <p:cNvPr id="133" name="正方形/長方形 132"/>
+          <p:cNvSpPr/>
+          <p:nvPr/>
+        </p:nvSpPr>
+        <p:spPr>
+          <a:xfrm>
+            <a:off x="514411" y="26229137"/>
+            <a:ext cx="20431999" cy="2904127"/>
+          </a:xfrm>
+          <a:prstGeom prst="rect">
+            <a:avLst/>
+          </a:prstGeom>
+          <a:noFill/>
+          <a:ln>
+            <a:solidFill>
+              <a:schemeClr val="tx1"/>
+            </a:solidFill>
+          </a:ln>
+          <a:effectLst/>
+        </p:spPr>
+        <p:style>
+          <a:lnRef idx="1">
+            <a:schemeClr val="accent1"/>
+          </a:lnRef>
+          <a:fillRef idx="3">
+            <a:schemeClr val="accent1"/>
+          </a:fillRef>
+          <a:effectRef idx="2">
+            <a:schemeClr val="accent1"/>
+          </a:effectRef>
+          <a:fontRef idx="minor">
+            <a:schemeClr val="lt1"/>
+          </a:fontRef>
+        </p:style>
+        <p:txBody>
+          <a:bodyPr rtlCol="0" anchor="ctr"/>
+          <a:lstStyle/>
+          <a:p>
+            <a:pPr algn="ctr"/>
+            <a:endParaRPr kumimoji="1" lang="ja-JP" altLang="en-US"/>
+          </a:p>
+        </p:txBody>
+      </p:sp>
+      <p:sp>
+        <p:nvSpPr>
+          <p:cNvPr id="134" name="対角する 2 つの角を切り取った四角形 133"/>
+          <p:cNvSpPr/>
+          <p:nvPr/>
+        </p:nvSpPr>
+        <p:spPr>
+          <a:xfrm>
+            <a:off x="514410" y="26229137"/>
+            <a:ext cx="4063467" cy="1080120"/>
+          </a:xfrm>
+          <a:prstGeom prst="snip2DiagRect">
+            <a:avLst/>
+          </a:prstGeom>
+          <a:solidFill>
+            <a:schemeClr val="tx2">
+              <a:lumMod val="20000"/>
+              <a:lumOff val="80000"/>
+            </a:schemeClr>
+          </a:solidFill>
+          <a:ln>
+            <a:solidFill>
+              <a:schemeClr val="tx1"/>
+            </a:solidFill>
+          </a:ln>
+          <a:effectLst/>
+        </p:spPr>
+        <p:style>
+          <a:lnRef idx="1">
+            <a:schemeClr val="accent1"/>
+          </a:lnRef>
+          <a:fillRef idx="3">
+            <a:schemeClr val="accent1"/>
+          </a:fillRef>
+          <a:effectRef idx="2">
+            <a:schemeClr val="accent1"/>
+          </a:effectRef>
+          <a:fontRef idx="minor">
+            <a:schemeClr val="lt1"/>
+          </a:fontRef>
+        </p:style>
+        <p:txBody>
+          <a:bodyPr rot="0" spcFirstLastPara="0" vertOverflow="overflow" horzOverflow="overflow" vert="horz" wrap="square" lIns="91440" tIns="45720" rIns="91440" bIns="45720" numCol="1" spcCol="0" rtlCol="0" fromWordArt="0" anchor="ctr" anchorCtr="0" forceAA="0" compatLnSpc="1">
+            <a:prstTxWarp prst="textNoShape">
+              <a:avLst/>
+            </a:prstTxWarp>
+            <a:noAutofit/>
+          </a:bodyPr>
+          <a:lstStyle/>
+          <a:p>
+            <a:pPr algn="ctr"/>
+            <a:r>
+              <a:rPr lang="ja-JP" altLang="en-US" dirty="0">
+                <a:solidFill>
+                  <a:sysClr val="windowText" lastClr="000000"/>
+                </a:solidFill>
+              </a:rPr>
+              <a:t>今後</a:t>
+            </a:r>
+            <a:r>
+              <a:rPr lang="ja-JP" altLang="en-US" dirty="0" smtClean="0">
+                <a:solidFill>
+                  <a:sysClr val="windowText" lastClr="000000"/>
+                </a:solidFill>
+              </a:rPr>
+              <a:t>の</a:t>
+            </a:r>
+            <a:r>
+              <a:rPr lang="ja-JP" altLang="en-US" dirty="0">
+                <a:solidFill>
+                  <a:sysClr val="windowText" lastClr="000000"/>
+                </a:solidFill>
+              </a:rPr>
+              <a:t>計画</a:t>
+            </a:r>
+            <a:endParaRPr kumimoji="1" lang="ja-JP" altLang="en-US" dirty="0">
+              <a:solidFill>
+                <a:sysClr val="windowText" lastClr="000000"/>
+              </a:solidFill>
+            </a:endParaRPr>
+          </a:p>
+        </p:txBody>
+      </p:sp>
+      <p:sp>
+        <p:nvSpPr>
+          <p:cNvPr id="14" name="テキスト ボックス 13"/>
+          <p:cNvSpPr txBox="1"/>
+          <p:nvPr/>
+        </p:nvSpPr>
+        <p:spPr>
+          <a:xfrm>
+            <a:off x="761600" y="27478334"/>
+            <a:ext cx="20104487" cy="1200329"/>
+          </a:xfrm>
+          <a:prstGeom prst="rect">
+            <a:avLst/>
+          </a:prstGeom>
+          <a:noFill/>
+        </p:spPr>
+        <p:txBody>
+          <a:bodyPr wrap="square" rtlCol="0">
+            <a:spAutoFit/>
+          </a:bodyPr>
+          <a:lstStyle/>
+          <a:p>
+            <a:r>
+              <a:rPr lang="en-US" altLang="ja-JP" sz="3600" dirty="0"/>
+              <a:t>wiki</a:t>
+            </a:r>
+            <a:r>
+              <a:rPr lang="ja-JP" altLang="en-US" sz="3600" dirty="0"/>
+              <a:t>からデータを取得する工程を自動化するために，</a:t>
+            </a:r>
+            <a:r>
+              <a:rPr lang="en-US" altLang="ja-JP" sz="3600" dirty="0" err="1"/>
+              <a:t>pukiwiki</a:t>
+            </a:r>
+            <a:r>
+              <a:rPr lang="ja-JP" altLang="en-US" sz="3600" dirty="0"/>
+              <a:t>から機械的にデータを取得する方法を見つける</a:t>
+            </a:r>
+            <a:r>
+              <a:rPr lang="ja-JP" altLang="en-US" sz="3600" dirty="0" smtClean="0"/>
+              <a:t>．</a:t>
+            </a:r>
+            <a:r>
+              <a:rPr lang="en-US" altLang="ja-JP" sz="3600" dirty="0" smtClean="0"/>
+              <a:t>(</a:t>
+            </a:r>
+            <a:r>
+              <a:rPr lang="ja-JP" altLang="en-US" sz="3600" dirty="0" smtClean="0"/>
+              <a:t>クローラーを計画中</a:t>
+            </a:r>
+            <a:r>
+              <a:rPr lang="en-US" altLang="ja-JP" sz="3600" dirty="0" smtClean="0"/>
+              <a:t>)</a:t>
+            </a:r>
+            <a:endParaRPr kumimoji="1" lang="ja-JP" altLang="en-US" sz="3600" dirty="0"/>
+          </a:p>
+        </p:txBody>
+      </p:sp>
+      <p:sp>
+        <p:nvSpPr>
+          <p:cNvPr id="15" name="テキスト ボックス 14"/>
+          <p:cNvSpPr txBox="1"/>
+          <p:nvPr/>
+        </p:nvSpPr>
+        <p:spPr>
+          <a:xfrm>
+            <a:off x="13514521" y="2803168"/>
+            <a:ext cx="7941744" cy="769441"/>
+          </a:xfrm>
+          <a:prstGeom prst="rect">
+            <a:avLst/>
+          </a:prstGeom>
+          <a:noFill/>
+        </p:spPr>
+        <p:txBody>
+          <a:bodyPr wrap="square" rtlCol="0">
+            <a:spAutoFit/>
+          </a:bodyPr>
+          <a:lstStyle/>
+          <a:p>
+            <a:r>
+              <a:rPr lang="ja-JP" altLang="en-US" sz="4400" dirty="0">
+                <a:ln w="0"/>
+              </a:rPr>
+              <a:t>矢吹研究室　</a:t>
+            </a:r>
+            <a:r>
+              <a:rPr lang="en-US" altLang="ja-JP" sz="4400" dirty="0">
+                <a:ln w="0"/>
+              </a:rPr>
+              <a:t>1342014</a:t>
+            </a:r>
+            <a:r>
+              <a:rPr lang="ja-JP" altLang="ja-JP" sz="4400" dirty="0">
+                <a:ln w="0"/>
+              </a:rPr>
+              <a:t>　</a:t>
+            </a:r>
+            <a:r>
+              <a:rPr lang="ja-JP" altLang="en-US" sz="4400" dirty="0">
+                <a:ln w="0"/>
+              </a:rPr>
+              <a:t>泉雄</a:t>
+            </a:r>
+            <a:r>
+              <a:rPr lang="ja-JP" altLang="en-US" sz="4400" dirty="0" smtClean="0">
+                <a:ln w="0"/>
+              </a:rPr>
+              <a:t>太</a:t>
+            </a:r>
+            <a:endParaRPr lang="ja-JP" altLang="en-US" sz="4400" dirty="0">
+              <a:ln w="0"/>
+            </a:endParaRPr>
+          </a:p>
+        </p:txBody>
+      </p:sp>
     </p:spTree>
     <p:extLst>
       <p:ext uri="{BB962C8B-B14F-4D97-AF65-F5344CB8AC3E}">

--- a/卒業論文/2015/泉雄太/中間審査/卒業論文＿中間審査＿ポスター＿泉雄太.pptx
+++ b/卒業論文/2015/泉雄太/中間審査/卒業論文＿中間審査＿ポスター＿泉雄太.pptx
@@ -8,7 +8,7 @@
     <p:notesMasterId r:id="rId3"/>
   </p:notesMasterIdLst>
   <p:sldIdLst>
-    <p:sldId id="268" r:id="rId2"/>
+    <p:sldId id="269" r:id="rId2"/>
   </p:sldIdLst>
   <p:sldSz cx="21386800" cy="30279975"/>
   <p:notesSz cx="6858000" cy="9144000"/>
@@ -208,7 +208,7 @@
           <a:p>
             <a:fld id="{210935E7-A51F-4FE3-8E46-E43B536CCFB8}" type="datetimeFigureOut">
               <a:rPr kumimoji="1" lang="ja-JP" altLang="en-US" smtClean="0"/>
-              <a:t>2016/10/5</a:t>
+              <a:t>2016/10/11</a:t>
             </a:fld>
             <a:endParaRPr kumimoji="1" lang="ja-JP" altLang="en-US"/>
           </a:p>
@@ -697,7 +697,7 @@
                 </a:solidFill>
               </a:rPr>
               <a:pPr/>
-              <a:t>2016/10/5</a:t>
+              <a:t>2016/10/11</a:t>
             </a:fld>
             <a:endParaRPr lang="ja-JP" altLang="en-US">
               <a:solidFill>
@@ -937,7 +937,7 @@
                 </a:solidFill>
               </a:rPr>
               <a:pPr defTabSz="2951897"/>
-              <a:t>2016/10/5</a:t>
+              <a:t>2016/10/11</a:t>
             </a:fld>
             <a:endParaRPr lang="ja-JP" altLang="en-US">
               <a:solidFill>
@@ -1189,7 +1189,7 @@
                 </a:solidFill>
               </a:rPr>
               <a:pPr defTabSz="2951897"/>
-              <a:t>2016/10/5</a:t>
+              <a:t>2016/10/11</a:t>
             </a:fld>
             <a:endParaRPr lang="ja-JP" altLang="en-US">
               <a:solidFill>
@@ -1430,7 +1430,7 @@
                 </a:solidFill>
               </a:rPr>
               <a:pPr/>
-              <a:t>2016/10/5</a:t>
+              <a:t>2016/10/11</a:t>
             </a:fld>
             <a:endParaRPr lang="ja-JP" altLang="en-US">
               <a:solidFill>
@@ -1713,7 +1713,7 @@
                 </a:solidFill>
               </a:rPr>
               <a:pPr/>
-              <a:t>2016/10/5</a:t>
+              <a:t>2016/10/11</a:t>
             </a:fld>
             <a:endParaRPr lang="ja-JP" altLang="en-US">
               <a:solidFill>
@@ -2102,7 +2102,7 @@
                 </a:solidFill>
               </a:rPr>
               <a:pPr/>
-              <a:t>2016/10/5</a:t>
+              <a:t>2016/10/11</a:t>
             </a:fld>
             <a:endParaRPr lang="ja-JP" altLang="en-US">
               <a:solidFill>
@@ -2625,7 +2625,7 @@
                 </a:solidFill>
               </a:rPr>
               <a:pPr/>
-              <a:t>2016/10/5</a:t>
+              <a:t>2016/10/11</a:t>
             </a:fld>
             <a:endParaRPr lang="ja-JP" altLang="en-US">
               <a:solidFill>
@@ -2780,7 +2780,7 @@
                 </a:solidFill>
               </a:rPr>
               <a:pPr/>
-              <a:t>2016/10/5</a:t>
+              <a:t>2016/10/11</a:t>
             </a:fld>
             <a:endParaRPr lang="ja-JP" altLang="en-US">
               <a:solidFill>
@@ -2912,7 +2912,7 @@
                 </a:solidFill>
               </a:rPr>
               <a:pPr/>
-              <a:t>2016/10/5</a:t>
+              <a:t>2016/10/11</a:t>
             </a:fld>
             <a:endParaRPr lang="ja-JP" altLang="en-US">
               <a:solidFill>
@@ -3259,7 +3259,7 @@
                 </a:solidFill>
               </a:rPr>
               <a:pPr defTabSz="2951897"/>
-              <a:t>2016/10/5</a:t>
+              <a:t>2016/10/11</a:t>
             </a:fld>
             <a:endParaRPr lang="ja-JP" altLang="en-US">
               <a:solidFill>
@@ -3551,7 +3551,7 @@
                 </a:solidFill>
               </a:rPr>
               <a:pPr/>
-              <a:t>2016/10/5</a:t>
+              <a:t>2016/10/11</a:t>
             </a:fld>
             <a:endParaRPr lang="ja-JP" altLang="en-US">
               <a:solidFill>
@@ -3834,7 +3834,7 @@
                 </a:solidFill>
               </a:rPr>
               <a:pPr defTabSz="2951897"/>
-              <a:t>2016/10/5</a:t>
+              <a:t>2016/10/11</a:t>
             </a:fld>
             <a:endParaRPr lang="ja-JP" altLang="en-US">
               <a:solidFill>
@@ -4240,6 +4240,36 @@
           <a:chExt cx="0" cy="0"/>
         </a:xfrm>
       </p:grpSpPr>
+      <p:pic>
+        <p:nvPicPr>
+          <p:cNvPr id="18" name="図 17"/>
+          <p:cNvPicPr>
+            <a:picLocks noChangeAspect="1"/>
+          </p:cNvPicPr>
+          <p:nvPr/>
+        </p:nvPicPr>
+        <p:blipFill>
+          <a:blip r:embed="rId2" cstate="print">
+            <a:extLst>
+              <a:ext uri="{28A0092B-C50C-407E-A947-70E740481C1C}">
+                <a14:useLocalDpi xmlns:a14="http://schemas.microsoft.com/office/drawing/2010/main" val="0"/>
+              </a:ext>
+            </a:extLst>
+          </a:blip>
+          <a:stretch>
+            <a:fillRect/>
+          </a:stretch>
+        </p:blipFill>
+        <p:spPr>
+          <a:xfrm>
+            <a:off x="5882906" y="4549040"/>
+            <a:ext cx="4769192" cy="3576894"/>
+          </a:xfrm>
+          <a:prstGeom prst="rect">
+            <a:avLst/>
+          </a:prstGeom>
+        </p:spPr>
+      </p:pic>
       <p:sp>
         <p:nvSpPr>
           <p:cNvPr id="3" name="テキスト ボックス 2"/>
@@ -4417,258 +4447,14 @@
       </p:sp>
       <p:sp>
         <p:nvSpPr>
-          <p:cNvPr id="7" name="テキスト ボックス 6"/>
-          <p:cNvSpPr txBox="1"/>
-          <p:nvPr/>
-        </p:nvSpPr>
-        <p:spPr>
-          <a:xfrm>
-            <a:off x="1016234" y="5221646"/>
-            <a:ext cx="19783928" cy="1323439"/>
-          </a:xfrm>
-          <a:prstGeom prst="rect">
-            <a:avLst/>
-          </a:prstGeom>
-          <a:noFill/>
-        </p:spPr>
-        <p:txBody>
-          <a:bodyPr wrap="square" rtlCol="0">
-            <a:spAutoFit/>
-          </a:bodyPr>
-          <a:lstStyle/>
-          <a:p>
-            <a:r>
-              <a:rPr lang="ja-JP" altLang="en-US" sz="4000" dirty="0">
-                <a:solidFill>
-                  <a:sysClr val="windowText" lastClr="000000"/>
-                </a:solidFill>
-              </a:rPr>
-              <a:t>かつてはゲームの攻略と言えば攻略本</a:t>
-            </a:r>
-            <a:r>
-              <a:rPr lang="ja-JP" altLang="en-US" sz="4000" dirty="0" smtClean="0">
-                <a:solidFill>
-                  <a:sysClr val="windowText" lastClr="000000"/>
-                </a:solidFill>
-              </a:rPr>
-              <a:t>だったが，インターネット</a:t>
-            </a:r>
-            <a:r>
-              <a:rPr lang="ja-JP" altLang="en-US" sz="4000" dirty="0">
-                <a:solidFill>
-                  <a:sysClr val="windowText" lastClr="000000"/>
-                </a:solidFill>
-              </a:rPr>
-              <a:t>とともに攻略</a:t>
-            </a:r>
-            <a:r>
-              <a:rPr lang="en-US" altLang="ja-JP" sz="4000" dirty="0">
-                <a:solidFill>
-                  <a:sysClr val="windowText" lastClr="000000"/>
-                </a:solidFill>
-              </a:rPr>
-              <a:t>wiki</a:t>
-            </a:r>
-            <a:r>
-              <a:rPr lang="ja-JP" altLang="en-US" sz="4000" dirty="0" err="1">
-                <a:solidFill>
-                  <a:sysClr val="windowText" lastClr="000000"/>
-                </a:solidFill>
-              </a:rPr>
-              <a:t>が普</a:t>
-            </a:r>
-            <a:r>
-              <a:rPr lang="ja-JP" altLang="en-US" sz="4000" dirty="0">
-                <a:solidFill>
-                  <a:sysClr val="windowText" lastClr="000000"/>
-                </a:solidFill>
-              </a:rPr>
-              <a:t>及した</a:t>
-            </a:r>
-            <a:r>
-              <a:rPr lang="ja-JP" altLang="en-US" sz="4000" dirty="0" smtClean="0">
-                <a:solidFill>
-                  <a:sysClr val="windowText" lastClr="000000"/>
-                </a:solidFill>
-              </a:rPr>
-              <a:t>．</a:t>
-            </a:r>
-            <a:endParaRPr lang="en-US" altLang="ja-JP" sz="4000" dirty="0" smtClean="0">
-              <a:solidFill>
-                <a:sysClr val="windowText" lastClr="000000"/>
-              </a:solidFill>
-            </a:endParaRPr>
-          </a:p>
-          <a:p>
-            <a:r>
-              <a:rPr lang="ja-JP" altLang="en-US" sz="4000" dirty="0">
-                <a:solidFill>
-                  <a:sysClr val="windowText" lastClr="000000"/>
-                </a:solidFill>
-              </a:rPr>
-              <a:t>攻略</a:t>
-            </a:r>
-            <a:r>
-              <a:rPr lang="en-US" altLang="ja-JP" sz="4000" dirty="0" smtClean="0">
-                <a:solidFill>
-                  <a:sysClr val="windowText" lastClr="000000"/>
-                </a:solidFill>
-              </a:rPr>
-              <a:t>wiki</a:t>
-            </a:r>
-            <a:r>
-              <a:rPr lang="ja-JP" altLang="en-US" sz="4000" dirty="0" smtClean="0">
-                <a:solidFill>
-                  <a:sysClr val="windowText" lastClr="000000"/>
-                </a:solidFill>
-              </a:rPr>
-              <a:t>は通常，インターネット上で誰でも編集可能であり，オープンなプロジェクトと言える．</a:t>
-            </a:r>
-            <a:endParaRPr lang="ja-JP" altLang="en-US" sz="4000" dirty="0">
-              <a:solidFill>
-                <a:sysClr val="windowText" lastClr="000000"/>
-              </a:solidFill>
-            </a:endParaRPr>
-          </a:p>
-        </p:txBody>
-      </p:sp>
-      <p:sp>
-        <p:nvSpPr>
-          <p:cNvPr id="10" name="下矢印 9"/>
-          <p:cNvSpPr/>
-          <p:nvPr/>
-        </p:nvSpPr>
-        <p:spPr>
-          <a:xfrm>
-            <a:off x="8958176" y="6655651"/>
-            <a:ext cx="2808312" cy="1187573"/>
-          </a:xfrm>
-          <a:prstGeom prst="downArrow">
-            <a:avLst/>
-          </a:prstGeom>
-          <a:noFill/>
-          <a:ln>
-            <a:solidFill>
-              <a:schemeClr val="tx1"/>
-            </a:solidFill>
-          </a:ln>
-          <a:effectLst/>
-        </p:spPr>
-        <p:style>
-          <a:lnRef idx="1">
-            <a:schemeClr val="accent1"/>
-          </a:lnRef>
-          <a:fillRef idx="3">
-            <a:schemeClr val="accent1"/>
-          </a:fillRef>
-          <a:effectRef idx="2">
-            <a:schemeClr val="accent1"/>
-          </a:effectRef>
-          <a:fontRef idx="minor">
-            <a:schemeClr val="lt1"/>
-          </a:fontRef>
-        </p:style>
-        <p:txBody>
-          <a:bodyPr rot="0" spcFirstLastPara="0" vertOverflow="overflow" horzOverflow="overflow" vert="horz" wrap="square" lIns="91440" tIns="45720" rIns="91440" bIns="45720" numCol="1" spcCol="0" rtlCol="0" fromWordArt="0" anchor="ctr" anchorCtr="0" forceAA="0" compatLnSpc="1">
-            <a:prstTxWarp prst="textNoShape">
-              <a:avLst/>
-            </a:prstTxWarp>
-            <a:noAutofit/>
-          </a:bodyPr>
-          <a:lstStyle/>
-          <a:p>
-            <a:pPr algn="ctr"/>
-            <a:r>
-              <a:rPr kumimoji="1" lang="ja-JP" altLang="en-US" sz="2800" dirty="0" smtClean="0">
-                <a:solidFill>
-                  <a:sysClr val="windowText" lastClr="000000"/>
-                </a:solidFill>
-              </a:rPr>
-              <a:t>そこで</a:t>
-            </a:r>
-          </a:p>
-        </p:txBody>
-      </p:sp>
-      <p:sp>
-        <p:nvSpPr>
-          <p:cNvPr id="27" name="テキスト ボックス 26"/>
-          <p:cNvSpPr txBox="1"/>
-          <p:nvPr/>
-        </p:nvSpPr>
-        <p:spPr>
-          <a:xfrm>
-            <a:off x="1067401" y="8036259"/>
-            <a:ext cx="19616565" cy="1323439"/>
-          </a:xfrm>
-          <a:prstGeom prst="rect">
-            <a:avLst/>
-          </a:prstGeom>
-          <a:noFill/>
-        </p:spPr>
-        <p:txBody>
-          <a:bodyPr wrap="square" rtlCol="0">
-            <a:spAutoFit/>
-          </a:bodyPr>
-          <a:lstStyle/>
-          <a:p>
-            <a:r>
-              <a:rPr lang="ja-JP" altLang="en-US" sz="4000" dirty="0" smtClean="0"/>
-              <a:t>不特定多数が参加可能なオープンプロジェクトにおける特性を探るため</a:t>
-            </a:r>
-            <a:r>
-              <a:rPr lang="ja-JP" altLang="en-US" sz="4000" dirty="0"/>
-              <a:t>，</a:t>
-            </a:r>
-            <a:r>
-              <a:rPr lang="ja-JP" altLang="en-US" sz="4000" dirty="0" smtClean="0"/>
-              <a:t>本研究</a:t>
-            </a:r>
-            <a:r>
-              <a:rPr lang="ja-JP" altLang="en-US" sz="4000" dirty="0"/>
-              <a:t>ではゲーム攻略</a:t>
-            </a:r>
-            <a:r>
-              <a:rPr lang="en-US" altLang="ja-JP" sz="4000" dirty="0"/>
-              <a:t>wiki</a:t>
-            </a:r>
-            <a:r>
-              <a:rPr lang="ja-JP" altLang="en-US" sz="4000" dirty="0"/>
-              <a:t>を対象</a:t>
-            </a:r>
-            <a:r>
-              <a:rPr lang="ja-JP" altLang="en-US" sz="4000" dirty="0" smtClean="0"/>
-              <a:t>に調査</a:t>
-            </a:r>
-            <a:r>
-              <a:rPr lang="ja-JP" altLang="en-US" sz="4000" dirty="0"/>
-              <a:t>を</a:t>
-            </a:r>
-            <a:r>
-              <a:rPr lang="ja-JP" altLang="en-US" sz="4000" dirty="0" smtClean="0"/>
-              <a:t>行う</a:t>
-            </a:r>
-            <a:r>
-              <a:rPr lang="ja-JP" altLang="en-US" sz="3600" dirty="0" smtClean="0"/>
-              <a:t>．</a:t>
-            </a:r>
-            <a:endParaRPr lang="en-US" altLang="ja-JP" sz="3600" dirty="0" smtClean="0">
-              <a:solidFill>
-                <a:sysClr val="windowText" lastClr="000000"/>
-              </a:solidFill>
-            </a:endParaRPr>
-          </a:p>
-        </p:txBody>
-      </p:sp>
-      <p:sp>
-        <p:nvSpPr>
           <p:cNvPr id="28" name="正方形/長方形 27"/>
           <p:cNvSpPr/>
           <p:nvPr/>
         </p:nvSpPr>
         <p:spPr>
           <a:xfrm>
-            <a:off x="496602" y="10130609"/>
-            <a:ext cx="20431999" cy="3392022"/>
+            <a:off x="496230" y="9940459"/>
+            <a:ext cx="20431999" cy="3646204"/>
           </a:xfrm>
           <a:prstGeom prst="rect">
             <a:avLst/>
@@ -4712,7 +4498,7 @@
         </p:nvSpPr>
         <p:spPr>
           <a:xfrm>
-            <a:off x="496602" y="10134067"/>
+            <a:off x="496602" y="9955411"/>
             <a:ext cx="3456384" cy="1080120"/>
           </a:xfrm>
           <a:prstGeom prst="snip2DiagRect">
@@ -4764,76 +4550,6 @@
               <a:t>目的</a:t>
             </a:r>
             <a:endParaRPr kumimoji="1" lang="ja-JP" altLang="en-US" dirty="0">
-              <a:solidFill>
-                <a:sysClr val="windowText" lastClr="000000"/>
-              </a:solidFill>
-            </a:endParaRPr>
-          </a:p>
-        </p:txBody>
-      </p:sp>
-      <p:sp>
-        <p:nvSpPr>
-          <p:cNvPr id="33" name="テキスト ボックス 32"/>
-          <p:cNvSpPr txBox="1"/>
-          <p:nvPr/>
-        </p:nvSpPr>
-        <p:spPr>
-          <a:xfrm>
-            <a:off x="789095" y="15414317"/>
-            <a:ext cx="9451023" cy="1938992"/>
-          </a:xfrm>
-          <a:prstGeom prst="rect">
-            <a:avLst/>
-          </a:prstGeom>
-          <a:noFill/>
-        </p:spPr>
-        <p:txBody>
-          <a:bodyPr wrap="square" rtlCol="0">
-            <a:spAutoFit/>
-          </a:bodyPr>
-          <a:lstStyle/>
-          <a:p>
-            <a:r>
-              <a:rPr lang="ja-JP" altLang="en-US" sz="4000" dirty="0" smtClean="0">
-                <a:solidFill>
-                  <a:sysClr val="windowText" lastClr="000000"/>
-                </a:solidFill>
-              </a:rPr>
-              <a:t>編集履歴から編集者</a:t>
-            </a:r>
-            <a:r>
-              <a:rPr lang="en-US" altLang="ja-JP" sz="4000" dirty="0" smtClean="0">
-                <a:solidFill>
-                  <a:sysClr val="windowText" lastClr="000000"/>
-                </a:solidFill>
-              </a:rPr>
-              <a:t>ID</a:t>
-            </a:r>
-            <a:r>
-              <a:rPr lang="ja-JP" altLang="en-US" sz="4000" dirty="0" smtClean="0">
-                <a:solidFill>
-                  <a:sysClr val="windowText" lastClr="000000"/>
-                </a:solidFill>
-              </a:rPr>
-              <a:t>と編集文字数，編集回数を記録する．その後，データをもとに</a:t>
-            </a:r>
-            <a:r>
-              <a:rPr lang="en-US" altLang="ja-JP" sz="4000" dirty="0" smtClean="0">
-                <a:solidFill>
-                  <a:sysClr val="windowText" lastClr="000000"/>
-                </a:solidFill>
-              </a:rPr>
-              <a:t>R</a:t>
-            </a:r>
-            <a:r>
-              <a:rPr lang="ja-JP" altLang="en-US" sz="4000" dirty="0" smtClean="0">
-                <a:solidFill>
-                  <a:sysClr val="windowText" lastClr="000000"/>
-                </a:solidFill>
-              </a:rPr>
-              <a:t>を用いてヒストグラムを作成する．</a:t>
-            </a:r>
-            <a:endParaRPr lang="ja-JP" altLang="en-US" sz="4000" dirty="0">
               <a:solidFill>
                 <a:sysClr val="windowText" lastClr="000000"/>
               </a:solidFill>
@@ -4971,7 +4687,7 @@
         </p:nvGrpSpPr>
         <p:grpSpPr bwMode="auto">
           <a:xfrm>
-            <a:off x="10964420" y="19895986"/>
+            <a:off x="15539616" y="14673920"/>
             <a:ext cx="5161435" cy="5148678"/>
             <a:chOff x="4713" y="7519"/>
             <a:chExt cx="4046" cy="4036"/>
@@ -5636,7 +5352,7 @@
                 <a:tabLst/>
               </a:pPr>
               <a:r>
-                <a:rPr kumimoji="0" lang="ja-JP" altLang="ja-JP" sz="2800" b="0" i="0" u="none" strike="noStrike" cap="none" normalizeH="0" baseline="0" smtClean="0">
+                <a:rPr kumimoji="0" lang="ja-JP" altLang="ja-JP" sz="2800" b="0" i="0" u="none" strike="noStrike" cap="none" normalizeH="0" baseline="0" dirty="0" smtClean="0">
                   <a:ln>
                     <a:noFill/>
                   </a:ln>
@@ -5648,7 +5364,7 @@
                 </a:rPr>
                 <a:t>0</a:t>
               </a:r>
-              <a:endParaRPr kumimoji="0" lang="ja-JP" altLang="ja-JP" sz="4000" b="0" i="0" u="none" strike="noStrike" cap="none" normalizeH="0" baseline="0" smtClean="0">
+              <a:endParaRPr kumimoji="0" lang="ja-JP" altLang="ja-JP" sz="4000" b="0" i="0" u="none" strike="noStrike" cap="none" normalizeH="0" baseline="0" dirty="0" smtClean="0">
                 <a:ln>
                   <a:noFill/>
                 </a:ln>
@@ -6072,7 +5788,7 @@
                 <a:tabLst/>
               </a:pPr>
               <a:r>
-                <a:rPr kumimoji="0" lang="ja-JP" altLang="ja-JP" sz="2800" b="0" i="0" u="none" strike="noStrike" cap="none" normalizeH="0" baseline="0" smtClean="0">
+                <a:rPr kumimoji="0" lang="ja-JP" altLang="ja-JP" sz="2800" b="0" i="0" u="none" strike="noStrike" cap="none" normalizeH="0" baseline="0" dirty="0" smtClean="0">
                   <a:ln>
                     <a:noFill/>
                   </a:ln>
@@ -6084,7 +5800,7 @@
                 </a:rPr>
                 <a:t>4</a:t>
               </a:r>
-              <a:endParaRPr kumimoji="0" lang="ja-JP" altLang="ja-JP" sz="4000" b="0" i="0" u="none" strike="noStrike" cap="none" normalizeH="0" baseline="0" smtClean="0">
+              <a:endParaRPr kumimoji="0" lang="ja-JP" altLang="ja-JP" sz="4000" b="0" i="0" u="none" strike="noStrike" cap="none" normalizeH="0" baseline="0" dirty="0" smtClean="0">
                 <a:ln>
                   <a:noFill/>
                 </a:ln>
@@ -13037,992 +12753,6 @@
       </p:grpSp>
       <p:sp>
         <p:nvSpPr>
-          <p:cNvPr id="90" name="テキスト ボックス 89"/>
-          <p:cNvSpPr txBox="1"/>
-          <p:nvPr/>
-        </p:nvSpPr>
-        <p:spPr>
-          <a:xfrm>
-            <a:off x="1367139" y="11509044"/>
-            <a:ext cx="19082120" cy="1938992"/>
-          </a:xfrm>
-          <a:prstGeom prst="rect">
-            <a:avLst/>
-          </a:prstGeom>
-          <a:noFill/>
-        </p:spPr>
-        <p:txBody>
-          <a:bodyPr wrap="square" rtlCol="0">
-            <a:spAutoFit/>
-          </a:bodyPr>
-          <a:lstStyle/>
-          <a:p>
-            <a:r>
-              <a:rPr lang="ja-JP" altLang="en-US" sz="4000" dirty="0"/>
-              <a:t>データマイニングにより，ゲーム攻略</a:t>
-            </a:r>
-            <a:r>
-              <a:rPr lang="en-US" altLang="ja-JP" sz="4000" dirty="0"/>
-              <a:t>wiki</a:t>
-            </a:r>
-            <a:r>
-              <a:rPr lang="ja-JP" altLang="en-US" sz="4000" dirty="0"/>
-              <a:t>におけるプロジェクトマネジメントの状況を</a:t>
-            </a:r>
-            <a:r>
-              <a:rPr lang="ja-JP" altLang="en-US" sz="4000" dirty="0" smtClean="0"/>
-              <a:t>分析する．</a:t>
-            </a:r>
-            <a:r>
-              <a:rPr lang="ja-JP" altLang="en-US" sz="4000" dirty="0" smtClean="0"/>
-              <a:t>さらに</a:t>
-            </a:r>
-            <a:r>
-              <a:rPr lang="en-US" altLang="ja-JP" sz="4000" dirty="0" smtClean="0">
-                <a:solidFill>
-                  <a:sysClr val="windowText" lastClr="000000"/>
-                </a:solidFill>
-              </a:rPr>
-              <a:t>Wiki</a:t>
-            </a:r>
-            <a:r>
-              <a:rPr lang="ja-JP" altLang="en-US" sz="4000" dirty="0">
-                <a:solidFill>
-                  <a:sysClr val="windowText" lastClr="000000"/>
-                </a:solidFill>
-              </a:rPr>
-              <a:t>を用いたオープンなプロジェクトである</a:t>
-            </a:r>
-            <a:r>
-              <a:rPr lang="en-US" altLang="ja-JP" sz="4000" dirty="0">
-                <a:solidFill>
-                  <a:sysClr val="windowText" lastClr="000000"/>
-                </a:solidFill>
-              </a:rPr>
-              <a:t>Wikipedia</a:t>
-            </a:r>
-            <a:r>
-              <a:rPr lang="ja-JP" altLang="en-US" sz="4000" dirty="0">
-                <a:solidFill>
-                  <a:sysClr val="windowText" lastClr="000000"/>
-                </a:solidFill>
-              </a:rPr>
-              <a:t>と比較し，ゲーム攻略</a:t>
-            </a:r>
-            <a:r>
-              <a:rPr lang="en-US" altLang="ja-JP" sz="4000" dirty="0">
-                <a:solidFill>
-                  <a:sysClr val="windowText" lastClr="000000"/>
-                </a:solidFill>
-              </a:rPr>
-              <a:t>wiki</a:t>
-            </a:r>
-            <a:r>
-              <a:rPr lang="ja-JP" altLang="en-US" sz="4000" dirty="0">
-                <a:solidFill>
-                  <a:sysClr val="windowText" lastClr="000000"/>
-                </a:solidFill>
-              </a:rPr>
-              <a:t>の特性を</a:t>
-            </a:r>
-            <a:r>
-              <a:rPr lang="ja-JP" altLang="en-US" sz="4000" dirty="0" smtClean="0">
-                <a:solidFill>
-                  <a:sysClr val="windowText" lastClr="000000"/>
-                </a:solidFill>
-              </a:rPr>
-              <a:t>見つける．</a:t>
-            </a:r>
-            <a:endParaRPr lang="ja-JP" altLang="en-US" sz="4000" dirty="0">
-              <a:solidFill>
-                <a:sysClr val="windowText" lastClr="000000"/>
-              </a:solidFill>
-            </a:endParaRPr>
-          </a:p>
-        </p:txBody>
-      </p:sp>
-      <p:graphicFrame>
-        <p:nvGraphicFramePr>
-          <p:cNvPr id="6" name="表 5"/>
-          <p:cNvGraphicFramePr>
-            <a:graphicFrameLocks noGrp="1"/>
-          </p:cNvGraphicFramePr>
-          <p:nvPr>
-            <p:extLst>
-              <p:ext uri="{D42A27DB-BD31-4B8C-83A1-F6EECF244321}">
-                <p14:modId xmlns:p14="http://schemas.microsoft.com/office/powerpoint/2010/main" val="293439821"/>
-              </p:ext>
-            </p:extLst>
-          </p:nvPr>
-        </p:nvGraphicFramePr>
-        <p:xfrm>
-          <a:off x="789095" y="17600025"/>
-          <a:ext cx="5300593" cy="7830483"/>
-        </p:xfrm>
-        <a:graphic>
-          <a:graphicData uri="http://schemas.openxmlformats.org/drawingml/2006/table">
-            <a:tbl>
-              <a:tblPr>
-                <a:tableStyleId>{5C22544A-7EE6-4342-B048-85BDC9FD1C3A}</a:tableStyleId>
-              </a:tblPr>
-              <a:tblGrid>
-                <a:gridCol w="2625527"/>
-                <a:gridCol w="2675066"/>
-              </a:tblGrid>
-              <a:tr h="507887">
-                <a:tc>
-                  <a:txBody>
-                    <a:bodyPr/>
-                    <a:lstStyle/>
-                    <a:p>
-                      <a:pPr algn="l" fontAlgn="ctr"/>
-                      <a:r>
-                        <a:rPr lang="ja-JP" altLang="en-US" sz="2400" u="none" strike="noStrike" dirty="0">
-                          <a:effectLst/>
-                        </a:rPr>
-                        <a:t>編集者</a:t>
-                      </a:r>
-                      <a:endParaRPr lang="ja-JP" altLang="en-US" sz="2400" b="0" i="0" u="none" strike="noStrike" dirty="0">
-                        <a:solidFill>
-                          <a:srgbClr val="000000"/>
-                        </a:solidFill>
-                        <a:effectLst/>
-                        <a:latin typeface="ＭＳ Ｐゴシック" panose="020B0600070205080204" pitchFamily="50" charset="-128"/>
-                        <a:ea typeface="ＭＳ Ｐゴシック" panose="020B0600070205080204" pitchFamily="50" charset="-128"/>
-                      </a:endParaRPr>
-                    </a:p>
-                  </a:txBody>
-                  <a:tcPr marL="9525" marR="9525" marT="9525" marB="0" anchor="ctr"/>
-                </a:tc>
-                <a:tc>
-                  <a:txBody>
-                    <a:bodyPr/>
-                    <a:lstStyle/>
-                    <a:p>
-                      <a:pPr algn="l" fontAlgn="ctr"/>
-                      <a:r>
-                        <a:rPr lang="ja-JP" altLang="en-US" sz="2400" b="0" i="0" u="none" strike="noStrike" dirty="0" smtClean="0">
-                          <a:solidFill>
-                            <a:schemeClr val="dk1"/>
-                          </a:solidFill>
-                          <a:effectLst/>
-                          <a:latin typeface="+mn-lt"/>
-                          <a:ea typeface="+mn-ea"/>
-                        </a:rPr>
-                        <a:t>編集文字数</a:t>
-                      </a:r>
-                      <a:endParaRPr lang="ja-JP" altLang="en-US" sz="2400" b="0" i="0" u="none" strike="noStrike" dirty="0">
-                        <a:solidFill>
-                          <a:srgbClr val="000000"/>
-                        </a:solidFill>
-                        <a:effectLst/>
-                        <a:latin typeface="ＭＳ Ｐゴシック" panose="020B0600070205080204" pitchFamily="50" charset="-128"/>
-                        <a:ea typeface="ＭＳ Ｐゴシック" panose="020B0600070205080204" pitchFamily="50" charset="-128"/>
-                      </a:endParaRPr>
-                    </a:p>
-                  </a:txBody>
-                  <a:tcPr marL="9525" marR="9525" marT="9525" marB="0" anchor="ctr"/>
-                </a:tc>
-              </a:tr>
-              <a:tr h="507887">
-                <a:tc>
-                  <a:txBody>
-                    <a:bodyPr/>
-                    <a:lstStyle/>
-                    <a:p>
-                      <a:pPr algn="l" fontAlgn="ctr"/>
-                      <a:r>
-                        <a:rPr lang="en-US" sz="2400" u="none" strike="noStrike">
-                          <a:effectLst/>
-                        </a:rPr>
-                        <a:t>BiO9B9t4xiT</a:t>
-                      </a:r>
-                      <a:endParaRPr lang="en-US" sz="2400" b="0" i="0" u="none" strike="noStrike">
-                        <a:solidFill>
-                          <a:srgbClr val="000000"/>
-                        </a:solidFill>
-                        <a:effectLst/>
-                        <a:latin typeface="ＭＳ Ｐゴシック" panose="020B0600070205080204" pitchFamily="50" charset="-128"/>
-                        <a:ea typeface="ＭＳ Ｐゴシック" panose="020B0600070205080204" pitchFamily="50" charset="-128"/>
-                      </a:endParaRPr>
-                    </a:p>
-                  </a:txBody>
-                  <a:tcPr marL="9525" marR="9525" marT="9525" marB="0" anchor="ctr"/>
-                </a:tc>
-                <a:tc>
-                  <a:txBody>
-                    <a:bodyPr/>
-                    <a:lstStyle/>
-                    <a:p>
-                      <a:pPr algn="r" fontAlgn="ctr"/>
-                      <a:r>
-                        <a:rPr lang="en-US" altLang="ja-JP" sz="2400" u="none" strike="noStrike">
-                          <a:effectLst/>
-                        </a:rPr>
-                        <a:t>3</a:t>
-                      </a:r>
-                      <a:endParaRPr lang="en-US" altLang="ja-JP" sz="2400" b="0" i="0" u="none" strike="noStrike">
-                        <a:solidFill>
-                          <a:srgbClr val="000000"/>
-                        </a:solidFill>
-                        <a:effectLst/>
-                        <a:latin typeface="ＭＳ Ｐゴシック" panose="020B0600070205080204" pitchFamily="50" charset="-128"/>
-                        <a:ea typeface="ＭＳ Ｐゴシック" panose="020B0600070205080204" pitchFamily="50" charset="-128"/>
-                      </a:endParaRPr>
-                    </a:p>
-                  </a:txBody>
-                  <a:tcPr marL="9525" marR="9525" marT="9525" marB="0" anchor="ctr"/>
-                </a:tc>
-              </a:tr>
-              <a:tr h="507887">
-                <a:tc>
-                  <a:txBody>
-                    <a:bodyPr/>
-                    <a:lstStyle/>
-                    <a:p>
-                      <a:pPr algn="l" fontAlgn="ctr"/>
-                      <a:r>
-                        <a:rPr lang="en-US" sz="2400" u="none" strike="noStrike">
-                          <a:effectLst/>
-                        </a:rPr>
-                        <a:t>BiO9B9t4xiT</a:t>
-                      </a:r>
-                      <a:endParaRPr lang="en-US" sz="2400" b="0" i="0" u="none" strike="noStrike">
-                        <a:solidFill>
-                          <a:srgbClr val="000000"/>
-                        </a:solidFill>
-                        <a:effectLst/>
-                        <a:latin typeface="ＭＳ Ｐゴシック" panose="020B0600070205080204" pitchFamily="50" charset="-128"/>
-                        <a:ea typeface="ＭＳ Ｐゴシック" panose="020B0600070205080204" pitchFamily="50" charset="-128"/>
-                      </a:endParaRPr>
-                    </a:p>
-                  </a:txBody>
-                  <a:tcPr marL="9525" marR="9525" marT="9525" marB="0" anchor="ctr"/>
-                </a:tc>
-                <a:tc>
-                  <a:txBody>
-                    <a:bodyPr/>
-                    <a:lstStyle/>
-                    <a:p>
-                      <a:pPr algn="r" fontAlgn="ctr"/>
-                      <a:r>
-                        <a:rPr lang="en-US" altLang="ja-JP" sz="2400" u="none" strike="noStrike" dirty="0">
-                          <a:effectLst/>
-                        </a:rPr>
-                        <a:t>4</a:t>
-                      </a:r>
-                      <a:endParaRPr lang="en-US" altLang="ja-JP" sz="2400" b="0" i="0" u="none" strike="noStrike" dirty="0">
-                        <a:solidFill>
-                          <a:srgbClr val="000000"/>
-                        </a:solidFill>
-                        <a:effectLst/>
-                        <a:latin typeface="ＭＳ Ｐゴシック" panose="020B0600070205080204" pitchFamily="50" charset="-128"/>
-                        <a:ea typeface="ＭＳ Ｐゴシック" panose="020B0600070205080204" pitchFamily="50" charset="-128"/>
-                      </a:endParaRPr>
-                    </a:p>
-                  </a:txBody>
-                  <a:tcPr marL="9525" marR="9525" marT="9525" marB="0" anchor="ctr"/>
-                </a:tc>
-              </a:tr>
-              <a:tr h="507887">
-                <a:tc>
-                  <a:txBody>
-                    <a:bodyPr/>
-                    <a:lstStyle/>
-                    <a:p>
-                      <a:pPr algn="l" fontAlgn="ctr"/>
-                      <a:r>
-                        <a:rPr lang="en-US" sz="2400" u="none" strike="noStrike">
-                          <a:effectLst/>
-                        </a:rPr>
-                        <a:t>keYEKDrRYl</a:t>
-                      </a:r>
-                      <a:endParaRPr lang="en-US" sz="2400" b="0" i="0" u="none" strike="noStrike">
-                        <a:solidFill>
-                          <a:srgbClr val="000000"/>
-                        </a:solidFill>
-                        <a:effectLst/>
-                        <a:latin typeface="ＭＳ Ｐゴシック" panose="020B0600070205080204" pitchFamily="50" charset="-128"/>
-                        <a:ea typeface="ＭＳ Ｐゴシック" panose="020B0600070205080204" pitchFamily="50" charset="-128"/>
-                      </a:endParaRPr>
-                    </a:p>
-                  </a:txBody>
-                  <a:tcPr marL="9525" marR="9525" marT="9525" marB="0" anchor="ctr"/>
-                </a:tc>
-                <a:tc>
-                  <a:txBody>
-                    <a:bodyPr/>
-                    <a:lstStyle/>
-                    <a:p>
-                      <a:pPr algn="r" fontAlgn="ctr"/>
-                      <a:r>
-                        <a:rPr lang="en-US" altLang="ja-JP" sz="2400" u="none" strike="noStrike">
-                          <a:effectLst/>
-                        </a:rPr>
-                        <a:t>1</a:t>
-                      </a:r>
-                      <a:endParaRPr lang="en-US" altLang="ja-JP" sz="2400" b="0" i="0" u="none" strike="noStrike">
-                        <a:solidFill>
-                          <a:srgbClr val="000000"/>
-                        </a:solidFill>
-                        <a:effectLst/>
-                        <a:latin typeface="ＭＳ Ｐゴシック" panose="020B0600070205080204" pitchFamily="50" charset="-128"/>
-                        <a:ea typeface="ＭＳ Ｐゴシック" panose="020B0600070205080204" pitchFamily="50" charset="-128"/>
-                      </a:endParaRPr>
-                    </a:p>
-                  </a:txBody>
-                  <a:tcPr marL="9525" marR="9525" marT="9525" marB="0" anchor="ctr"/>
-                </a:tc>
-              </a:tr>
-              <a:tr h="507887">
-                <a:tc>
-                  <a:txBody>
-                    <a:bodyPr/>
-                    <a:lstStyle/>
-                    <a:p>
-                      <a:pPr algn="l" fontAlgn="ctr"/>
-                      <a:r>
-                        <a:rPr lang="en-US" sz="2400" u="none" strike="noStrike">
-                          <a:effectLst/>
-                        </a:rPr>
-                        <a:t>E5oN997tA9v</a:t>
-                      </a:r>
-                      <a:endParaRPr lang="en-US" sz="2400" b="0" i="0" u="none" strike="noStrike">
-                        <a:solidFill>
-                          <a:srgbClr val="000000"/>
-                        </a:solidFill>
-                        <a:effectLst/>
-                        <a:latin typeface="ＭＳ Ｐゴシック" panose="020B0600070205080204" pitchFamily="50" charset="-128"/>
-                        <a:ea typeface="ＭＳ Ｐゴシック" panose="020B0600070205080204" pitchFamily="50" charset="-128"/>
-                      </a:endParaRPr>
-                    </a:p>
-                  </a:txBody>
-                  <a:tcPr marL="9525" marR="9525" marT="9525" marB="0" anchor="ctr"/>
-                </a:tc>
-                <a:tc>
-                  <a:txBody>
-                    <a:bodyPr/>
-                    <a:lstStyle/>
-                    <a:p>
-                      <a:pPr algn="r" fontAlgn="ctr"/>
-                      <a:r>
-                        <a:rPr lang="en-US" altLang="ja-JP" sz="2400" u="none" strike="noStrike">
-                          <a:effectLst/>
-                        </a:rPr>
-                        <a:t>10</a:t>
-                      </a:r>
-                      <a:endParaRPr lang="en-US" altLang="ja-JP" sz="2400" b="0" i="0" u="none" strike="noStrike">
-                        <a:solidFill>
-                          <a:srgbClr val="000000"/>
-                        </a:solidFill>
-                        <a:effectLst/>
-                        <a:latin typeface="ＭＳ Ｐゴシック" panose="020B0600070205080204" pitchFamily="50" charset="-128"/>
-                        <a:ea typeface="ＭＳ Ｐゴシック" panose="020B0600070205080204" pitchFamily="50" charset="-128"/>
-                      </a:endParaRPr>
-                    </a:p>
-                  </a:txBody>
-                  <a:tcPr marL="9525" marR="9525" marT="9525" marB="0" anchor="ctr"/>
-                </a:tc>
-              </a:tr>
-              <a:tr h="507887">
-                <a:tc>
-                  <a:txBody>
-                    <a:bodyPr/>
-                    <a:lstStyle/>
-                    <a:p>
-                      <a:pPr algn="l" fontAlgn="ctr"/>
-                      <a:r>
-                        <a:rPr lang="en-US" sz="2400" u="none" strike="noStrike">
-                          <a:effectLst/>
-                        </a:rPr>
-                        <a:t>HrG78k72T2s</a:t>
-                      </a:r>
-                      <a:endParaRPr lang="en-US" sz="2400" b="0" i="0" u="none" strike="noStrike">
-                        <a:solidFill>
-                          <a:srgbClr val="000000"/>
-                        </a:solidFill>
-                        <a:effectLst/>
-                        <a:latin typeface="ＭＳ Ｐゴシック" panose="020B0600070205080204" pitchFamily="50" charset="-128"/>
-                        <a:ea typeface="ＭＳ Ｐゴシック" panose="020B0600070205080204" pitchFamily="50" charset="-128"/>
-                      </a:endParaRPr>
-                    </a:p>
-                  </a:txBody>
-                  <a:tcPr marL="9525" marR="9525" marT="9525" marB="0" anchor="ctr"/>
-                </a:tc>
-                <a:tc>
-                  <a:txBody>
-                    <a:bodyPr/>
-                    <a:lstStyle/>
-                    <a:p>
-                      <a:pPr algn="r" fontAlgn="ctr"/>
-                      <a:r>
-                        <a:rPr lang="en-US" altLang="ja-JP" sz="2400" u="none" strike="noStrike">
-                          <a:effectLst/>
-                        </a:rPr>
-                        <a:t>2</a:t>
-                      </a:r>
-                      <a:endParaRPr lang="en-US" altLang="ja-JP" sz="2400" b="0" i="0" u="none" strike="noStrike">
-                        <a:solidFill>
-                          <a:srgbClr val="000000"/>
-                        </a:solidFill>
-                        <a:effectLst/>
-                        <a:latin typeface="ＭＳ Ｐゴシック" panose="020B0600070205080204" pitchFamily="50" charset="-128"/>
-                        <a:ea typeface="ＭＳ Ｐゴシック" panose="020B0600070205080204" pitchFamily="50" charset="-128"/>
-                      </a:endParaRPr>
-                    </a:p>
-                  </a:txBody>
-                  <a:tcPr marL="9525" marR="9525" marT="9525" marB="0" anchor="ctr"/>
-                </a:tc>
-              </a:tr>
-              <a:tr h="720065">
-                <a:tc>
-                  <a:txBody>
-                    <a:bodyPr/>
-                    <a:lstStyle/>
-                    <a:p>
-                      <a:pPr algn="l" fontAlgn="ctr"/>
-                      <a:r>
-                        <a:rPr lang="en-US" sz="2400" u="none" strike="noStrike">
-                          <a:effectLst/>
-                        </a:rPr>
-                        <a:t>-t1buG66449</a:t>
-                      </a:r>
-                      <a:endParaRPr lang="en-US" sz="2400" b="0" i="0" u="none" strike="noStrike">
-                        <a:solidFill>
-                          <a:srgbClr val="000000"/>
-                        </a:solidFill>
-                        <a:effectLst/>
-                        <a:latin typeface="ＭＳ Ｐゴシック" panose="020B0600070205080204" pitchFamily="50" charset="-128"/>
-                        <a:ea typeface="ＭＳ Ｐゴシック" panose="020B0600070205080204" pitchFamily="50" charset="-128"/>
-                      </a:endParaRPr>
-                    </a:p>
-                  </a:txBody>
-                  <a:tcPr marL="9525" marR="9525" marT="9525" marB="0" anchor="ctr"/>
-                </a:tc>
-                <a:tc>
-                  <a:txBody>
-                    <a:bodyPr/>
-                    <a:lstStyle/>
-                    <a:p>
-                      <a:pPr algn="r" fontAlgn="ctr"/>
-                      <a:r>
-                        <a:rPr lang="en-US" altLang="ja-JP" sz="2400" u="none" strike="noStrike" dirty="0">
-                          <a:effectLst/>
-                        </a:rPr>
-                        <a:t>1</a:t>
-                      </a:r>
-                      <a:endParaRPr lang="en-US" altLang="ja-JP" sz="2400" b="0" i="0" u="none" strike="noStrike" dirty="0">
-                        <a:solidFill>
-                          <a:srgbClr val="000000"/>
-                        </a:solidFill>
-                        <a:effectLst/>
-                        <a:latin typeface="ＭＳ Ｐゴシック" panose="020B0600070205080204" pitchFamily="50" charset="-128"/>
-                        <a:ea typeface="ＭＳ Ｐゴシック" panose="020B0600070205080204" pitchFamily="50" charset="-128"/>
-                      </a:endParaRPr>
-                    </a:p>
-                  </a:txBody>
-                  <a:tcPr marL="9525" marR="9525" marT="9525" marB="0" anchor="ctr"/>
-                </a:tc>
-              </a:tr>
-              <a:tr h="507887">
-                <a:tc>
-                  <a:txBody>
-                    <a:bodyPr/>
-                    <a:lstStyle/>
-                    <a:p>
-                      <a:pPr algn="l" fontAlgn="ctr"/>
-                      <a:r>
-                        <a:rPr lang="en-US" sz="2400" u="none" strike="noStrike">
-                          <a:effectLst/>
-                        </a:rPr>
-                        <a:t>xVsvnquz834</a:t>
-                      </a:r>
-                      <a:endParaRPr lang="en-US" sz="2400" b="0" i="0" u="none" strike="noStrike">
-                        <a:solidFill>
-                          <a:srgbClr val="000000"/>
-                        </a:solidFill>
-                        <a:effectLst/>
-                        <a:latin typeface="ＭＳ Ｐゴシック" panose="020B0600070205080204" pitchFamily="50" charset="-128"/>
-                        <a:ea typeface="ＭＳ Ｐゴシック" panose="020B0600070205080204" pitchFamily="50" charset="-128"/>
-                      </a:endParaRPr>
-                    </a:p>
-                  </a:txBody>
-                  <a:tcPr marL="9525" marR="9525" marT="9525" marB="0" anchor="ctr"/>
-                </a:tc>
-                <a:tc>
-                  <a:txBody>
-                    <a:bodyPr/>
-                    <a:lstStyle/>
-                    <a:p>
-                      <a:pPr algn="r" fontAlgn="ctr"/>
-                      <a:r>
-                        <a:rPr lang="en-US" altLang="ja-JP" sz="2400" u="none" strike="noStrike">
-                          <a:effectLst/>
-                        </a:rPr>
-                        <a:t>1</a:t>
-                      </a:r>
-                      <a:endParaRPr lang="en-US" altLang="ja-JP" sz="2400" b="0" i="0" u="none" strike="noStrike">
-                        <a:solidFill>
-                          <a:srgbClr val="000000"/>
-                        </a:solidFill>
-                        <a:effectLst/>
-                        <a:latin typeface="ＭＳ Ｐゴシック" panose="020B0600070205080204" pitchFamily="50" charset="-128"/>
-                        <a:ea typeface="ＭＳ Ｐゴシック" panose="020B0600070205080204" pitchFamily="50" charset="-128"/>
-                      </a:endParaRPr>
-                    </a:p>
-                  </a:txBody>
-                  <a:tcPr marL="9525" marR="9525" marT="9525" marB="0" anchor="ctr"/>
-                </a:tc>
-              </a:tr>
-              <a:tr h="507887">
-                <a:tc>
-                  <a:txBody>
-                    <a:bodyPr/>
-                    <a:lstStyle/>
-                    <a:p>
-                      <a:pPr algn="l" fontAlgn="ctr"/>
-                      <a:r>
-                        <a:rPr lang="en-US" sz="2400" u="none" strike="noStrike">
-                          <a:effectLst/>
-                        </a:rPr>
-                        <a:t>cZDLuGRhefQ</a:t>
-                      </a:r>
-                      <a:endParaRPr lang="en-US" sz="2400" b="0" i="0" u="none" strike="noStrike">
-                        <a:solidFill>
-                          <a:srgbClr val="000000"/>
-                        </a:solidFill>
-                        <a:effectLst/>
-                        <a:latin typeface="ＭＳ Ｐゴシック" panose="020B0600070205080204" pitchFamily="50" charset="-128"/>
-                        <a:ea typeface="ＭＳ Ｐゴシック" panose="020B0600070205080204" pitchFamily="50" charset="-128"/>
-                      </a:endParaRPr>
-                    </a:p>
-                  </a:txBody>
-                  <a:tcPr marL="9525" marR="9525" marT="9525" marB="0" anchor="ctr"/>
-                </a:tc>
-                <a:tc>
-                  <a:txBody>
-                    <a:bodyPr/>
-                    <a:lstStyle/>
-                    <a:p>
-                      <a:pPr algn="r" fontAlgn="ctr"/>
-                      <a:r>
-                        <a:rPr lang="en-US" altLang="ja-JP" sz="2400" u="none" strike="noStrike">
-                          <a:effectLst/>
-                        </a:rPr>
-                        <a:t>13</a:t>
-                      </a:r>
-                      <a:endParaRPr lang="en-US" altLang="ja-JP" sz="2400" b="0" i="0" u="none" strike="noStrike">
-                        <a:solidFill>
-                          <a:srgbClr val="000000"/>
-                        </a:solidFill>
-                        <a:effectLst/>
-                        <a:latin typeface="ＭＳ Ｐゴシック" panose="020B0600070205080204" pitchFamily="50" charset="-128"/>
-                        <a:ea typeface="ＭＳ Ｐゴシック" panose="020B0600070205080204" pitchFamily="50" charset="-128"/>
-                      </a:endParaRPr>
-                    </a:p>
-                  </a:txBody>
-                  <a:tcPr marL="9525" marR="9525" marT="9525" marB="0" anchor="ctr"/>
-                </a:tc>
-              </a:tr>
-              <a:tr h="507887">
-                <a:tc>
-                  <a:txBody>
-                    <a:bodyPr/>
-                    <a:lstStyle/>
-                    <a:p>
-                      <a:pPr algn="l" fontAlgn="ctr"/>
-                      <a:r>
-                        <a:rPr lang="en-US" sz="2400" u="none" strike="noStrike">
-                          <a:effectLst/>
-                        </a:rPr>
-                        <a:t>QH5pPrrgWOp</a:t>
-                      </a:r>
-                      <a:endParaRPr lang="en-US" sz="2400" b="0" i="0" u="none" strike="noStrike">
-                        <a:solidFill>
-                          <a:srgbClr val="000000"/>
-                        </a:solidFill>
-                        <a:effectLst/>
-                        <a:latin typeface="ＭＳ Ｐゴシック" panose="020B0600070205080204" pitchFamily="50" charset="-128"/>
-                        <a:ea typeface="ＭＳ Ｐゴシック" panose="020B0600070205080204" pitchFamily="50" charset="-128"/>
-                      </a:endParaRPr>
-                    </a:p>
-                  </a:txBody>
-                  <a:tcPr marL="9525" marR="9525" marT="9525" marB="0" anchor="ctr"/>
-                </a:tc>
-                <a:tc>
-                  <a:txBody>
-                    <a:bodyPr/>
-                    <a:lstStyle/>
-                    <a:p>
-                      <a:pPr algn="r" fontAlgn="ctr"/>
-                      <a:r>
-                        <a:rPr lang="en-US" altLang="ja-JP" sz="2400" u="none" strike="noStrike">
-                          <a:effectLst/>
-                        </a:rPr>
-                        <a:t>26</a:t>
-                      </a:r>
-                      <a:endParaRPr lang="en-US" altLang="ja-JP" sz="2400" b="0" i="0" u="none" strike="noStrike">
-                        <a:solidFill>
-                          <a:srgbClr val="000000"/>
-                        </a:solidFill>
-                        <a:effectLst/>
-                        <a:latin typeface="ＭＳ Ｐゴシック" panose="020B0600070205080204" pitchFamily="50" charset="-128"/>
-                        <a:ea typeface="ＭＳ Ｐゴシック" panose="020B0600070205080204" pitchFamily="50" charset="-128"/>
-                      </a:endParaRPr>
-                    </a:p>
-                  </a:txBody>
-                  <a:tcPr marL="9525" marR="9525" marT="9525" marB="0" anchor="ctr"/>
-                </a:tc>
-              </a:tr>
-              <a:tr h="507887">
-                <a:tc>
-                  <a:txBody>
-                    <a:bodyPr/>
-                    <a:lstStyle/>
-                    <a:p>
-                      <a:pPr algn="l" fontAlgn="ctr"/>
-                      <a:r>
-                        <a:rPr lang="en-US" sz="2400" u="none" strike="noStrike">
-                          <a:effectLst/>
-                        </a:rPr>
-                        <a:t>VJzcwvPo</a:t>
-                      </a:r>
-                      <a:endParaRPr lang="en-US" sz="2400" b="0" i="0" u="none" strike="noStrike">
-                        <a:solidFill>
-                          <a:srgbClr val="000000"/>
-                        </a:solidFill>
-                        <a:effectLst/>
-                        <a:latin typeface="ＭＳ Ｐゴシック" panose="020B0600070205080204" pitchFamily="50" charset="-128"/>
-                        <a:ea typeface="ＭＳ Ｐゴシック" panose="020B0600070205080204" pitchFamily="50" charset="-128"/>
-                      </a:endParaRPr>
-                    </a:p>
-                  </a:txBody>
-                  <a:tcPr marL="9525" marR="9525" marT="9525" marB="0" anchor="ctr"/>
-                </a:tc>
-                <a:tc>
-                  <a:txBody>
-                    <a:bodyPr/>
-                    <a:lstStyle/>
-                    <a:p>
-                      <a:pPr algn="r" fontAlgn="ctr"/>
-                      <a:r>
-                        <a:rPr lang="en-US" altLang="ja-JP" sz="2400" u="none" strike="noStrike">
-                          <a:effectLst/>
-                        </a:rPr>
-                        <a:t>1</a:t>
-                      </a:r>
-                      <a:endParaRPr lang="en-US" altLang="ja-JP" sz="2400" b="0" i="0" u="none" strike="noStrike">
-                        <a:solidFill>
-                          <a:srgbClr val="000000"/>
-                        </a:solidFill>
-                        <a:effectLst/>
-                        <a:latin typeface="ＭＳ Ｐゴシック" panose="020B0600070205080204" pitchFamily="50" charset="-128"/>
-                        <a:ea typeface="ＭＳ Ｐゴシック" panose="020B0600070205080204" pitchFamily="50" charset="-128"/>
-                      </a:endParaRPr>
-                    </a:p>
-                  </a:txBody>
-                  <a:tcPr marL="9525" marR="9525" marT="9525" marB="0" anchor="ctr"/>
-                </a:tc>
-              </a:tr>
-              <a:tr h="507887">
-                <a:tc>
-                  <a:txBody>
-                    <a:bodyPr/>
-                    <a:lstStyle/>
-                    <a:p>
-                      <a:pPr algn="l" fontAlgn="ctr"/>
-                      <a:r>
-                        <a:rPr lang="en-US" sz="2400" u="none" strike="noStrike">
-                          <a:effectLst/>
-                        </a:rPr>
-                        <a:t>sOr5vckj</a:t>
-                      </a:r>
-                      <a:endParaRPr lang="en-US" sz="2400" b="0" i="0" u="none" strike="noStrike">
-                        <a:solidFill>
-                          <a:srgbClr val="000000"/>
-                        </a:solidFill>
-                        <a:effectLst/>
-                        <a:latin typeface="ＭＳ Ｐゴシック" panose="020B0600070205080204" pitchFamily="50" charset="-128"/>
-                        <a:ea typeface="ＭＳ Ｐゴシック" panose="020B0600070205080204" pitchFamily="50" charset="-128"/>
-                      </a:endParaRPr>
-                    </a:p>
-                  </a:txBody>
-                  <a:tcPr marL="9525" marR="9525" marT="9525" marB="0" anchor="ctr"/>
-                </a:tc>
-                <a:tc>
-                  <a:txBody>
-                    <a:bodyPr/>
-                    <a:lstStyle/>
-                    <a:p>
-                      <a:pPr algn="r" fontAlgn="ctr"/>
-                      <a:r>
-                        <a:rPr lang="en-US" altLang="ja-JP" sz="2400" u="none" strike="noStrike">
-                          <a:effectLst/>
-                        </a:rPr>
-                        <a:t>3</a:t>
-                      </a:r>
-                      <a:endParaRPr lang="en-US" altLang="ja-JP" sz="2400" b="0" i="0" u="none" strike="noStrike">
-                        <a:solidFill>
-                          <a:srgbClr val="000000"/>
-                        </a:solidFill>
-                        <a:effectLst/>
-                        <a:latin typeface="ＭＳ Ｐゴシック" panose="020B0600070205080204" pitchFamily="50" charset="-128"/>
-                        <a:ea typeface="ＭＳ Ｐゴシック" panose="020B0600070205080204" pitchFamily="50" charset="-128"/>
-                      </a:endParaRPr>
-                    </a:p>
-                  </a:txBody>
-                  <a:tcPr marL="9525" marR="9525" marT="9525" marB="0" anchor="ctr"/>
-                </a:tc>
-              </a:tr>
-              <a:tr h="507887">
-                <a:tc>
-                  <a:txBody>
-                    <a:bodyPr/>
-                    <a:lstStyle/>
-                    <a:p>
-                      <a:pPr algn="l" fontAlgn="ctr"/>
-                      <a:r>
-                        <a:rPr lang="en-US" sz="2400" u="none" strike="noStrike">
-                          <a:effectLst/>
-                        </a:rPr>
-                        <a:t>cCEggKEl</a:t>
-                      </a:r>
-                      <a:endParaRPr lang="en-US" sz="2400" b="0" i="0" u="none" strike="noStrike">
-                        <a:solidFill>
-                          <a:srgbClr val="000000"/>
-                        </a:solidFill>
-                        <a:effectLst/>
-                        <a:latin typeface="ＭＳ Ｐゴシック" panose="020B0600070205080204" pitchFamily="50" charset="-128"/>
-                        <a:ea typeface="ＭＳ Ｐゴシック" panose="020B0600070205080204" pitchFamily="50" charset="-128"/>
-                      </a:endParaRPr>
-                    </a:p>
-                  </a:txBody>
-                  <a:tcPr marL="9525" marR="9525" marT="9525" marB="0" anchor="ctr"/>
-                </a:tc>
-                <a:tc>
-                  <a:txBody>
-                    <a:bodyPr/>
-                    <a:lstStyle/>
-                    <a:p>
-                      <a:pPr algn="r" fontAlgn="ctr"/>
-                      <a:r>
-                        <a:rPr lang="en-US" altLang="ja-JP" sz="2400" u="none" strike="noStrike">
-                          <a:effectLst/>
-                        </a:rPr>
-                        <a:t>17</a:t>
-                      </a:r>
-                      <a:endParaRPr lang="en-US" altLang="ja-JP" sz="2400" b="0" i="0" u="none" strike="noStrike">
-                        <a:solidFill>
-                          <a:srgbClr val="000000"/>
-                        </a:solidFill>
-                        <a:effectLst/>
-                        <a:latin typeface="ＭＳ Ｐゴシック" panose="020B0600070205080204" pitchFamily="50" charset="-128"/>
-                        <a:ea typeface="ＭＳ Ｐゴシック" panose="020B0600070205080204" pitchFamily="50" charset="-128"/>
-                      </a:endParaRPr>
-                    </a:p>
-                  </a:txBody>
-                  <a:tcPr marL="9525" marR="9525" marT="9525" marB="0" anchor="ctr"/>
-                </a:tc>
-              </a:tr>
-              <a:tr h="507887">
-                <a:tc>
-                  <a:txBody>
-                    <a:bodyPr/>
-                    <a:lstStyle/>
-                    <a:p>
-                      <a:pPr algn="l" fontAlgn="ctr"/>
-                      <a:r>
-                        <a:rPr lang="en-US" sz="2400" u="none" strike="noStrike">
-                          <a:effectLst/>
-                        </a:rPr>
-                        <a:t>BbG7zuvU</a:t>
-                      </a:r>
-                      <a:endParaRPr lang="en-US" sz="2400" b="0" i="0" u="none" strike="noStrike">
-                        <a:solidFill>
-                          <a:srgbClr val="000000"/>
-                        </a:solidFill>
-                        <a:effectLst/>
-                        <a:latin typeface="ＭＳ Ｐゴシック" panose="020B0600070205080204" pitchFamily="50" charset="-128"/>
-                        <a:ea typeface="ＭＳ Ｐゴシック" panose="020B0600070205080204" pitchFamily="50" charset="-128"/>
-                      </a:endParaRPr>
-                    </a:p>
-                  </a:txBody>
-                  <a:tcPr marL="9525" marR="9525" marT="9525" marB="0" anchor="ctr"/>
-                </a:tc>
-                <a:tc>
-                  <a:txBody>
-                    <a:bodyPr/>
-                    <a:lstStyle/>
-                    <a:p>
-                      <a:pPr algn="r" fontAlgn="ctr"/>
-                      <a:r>
-                        <a:rPr lang="en-US" altLang="ja-JP" sz="2400" u="none" strike="noStrike">
-                          <a:effectLst/>
-                        </a:rPr>
-                        <a:t>1</a:t>
-                      </a:r>
-                      <a:endParaRPr lang="en-US" altLang="ja-JP" sz="2400" b="0" i="0" u="none" strike="noStrike">
-                        <a:solidFill>
-                          <a:srgbClr val="000000"/>
-                        </a:solidFill>
-                        <a:effectLst/>
-                        <a:latin typeface="ＭＳ Ｐゴシック" panose="020B0600070205080204" pitchFamily="50" charset="-128"/>
-                        <a:ea typeface="ＭＳ Ｐゴシック" panose="020B0600070205080204" pitchFamily="50" charset="-128"/>
-                      </a:endParaRPr>
-                    </a:p>
-                  </a:txBody>
-                  <a:tcPr marL="9525" marR="9525" marT="9525" marB="0" anchor="ctr"/>
-                </a:tc>
-              </a:tr>
-              <a:tr h="507887">
-                <a:tc>
-                  <a:txBody>
-                    <a:bodyPr/>
-                    <a:lstStyle/>
-                    <a:p>
-                      <a:pPr algn="l" fontAlgn="ctr"/>
-                      <a:r>
-                        <a:rPr lang="en-US" sz="2400" u="none" strike="noStrike">
-                          <a:effectLst/>
-                        </a:rPr>
-                        <a:t>BbG7zuvU</a:t>
-                      </a:r>
-                      <a:endParaRPr lang="en-US" sz="2400" b="0" i="0" u="none" strike="noStrike">
-                        <a:solidFill>
-                          <a:srgbClr val="000000"/>
-                        </a:solidFill>
-                        <a:effectLst/>
-                        <a:latin typeface="ＭＳ Ｐゴシック" panose="020B0600070205080204" pitchFamily="50" charset="-128"/>
-                        <a:ea typeface="ＭＳ Ｐゴシック" panose="020B0600070205080204" pitchFamily="50" charset="-128"/>
-                      </a:endParaRPr>
-                    </a:p>
-                  </a:txBody>
-                  <a:tcPr marL="9525" marR="9525" marT="9525" marB="0" anchor="ctr"/>
-                </a:tc>
-                <a:tc>
-                  <a:txBody>
-                    <a:bodyPr/>
-                    <a:lstStyle/>
-                    <a:p>
-                      <a:pPr algn="r" fontAlgn="ctr"/>
-                      <a:r>
-                        <a:rPr lang="en-US" altLang="ja-JP" sz="2400" u="none" strike="noStrike" dirty="0">
-                          <a:effectLst/>
-                        </a:rPr>
-                        <a:t>4</a:t>
-                      </a:r>
-                      <a:endParaRPr lang="en-US" altLang="ja-JP" sz="2400" b="0" i="0" u="none" strike="noStrike" dirty="0">
-                        <a:solidFill>
-                          <a:srgbClr val="000000"/>
-                        </a:solidFill>
-                        <a:effectLst/>
-                        <a:latin typeface="ＭＳ Ｐゴシック" panose="020B0600070205080204" pitchFamily="50" charset="-128"/>
-                        <a:ea typeface="ＭＳ Ｐゴシック" panose="020B0600070205080204" pitchFamily="50" charset="-128"/>
-                      </a:endParaRPr>
-                    </a:p>
-                  </a:txBody>
-                  <a:tcPr marL="9525" marR="9525" marT="9525" marB="0" anchor="ctr"/>
-                </a:tc>
-              </a:tr>
-            </a:tbl>
-          </a:graphicData>
-        </a:graphic>
-      </p:graphicFrame>
-      <p:sp>
-        <p:nvSpPr>
-          <p:cNvPr id="129" name="テキスト ボックス 128"/>
-          <p:cNvSpPr txBox="1"/>
-          <p:nvPr/>
-        </p:nvSpPr>
-        <p:spPr>
-          <a:xfrm>
-            <a:off x="6194330" y="17335981"/>
-            <a:ext cx="4045787" cy="8094524"/>
-          </a:xfrm>
-          <a:prstGeom prst="rect">
-            <a:avLst/>
-          </a:prstGeom>
-          <a:noFill/>
-        </p:spPr>
-        <p:txBody>
-          <a:bodyPr wrap="square" rtlCol="0">
-            <a:spAutoFit/>
-          </a:bodyPr>
-          <a:lstStyle/>
-          <a:p>
-            <a:r>
-              <a:rPr lang="ja-JP" altLang="en-US" sz="4000" dirty="0">
-                <a:solidFill>
-                  <a:sysClr val="windowText" lastClr="000000"/>
-                </a:solidFill>
-              </a:rPr>
-              <a:t>左</a:t>
-            </a:r>
-            <a:r>
-              <a:rPr lang="ja-JP" altLang="en-US" sz="4000" dirty="0" smtClean="0">
-                <a:solidFill>
-                  <a:sysClr val="windowText" lastClr="000000"/>
-                </a:solidFill>
-              </a:rPr>
-              <a:t>のような形で記録し，編集者ごとの編集文字数を</a:t>
-            </a:r>
-            <a:r>
-              <a:rPr lang="en-US" altLang="ja-JP" sz="4000" dirty="0" smtClean="0">
-                <a:solidFill>
-                  <a:sysClr val="windowText" lastClr="000000"/>
-                </a:solidFill>
-              </a:rPr>
-              <a:t>SUMIF</a:t>
-            </a:r>
-            <a:r>
-              <a:rPr lang="ja-JP" altLang="en-US" sz="4000" dirty="0" smtClean="0">
-                <a:solidFill>
-                  <a:sysClr val="windowText" lastClr="000000"/>
-                </a:solidFill>
-              </a:rPr>
-              <a:t>関数，編集者ごとの編集回数を</a:t>
-            </a:r>
-            <a:r>
-              <a:rPr lang="en-US" altLang="ja-JP" sz="4000" dirty="0" smtClean="0">
-                <a:solidFill>
-                  <a:sysClr val="windowText" lastClr="000000"/>
-                </a:solidFill>
-              </a:rPr>
-              <a:t>COUNTIF</a:t>
-            </a:r>
-            <a:r>
-              <a:rPr lang="ja-JP" altLang="en-US" sz="4000" dirty="0" smtClean="0">
-                <a:solidFill>
-                  <a:sysClr val="windowText" lastClr="000000"/>
-                </a:solidFill>
-              </a:rPr>
-              <a:t>関数を使い算出する．</a:t>
-            </a:r>
-            <a:endParaRPr lang="en-US" altLang="ja-JP" sz="4000" dirty="0" smtClean="0">
-              <a:solidFill>
-                <a:sysClr val="windowText" lastClr="000000"/>
-              </a:solidFill>
-            </a:endParaRPr>
-          </a:p>
-          <a:p>
-            <a:r>
-              <a:rPr lang="ja-JP" altLang="en-US" sz="4000" dirty="0" smtClean="0">
-                <a:solidFill>
-                  <a:sysClr val="windowText" lastClr="000000"/>
-                </a:solidFill>
-              </a:rPr>
-              <a:t>また，編集文字数のヒストグラムは幅が広くなりすぎるため，頻度が偏らないように対数化したものを使う．</a:t>
-            </a:r>
-            <a:endParaRPr lang="ja-JP" altLang="en-US" sz="4000" dirty="0">
-              <a:solidFill>
-                <a:sysClr val="windowText" lastClr="000000"/>
-              </a:solidFill>
-            </a:endParaRPr>
-          </a:p>
-        </p:txBody>
-      </p:sp>
-      <p:sp>
-        <p:nvSpPr>
           <p:cNvPr id="130" name="正方形/長方形 129"/>
           <p:cNvSpPr/>
           <p:nvPr/>
@@ -14063,108 +12793,6 @@
           <a:p>
             <a:pPr algn="ctr"/>
             <a:endParaRPr kumimoji="1" lang="ja-JP" altLang="en-US"/>
-          </a:p>
-        </p:txBody>
-      </p:sp>
-      <p:sp>
-        <p:nvSpPr>
-          <p:cNvPr id="8" name="テキスト ボックス 7"/>
-          <p:cNvSpPr txBox="1"/>
-          <p:nvPr/>
-        </p:nvSpPr>
-        <p:spPr>
-          <a:xfrm>
-            <a:off x="11110531" y="15328017"/>
-            <a:ext cx="9847381" cy="5016758"/>
-          </a:xfrm>
-          <a:prstGeom prst="rect">
-            <a:avLst/>
-          </a:prstGeom>
-          <a:noFill/>
-        </p:spPr>
-        <p:txBody>
-          <a:bodyPr wrap="square" rtlCol="0">
-            <a:spAutoFit/>
-          </a:bodyPr>
-          <a:lstStyle/>
-          <a:p>
-            <a:r>
-              <a:rPr lang="en-US" altLang="ja-JP" sz="4000" dirty="0"/>
-              <a:t>2011</a:t>
-            </a:r>
-            <a:r>
-              <a:rPr lang="ja-JP" altLang="en-US" sz="4000" dirty="0"/>
-              <a:t>年発売のプレイステーション</a:t>
-            </a:r>
-            <a:r>
-              <a:rPr lang="en-US" altLang="ja-JP" sz="4000" dirty="0"/>
-              <a:t>3 / Xbox360 / Windows</a:t>
-            </a:r>
-            <a:r>
-              <a:rPr lang="ja-JP" altLang="en-US" sz="4000" dirty="0"/>
-              <a:t>用ソフト「</a:t>
-            </a:r>
-            <a:r>
-              <a:rPr lang="en-US" altLang="ja-JP" sz="4000" dirty="0"/>
-              <a:t>The Elder Scrolls V Skyrim</a:t>
-            </a:r>
-            <a:r>
-              <a:rPr lang="ja-JP" altLang="en-US" sz="4000" dirty="0" smtClean="0"/>
-              <a:t>」の</a:t>
-            </a:r>
-            <a:r>
-              <a:rPr lang="ja-JP" altLang="en-US" sz="4000" dirty="0"/>
-              <a:t>日本語版攻略</a:t>
-            </a:r>
-            <a:r>
-              <a:rPr lang="en-US" altLang="ja-JP" sz="4000" dirty="0" smtClean="0"/>
-              <a:t>wiki</a:t>
-            </a:r>
-            <a:r>
-              <a:rPr lang="ja-JP" altLang="en-US" sz="4000" dirty="0" smtClean="0"/>
-              <a:t>を</a:t>
-            </a:r>
-            <a:r>
-              <a:rPr lang="ja-JP" altLang="en-US" sz="4000" dirty="0"/>
-              <a:t>対象に調査をおこなっている．現在，同</a:t>
-            </a:r>
-            <a:r>
-              <a:rPr lang="en-US" altLang="ja-JP" sz="4000" dirty="0"/>
-              <a:t>wiki</a:t>
-            </a:r>
-            <a:r>
-              <a:rPr lang="ja-JP" altLang="en-US" sz="4000" dirty="0"/>
-              <a:t>のページのうち</a:t>
-            </a:r>
-            <a:r>
-              <a:rPr lang="en-US" altLang="ja-JP" sz="4000" dirty="0"/>
-              <a:t>3</a:t>
-            </a:r>
-            <a:r>
-              <a:rPr lang="ja-JP" altLang="en-US" sz="4000" dirty="0"/>
-              <a:t>ページ分の調査を行い，</a:t>
-            </a:r>
-            <a:r>
-              <a:rPr lang="en-US" altLang="ja-JP" sz="4000" dirty="0"/>
-              <a:t>106</a:t>
-            </a:r>
-            <a:r>
-              <a:rPr lang="ja-JP" altLang="en-US" sz="4000" dirty="0"/>
-              <a:t>人の編集者の編集回数と編集文字数を記録し，それらのデータをもとに以下の</a:t>
-            </a:r>
-            <a:r>
-              <a:rPr lang="en-US" altLang="ja-JP" sz="4000" dirty="0"/>
-              <a:t>2</a:t>
-            </a:r>
-            <a:r>
-              <a:rPr lang="ja-JP" altLang="en-US" sz="4000" dirty="0" err="1"/>
-              <a:t>つの</a:t>
-            </a:r>
-            <a:r>
-              <a:rPr lang="ja-JP" altLang="en-US" sz="4000" dirty="0"/>
-              <a:t>ヒストグラムを作成した．</a:t>
-            </a:r>
-            <a:endParaRPr kumimoji="1" lang="ja-JP" altLang="en-US" sz="4000" dirty="0"/>
           </a:p>
         </p:txBody>
       </p:sp>
@@ -14251,7 +12879,7 @@
         </p:nvSpPr>
         <p:spPr>
           <a:xfrm>
-            <a:off x="11670134" y="24975777"/>
+            <a:off x="16498634" y="19718253"/>
             <a:ext cx="3971148" cy="461665"/>
           </a:xfrm>
           <a:prstGeom prst="rect">
@@ -14455,8 +13083,8 @@
         </p:nvSpPr>
         <p:spPr>
           <a:xfrm>
-            <a:off x="761600" y="27478334"/>
-            <a:ext cx="20104487" cy="1200329"/>
+            <a:off x="727907" y="27495545"/>
+            <a:ext cx="20165674" cy="1200329"/>
           </a:xfrm>
           <a:prstGeom prst="rect">
             <a:avLst/>
@@ -14475,15 +13103,23 @@
             </a:r>
             <a:r>
               <a:rPr lang="ja-JP" altLang="en-US" sz="3600" dirty="0"/>
-              <a:t>からデータを取得する工程を自動化するために，</a:t>
-            </a:r>
-            <a:r>
-              <a:rPr lang="en-US" altLang="ja-JP" sz="3600" dirty="0" err="1"/>
+              <a:t>からデータを取得する工程を自動化するために</a:t>
+            </a:r>
+            <a:r>
+              <a:rPr lang="ja-JP" altLang="en-US" sz="3600" dirty="0" smtClean="0"/>
+              <a:t>，</a:t>
+            </a:r>
+            <a:r>
+              <a:rPr lang="en-US" altLang="ja-JP" sz="3600" dirty="0" err="1" smtClean="0"/>
               <a:t>pukiwiki</a:t>
             </a:r>
             <a:r>
+              <a:rPr lang="ja-JP" altLang="en-US" sz="3600" dirty="0" smtClean="0"/>
+              <a:t>から</a:t>
+            </a:r>
+            <a:r>
               <a:rPr lang="ja-JP" altLang="en-US" sz="3600" dirty="0"/>
-              <a:t>から機械的にデータを取得する方法を見つける</a:t>
+              <a:t>機械的にデータを取得する方法を見つける</a:t>
             </a:r>
             <a:r>
               <a:rPr lang="ja-JP" altLang="en-US" sz="3600" dirty="0" smtClean="0"/>
@@ -14491,15 +13127,23 @@
             </a:r>
             <a:r>
               <a:rPr lang="en-US" altLang="ja-JP" sz="3600" dirty="0" smtClean="0"/>
-              <a:t>(</a:t>
+              <a:t>※</a:t>
+            </a:r>
+            <a:r>
+              <a:rPr lang="en-US" altLang="ja-JP" sz="3600" dirty="0" err="1" smtClean="0"/>
+              <a:t>pukiwiki</a:t>
             </a:r>
             <a:r>
               <a:rPr lang="ja-JP" altLang="en-US" sz="3600" dirty="0" smtClean="0"/>
-              <a:t>クローラーを計画中</a:t>
+              <a:t>とは，</a:t>
             </a:r>
             <a:r>
               <a:rPr lang="en-US" altLang="ja-JP" sz="3600" dirty="0" smtClean="0"/>
-              <a:t>)</a:t>
+              <a:t>wiki</a:t>
+            </a:r>
+            <a:r>
+              <a:rPr lang="ja-JP" altLang="en-US" sz="3600" dirty="0" smtClean="0"/>
+              <a:t>の一種</a:t>
             </a:r>
             <a:endParaRPr kumimoji="1" lang="ja-JP" altLang="en-US" sz="3600" dirty="0"/>
           </a:p>
@@ -14563,10 +13207,2136 @@
           </a:p>
         </p:txBody>
       </p:sp>
+      <p:pic>
+        <p:nvPicPr>
+          <p:cNvPr id="4" name="図 3"/>
+          <p:cNvPicPr>
+            <a:picLocks noChangeAspect="1"/>
+          </p:cNvPicPr>
+          <p:nvPr/>
+        </p:nvPicPr>
+        <p:blipFill>
+          <a:blip r:embed="rId3" cstate="print">
+            <a:extLst>
+              <a:ext uri="{28A0092B-C50C-407E-A947-70E740481C1C}">
+                <a14:useLocalDpi xmlns:a14="http://schemas.microsoft.com/office/drawing/2010/main" val="0"/>
+              </a:ext>
+            </a:extLst>
+          </a:blip>
+          <a:stretch>
+            <a:fillRect/>
+          </a:stretch>
+        </p:blipFill>
+        <p:spPr>
+          <a:xfrm>
+            <a:off x="727907" y="5179101"/>
+            <a:ext cx="3502065" cy="2414822"/>
+          </a:xfrm>
+          <a:prstGeom prst="rect">
+            <a:avLst/>
+          </a:prstGeom>
+        </p:spPr>
+      </p:pic>
+      <p:sp>
+        <p:nvSpPr>
+          <p:cNvPr id="9" name="右矢印 8"/>
+          <p:cNvSpPr/>
+          <p:nvPr/>
+        </p:nvSpPr>
+        <p:spPr>
+          <a:xfrm>
+            <a:off x="4577877" y="5489621"/>
+            <a:ext cx="1767631" cy="1573112"/>
+          </a:xfrm>
+          <a:prstGeom prst="rightArrow">
+            <a:avLst/>
+          </a:prstGeom>
+          <a:noFill/>
+          <a:ln>
+            <a:solidFill>
+              <a:schemeClr val="tx1"/>
+            </a:solidFill>
+          </a:ln>
+          <a:effectLst/>
+        </p:spPr>
+        <p:style>
+          <a:lnRef idx="1">
+            <a:schemeClr val="accent1"/>
+          </a:lnRef>
+          <a:fillRef idx="3">
+            <a:schemeClr val="accent1"/>
+          </a:fillRef>
+          <a:effectRef idx="2">
+            <a:schemeClr val="accent1"/>
+          </a:effectRef>
+          <a:fontRef idx="minor">
+            <a:schemeClr val="lt1"/>
+          </a:fontRef>
+        </p:style>
+        <p:txBody>
+          <a:bodyPr rot="0" spcFirstLastPara="0" vertOverflow="overflow" horzOverflow="overflow" vert="horz" wrap="square" lIns="91440" tIns="45720" rIns="91440" bIns="45720" numCol="1" spcCol="0" rtlCol="0" fromWordArt="0" anchor="ctr" anchorCtr="0" forceAA="0" compatLnSpc="1">
+            <a:prstTxWarp prst="textNoShape">
+              <a:avLst/>
+            </a:prstTxWarp>
+            <a:noAutofit/>
+          </a:bodyPr>
+          <a:lstStyle/>
+          <a:p>
+            <a:pPr algn="ctr"/>
+            <a:r>
+              <a:rPr lang="ja-JP" altLang="en-US" sz="2400" dirty="0">
+                <a:solidFill>
+                  <a:sysClr val="windowText" lastClr="000000"/>
+                </a:solidFill>
+              </a:rPr>
+              <a:t>ネット</a:t>
+            </a:r>
+            <a:r>
+              <a:rPr lang="ja-JP" altLang="en-US" sz="2400" dirty="0" smtClean="0">
+                <a:solidFill>
+                  <a:sysClr val="windowText" lastClr="000000"/>
+                </a:solidFill>
+              </a:rPr>
+              <a:t>の普及</a:t>
+            </a:r>
+            <a:endParaRPr kumimoji="1" lang="ja-JP" altLang="en-US" sz="2400" dirty="0" smtClean="0">
+              <a:solidFill>
+                <a:sysClr val="windowText" lastClr="000000"/>
+              </a:solidFill>
+            </a:endParaRPr>
+          </a:p>
+        </p:txBody>
+      </p:sp>
+      <p:sp>
+        <p:nvSpPr>
+          <p:cNvPr id="16" name="角丸四角形 15"/>
+          <p:cNvSpPr/>
+          <p:nvPr/>
+        </p:nvSpPr>
+        <p:spPr>
+          <a:xfrm>
+            <a:off x="1465292" y="8285965"/>
+            <a:ext cx="2037789" cy="683667"/>
+          </a:xfrm>
+          <a:prstGeom prst="roundRect">
+            <a:avLst/>
+          </a:prstGeom>
+          <a:noFill/>
+          <a:ln>
+            <a:solidFill>
+              <a:schemeClr val="tx1"/>
+            </a:solidFill>
+          </a:ln>
+          <a:effectLst/>
+        </p:spPr>
+        <p:style>
+          <a:lnRef idx="1">
+            <a:schemeClr val="accent1"/>
+          </a:lnRef>
+          <a:fillRef idx="3">
+            <a:schemeClr val="accent1"/>
+          </a:fillRef>
+          <a:effectRef idx="2">
+            <a:schemeClr val="accent1"/>
+          </a:effectRef>
+          <a:fontRef idx="minor">
+            <a:schemeClr val="lt1"/>
+          </a:fontRef>
+        </p:style>
+        <p:txBody>
+          <a:bodyPr rot="0" spcFirstLastPara="0" vertOverflow="overflow" horzOverflow="overflow" vert="horz" wrap="square" lIns="91440" tIns="45720" rIns="91440" bIns="45720" numCol="1" spcCol="0" rtlCol="0" fromWordArt="0" anchor="ctr" anchorCtr="0" forceAA="0" compatLnSpc="1">
+            <a:prstTxWarp prst="textNoShape">
+              <a:avLst/>
+            </a:prstTxWarp>
+            <a:noAutofit/>
+          </a:bodyPr>
+          <a:lstStyle/>
+          <a:p>
+            <a:pPr algn="ctr"/>
+            <a:r>
+              <a:rPr kumimoji="1" lang="ja-JP" altLang="en-US" sz="3600" dirty="0" smtClean="0">
+                <a:solidFill>
+                  <a:sysClr val="windowText" lastClr="000000"/>
+                </a:solidFill>
+              </a:rPr>
+              <a:t>攻略本</a:t>
+            </a:r>
+            <a:endParaRPr kumimoji="1" lang="ja-JP" altLang="en-US" sz="3600" dirty="0" smtClean="0">
+              <a:solidFill>
+                <a:sysClr val="windowText" lastClr="000000"/>
+              </a:solidFill>
+            </a:endParaRPr>
+          </a:p>
+        </p:txBody>
+      </p:sp>
+      <p:sp>
+        <p:nvSpPr>
+          <p:cNvPr id="135" name="角丸四角形 134"/>
+          <p:cNvSpPr/>
+          <p:nvPr/>
+        </p:nvSpPr>
+        <p:spPr>
+          <a:xfrm>
+            <a:off x="6918051" y="8327318"/>
+            <a:ext cx="2153386" cy="683667"/>
+          </a:xfrm>
+          <a:prstGeom prst="roundRect">
+            <a:avLst/>
+          </a:prstGeom>
+          <a:noFill/>
+          <a:ln>
+            <a:solidFill>
+              <a:schemeClr val="tx1"/>
+            </a:solidFill>
+          </a:ln>
+          <a:effectLst/>
+        </p:spPr>
+        <p:style>
+          <a:lnRef idx="1">
+            <a:schemeClr val="accent1"/>
+          </a:lnRef>
+          <a:fillRef idx="3">
+            <a:schemeClr val="accent1"/>
+          </a:fillRef>
+          <a:effectRef idx="2">
+            <a:schemeClr val="accent1"/>
+          </a:effectRef>
+          <a:fontRef idx="minor">
+            <a:schemeClr val="lt1"/>
+          </a:fontRef>
+        </p:style>
+        <p:txBody>
+          <a:bodyPr rot="0" spcFirstLastPara="0" vertOverflow="overflow" horzOverflow="overflow" vert="horz" wrap="square" lIns="91440" tIns="45720" rIns="91440" bIns="45720" numCol="1" spcCol="0" rtlCol="0" fromWordArt="0" anchor="ctr" anchorCtr="0" forceAA="0" compatLnSpc="1">
+            <a:prstTxWarp prst="textNoShape">
+              <a:avLst/>
+            </a:prstTxWarp>
+            <a:noAutofit/>
+          </a:bodyPr>
+          <a:lstStyle/>
+          <a:p>
+            <a:pPr algn="ctr"/>
+            <a:r>
+              <a:rPr kumimoji="1" lang="en-US" altLang="ja-JP" sz="4400" dirty="0" smtClean="0">
+                <a:solidFill>
+                  <a:sysClr val="windowText" lastClr="000000"/>
+                </a:solidFill>
+              </a:rPr>
+              <a:t>web</a:t>
+            </a:r>
+          </a:p>
+        </p:txBody>
+      </p:sp>
+      <p:sp>
+        <p:nvSpPr>
+          <p:cNvPr id="19" name="フローチャート: 磁気ディスク 18"/>
+          <p:cNvSpPr/>
+          <p:nvPr/>
+        </p:nvSpPr>
+        <p:spPr>
+          <a:xfrm>
+            <a:off x="16793179" y="4963055"/>
+            <a:ext cx="3172783" cy="3559754"/>
+          </a:xfrm>
+          <a:prstGeom prst="flowChartMagneticDisk">
+            <a:avLst/>
+          </a:prstGeom>
+          <a:noFill/>
+          <a:ln>
+            <a:solidFill>
+              <a:schemeClr val="tx1"/>
+            </a:solidFill>
+          </a:ln>
+          <a:effectLst/>
+        </p:spPr>
+        <p:style>
+          <a:lnRef idx="1">
+            <a:schemeClr val="accent1"/>
+          </a:lnRef>
+          <a:fillRef idx="3">
+            <a:schemeClr val="accent1"/>
+          </a:fillRef>
+          <a:effectRef idx="2">
+            <a:schemeClr val="accent1"/>
+          </a:effectRef>
+          <a:fontRef idx="minor">
+            <a:schemeClr val="lt1"/>
+          </a:fontRef>
+        </p:style>
+        <p:txBody>
+          <a:bodyPr rot="0" spcFirstLastPara="0" vertOverflow="overflow" horzOverflow="overflow" vert="horz" wrap="square" lIns="91440" tIns="45720" rIns="91440" bIns="45720" numCol="1" spcCol="0" rtlCol="0" fromWordArt="0" anchor="ctr" anchorCtr="0" forceAA="0" compatLnSpc="1">
+            <a:prstTxWarp prst="textNoShape">
+              <a:avLst/>
+            </a:prstTxWarp>
+            <a:noAutofit/>
+          </a:bodyPr>
+          <a:lstStyle/>
+          <a:p>
+            <a:pPr algn="ctr"/>
+            <a:r>
+              <a:rPr kumimoji="1" lang="en-US" altLang="ja-JP" dirty="0" smtClean="0">
+                <a:solidFill>
+                  <a:sysClr val="windowText" lastClr="000000"/>
+                </a:solidFill>
+              </a:rPr>
+              <a:t>wiki</a:t>
+            </a:r>
+            <a:endParaRPr kumimoji="1" lang="ja-JP" altLang="en-US" dirty="0" smtClean="0">
+              <a:solidFill>
+                <a:sysClr val="windowText" lastClr="000000"/>
+              </a:solidFill>
+            </a:endParaRPr>
+          </a:p>
+        </p:txBody>
+      </p:sp>
+      <p:sp>
+        <p:nvSpPr>
+          <p:cNvPr id="20" name="角丸四角形 19"/>
+          <p:cNvSpPr/>
+          <p:nvPr/>
+        </p:nvSpPr>
+        <p:spPr>
+          <a:xfrm>
+            <a:off x="11743865" y="4819708"/>
+            <a:ext cx="2250314" cy="718786"/>
+          </a:xfrm>
+          <a:prstGeom prst="roundRect">
+            <a:avLst/>
+          </a:prstGeom>
+          <a:noFill/>
+          <a:ln>
+            <a:solidFill>
+              <a:schemeClr val="tx1"/>
+            </a:solidFill>
+          </a:ln>
+          <a:effectLst/>
+        </p:spPr>
+        <p:style>
+          <a:lnRef idx="1">
+            <a:schemeClr val="accent1"/>
+          </a:lnRef>
+          <a:fillRef idx="3">
+            <a:schemeClr val="accent1"/>
+          </a:fillRef>
+          <a:effectRef idx="2">
+            <a:schemeClr val="accent1"/>
+          </a:effectRef>
+          <a:fontRef idx="minor">
+            <a:schemeClr val="lt1"/>
+          </a:fontRef>
+        </p:style>
+        <p:txBody>
+          <a:bodyPr rot="0" spcFirstLastPara="0" vertOverflow="overflow" horzOverflow="overflow" vert="horz" wrap="square" lIns="91440" tIns="45720" rIns="91440" bIns="45720" numCol="1" spcCol="0" rtlCol="0" fromWordArt="0" anchor="ctr" anchorCtr="0" forceAA="0" compatLnSpc="1">
+            <a:prstTxWarp prst="textNoShape">
+              <a:avLst/>
+            </a:prstTxWarp>
+            <a:noAutofit/>
+          </a:bodyPr>
+          <a:lstStyle/>
+          <a:p>
+            <a:pPr algn="ctr"/>
+            <a:r>
+              <a:rPr lang="ja-JP" altLang="en-US" sz="4000" dirty="0" smtClean="0">
+                <a:solidFill>
+                  <a:sysClr val="windowText" lastClr="000000"/>
+                </a:solidFill>
+              </a:rPr>
+              <a:t>ユーザ</a:t>
+            </a:r>
+            <a:endParaRPr kumimoji="1" lang="ja-JP" altLang="en-US" sz="4000" dirty="0" smtClean="0">
+              <a:solidFill>
+                <a:sysClr val="windowText" lastClr="000000"/>
+              </a:solidFill>
+            </a:endParaRPr>
+          </a:p>
+        </p:txBody>
+      </p:sp>
+      <p:cxnSp>
+        <p:nvCxnSpPr>
+          <p:cNvPr id="22" name="直線コネクタ 21"/>
+          <p:cNvCxnSpPr>
+            <a:stCxn id="20" idx="3"/>
+            <a:endCxn id="19" idx="2"/>
+          </p:cNvCxnSpPr>
+          <p:nvPr/>
+        </p:nvCxnSpPr>
+        <p:spPr>
+          <a:xfrm>
+            <a:off x="13994179" y="5179101"/>
+            <a:ext cx="2799000" cy="1563831"/>
+          </a:xfrm>
+          <a:prstGeom prst="line">
+            <a:avLst/>
+          </a:prstGeom>
+        </p:spPr>
+        <p:style>
+          <a:lnRef idx="2">
+            <a:schemeClr val="accent1"/>
+          </a:lnRef>
+          <a:fillRef idx="0">
+            <a:schemeClr val="accent1"/>
+          </a:fillRef>
+          <a:effectRef idx="1">
+            <a:schemeClr val="accent1"/>
+          </a:effectRef>
+          <a:fontRef idx="minor">
+            <a:schemeClr val="tx1"/>
+          </a:fontRef>
+        </p:style>
+      </p:cxnSp>
+      <p:sp>
+        <p:nvSpPr>
+          <p:cNvPr id="136" name="角丸四角形 135"/>
+          <p:cNvSpPr/>
+          <p:nvPr/>
+        </p:nvSpPr>
+        <p:spPr>
+          <a:xfrm>
+            <a:off x="11743865" y="6084173"/>
+            <a:ext cx="2250314" cy="718786"/>
+          </a:xfrm>
+          <a:prstGeom prst="roundRect">
+            <a:avLst/>
+          </a:prstGeom>
+          <a:noFill/>
+          <a:ln>
+            <a:solidFill>
+              <a:schemeClr val="tx1"/>
+            </a:solidFill>
+          </a:ln>
+          <a:effectLst/>
+        </p:spPr>
+        <p:style>
+          <a:lnRef idx="1">
+            <a:schemeClr val="accent1"/>
+          </a:lnRef>
+          <a:fillRef idx="3">
+            <a:schemeClr val="accent1"/>
+          </a:fillRef>
+          <a:effectRef idx="2">
+            <a:schemeClr val="accent1"/>
+          </a:effectRef>
+          <a:fontRef idx="minor">
+            <a:schemeClr val="lt1"/>
+          </a:fontRef>
+        </p:style>
+        <p:txBody>
+          <a:bodyPr rot="0" spcFirstLastPara="0" vertOverflow="overflow" horzOverflow="overflow" vert="horz" wrap="square" lIns="91440" tIns="45720" rIns="91440" bIns="45720" numCol="1" spcCol="0" rtlCol="0" fromWordArt="0" anchor="ctr" anchorCtr="0" forceAA="0" compatLnSpc="1">
+            <a:prstTxWarp prst="textNoShape">
+              <a:avLst/>
+            </a:prstTxWarp>
+            <a:noAutofit/>
+          </a:bodyPr>
+          <a:lstStyle/>
+          <a:p>
+            <a:pPr algn="ctr"/>
+            <a:r>
+              <a:rPr lang="ja-JP" altLang="en-US" sz="4000" dirty="0" smtClean="0">
+                <a:solidFill>
+                  <a:sysClr val="windowText" lastClr="000000"/>
+                </a:solidFill>
+              </a:rPr>
+              <a:t>ユーザ</a:t>
+            </a:r>
+            <a:endParaRPr kumimoji="1" lang="ja-JP" altLang="en-US" sz="4000" dirty="0" smtClean="0">
+              <a:solidFill>
+                <a:sysClr val="windowText" lastClr="000000"/>
+              </a:solidFill>
+            </a:endParaRPr>
+          </a:p>
+        </p:txBody>
+      </p:sp>
+      <p:sp>
+        <p:nvSpPr>
+          <p:cNvPr id="137" name="角丸四角形 136"/>
+          <p:cNvSpPr/>
+          <p:nvPr/>
+        </p:nvSpPr>
+        <p:spPr>
+          <a:xfrm>
+            <a:off x="11744734" y="7288611"/>
+            <a:ext cx="2250314" cy="718786"/>
+          </a:xfrm>
+          <a:prstGeom prst="roundRect">
+            <a:avLst/>
+          </a:prstGeom>
+          <a:noFill/>
+          <a:ln>
+            <a:solidFill>
+              <a:schemeClr val="tx1"/>
+            </a:solidFill>
+          </a:ln>
+          <a:effectLst/>
+        </p:spPr>
+        <p:style>
+          <a:lnRef idx="1">
+            <a:schemeClr val="accent1"/>
+          </a:lnRef>
+          <a:fillRef idx="3">
+            <a:schemeClr val="accent1"/>
+          </a:fillRef>
+          <a:effectRef idx="2">
+            <a:schemeClr val="accent1"/>
+          </a:effectRef>
+          <a:fontRef idx="minor">
+            <a:schemeClr val="lt1"/>
+          </a:fontRef>
+        </p:style>
+        <p:txBody>
+          <a:bodyPr rot="0" spcFirstLastPara="0" vertOverflow="overflow" horzOverflow="overflow" vert="horz" wrap="square" lIns="91440" tIns="45720" rIns="91440" bIns="45720" numCol="1" spcCol="0" rtlCol="0" fromWordArt="0" anchor="ctr" anchorCtr="0" forceAA="0" compatLnSpc="1">
+            <a:prstTxWarp prst="textNoShape">
+              <a:avLst/>
+            </a:prstTxWarp>
+            <a:noAutofit/>
+          </a:bodyPr>
+          <a:lstStyle/>
+          <a:p>
+            <a:pPr algn="ctr"/>
+            <a:r>
+              <a:rPr lang="ja-JP" altLang="en-US" sz="4000" dirty="0" smtClean="0">
+                <a:solidFill>
+                  <a:sysClr val="windowText" lastClr="000000"/>
+                </a:solidFill>
+              </a:rPr>
+              <a:t>ユーザ</a:t>
+            </a:r>
+            <a:endParaRPr kumimoji="1" lang="ja-JP" altLang="en-US" sz="4000" dirty="0" smtClean="0">
+              <a:solidFill>
+                <a:sysClr val="windowText" lastClr="000000"/>
+              </a:solidFill>
+            </a:endParaRPr>
+          </a:p>
+        </p:txBody>
+      </p:sp>
+      <p:sp>
+        <p:nvSpPr>
+          <p:cNvPr id="138" name="角丸四角形 137"/>
+          <p:cNvSpPr/>
+          <p:nvPr/>
+        </p:nvSpPr>
+        <p:spPr>
+          <a:xfrm>
+            <a:off x="11743865" y="8412986"/>
+            <a:ext cx="2250314" cy="718786"/>
+          </a:xfrm>
+          <a:prstGeom prst="roundRect">
+            <a:avLst/>
+          </a:prstGeom>
+          <a:noFill/>
+          <a:ln>
+            <a:solidFill>
+              <a:schemeClr val="tx1"/>
+            </a:solidFill>
+          </a:ln>
+          <a:effectLst/>
+        </p:spPr>
+        <p:style>
+          <a:lnRef idx="1">
+            <a:schemeClr val="accent1"/>
+          </a:lnRef>
+          <a:fillRef idx="3">
+            <a:schemeClr val="accent1"/>
+          </a:fillRef>
+          <a:effectRef idx="2">
+            <a:schemeClr val="accent1"/>
+          </a:effectRef>
+          <a:fontRef idx="minor">
+            <a:schemeClr val="lt1"/>
+          </a:fontRef>
+        </p:style>
+        <p:txBody>
+          <a:bodyPr rot="0" spcFirstLastPara="0" vertOverflow="overflow" horzOverflow="overflow" vert="horz" wrap="square" lIns="91440" tIns="45720" rIns="91440" bIns="45720" numCol="1" spcCol="0" rtlCol="0" fromWordArt="0" anchor="ctr" anchorCtr="0" forceAA="0" compatLnSpc="1">
+            <a:prstTxWarp prst="textNoShape">
+              <a:avLst/>
+            </a:prstTxWarp>
+            <a:noAutofit/>
+          </a:bodyPr>
+          <a:lstStyle/>
+          <a:p>
+            <a:pPr algn="ctr"/>
+            <a:r>
+              <a:rPr lang="ja-JP" altLang="en-US" sz="4000" dirty="0" smtClean="0">
+                <a:solidFill>
+                  <a:sysClr val="windowText" lastClr="000000"/>
+                </a:solidFill>
+              </a:rPr>
+              <a:t>ユーザ</a:t>
+            </a:r>
+            <a:endParaRPr kumimoji="1" lang="ja-JP" altLang="en-US" sz="4000" dirty="0" smtClean="0">
+              <a:solidFill>
+                <a:sysClr val="windowText" lastClr="000000"/>
+              </a:solidFill>
+            </a:endParaRPr>
+          </a:p>
+        </p:txBody>
+      </p:sp>
+      <p:cxnSp>
+        <p:nvCxnSpPr>
+          <p:cNvPr id="139" name="直線コネクタ 138"/>
+          <p:cNvCxnSpPr>
+            <a:stCxn id="136" idx="3"/>
+            <a:endCxn id="19" idx="2"/>
+          </p:cNvCxnSpPr>
+          <p:nvPr/>
+        </p:nvCxnSpPr>
+        <p:spPr>
+          <a:xfrm>
+            <a:off x="13994179" y="6443566"/>
+            <a:ext cx="2799000" cy="299366"/>
+          </a:xfrm>
+          <a:prstGeom prst="line">
+            <a:avLst/>
+          </a:prstGeom>
+        </p:spPr>
+        <p:style>
+          <a:lnRef idx="2">
+            <a:schemeClr val="accent1"/>
+          </a:lnRef>
+          <a:fillRef idx="0">
+            <a:schemeClr val="accent1"/>
+          </a:fillRef>
+          <a:effectRef idx="1">
+            <a:schemeClr val="accent1"/>
+          </a:effectRef>
+          <a:fontRef idx="minor">
+            <a:schemeClr val="tx1"/>
+          </a:fontRef>
+        </p:style>
+      </p:cxnSp>
+      <p:cxnSp>
+        <p:nvCxnSpPr>
+          <p:cNvPr id="140" name="直線コネクタ 139"/>
+          <p:cNvCxnSpPr>
+            <a:stCxn id="137" idx="3"/>
+            <a:endCxn id="19" idx="2"/>
+          </p:cNvCxnSpPr>
+          <p:nvPr/>
+        </p:nvCxnSpPr>
+        <p:spPr>
+          <a:xfrm flipV="1">
+            <a:off x="13995048" y="6742932"/>
+            <a:ext cx="2798131" cy="905072"/>
+          </a:xfrm>
+          <a:prstGeom prst="line">
+            <a:avLst/>
+          </a:prstGeom>
+        </p:spPr>
+        <p:style>
+          <a:lnRef idx="2">
+            <a:schemeClr val="accent1"/>
+          </a:lnRef>
+          <a:fillRef idx="0">
+            <a:schemeClr val="accent1"/>
+          </a:fillRef>
+          <a:effectRef idx="1">
+            <a:schemeClr val="accent1"/>
+          </a:effectRef>
+          <a:fontRef idx="minor">
+            <a:schemeClr val="tx1"/>
+          </a:fontRef>
+        </p:style>
+      </p:cxnSp>
+      <p:cxnSp>
+        <p:nvCxnSpPr>
+          <p:cNvPr id="141" name="直線コネクタ 140"/>
+          <p:cNvCxnSpPr>
+            <a:stCxn id="138" idx="3"/>
+            <a:endCxn id="19" idx="2"/>
+          </p:cNvCxnSpPr>
+          <p:nvPr/>
+        </p:nvCxnSpPr>
+        <p:spPr>
+          <a:xfrm flipV="1">
+            <a:off x="13994179" y="6742932"/>
+            <a:ext cx="2799000" cy="2029447"/>
+          </a:xfrm>
+          <a:prstGeom prst="line">
+            <a:avLst/>
+          </a:prstGeom>
+        </p:spPr>
+        <p:style>
+          <a:lnRef idx="2">
+            <a:schemeClr val="accent1"/>
+          </a:lnRef>
+          <a:fillRef idx="0">
+            <a:schemeClr val="accent1"/>
+          </a:fillRef>
+          <a:effectRef idx="1">
+            <a:schemeClr val="accent1"/>
+          </a:effectRef>
+          <a:fontRef idx="minor">
+            <a:schemeClr val="tx1"/>
+          </a:fontRef>
+        </p:style>
+      </p:cxnSp>
+      <p:cxnSp>
+        <p:nvCxnSpPr>
+          <p:cNvPr id="39" name="直線コネクタ 38"/>
+          <p:cNvCxnSpPr>
+            <a:stCxn id="2" idx="0"/>
+            <a:endCxn id="2" idx="2"/>
+          </p:cNvCxnSpPr>
+          <p:nvPr/>
+        </p:nvCxnSpPr>
+        <p:spPr>
+          <a:xfrm>
+            <a:off x="10730411" y="3834731"/>
+            <a:ext cx="0" cy="5817528"/>
+          </a:xfrm>
+          <a:prstGeom prst="line">
+            <a:avLst/>
+          </a:prstGeom>
+          <a:ln w="9525">
+            <a:solidFill>
+              <a:schemeClr val="tx1"/>
+            </a:solidFill>
+          </a:ln>
+        </p:spPr>
+        <p:style>
+          <a:lnRef idx="2">
+            <a:schemeClr val="accent1"/>
+          </a:lnRef>
+          <a:fillRef idx="0">
+            <a:schemeClr val="accent1"/>
+          </a:fillRef>
+          <a:effectRef idx="1">
+            <a:schemeClr val="accent1"/>
+          </a:effectRef>
+          <a:fontRef idx="minor">
+            <a:schemeClr val="tx1"/>
+          </a:fontRef>
+        </p:style>
+      </p:cxnSp>
+      <p:sp>
+        <p:nvSpPr>
+          <p:cNvPr id="142" name="フローチャート: 磁気ディスク 141"/>
+          <p:cNvSpPr/>
+          <p:nvPr/>
+        </p:nvSpPr>
+        <p:spPr>
+          <a:xfrm>
+            <a:off x="16815209" y="10385531"/>
+            <a:ext cx="3799646" cy="3081271"/>
+          </a:xfrm>
+          <a:prstGeom prst="flowChartMagneticDisk">
+            <a:avLst/>
+          </a:prstGeom>
+          <a:noFill/>
+          <a:ln>
+            <a:solidFill>
+              <a:schemeClr val="tx1"/>
+            </a:solidFill>
+          </a:ln>
+          <a:effectLst/>
+        </p:spPr>
+        <p:style>
+          <a:lnRef idx="1">
+            <a:schemeClr val="accent1"/>
+          </a:lnRef>
+          <a:fillRef idx="3">
+            <a:schemeClr val="accent1"/>
+          </a:fillRef>
+          <a:effectRef idx="2">
+            <a:schemeClr val="accent1"/>
+          </a:effectRef>
+          <a:fontRef idx="minor">
+            <a:schemeClr val="lt1"/>
+          </a:fontRef>
+        </p:style>
+        <p:txBody>
+          <a:bodyPr rot="0" spcFirstLastPara="0" vertOverflow="overflow" horzOverflow="overflow" vert="horz" wrap="square" lIns="91440" tIns="45720" rIns="91440" bIns="45720" numCol="1" spcCol="0" rtlCol="0" fromWordArt="0" anchor="ctr" anchorCtr="0" forceAA="0" compatLnSpc="1">
+            <a:prstTxWarp prst="textNoShape">
+              <a:avLst/>
+            </a:prstTxWarp>
+            <a:noAutofit/>
+          </a:bodyPr>
+          <a:lstStyle/>
+          <a:p>
+            <a:pPr algn="ctr"/>
+            <a:r>
+              <a:rPr lang="en-US" altLang="ja-JP" dirty="0">
+                <a:solidFill>
+                  <a:sysClr val="windowText" lastClr="000000"/>
+                </a:solidFill>
+              </a:rPr>
+              <a:t>Wikipedia</a:t>
+            </a:r>
+            <a:endParaRPr kumimoji="1" lang="ja-JP" altLang="en-US" dirty="0" smtClean="0">
+              <a:solidFill>
+                <a:sysClr val="windowText" lastClr="000000"/>
+              </a:solidFill>
+            </a:endParaRPr>
+          </a:p>
+        </p:txBody>
+      </p:sp>
+      <p:sp>
+        <p:nvSpPr>
+          <p:cNvPr id="145" name="左矢印 144"/>
+          <p:cNvSpPr/>
+          <p:nvPr/>
+        </p:nvSpPr>
+        <p:spPr>
+          <a:xfrm>
+            <a:off x="13396794" y="11214271"/>
+            <a:ext cx="2987315" cy="2126643"/>
+          </a:xfrm>
+          <a:prstGeom prst="leftArrow">
+            <a:avLst/>
+          </a:prstGeom>
+          <a:noFill/>
+          <a:ln>
+            <a:solidFill>
+              <a:schemeClr val="tx1"/>
+            </a:solidFill>
+          </a:ln>
+          <a:effectLst/>
+        </p:spPr>
+        <p:style>
+          <a:lnRef idx="1">
+            <a:schemeClr val="accent1"/>
+          </a:lnRef>
+          <a:fillRef idx="3">
+            <a:schemeClr val="accent1"/>
+          </a:fillRef>
+          <a:effectRef idx="2">
+            <a:schemeClr val="accent1"/>
+          </a:effectRef>
+          <a:fontRef idx="minor">
+            <a:schemeClr val="lt1"/>
+          </a:fontRef>
+        </p:style>
+        <p:txBody>
+          <a:bodyPr rot="0" spcFirstLastPara="0" vertOverflow="overflow" horzOverflow="overflow" vert="horz" wrap="square" lIns="91440" tIns="45720" rIns="91440" bIns="45720" numCol="1" spcCol="0" rtlCol="0" fromWordArt="0" anchor="ctr" anchorCtr="0" forceAA="0" compatLnSpc="1">
+            <a:prstTxWarp prst="textNoShape">
+              <a:avLst/>
+            </a:prstTxWarp>
+            <a:noAutofit/>
+          </a:bodyPr>
+          <a:lstStyle/>
+          <a:p>
+            <a:pPr algn="ctr"/>
+            <a:r>
+              <a:rPr kumimoji="1" lang="ja-JP" altLang="en-US" sz="3600" dirty="0" smtClean="0">
+                <a:solidFill>
+                  <a:sysClr val="windowText" lastClr="000000"/>
+                </a:solidFill>
+              </a:rPr>
+              <a:t>データ</a:t>
+            </a:r>
+            <a:endParaRPr kumimoji="1" lang="ja-JP" altLang="en-US" sz="3600" dirty="0" smtClean="0">
+              <a:solidFill>
+                <a:sysClr val="windowText" lastClr="000000"/>
+              </a:solidFill>
+            </a:endParaRPr>
+          </a:p>
+        </p:txBody>
+      </p:sp>
+      <p:sp>
+        <p:nvSpPr>
+          <p:cNvPr id="146" name="右矢印 145"/>
+          <p:cNvSpPr/>
+          <p:nvPr/>
+        </p:nvSpPr>
+        <p:spPr>
+          <a:xfrm>
+            <a:off x="5228027" y="11204608"/>
+            <a:ext cx="2987315" cy="2126643"/>
+          </a:xfrm>
+          <a:prstGeom prst="rightArrow">
+            <a:avLst/>
+          </a:prstGeom>
+          <a:noFill/>
+          <a:ln>
+            <a:solidFill>
+              <a:schemeClr val="tx1"/>
+            </a:solidFill>
+          </a:ln>
+          <a:effectLst/>
+        </p:spPr>
+        <p:style>
+          <a:lnRef idx="1">
+            <a:schemeClr val="accent1"/>
+          </a:lnRef>
+          <a:fillRef idx="3">
+            <a:schemeClr val="accent1"/>
+          </a:fillRef>
+          <a:effectRef idx="2">
+            <a:schemeClr val="accent1"/>
+          </a:effectRef>
+          <a:fontRef idx="minor">
+            <a:schemeClr val="lt1"/>
+          </a:fontRef>
+        </p:style>
+        <p:txBody>
+          <a:bodyPr rot="0" spcFirstLastPara="0" vertOverflow="overflow" horzOverflow="overflow" vert="horz" wrap="square" lIns="91440" tIns="45720" rIns="91440" bIns="45720" numCol="1" spcCol="0" rtlCol="0" fromWordArt="0" anchor="ctr" anchorCtr="0" forceAA="0" compatLnSpc="1">
+            <a:prstTxWarp prst="textNoShape">
+              <a:avLst/>
+            </a:prstTxWarp>
+            <a:noAutofit/>
+          </a:bodyPr>
+          <a:lstStyle/>
+          <a:p>
+            <a:pPr algn="ctr"/>
+            <a:r>
+              <a:rPr kumimoji="1" lang="ja-JP" altLang="en-US" sz="3600" dirty="0" smtClean="0">
+                <a:solidFill>
+                  <a:sysClr val="windowText" lastClr="000000"/>
+                </a:solidFill>
+              </a:rPr>
+              <a:t>データ</a:t>
+            </a:r>
+            <a:endParaRPr kumimoji="1" lang="ja-JP" altLang="en-US" sz="3600" dirty="0" smtClean="0">
+              <a:solidFill>
+                <a:sysClr val="windowText" lastClr="000000"/>
+              </a:solidFill>
+            </a:endParaRPr>
+          </a:p>
+        </p:txBody>
+      </p:sp>
+      <p:sp>
+        <p:nvSpPr>
+          <p:cNvPr id="147" name="フローチャート: 磁気ディスク 146"/>
+          <p:cNvSpPr/>
+          <p:nvPr/>
+        </p:nvSpPr>
+        <p:spPr>
+          <a:xfrm>
+            <a:off x="783124" y="11204608"/>
+            <a:ext cx="3799646" cy="2225487"/>
+          </a:xfrm>
+          <a:prstGeom prst="flowChartMagneticDisk">
+            <a:avLst/>
+          </a:prstGeom>
+          <a:noFill/>
+          <a:ln>
+            <a:solidFill>
+              <a:schemeClr val="tx1"/>
+            </a:solidFill>
+          </a:ln>
+          <a:effectLst/>
+        </p:spPr>
+        <p:style>
+          <a:lnRef idx="1">
+            <a:schemeClr val="accent1"/>
+          </a:lnRef>
+          <a:fillRef idx="3">
+            <a:schemeClr val="accent1"/>
+          </a:fillRef>
+          <a:effectRef idx="2">
+            <a:schemeClr val="accent1"/>
+          </a:effectRef>
+          <a:fontRef idx="minor">
+            <a:schemeClr val="lt1"/>
+          </a:fontRef>
+        </p:style>
+        <p:txBody>
+          <a:bodyPr rot="0" spcFirstLastPara="0" vertOverflow="overflow" horzOverflow="overflow" vert="horz" wrap="square" lIns="91440" tIns="45720" rIns="91440" bIns="45720" numCol="1" spcCol="0" rtlCol="0" fromWordArt="0" anchor="ctr" anchorCtr="0" forceAA="0" compatLnSpc="1">
+            <a:prstTxWarp prst="textNoShape">
+              <a:avLst/>
+            </a:prstTxWarp>
+            <a:noAutofit/>
+          </a:bodyPr>
+          <a:lstStyle/>
+          <a:p>
+            <a:pPr algn="ctr"/>
+            <a:r>
+              <a:rPr lang="ja-JP" altLang="en-US" dirty="0" smtClean="0">
+                <a:solidFill>
+                  <a:sysClr val="windowText" lastClr="000000"/>
+                </a:solidFill>
+              </a:rPr>
+              <a:t>攻略</a:t>
+            </a:r>
+            <a:r>
+              <a:rPr lang="en-US" altLang="ja-JP" dirty="0" smtClean="0">
+                <a:solidFill>
+                  <a:sysClr val="windowText" lastClr="000000"/>
+                </a:solidFill>
+              </a:rPr>
+              <a:t>wiki</a:t>
+            </a:r>
+            <a:endParaRPr kumimoji="1" lang="ja-JP" altLang="en-US" dirty="0" smtClean="0">
+              <a:solidFill>
+                <a:sysClr val="windowText" lastClr="000000"/>
+              </a:solidFill>
+            </a:endParaRPr>
+          </a:p>
+        </p:txBody>
+      </p:sp>
+      <p:pic>
+        <p:nvPicPr>
+          <p:cNvPr id="43" name="図 42"/>
+          <p:cNvPicPr>
+            <a:picLocks noChangeAspect="1"/>
+          </p:cNvPicPr>
+          <p:nvPr/>
+        </p:nvPicPr>
+        <p:blipFill>
+          <a:blip r:embed="rId4" cstate="print">
+            <a:extLst>
+              <a:ext uri="{28A0092B-C50C-407E-A947-70E740481C1C}">
+                <a14:useLocalDpi xmlns:a14="http://schemas.microsoft.com/office/drawing/2010/main" val="0"/>
+              </a:ext>
+            </a:extLst>
+          </a:blip>
+          <a:stretch>
+            <a:fillRect/>
+          </a:stretch>
+        </p:blipFill>
+        <p:spPr>
+          <a:xfrm>
+            <a:off x="8860600" y="10772190"/>
+            <a:ext cx="4207639" cy="2738327"/>
+          </a:xfrm>
+          <a:prstGeom prst="rect">
+            <a:avLst/>
+          </a:prstGeom>
+        </p:spPr>
+      </p:pic>
+      <p:sp>
+        <p:nvSpPr>
+          <p:cNvPr id="45" name="角丸四角形 44"/>
+          <p:cNvSpPr/>
+          <p:nvPr/>
+        </p:nvSpPr>
+        <p:spPr>
+          <a:xfrm>
+            <a:off x="9613280" y="10171435"/>
+            <a:ext cx="2050217" cy="600755"/>
+          </a:xfrm>
+          <a:prstGeom prst="roundRect">
+            <a:avLst/>
+          </a:prstGeom>
+          <a:noFill/>
+          <a:ln>
+            <a:solidFill>
+              <a:schemeClr val="tx1"/>
+            </a:solidFill>
+          </a:ln>
+          <a:effectLst/>
+        </p:spPr>
+        <p:style>
+          <a:lnRef idx="1">
+            <a:schemeClr val="accent1"/>
+          </a:lnRef>
+          <a:fillRef idx="3">
+            <a:schemeClr val="accent1"/>
+          </a:fillRef>
+          <a:effectRef idx="2">
+            <a:schemeClr val="accent1"/>
+          </a:effectRef>
+          <a:fontRef idx="minor">
+            <a:schemeClr val="lt1"/>
+          </a:fontRef>
+        </p:style>
+        <p:txBody>
+          <a:bodyPr rot="0" spcFirstLastPara="0" vertOverflow="overflow" horzOverflow="overflow" vert="horz" wrap="square" lIns="91440" tIns="45720" rIns="91440" bIns="45720" numCol="1" spcCol="0" rtlCol="0" fromWordArt="0" anchor="ctr" anchorCtr="0" forceAA="0" compatLnSpc="1">
+            <a:prstTxWarp prst="textNoShape">
+              <a:avLst/>
+            </a:prstTxWarp>
+            <a:noAutofit/>
+          </a:bodyPr>
+          <a:lstStyle/>
+          <a:p>
+            <a:pPr algn="ctr"/>
+            <a:r>
+              <a:rPr kumimoji="1" lang="ja-JP" altLang="en-US" sz="4400" dirty="0" smtClean="0">
+                <a:solidFill>
+                  <a:sysClr val="windowText" lastClr="000000"/>
+                </a:solidFill>
+              </a:rPr>
+              <a:t>比較</a:t>
+            </a:r>
+            <a:endParaRPr kumimoji="1" lang="ja-JP" altLang="en-US" sz="4400" dirty="0" smtClean="0">
+              <a:solidFill>
+                <a:sysClr val="windowText" lastClr="000000"/>
+              </a:solidFill>
+            </a:endParaRPr>
+          </a:p>
+        </p:txBody>
+      </p:sp>
+      <p:pic>
+        <p:nvPicPr>
+          <p:cNvPr id="47" name="図 46"/>
+          <p:cNvPicPr>
+            <a:picLocks noChangeAspect="1"/>
+          </p:cNvPicPr>
+          <p:nvPr/>
+        </p:nvPicPr>
+        <p:blipFill>
+          <a:blip r:embed="rId5">
+            <a:extLst>
+              <a:ext uri="{28A0092B-C50C-407E-A947-70E740481C1C}">
+                <a14:useLocalDpi xmlns:a14="http://schemas.microsoft.com/office/drawing/2010/main" val="0"/>
+              </a:ext>
+            </a:extLst>
+          </a:blip>
+          <a:stretch>
+            <a:fillRect/>
+          </a:stretch>
+        </p:blipFill>
+        <p:spPr>
+          <a:xfrm>
+            <a:off x="5020801" y="14448418"/>
+            <a:ext cx="4966346" cy="3474606"/>
+          </a:xfrm>
+          <a:prstGeom prst="rect">
+            <a:avLst/>
+          </a:prstGeom>
+        </p:spPr>
+      </p:pic>
+      <p:sp>
+        <p:nvSpPr>
+          <p:cNvPr id="48" name="角丸四角形 47"/>
+          <p:cNvSpPr/>
+          <p:nvPr/>
+        </p:nvSpPr>
+        <p:spPr>
+          <a:xfrm>
+            <a:off x="867972" y="15398492"/>
+            <a:ext cx="3629949" cy="1760305"/>
+          </a:xfrm>
+          <a:prstGeom prst="roundRect">
+            <a:avLst/>
+          </a:prstGeom>
+          <a:noFill/>
+          <a:ln>
+            <a:solidFill>
+              <a:schemeClr val="tx1"/>
+            </a:solidFill>
+          </a:ln>
+          <a:effectLst/>
+        </p:spPr>
+        <p:style>
+          <a:lnRef idx="1">
+            <a:schemeClr val="accent1"/>
+          </a:lnRef>
+          <a:fillRef idx="3">
+            <a:schemeClr val="accent1"/>
+          </a:fillRef>
+          <a:effectRef idx="2">
+            <a:schemeClr val="accent1"/>
+          </a:effectRef>
+          <a:fontRef idx="minor">
+            <a:schemeClr val="lt1"/>
+          </a:fontRef>
+        </p:style>
+        <p:txBody>
+          <a:bodyPr rot="0" spcFirstLastPara="0" vertOverflow="overflow" horzOverflow="overflow" vert="horz" wrap="square" lIns="91440" tIns="45720" rIns="91440" bIns="45720" numCol="1" spcCol="0" rtlCol="0" fromWordArt="0" anchor="ctr" anchorCtr="0" forceAA="0" compatLnSpc="1">
+            <a:prstTxWarp prst="textNoShape">
+              <a:avLst/>
+            </a:prstTxWarp>
+            <a:noAutofit/>
+          </a:bodyPr>
+          <a:lstStyle/>
+          <a:p>
+            <a:pPr algn="ctr"/>
+            <a:r>
+              <a:rPr kumimoji="1" lang="en-US" altLang="ja-JP" sz="5400" dirty="0" smtClean="0">
+                <a:solidFill>
+                  <a:sysClr val="windowText" lastClr="000000"/>
+                </a:solidFill>
+              </a:rPr>
+              <a:t>web</a:t>
+            </a:r>
+            <a:r>
+              <a:rPr kumimoji="1" lang="ja-JP" altLang="en-US" sz="5400" dirty="0" smtClean="0">
+                <a:solidFill>
+                  <a:sysClr val="windowText" lastClr="000000"/>
+                </a:solidFill>
+              </a:rPr>
+              <a:t>ページ</a:t>
+            </a:r>
+            <a:endParaRPr kumimoji="1" lang="ja-JP" altLang="en-US" sz="5400" dirty="0" smtClean="0">
+              <a:solidFill>
+                <a:sysClr val="windowText" lastClr="000000"/>
+              </a:solidFill>
+            </a:endParaRPr>
+          </a:p>
+        </p:txBody>
+      </p:sp>
+      <p:sp>
+        <p:nvSpPr>
+          <p:cNvPr id="148" name="角丸四角形 147"/>
+          <p:cNvSpPr/>
+          <p:nvPr/>
+        </p:nvSpPr>
+        <p:spPr>
+          <a:xfrm>
+            <a:off x="867972" y="19449842"/>
+            <a:ext cx="3629949" cy="1760305"/>
+          </a:xfrm>
+          <a:prstGeom prst="roundRect">
+            <a:avLst/>
+          </a:prstGeom>
+          <a:noFill/>
+          <a:ln>
+            <a:solidFill>
+              <a:schemeClr val="tx1"/>
+            </a:solidFill>
+          </a:ln>
+          <a:effectLst/>
+        </p:spPr>
+        <p:style>
+          <a:lnRef idx="1">
+            <a:schemeClr val="accent1"/>
+          </a:lnRef>
+          <a:fillRef idx="3">
+            <a:schemeClr val="accent1"/>
+          </a:fillRef>
+          <a:effectRef idx="2">
+            <a:schemeClr val="accent1"/>
+          </a:effectRef>
+          <a:fontRef idx="minor">
+            <a:schemeClr val="lt1"/>
+          </a:fontRef>
+        </p:style>
+        <p:txBody>
+          <a:bodyPr rot="0" spcFirstLastPara="0" vertOverflow="overflow" horzOverflow="overflow" vert="horz" wrap="square" lIns="91440" tIns="45720" rIns="91440" bIns="45720" numCol="1" spcCol="0" rtlCol="0" fromWordArt="0" anchor="ctr" anchorCtr="0" forceAA="0" compatLnSpc="1">
+            <a:prstTxWarp prst="textNoShape">
+              <a:avLst/>
+            </a:prstTxWarp>
+            <a:noAutofit/>
+          </a:bodyPr>
+          <a:lstStyle/>
+          <a:p>
+            <a:pPr algn="ctr"/>
+            <a:r>
+              <a:rPr lang="en-US" altLang="ja-JP" sz="5400" dirty="0">
+                <a:solidFill>
+                  <a:sysClr val="windowText" lastClr="000000"/>
+                </a:solidFill>
+              </a:rPr>
+              <a:t>Excel</a:t>
+            </a:r>
+            <a:endParaRPr kumimoji="1" lang="ja-JP" altLang="en-US" sz="5400" dirty="0" smtClean="0">
+              <a:solidFill>
+                <a:sysClr val="windowText" lastClr="000000"/>
+              </a:solidFill>
+            </a:endParaRPr>
+          </a:p>
+        </p:txBody>
+      </p:sp>
+      <p:sp>
+        <p:nvSpPr>
+          <p:cNvPr id="149" name="角丸四角形 148"/>
+          <p:cNvSpPr/>
+          <p:nvPr/>
+        </p:nvSpPr>
+        <p:spPr>
+          <a:xfrm>
+            <a:off x="934916" y="23428439"/>
+            <a:ext cx="3629949" cy="1760305"/>
+          </a:xfrm>
+          <a:prstGeom prst="roundRect">
+            <a:avLst/>
+          </a:prstGeom>
+          <a:noFill/>
+          <a:ln>
+            <a:solidFill>
+              <a:schemeClr val="tx1"/>
+            </a:solidFill>
+          </a:ln>
+          <a:effectLst/>
+        </p:spPr>
+        <p:style>
+          <a:lnRef idx="1">
+            <a:schemeClr val="accent1"/>
+          </a:lnRef>
+          <a:fillRef idx="3">
+            <a:schemeClr val="accent1"/>
+          </a:fillRef>
+          <a:effectRef idx="2">
+            <a:schemeClr val="accent1"/>
+          </a:effectRef>
+          <a:fontRef idx="minor">
+            <a:schemeClr val="lt1"/>
+          </a:fontRef>
+        </p:style>
+        <p:txBody>
+          <a:bodyPr rot="0" spcFirstLastPara="0" vertOverflow="overflow" horzOverflow="overflow" vert="horz" wrap="square" lIns="91440" tIns="45720" rIns="91440" bIns="45720" numCol="1" spcCol="0" rtlCol="0" fromWordArt="0" anchor="ctr" anchorCtr="0" forceAA="0" compatLnSpc="1">
+            <a:prstTxWarp prst="textNoShape">
+              <a:avLst/>
+            </a:prstTxWarp>
+            <a:noAutofit/>
+          </a:bodyPr>
+          <a:lstStyle/>
+          <a:p>
+            <a:pPr algn="ctr"/>
+            <a:r>
+              <a:rPr lang="en-US" altLang="ja-JP" sz="5400" dirty="0">
+                <a:solidFill>
+                  <a:sysClr val="windowText" lastClr="000000"/>
+                </a:solidFill>
+              </a:rPr>
+              <a:t>R</a:t>
+            </a:r>
+            <a:endParaRPr kumimoji="1" lang="ja-JP" altLang="en-US" sz="5400" dirty="0" smtClean="0">
+              <a:solidFill>
+                <a:sysClr val="windowText" lastClr="000000"/>
+              </a:solidFill>
+            </a:endParaRPr>
+          </a:p>
+        </p:txBody>
+      </p:sp>
+      <p:sp>
+        <p:nvSpPr>
+          <p:cNvPr id="49" name="下矢印 48"/>
+          <p:cNvSpPr/>
+          <p:nvPr/>
+        </p:nvSpPr>
+        <p:spPr>
+          <a:xfrm>
+            <a:off x="1076565" y="17444457"/>
+            <a:ext cx="3212759" cy="1771370"/>
+          </a:xfrm>
+          <a:prstGeom prst="downArrow">
+            <a:avLst/>
+          </a:prstGeom>
+          <a:noFill/>
+          <a:ln>
+            <a:solidFill>
+              <a:schemeClr val="tx1"/>
+            </a:solidFill>
+          </a:ln>
+          <a:effectLst/>
+        </p:spPr>
+        <p:style>
+          <a:lnRef idx="1">
+            <a:schemeClr val="accent1"/>
+          </a:lnRef>
+          <a:fillRef idx="3">
+            <a:schemeClr val="accent1"/>
+          </a:fillRef>
+          <a:effectRef idx="2">
+            <a:schemeClr val="accent1"/>
+          </a:effectRef>
+          <a:fontRef idx="minor">
+            <a:schemeClr val="lt1"/>
+          </a:fontRef>
+        </p:style>
+        <p:txBody>
+          <a:bodyPr rot="0" spcFirstLastPara="0" vertOverflow="overflow" horzOverflow="overflow" vert="horz" wrap="square" lIns="91440" tIns="45720" rIns="91440" bIns="45720" numCol="1" spcCol="0" rtlCol="0" fromWordArt="0" anchor="ctr" anchorCtr="0" forceAA="0" compatLnSpc="1">
+            <a:prstTxWarp prst="textNoShape">
+              <a:avLst/>
+            </a:prstTxWarp>
+            <a:noAutofit/>
+          </a:bodyPr>
+          <a:lstStyle/>
+          <a:p>
+            <a:pPr algn="ctr"/>
+            <a:r>
+              <a:rPr kumimoji="1" lang="ja-JP" altLang="en-US" sz="4000" dirty="0" smtClean="0">
+                <a:solidFill>
+                  <a:sysClr val="windowText" lastClr="000000"/>
+                </a:solidFill>
+              </a:rPr>
+              <a:t>データ抽出</a:t>
+            </a:r>
+            <a:endParaRPr kumimoji="1" lang="ja-JP" altLang="en-US" sz="4000" dirty="0" smtClean="0">
+              <a:solidFill>
+                <a:sysClr val="windowText" lastClr="000000"/>
+              </a:solidFill>
+            </a:endParaRPr>
+          </a:p>
+        </p:txBody>
+      </p:sp>
+      <p:sp>
+        <p:nvSpPr>
+          <p:cNvPr id="150" name="下矢印 149"/>
+          <p:cNvSpPr/>
+          <p:nvPr/>
+        </p:nvSpPr>
+        <p:spPr>
+          <a:xfrm>
+            <a:off x="1011550" y="21444162"/>
+            <a:ext cx="3212759" cy="1771370"/>
+          </a:xfrm>
+          <a:prstGeom prst="downArrow">
+            <a:avLst/>
+          </a:prstGeom>
+          <a:noFill/>
+          <a:ln>
+            <a:solidFill>
+              <a:schemeClr val="tx1"/>
+            </a:solidFill>
+          </a:ln>
+          <a:effectLst/>
+        </p:spPr>
+        <p:style>
+          <a:lnRef idx="1">
+            <a:schemeClr val="accent1"/>
+          </a:lnRef>
+          <a:fillRef idx="3">
+            <a:schemeClr val="accent1"/>
+          </a:fillRef>
+          <a:effectRef idx="2">
+            <a:schemeClr val="accent1"/>
+          </a:effectRef>
+          <a:fontRef idx="minor">
+            <a:schemeClr val="lt1"/>
+          </a:fontRef>
+        </p:style>
+        <p:txBody>
+          <a:bodyPr rot="0" spcFirstLastPara="0" vertOverflow="overflow" horzOverflow="overflow" vert="horz" wrap="square" lIns="91440" tIns="45720" rIns="91440" bIns="45720" numCol="1" spcCol="0" rtlCol="0" fromWordArt="0" anchor="ctr" anchorCtr="0" forceAA="0" compatLnSpc="1">
+            <a:prstTxWarp prst="textNoShape">
+              <a:avLst/>
+            </a:prstTxWarp>
+            <a:noAutofit/>
+          </a:bodyPr>
+          <a:lstStyle/>
+          <a:p>
+            <a:pPr algn="ctr"/>
+            <a:r>
+              <a:rPr kumimoji="1" lang="ja-JP" altLang="en-US" sz="4000" dirty="0" smtClean="0">
+                <a:solidFill>
+                  <a:sysClr val="windowText" lastClr="000000"/>
+                </a:solidFill>
+              </a:rPr>
+              <a:t>データ解析</a:t>
+            </a:r>
+            <a:endParaRPr kumimoji="1" lang="ja-JP" altLang="en-US" sz="4000" dirty="0" smtClean="0">
+              <a:solidFill>
+                <a:sysClr val="windowText" lastClr="000000"/>
+              </a:solidFill>
+            </a:endParaRPr>
+          </a:p>
+        </p:txBody>
+      </p:sp>
+      <p:graphicFrame>
+        <p:nvGraphicFramePr>
+          <p:cNvPr id="50" name="表 49"/>
+          <p:cNvGraphicFramePr>
+            <a:graphicFrameLocks noGrp="1"/>
+          </p:cNvGraphicFramePr>
+          <p:nvPr>
+            <p:extLst>
+              <p:ext uri="{D42A27DB-BD31-4B8C-83A1-F6EECF244321}">
+                <p14:modId xmlns:p14="http://schemas.microsoft.com/office/powerpoint/2010/main" val="4047935434"/>
+              </p:ext>
+            </p:extLst>
+          </p:nvPr>
+        </p:nvGraphicFramePr>
+        <p:xfrm>
+          <a:off x="4935205" y="18850853"/>
+          <a:ext cx="5300593" cy="3047322"/>
+        </p:xfrm>
+        <a:graphic>
+          <a:graphicData uri="http://schemas.openxmlformats.org/drawingml/2006/table">
+            <a:tbl>
+              <a:tblPr>
+                <a:tableStyleId>{5C22544A-7EE6-4342-B048-85BDC9FD1C3A}</a:tableStyleId>
+              </a:tblPr>
+              <a:tblGrid>
+                <a:gridCol w="2625527"/>
+                <a:gridCol w="2675066"/>
+              </a:tblGrid>
+              <a:tr h="507887">
+                <a:tc>
+                  <a:txBody>
+                    <a:bodyPr/>
+                    <a:lstStyle/>
+                    <a:p>
+                      <a:pPr algn="l" fontAlgn="ctr"/>
+                      <a:r>
+                        <a:rPr lang="ja-JP" altLang="en-US" sz="2400" u="none" strike="noStrike" dirty="0">
+                          <a:effectLst/>
+                        </a:rPr>
+                        <a:t>編集者</a:t>
+                      </a:r>
+                      <a:endParaRPr lang="ja-JP" altLang="en-US" sz="2400" b="0" i="0" u="none" strike="noStrike" dirty="0">
+                        <a:solidFill>
+                          <a:srgbClr val="000000"/>
+                        </a:solidFill>
+                        <a:effectLst/>
+                        <a:latin typeface="ＭＳ Ｐゴシック" panose="020B0600070205080204" pitchFamily="50" charset="-128"/>
+                        <a:ea typeface="ＭＳ Ｐゴシック" panose="020B0600070205080204" pitchFamily="50" charset="-128"/>
+                      </a:endParaRPr>
+                    </a:p>
+                  </a:txBody>
+                  <a:tcPr marL="9525" marR="9525" marT="9525" marB="0" anchor="ctr"/>
+                </a:tc>
+                <a:tc>
+                  <a:txBody>
+                    <a:bodyPr/>
+                    <a:lstStyle/>
+                    <a:p>
+                      <a:pPr algn="l" fontAlgn="ctr"/>
+                      <a:r>
+                        <a:rPr lang="ja-JP" altLang="en-US" sz="2400" b="0" i="0" u="none" strike="noStrike" dirty="0" smtClean="0">
+                          <a:solidFill>
+                            <a:schemeClr val="dk1"/>
+                          </a:solidFill>
+                          <a:effectLst/>
+                          <a:latin typeface="+mn-lt"/>
+                          <a:ea typeface="+mn-ea"/>
+                        </a:rPr>
+                        <a:t>編集文字数</a:t>
+                      </a:r>
+                      <a:endParaRPr lang="ja-JP" altLang="en-US" sz="2400" b="0" i="0" u="none" strike="noStrike" dirty="0">
+                        <a:solidFill>
+                          <a:srgbClr val="000000"/>
+                        </a:solidFill>
+                        <a:effectLst/>
+                        <a:latin typeface="ＭＳ Ｐゴシック" panose="020B0600070205080204" pitchFamily="50" charset="-128"/>
+                        <a:ea typeface="ＭＳ Ｐゴシック" panose="020B0600070205080204" pitchFamily="50" charset="-128"/>
+                      </a:endParaRPr>
+                    </a:p>
+                  </a:txBody>
+                  <a:tcPr marL="9525" marR="9525" marT="9525" marB="0" anchor="ctr"/>
+                </a:tc>
+              </a:tr>
+              <a:tr h="507887">
+                <a:tc>
+                  <a:txBody>
+                    <a:bodyPr/>
+                    <a:lstStyle/>
+                    <a:p>
+                      <a:pPr algn="l" fontAlgn="ctr"/>
+                      <a:r>
+                        <a:rPr lang="en-US" sz="2400" u="none" strike="noStrike" dirty="0">
+                          <a:effectLst/>
+                        </a:rPr>
+                        <a:t>BiO9B9t4xiT</a:t>
+                      </a:r>
+                      <a:endParaRPr lang="en-US" sz="2400" b="0" i="0" u="none" strike="noStrike" dirty="0">
+                        <a:solidFill>
+                          <a:srgbClr val="000000"/>
+                        </a:solidFill>
+                        <a:effectLst/>
+                        <a:latin typeface="ＭＳ Ｐゴシック" panose="020B0600070205080204" pitchFamily="50" charset="-128"/>
+                        <a:ea typeface="ＭＳ Ｐゴシック" panose="020B0600070205080204" pitchFamily="50" charset="-128"/>
+                      </a:endParaRPr>
+                    </a:p>
+                  </a:txBody>
+                  <a:tcPr marL="9525" marR="9525" marT="9525" marB="0" anchor="ctr"/>
+                </a:tc>
+                <a:tc>
+                  <a:txBody>
+                    <a:bodyPr/>
+                    <a:lstStyle/>
+                    <a:p>
+                      <a:pPr algn="r" fontAlgn="ctr"/>
+                      <a:r>
+                        <a:rPr lang="en-US" altLang="ja-JP" sz="2400" u="none" strike="noStrike" dirty="0">
+                          <a:effectLst/>
+                        </a:rPr>
+                        <a:t>3</a:t>
+                      </a:r>
+                      <a:endParaRPr lang="en-US" altLang="ja-JP" sz="2400" b="0" i="0" u="none" strike="noStrike" dirty="0">
+                        <a:solidFill>
+                          <a:srgbClr val="000000"/>
+                        </a:solidFill>
+                        <a:effectLst/>
+                        <a:latin typeface="ＭＳ Ｐゴシック" panose="020B0600070205080204" pitchFamily="50" charset="-128"/>
+                        <a:ea typeface="ＭＳ Ｐゴシック" panose="020B0600070205080204" pitchFamily="50" charset="-128"/>
+                      </a:endParaRPr>
+                    </a:p>
+                  </a:txBody>
+                  <a:tcPr marL="9525" marR="9525" marT="9525" marB="0" anchor="ctr"/>
+                </a:tc>
+              </a:tr>
+              <a:tr h="507887">
+                <a:tc>
+                  <a:txBody>
+                    <a:bodyPr/>
+                    <a:lstStyle/>
+                    <a:p>
+                      <a:pPr algn="l" fontAlgn="ctr"/>
+                      <a:r>
+                        <a:rPr lang="en-US" sz="2400" u="none" strike="noStrike" dirty="0">
+                          <a:effectLst/>
+                        </a:rPr>
+                        <a:t>BiO9B9t4xiT</a:t>
+                      </a:r>
+                      <a:endParaRPr lang="en-US" sz="2400" b="0" i="0" u="none" strike="noStrike" dirty="0">
+                        <a:solidFill>
+                          <a:srgbClr val="000000"/>
+                        </a:solidFill>
+                        <a:effectLst/>
+                        <a:latin typeface="ＭＳ Ｐゴシック" panose="020B0600070205080204" pitchFamily="50" charset="-128"/>
+                        <a:ea typeface="ＭＳ Ｐゴシック" panose="020B0600070205080204" pitchFamily="50" charset="-128"/>
+                      </a:endParaRPr>
+                    </a:p>
+                  </a:txBody>
+                  <a:tcPr marL="9525" marR="9525" marT="9525" marB="0" anchor="ctr"/>
+                </a:tc>
+                <a:tc>
+                  <a:txBody>
+                    <a:bodyPr/>
+                    <a:lstStyle/>
+                    <a:p>
+                      <a:pPr algn="r" fontAlgn="ctr"/>
+                      <a:r>
+                        <a:rPr lang="en-US" altLang="ja-JP" sz="2400" u="none" strike="noStrike" dirty="0">
+                          <a:effectLst/>
+                        </a:rPr>
+                        <a:t>4</a:t>
+                      </a:r>
+                      <a:endParaRPr lang="en-US" altLang="ja-JP" sz="2400" b="0" i="0" u="none" strike="noStrike" dirty="0">
+                        <a:solidFill>
+                          <a:srgbClr val="000000"/>
+                        </a:solidFill>
+                        <a:effectLst/>
+                        <a:latin typeface="ＭＳ Ｐゴシック" panose="020B0600070205080204" pitchFamily="50" charset="-128"/>
+                        <a:ea typeface="ＭＳ Ｐゴシック" panose="020B0600070205080204" pitchFamily="50" charset="-128"/>
+                      </a:endParaRPr>
+                    </a:p>
+                  </a:txBody>
+                  <a:tcPr marL="9525" marR="9525" marT="9525" marB="0" anchor="ctr"/>
+                </a:tc>
+              </a:tr>
+              <a:tr h="507887">
+                <a:tc>
+                  <a:txBody>
+                    <a:bodyPr/>
+                    <a:lstStyle/>
+                    <a:p>
+                      <a:pPr algn="l" fontAlgn="ctr"/>
+                      <a:r>
+                        <a:rPr lang="en-US" sz="2400" u="none" strike="noStrike" dirty="0" err="1">
+                          <a:effectLst/>
+                        </a:rPr>
+                        <a:t>keYEKDrRYl</a:t>
+                      </a:r>
+                      <a:endParaRPr lang="en-US" sz="2400" b="0" i="0" u="none" strike="noStrike" dirty="0">
+                        <a:solidFill>
+                          <a:srgbClr val="000000"/>
+                        </a:solidFill>
+                        <a:effectLst/>
+                        <a:latin typeface="ＭＳ Ｐゴシック" panose="020B0600070205080204" pitchFamily="50" charset="-128"/>
+                        <a:ea typeface="ＭＳ Ｐゴシック" panose="020B0600070205080204" pitchFamily="50" charset="-128"/>
+                      </a:endParaRPr>
+                    </a:p>
+                  </a:txBody>
+                  <a:tcPr marL="9525" marR="9525" marT="9525" marB="0" anchor="ctr"/>
+                </a:tc>
+                <a:tc>
+                  <a:txBody>
+                    <a:bodyPr/>
+                    <a:lstStyle/>
+                    <a:p>
+                      <a:pPr algn="r" fontAlgn="ctr"/>
+                      <a:r>
+                        <a:rPr lang="en-US" altLang="ja-JP" sz="2400" u="none" strike="noStrike" dirty="0">
+                          <a:effectLst/>
+                        </a:rPr>
+                        <a:t>1</a:t>
+                      </a:r>
+                      <a:endParaRPr lang="en-US" altLang="ja-JP" sz="2400" b="0" i="0" u="none" strike="noStrike" dirty="0">
+                        <a:solidFill>
+                          <a:srgbClr val="000000"/>
+                        </a:solidFill>
+                        <a:effectLst/>
+                        <a:latin typeface="ＭＳ Ｐゴシック" panose="020B0600070205080204" pitchFamily="50" charset="-128"/>
+                        <a:ea typeface="ＭＳ Ｐゴシック" panose="020B0600070205080204" pitchFamily="50" charset="-128"/>
+                      </a:endParaRPr>
+                    </a:p>
+                  </a:txBody>
+                  <a:tcPr marL="9525" marR="9525" marT="9525" marB="0" anchor="ctr"/>
+                </a:tc>
+              </a:tr>
+              <a:tr h="507887">
+                <a:tc>
+                  <a:txBody>
+                    <a:bodyPr/>
+                    <a:lstStyle/>
+                    <a:p>
+                      <a:pPr algn="l" fontAlgn="ctr"/>
+                      <a:r>
+                        <a:rPr lang="en-US" sz="2400" u="none" strike="noStrike">
+                          <a:effectLst/>
+                        </a:rPr>
+                        <a:t>E5oN997tA9v</a:t>
+                      </a:r>
+                      <a:endParaRPr lang="en-US" sz="2400" b="0" i="0" u="none" strike="noStrike">
+                        <a:solidFill>
+                          <a:srgbClr val="000000"/>
+                        </a:solidFill>
+                        <a:effectLst/>
+                        <a:latin typeface="ＭＳ Ｐゴシック" panose="020B0600070205080204" pitchFamily="50" charset="-128"/>
+                        <a:ea typeface="ＭＳ Ｐゴシック" panose="020B0600070205080204" pitchFamily="50" charset="-128"/>
+                      </a:endParaRPr>
+                    </a:p>
+                  </a:txBody>
+                  <a:tcPr marL="9525" marR="9525" marT="9525" marB="0" anchor="ctr"/>
+                </a:tc>
+                <a:tc>
+                  <a:txBody>
+                    <a:bodyPr/>
+                    <a:lstStyle/>
+                    <a:p>
+                      <a:pPr algn="r" fontAlgn="ctr"/>
+                      <a:r>
+                        <a:rPr lang="en-US" altLang="ja-JP" sz="2400" u="none" strike="noStrike" dirty="0">
+                          <a:effectLst/>
+                        </a:rPr>
+                        <a:t>10</a:t>
+                      </a:r>
+                      <a:endParaRPr lang="en-US" altLang="ja-JP" sz="2400" b="0" i="0" u="none" strike="noStrike" dirty="0">
+                        <a:solidFill>
+                          <a:srgbClr val="000000"/>
+                        </a:solidFill>
+                        <a:effectLst/>
+                        <a:latin typeface="ＭＳ Ｐゴシック" panose="020B0600070205080204" pitchFamily="50" charset="-128"/>
+                        <a:ea typeface="ＭＳ Ｐゴシック" panose="020B0600070205080204" pitchFamily="50" charset="-128"/>
+                      </a:endParaRPr>
+                    </a:p>
+                  </a:txBody>
+                  <a:tcPr marL="9525" marR="9525" marT="9525" marB="0" anchor="ctr"/>
+                </a:tc>
+              </a:tr>
+              <a:tr h="507887">
+                <a:tc>
+                  <a:txBody>
+                    <a:bodyPr/>
+                    <a:lstStyle/>
+                    <a:p>
+                      <a:pPr algn="l" fontAlgn="ctr"/>
+                      <a:r>
+                        <a:rPr lang="en-US" sz="2400" u="none" strike="noStrike">
+                          <a:effectLst/>
+                        </a:rPr>
+                        <a:t>HrG78k72T2s</a:t>
+                      </a:r>
+                      <a:endParaRPr lang="en-US" sz="2400" b="0" i="0" u="none" strike="noStrike">
+                        <a:solidFill>
+                          <a:srgbClr val="000000"/>
+                        </a:solidFill>
+                        <a:effectLst/>
+                        <a:latin typeface="ＭＳ Ｐゴシック" panose="020B0600070205080204" pitchFamily="50" charset="-128"/>
+                        <a:ea typeface="ＭＳ Ｐゴシック" panose="020B0600070205080204" pitchFamily="50" charset="-128"/>
+                      </a:endParaRPr>
+                    </a:p>
+                  </a:txBody>
+                  <a:tcPr marL="9525" marR="9525" marT="9525" marB="0" anchor="ctr"/>
+                </a:tc>
+                <a:tc>
+                  <a:txBody>
+                    <a:bodyPr/>
+                    <a:lstStyle/>
+                    <a:p>
+                      <a:pPr algn="r" fontAlgn="ctr"/>
+                      <a:r>
+                        <a:rPr lang="en-US" altLang="ja-JP" sz="2400" u="none" strike="noStrike" dirty="0">
+                          <a:effectLst/>
+                        </a:rPr>
+                        <a:t>2</a:t>
+                      </a:r>
+                      <a:endParaRPr lang="en-US" altLang="ja-JP" sz="2400" b="0" i="0" u="none" strike="noStrike" dirty="0">
+                        <a:solidFill>
+                          <a:srgbClr val="000000"/>
+                        </a:solidFill>
+                        <a:effectLst/>
+                        <a:latin typeface="ＭＳ Ｐゴシック" panose="020B0600070205080204" pitchFamily="50" charset="-128"/>
+                        <a:ea typeface="ＭＳ Ｐゴシック" panose="020B0600070205080204" pitchFamily="50" charset="-128"/>
+                      </a:endParaRPr>
+                    </a:p>
+                  </a:txBody>
+                  <a:tcPr marL="9525" marR="9525" marT="9525" marB="0" anchor="ctr"/>
+                </a:tc>
+              </a:tr>
+            </a:tbl>
+          </a:graphicData>
+        </a:graphic>
+      </p:graphicFrame>
+      <p:sp>
+        <p:nvSpPr>
+          <p:cNvPr id="51" name="テキスト ボックス 50"/>
+          <p:cNvSpPr txBox="1"/>
+          <p:nvPr/>
+        </p:nvSpPr>
+        <p:spPr>
+          <a:xfrm>
+            <a:off x="4872819" y="23585316"/>
+            <a:ext cx="5584584" cy="1446550"/>
+          </a:xfrm>
+          <a:prstGeom prst="rect">
+            <a:avLst/>
+          </a:prstGeom>
+          <a:noFill/>
+        </p:spPr>
+        <p:txBody>
+          <a:bodyPr wrap="square" rtlCol="0">
+            <a:spAutoFit/>
+          </a:bodyPr>
+          <a:lstStyle/>
+          <a:p>
+            <a:r>
+              <a:rPr kumimoji="1" lang="en-US" altLang="ja-JP" sz="4400" dirty="0" smtClean="0"/>
+              <a:t>R</a:t>
+            </a:r>
+            <a:r>
+              <a:rPr kumimoji="1" lang="ja-JP" altLang="en-US" sz="4400" dirty="0" smtClean="0"/>
+              <a:t>とは</a:t>
+            </a:r>
+            <a:r>
+              <a:rPr kumimoji="1" lang="en-US" altLang="ja-JP" sz="4400" dirty="0" smtClean="0"/>
+              <a:t>…</a:t>
+            </a:r>
+          </a:p>
+          <a:p>
+            <a:r>
+              <a:rPr kumimoji="1" lang="ja-JP" altLang="en-US" sz="4400" dirty="0" smtClean="0"/>
+              <a:t>統計解析ソフトのこと</a:t>
+            </a:r>
+            <a:endParaRPr kumimoji="1" lang="ja-JP" altLang="en-US" sz="4400" dirty="0"/>
+          </a:p>
+        </p:txBody>
+      </p:sp>
+      <p:sp>
+        <p:nvSpPr>
+          <p:cNvPr id="157" name="角丸四角形 156"/>
+          <p:cNvSpPr/>
+          <p:nvPr/>
+        </p:nvSpPr>
+        <p:spPr>
+          <a:xfrm>
+            <a:off x="11372732" y="15508896"/>
+            <a:ext cx="3629949" cy="1760305"/>
+          </a:xfrm>
+          <a:prstGeom prst="roundRect">
+            <a:avLst/>
+          </a:prstGeom>
+          <a:noFill/>
+          <a:ln>
+            <a:solidFill>
+              <a:schemeClr val="tx1"/>
+            </a:solidFill>
+          </a:ln>
+          <a:effectLst/>
+        </p:spPr>
+        <p:style>
+          <a:lnRef idx="1">
+            <a:schemeClr val="accent1"/>
+          </a:lnRef>
+          <a:fillRef idx="3">
+            <a:schemeClr val="accent1"/>
+          </a:fillRef>
+          <a:effectRef idx="2">
+            <a:schemeClr val="accent1"/>
+          </a:effectRef>
+          <a:fontRef idx="minor">
+            <a:schemeClr val="lt1"/>
+          </a:fontRef>
+        </p:style>
+        <p:txBody>
+          <a:bodyPr rot="0" spcFirstLastPara="0" vertOverflow="overflow" horzOverflow="overflow" vert="horz" wrap="square" lIns="91440" tIns="45720" rIns="91440" bIns="45720" numCol="1" spcCol="0" rtlCol="0" fromWordArt="0" anchor="ctr" anchorCtr="0" forceAA="0" compatLnSpc="1">
+            <a:prstTxWarp prst="textNoShape">
+              <a:avLst/>
+            </a:prstTxWarp>
+            <a:noAutofit/>
+          </a:bodyPr>
+          <a:lstStyle/>
+          <a:p>
+            <a:pPr algn="ctr"/>
+            <a:r>
+              <a:rPr kumimoji="1" lang="en-US" altLang="ja-JP" sz="5400" dirty="0" smtClean="0">
+                <a:solidFill>
+                  <a:sysClr val="windowText" lastClr="000000"/>
+                </a:solidFill>
+              </a:rPr>
+              <a:t>web</a:t>
+            </a:r>
+            <a:r>
+              <a:rPr kumimoji="1" lang="ja-JP" altLang="en-US" sz="5400" dirty="0" smtClean="0">
+                <a:solidFill>
+                  <a:sysClr val="windowText" lastClr="000000"/>
+                </a:solidFill>
+              </a:rPr>
+              <a:t>ページ</a:t>
+            </a:r>
+            <a:endParaRPr kumimoji="1" lang="ja-JP" altLang="en-US" sz="5400" dirty="0" smtClean="0">
+              <a:solidFill>
+                <a:sysClr val="windowText" lastClr="000000"/>
+              </a:solidFill>
+            </a:endParaRPr>
+          </a:p>
+        </p:txBody>
+      </p:sp>
+      <p:sp>
+        <p:nvSpPr>
+          <p:cNvPr id="158" name="角丸四角形 157"/>
+          <p:cNvSpPr/>
+          <p:nvPr/>
+        </p:nvSpPr>
+        <p:spPr>
+          <a:xfrm>
+            <a:off x="11372732" y="19560246"/>
+            <a:ext cx="3629949" cy="1760305"/>
+          </a:xfrm>
+          <a:prstGeom prst="roundRect">
+            <a:avLst/>
+          </a:prstGeom>
+          <a:noFill/>
+          <a:ln>
+            <a:solidFill>
+              <a:schemeClr val="tx1"/>
+            </a:solidFill>
+          </a:ln>
+          <a:effectLst/>
+        </p:spPr>
+        <p:style>
+          <a:lnRef idx="1">
+            <a:schemeClr val="accent1"/>
+          </a:lnRef>
+          <a:fillRef idx="3">
+            <a:schemeClr val="accent1"/>
+          </a:fillRef>
+          <a:effectRef idx="2">
+            <a:schemeClr val="accent1"/>
+          </a:effectRef>
+          <a:fontRef idx="minor">
+            <a:schemeClr val="lt1"/>
+          </a:fontRef>
+        </p:style>
+        <p:txBody>
+          <a:bodyPr rot="0" spcFirstLastPara="0" vertOverflow="overflow" horzOverflow="overflow" vert="horz" wrap="square" lIns="91440" tIns="45720" rIns="91440" bIns="45720" numCol="1" spcCol="0" rtlCol="0" fromWordArt="0" anchor="ctr" anchorCtr="0" forceAA="0" compatLnSpc="1">
+            <a:prstTxWarp prst="textNoShape">
+              <a:avLst/>
+            </a:prstTxWarp>
+            <a:noAutofit/>
+          </a:bodyPr>
+          <a:lstStyle/>
+          <a:p>
+            <a:pPr algn="ctr"/>
+            <a:r>
+              <a:rPr lang="en-US" altLang="ja-JP" sz="5400" dirty="0">
+                <a:solidFill>
+                  <a:sysClr val="windowText" lastClr="000000"/>
+                </a:solidFill>
+              </a:rPr>
+              <a:t>Excel</a:t>
+            </a:r>
+            <a:endParaRPr kumimoji="1" lang="ja-JP" altLang="en-US" sz="5400" dirty="0" smtClean="0">
+              <a:solidFill>
+                <a:sysClr val="windowText" lastClr="000000"/>
+              </a:solidFill>
+            </a:endParaRPr>
+          </a:p>
+        </p:txBody>
+      </p:sp>
+      <p:sp>
+        <p:nvSpPr>
+          <p:cNvPr id="159" name="角丸四角形 158"/>
+          <p:cNvSpPr/>
+          <p:nvPr/>
+        </p:nvSpPr>
+        <p:spPr>
+          <a:xfrm>
+            <a:off x="11439676" y="23538843"/>
+            <a:ext cx="3629949" cy="1760305"/>
+          </a:xfrm>
+          <a:prstGeom prst="roundRect">
+            <a:avLst/>
+          </a:prstGeom>
+          <a:noFill/>
+          <a:ln>
+            <a:solidFill>
+              <a:schemeClr val="tx1"/>
+            </a:solidFill>
+          </a:ln>
+          <a:effectLst/>
+        </p:spPr>
+        <p:style>
+          <a:lnRef idx="1">
+            <a:schemeClr val="accent1"/>
+          </a:lnRef>
+          <a:fillRef idx="3">
+            <a:schemeClr val="accent1"/>
+          </a:fillRef>
+          <a:effectRef idx="2">
+            <a:schemeClr val="accent1"/>
+          </a:effectRef>
+          <a:fontRef idx="minor">
+            <a:schemeClr val="lt1"/>
+          </a:fontRef>
+        </p:style>
+        <p:txBody>
+          <a:bodyPr rot="0" spcFirstLastPara="0" vertOverflow="overflow" horzOverflow="overflow" vert="horz" wrap="square" lIns="91440" tIns="45720" rIns="91440" bIns="45720" numCol="1" spcCol="0" rtlCol="0" fromWordArt="0" anchor="ctr" anchorCtr="0" forceAA="0" compatLnSpc="1">
+            <a:prstTxWarp prst="textNoShape">
+              <a:avLst/>
+            </a:prstTxWarp>
+            <a:noAutofit/>
+          </a:bodyPr>
+          <a:lstStyle/>
+          <a:p>
+            <a:pPr algn="ctr"/>
+            <a:r>
+              <a:rPr lang="en-US" altLang="ja-JP" sz="5400" dirty="0">
+                <a:solidFill>
+                  <a:sysClr val="windowText" lastClr="000000"/>
+                </a:solidFill>
+              </a:rPr>
+              <a:t>R</a:t>
+            </a:r>
+            <a:endParaRPr kumimoji="1" lang="ja-JP" altLang="en-US" sz="5400" dirty="0" smtClean="0">
+              <a:solidFill>
+                <a:sysClr val="windowText" lastClr="000000"/>
+              </a:solidFill>
+            </a:endParaRPr>
+          </a:p>
+        </p:txBody>
+      </p:sp>
+      <p:sp>
+        <p:nvSpPr>
+          <p:cNvPr id="160" name="下矢印 159"/>
+          <p:cNvSpPr/>
+          <p:nvPr/>
+        </p:nvSpPr>
+        <p:spPr>
+          <a:xfrm>
+            <a:off x="11581325" y="17554861"/>
+            <a:ext cx="3212759" cy="1771370"/>
+          </a:xfrm>
+          <a:prstGeom prst="downArrow">
+            <a:avLst/>
+          </a:prstGeom>
+          <a:noFill/>
+          <a:ln>
+            <a:solidFill>
+              <a:schemeClr val="tx1"/>
+            </a:solidFill>
+          </a:ln>
+          <a:effectLst/>
+        </p:spPr>
+        <p:style>
+          <a:lnRef idx="1">
+            <a:schemeClr val="accent1"/>
+          </a:lnRef>
+          <a:fillRef idx="3">
+            <a:schemeClr val="accent1"/>
+          </a:fillRef>
+          <a:effectRef idx="2">
+            <a:schemeClr val="accent1"/>
+          </a:effectRef>
+          <a:fontRef idx="minor">
+            <a:schemeClr val="lt1"/>
+          </a:fontRef>
+        </p:style>
+        <p:txBody>
+          <a:bodyPr rot="0" spcFirstLastPara="0" vertOverflow="overflow" horzOverflow="overflow" vert="horz" wrap="square" lIns="91440" tIns="45720" rIns="91440" bIns="45720" numCol="1" spcCol="0" rtlCol="0" fromWordArt="0" anchor="ctr" anchorCtr="0" forceAA="0" compatLnSpc="1">
+            <a:prstTxWarp prst="textNoShape">
+              <a:avLst/>
+            </a:prstTxWarp>
+            <a:noAutofit/>
+          </a:bodyPr>
+          <a:lstStyle/>
+          <a:p>
+            <a:pPr algn="ctr"/>
+            <a:r>
+              <a:rPr lang="en-US" altLang="ja-JP" sz="3200" dirty="0" smtClean="0">
+                <a:solidFill>
+                  <a:sysClr val="windowText" lastClr="000000"/>
+                </a:solidFill>
+              </a:rPr>
+              <a:t>106</a:t>
+            </a:r>
+            <a:r>
+              <a:rPr lang="ja-JP" altLang="en-US" sz="3200" dirty="0" smtClean="0">
+                <a:solidFill>
+                  <a:sysClr val="windowText" lastClr="000000"/>
+                </a:solidFill>
+              </a:rPr>
+              <a:t>人</a:t>
+            </a:r>
+            <a:endParaRPr lang="en-US" altLang="ja-JP" sz="3200" dirty="0" smtClean="0">
+              <a:solidFill>
+                <a:sysClr val="windowText" lastClr="000000"/>
+              </a:solidFill>
+            </a:endParaRPr>
+          </a:p>
+          <a:p>
+            <a:pPr algn="ctr"/>
+            <a:r>
+              <a:rPr kumimoji="1" lang="en-US" altLang="ja-JP" sz="3200" dirty="0" smtClean="0">
+                <a:solidFill>
+                  <a:sysClr val="windowText" lastClr="000000"/>
+                </a:solidFill>
+              </a:rPr>
+              <a:t>3</a:t>
+            </a:r>
+            <a:r>
+              <a:rPr kumimoji="1" lang="ja-JP" altLang="en-US" sz="3200" dirty="0" smtClean="0">
+                <a:solidFill>
+                  <a:sysClr val="windowText" lastClr="000000"/>
+                </a:solidFill>
+              </a:rPr>
+              <a:t>ページ</a:t>
+            </a:r>
+            <a:endParaRPr kumimoji="1" lang="ja-JP" altLang="en-US" sz="3200" dirty="0" smtClean="0">
+              <a:solidFill>
+                <a:sysClr val="windowText" lastClr="000000"/>
+              </a:solidFill>
+            </a:endParaRPr>
+          </a:p>
+        </p:txBody>
+      </p:sp>
+      <p:sp>
+        <p:nvSpPr>
+          <p:cNvPr id="161" name="下矢印 160"/>
+          <p:cNvSpPr/>
+          <p:nvPr/>
+        </p:nvSpPr>
+        <p:spPr>
+          <a:xfrm>
+            <a:off x="11516310" y="21554566"/>
+            <a:ext cx="3212759" cy="1771370"/>
+          </a:xfrm>
+          <a:prstGeom prst="downArrow">
+            <a:avLst/>
+          </a:prstGeom>
+          <a:noFill/>
+          <a:ln>
+            <a:solidFill>
+              <a:schemeClr val="tx1"/>
+            </a:solidFill>
+          </a:ln>
+          <a:effectLst/>
+        </p:spPr>
+        <p:style>
+          <a:lnRef idx="1">
+            <a:schemeClr val="accent1"/>
+          </a:lnRef>
+          <a:fillRef idx="3">
+            <a:schemeClr val="accent1"/>
+          </a:fillRef>
+          <a:effectRef idx="2">
+            <a:schemeClr val="accent1"/>
+          </a:effectRef>
+          <a:fontRef idx="minor">
+            <a:schemeClr val="lt1"/>
+          </a:fontRef>
+        </p:style>
+        <p:txBody>
+          <a:bodyPr rot="0" spcFirstLastPara="0" vertOverflow="overflow" horzOverflow="overflow" vert="horz" wrap="square" lIns="91440" tIns="45720" rIns="91440" bIns="45720" numCol="1" spcCol="0" rtlCol="0" fromWordArt="0" anchor="ctr" anchorCtr="0" forceAA="0" compatLnSpc="1">
+            <a:prstTxWarp prst="textNoShape">
+              <a:avLst/>
+            </a:prstTxWarp>
+            <a:noAutofit/>
+          </a:bodyPr>
+          <a:lstStyle/>
+          <a:p>
+            <a:pPr algn="ctr"/>
+            <a:r>
+              <a:rPr kumimoji="1" lang="ja-JP" altLang="en-US" sz="2800" dirty="0" smtClean="0">
+                <a:solidFill>
+                  <a:sysClr val="windowText" lastClr="000000"/>
+                </a:solidFill>
+              </a:rPr>
+              <a:t>ヒストグラム作成</a:t>
+            </a:r>
+            <a:endParaRPr kumimoji="1" lang="ja-JP" altLang="en-US" sz="2800" dirty="0" smtClean="0">
+              <a:solidFill>
+                <a:sysClr val="windowText" lastClr="000000"/>
+              </a:solidFill>
+            </a:endParaRPr>
+          </a:p>
+        </p:txBody>
+      </p:sp>
     </p:spTree>
     <p:extLst>
       <p:ext uri="{BB962C8B-B14F-4D97-AF65-F5344CB8AC3E}">
-        <p14:creationId xmlns:p14="http://schemas.microsoft.com/office/powerpoint/2010/main" val="753634519"/>
+        <p14:creationId xmlns:p14="http://schemas.microsoft.com/office/powerpoint/2010/main" val="3000355277"/>
       </p:ext>
     </p:extLst>
   </p:cSld>

--- a/卒業論文/2015/泉雄太/中間審査/卒業論文＿中間審査＿ポスター＿泉雄太.pptx
+++ b/卒業論文/2015/泉雄太/中間審査/卒業論文＿中間審査＿ポスター＿泉雄太.pptx
@@ -208,7 +208,7 @@
           <a:p>
             <a:fld id="{210935E7-A51F-4FE3-8E46-E43B536CCFB8}" type="datetimeFigureOut">
               <a:rPr kumimoji="1" lang="ja-JP" altLang="en-US" smtClean="0"/>
-              <a:t>2016/10/11</a:t>
+              <a:t>2016/10/12</a:t>
             </a:fld>
             <a:endParaRPr kumimoji="1" lang="ja-JP" altLang="en-US"/>
           </a:p>
@@ -697,7 +697,7 @@
                 </a:solidFill>
               </a:rPr>
               <a:pPr/>
-              <a:t>2016/10/11</a:t>
+              <a:t>2016/10/12</a:t>
             </a:fld>
             <a:endParaRPr lang="ja-JP" altLang="en-US">
               <a:solidFill>
@@ -937,7 +937,7 @@
                 </a:solidFill>
               </a:rPr>
               <a:pPr defTabSz="2951897"/>
-              <a:t>2016/10/11</a:t>
+              <a:t>2016/10/12</a:t>
             </a:fld>
             <a:endParaRPr lang="ja-JP" altLang="en-US">
               <a:solidFill>
@@ -1189,7 +1189,7 @@
                 </a:solidFill>
               </a:rPr>
               <a:pPr defTabSz="2951897"/>
-              <a:t>2016/10/11</a:t>
+              <a:t>2016/10/12</a:t>
             </a:fld>
             <a:endParaRPr lang="ja-JP" altLang="en-US">
               <a:solidFill>
@@ -1430,7 +1430,7 @@
                 </a:solidFill>
               </a:rPr>
               <a:pPr/>
-              <a:t>2016/10/11</a:t>
+              <a:t>2016/10/12</a:t>
             </a:fld>
             <a:endParaRPr lang="ja-JP" altLang="en-US">
               <a:solidFill>
@@ -1713,7 +1713,7 @@
                 </a:solidFill>
               </a:rPr>
               <a:pPr/>
-              <a:t>2016/10/11</a:t>
+              <a:t>2016/10/12</a:t>
             </a:fld>
             <a:endParaRPr lang="ja-JP" altLang="en-US">
               <a:solidFill>
@@ -2102,7 +2102,7 @@
                 </a:solidFill>
               </a:rPr>
               <a:pPr/>
-              <a:t>2016/10/11</a:t>
+              <a:t>2016/10/12</a:t>
             </a:fld>
             <a:endParaRPr lang="ja-JP" altLang="en-US">
               <a:solidFill>
@@ -2625,7 +2625,7 @@
                 </a:solidFill>
               </a:rPr>
               <a:pPr/>
-              <a:t>2016/10/11</a:t>
+              <a:t>2016/10/12</a:t>
             </a:fld>
             <a:endParaRPr lang="ja-JP" altLang="en-US">
               <a:solidFill>
@@ -2780,7 +2780,7 @@
                 </a:solidFill>
               </a:rPr>
               <a:pPr/>
-              <a:t>2016/10/11</a:t>
+              <a:t>2016/10/12</a:t>
             </a:fld>
             <a:endParaRPr lang="ja-JP" altLang="en-US">
               <a:solidFill>
@@ -2912,7 +2912,7 @@
                 </a:solidFill>
               </a:rPr>
               <a:pPr/>
-              <a:t>2016/10/11</a:t>
+              <a:t>2016/10/12</a:t>
             </a:fld>
             <a:endParaRPr lang="ja-JP" altLang="en-US">
               <a:solidFill>
@@ -3259,7 +3259,7 @@
                 </a:solidFill>
               </a:rPr>
               <a:pPr defTabSz="2951897"/>
-              <a:t>2016/10/11</a:t>
+              <a:t>2016/10/12</a:t>
             </a:fld>
             <a:endParaRPr lang="ja-JP" altLang="en-US">
               <a:solidFill>
@@ -3551,7 +3551,7 @@
                 </a:solidFill>
               </a:rPr>
               <a:pPr/>
-              <a:t>2016/10/11</a:t>
+              <a:t>2016/10/12</a:t>
             </a:fld>
             <a:endParaRPr lang="ja-JP" altLang="en-US">
               <a:solidFill>
@@ -3834,7 +3834,7 @@
                 </a:solidFill>
               </a:rPr>
               <a:pPr defTabSz="2951897"/>
-              <a:t>2016/10/11</a:t>
+              <a:t>2016/10/12</a:t>
             </a:fld>
             <a:endParaRPr lang="ja-JP" altLang="en-US">
               <a:solidFill>
@@ -4262,7 +4262,7 @@
         </p:blipFill>
         <p:spPr>
           <a:xfrm>
-            <a:off x="5882906" y="4549040"/>
+            <a:off x="6133549" y="5035130"/>
             <a:ext cx="4769192" cy="3576894"/>
           </a:xfrm>
           <a:prstGeom prst="rect">
@@ -4687,7 +4687,7 @@
         </p:nvGrpSpPr>
         <p:grpSpPr bwMode="auto">
           <a:xfrm>
-            <a:off x="15539616" y="14673920"/>
+            <a:off x="15853896" y="14521559"/>
             <a:ext cx="5161435" cy="5148678"/>
             <a:chOff x="4713" y="7519"/>
             <a:chExt cx="4046" cy="4036"/>
@@ -8616,7 +8616,7 @@
         </p:nvGrpSpPr>
         <p:grpSpPr bwMode="auto">
           <a:xfrm>
-            <a:off x="15805982" y="20080154"/>
+            <a:off x="15916770" y="20105995"/>
             <a:ext cx="4976811" cy="4964510"/>
             <a:chOff x="1702" y="9131"/>
             <a:chExt cx="4046" cy="4036"/>
@@ -12879,8 +12879,8 @@
         </p:nvSpPr>
         <p:spPr>
           <a:xfrm>
-            <a:off x="16498634" y="19718253"/>
-            <a:ext cx="3971148" cy="461665"/>
+            <a:off x="15898161" y="19921017"/>
+            <a:ext cx="4730744" cy="523220"/>
           </a:xfrm>
           <a:prstGeom prst="rect">
             <a:avLst/>
@@ -12894,18 +12894,30 @@
           <a:lstStyle/>
           <a:p>
             <a:r>
-              <a:rPr kumimoji="1" lang="ja-JP" altLang="en-US" sz="2400" dirty="0" smtClean="0"/>
+              <a:rPr kumimoji="1" lang="ja-JP" altLang="en-US" sz="2800" dirty="0" smtClean="0"/>
               <a:t>図</a:t>
             </a:r>
             <a:r>
-              <a:rPr kumimoji="1" lang="en-US" altLang="ja-JP" sz="2400" dirty="0" smtClean="0"/>
+              <a:rPr kumimoji="1" lang="en-US" altLang="ja-JP" sz="2800" dirty="0" smtClean="0"/>
               <a:t>1</a:t>
             </a:r>
             <a:r>
-              <a:rPr kumimoji="1" lang="ja-JP" altLang="en-US" sz="2400" dirty="0" smtClean="0"/>
-              <a:t>　編集回数のヒストグラム</a:t>
-            </a:r>
-            <a:endParaRPr kumimoji="1" lang="ja-JP" altLang="en-US" sz="2400" dirty="0"/>
+              <a:rPr lang="ja-JP" altLang="en-US" sz="2800" dirty="0" smtClean="0"/>
+              <a:t>　</a:t>
+            </a:r>
+            <a:r>
+              <a:rPr kumimoji="1" lang="ja-JP" altLang="en-US" sz="2800" dirty="0" smtClean="0"/>
+              <a:t>編集</a:t>
+            </a:r>
+            <a:r>
+              <a:rPr kumimoji="1" lang="ja-JP" altLang="en-US" sz="2800" dirty="0" smtClean="0"/>
+              <a:t>回数の</a:t>
+            </a:r>
+            <a:r>
+              <a:rPr kumimoji="1" lang="ja-JP" altLang="en-US" sz="2800" dirty="0" smtClean="0"/>
+              <a:t>ヒストグラム</a:t>
+            </a:r>
+            <a:endParaRPr kumimoji="1" lang="ja-JP" altLang="en-US" sz="2800" dirty="0"/>
           </a:p>
         </p:txBody>
       </p:sp>
@@ -12917,8 +12929,8 @@
         </p:nvSpPr>
         <p:spPr>
           <a:xfrm>
-            <a:off x="16308813" y="24976198"/>
-            <a:ext cx="4473980" cy="461665"/>
+            <a:off x="15952905" y="24985343"/>
+            <a:ext cx="4884632" cy="523220"/>
           </a:xfrm>
           <a:prstGeom prst="rect">
             <a:avLst/>
@@ -12932,18 +12944,18 @@
           <a:lstStyle/>
           <a:p>
             <a:r>
-              <a:rPr kumimoji="1" lang="ja-JP" altLang="en-US" sz="2400" dirty="0" smtClean="0"/>
+              <a:rPr kumimoji="1" lang="ja-JP" altLang="en-US" sz="2800" dirty="0" smtClean="0"/>
               <a:t>図</a:t>
             </a:r>
             <a:r>
-              <a:rPr lang="en-US" altLang="ja-JP" sz="2400" dirty="0"/>
+              <a:rPr lang="en-US" altLang="ja-JP" sz="2800" dirty="0"/>
               <a:t>2</a:t>
             </a:r>
             <a:r>
-              <a:rPr kumimoji="1" lang="ja-JP" altLang="en-US" sz="2400" dirty="0" smtClean="0"/>
+              <a:rPr kumimoji="1" lang="ja-JP" altLang="en-US" sz="2800" dirty="0" smtClean="0"/>
               <a:t>　編集文字数のヒストグラム</a:t>
             </a:r>
-            <a:endParaRPr kumimoji="1" lang="ja-JP" altLang="en-US" sz="2400" dirty="0"/>
+            <a:endParaRPr kumimoji="1" lang="ja-JP" altLang="en-US" sz="2800" dirty="0"/>
           </a:p>
         </p:txBody>
       </p:sp>
@@ -13229,7 +13241,7 @@
         </p:blipFill>
         <p:spPr>
           <a:xfrm>
-            <a:off x="727907" y="5179101"/>
+            <a:off x="1158713" y="6144917"/>
             <a:ext cx="3502065" cy="2414822"/>
           </a:xfrm>
           <a:prstGeom prst="rect">
@@ -13245,8 +13257,8 @@
         </p:nvSpPr>
         <p:spPr>
           <a:xfrm>
-            <a:off x="4577877" y="5489621"/>
-            <a:ext cx="1767631" cy="1573112"/>
+            <a:off x="4834221" y="6104941"/>
+            <a:ext cx="1554803" cy="2183154"/>
           </a:xfrm>
           <a:prstGeom prst="rightArrow">
             <a:avLst/>
@@ -13309,132 +13321,13 @@
       </p:sp>
       <p:sp>
         <p:nvSpPr>
-          <p:cNvPr id="16" name="角丸四角形 15"/>
-          <p:cNvSpPr/>
-          <p:nvPr/>
-        </p:nvSpPr>
-        <p:spPr>
-          <a:xfrm>
-            <a:off x="1465292" y="8285965"/>
-            <a:ext cx="2037789" cy="683667"/>
-          </a:xfrm>
-          <a:prstGeom prst="roundRect">
-            <a:avLst/>
-          </a:prstGeom>
-          <a:noFill/>
-          <a:ln>
-            <a:solidFill>
-              <a:schemeClr val="tx1"/>
-            </a:solidFill>
-          </a:ln>
-          <a:effectLst/>
-        </p:spPr>
-        <p:style>
-          <a:lnRef idx="1">
-            <a:schemeClr val="accent1"/>
-          </a:lnRef>
-          <a:fillRef idx="3">
-            <a:schemeClr val="accent1"/>
-          </a:fillRef>
-          <a:effectRef idx="2">
-            <a:schemeClr val="accent1"/>
-          </a:effectRef>
-          <a:fontRef idx="minor">
-            <a:schemeClr val="lt1"/>
-          </a:fontRef>
-        </p:style>
-        <p:txBody>
-          <a:bodyPr rot="0" spcFirstLastPara="0" vertOverflow="overflow" horzOverflow="overflow" vert="horz" wrap="square" lIns="91440" tIns="45720" rIns="91440" bIns="45720" numCol="1" spcCol="0" rtlCol="0" fromWordArt="0" anchor="ctr" anchorCtr="0" forceAA="0" compatLnSpc="1">
-            <a:prstTxWarp prst="textNoShape">
-              <a:avLst/>
-            </a:prstTxWarp>
-            <a:noAutofit/>
-          </a:bodyPr>
-          <a:lstStyle/>
-          <a:p>
-            <a:pPr algn="ctr"/>
-            <a:r>
-              <a:rPr kumimoji="1" lang="ja-JP" altLang="en-US" sz="3600" dirty="0" smtClean="0">
-                <a:solidFill>
-                  <a:sysClr val="windowText" lastClr="000000"/>
-                </a:solidFill>
-              </a:rPr>
-              <a:t>攻略本</a:t>
-            </a:r>
-            <a:endParaRPr kumimoji="1" lang="ja-JP" altLang="en-US" sz="3600" dirty="0" smtClean="0">
-              <a:solidFill>
-                <a:sysClr val="windowText" lastClr="000000"/>
-              </a:solidFill>
-            </a:endParaRPr>
-          </a:p>
-        </p:txBody>
-      </p:sp>
-      <p:sp>
-        <p:nvSpPr>
-          <p:cNvPr id="135" name="角丸四角形 134"/>
-          <p:cNvSpPr/>
-          <p:nvPr/>
-        </p:nvSpPr>
-        <p:spPr>
-          <a:xfrm>
-            <a:off x="6918051" y="8327318"/>
-            <a:ext cx="2153386" cy="683667"/>
-          </a:xfrm>
-          <a:prstGeom prst="roundRect">
-            <a:avLst/>
-          </a:prstGeom>
-          <a:noFill/>
-          <a:ln>
-            <a:solidFill>
-              <a:schemeClr val="tx1"/>
-            </a:solidFill>
-          </a:ln>
-          <a:effectLst/>
-        </p:spPr>
-        <p:style>
-          <a:lnRef idx="1">
-            <a:schemeClr val="accent1"/>
-          </a:lnRef>
-          <a:fillRef idx="3">
-            <a:schemeClr val="accent1"/>
-          </a:fillRef>
-          <a:effectRef idx="2">
-            <a:schemeClr val="accent1"/>
-          </a:effectRef>
-          <a:fontRef idx="minor">
-            <a:schemeClr val="lt1"/>
-          </a:fontRef>
-        </p:style>
-        <p:txBody>
-          <a:bodyPr rot="0" spcFirstLastPara="0" vertOverflow="overflow" horzOverflow="overflow" vert="horz" wrap="square" lIns="91440" tIns="45720" rIns="91440" bIns="45720" numCol="1" spcCol="0" rtlCol="0" fromWordArt="0" anchor="ctr" anchorCtr="0" forceAA="0" compatLnSpc="1">
-            <a:prstTxWarp prst="textNoShape">
-              <a:avLst/>
-            </a:prstTxWarp>
-            <a:noAutofit/>
-          </a:bodyPr>
-          <a:lstStyle/>
-          <a:p>
-            <a:pPr algn="ctr"/>
-            <a:r>
-              <a:rPr kumimoji="1" lang="en-US" altLang="ja-JP" sz="4400" dirty="0" smtClean="0">
-                <a:solidFill>
-                  <a:sysClr val="windowText" lastClr="000000"/>
-                </a:solidFill>
-              </a:rPr>
-              <a:t>web</a:t>
-            </a:r>
-          </a:p>
-        </p:txBody>
-      </p:sp>
-      <p:sp>
-        <p:nvSpPr>
           <p:cNvPr id="19" name="フローチャート: 磁気ディスク 18"/>
           <p:cNvSpPr/>
           <p:nvPr/>
         </p:nvSpPr>
         <p:spPr>
           <a:xfrm>
-            <a:off x="16793179" y="4963055"/>
+            <a:off x="16920031" y="5651226"/>
             <a:ext cx="3172783" cy="3559754"/>
           </a:xfrm>
           <a:prstGeom prst="flowChartMagneticDisk">
@@ -13496,7 +13389,7 @@
         </p:nvSpPr>
         <p:spPr>
           <a:xfrm>
-            <a:off x="11743865" y="4819708"/>
+            <a:off x="11743865" y="5113621"/>
             <a:ext cx="2250314" cy="718786"/>
           </a:xfrm>
           <a:prstGeom prst="roundRect">
@@ -13561,8 +13454,8 @@
         </p:nvCxnSpPr>
         <p:spPr>
           <a:xfrm>
-            <a:off x="13994179" y="5179101"/>
-            <a:ext cx="2799000" cy="1563831"/>
+            <a:off x="13994179" y="5473014"/>
+            <a:ext cx="2925852" cy="1958089"/>
           </a:xfrm>
           <a:prstGeom prst="line">
             <a:avLst/>
@@ -13591,7 +13484,7 @@
         </p:nvSpPr>
         <p:spPr>
           <a:xfrm>
-            <a:off x="11743865" y="6084173"/>
+            <a:off x="11743865" y="6378086"/>
             <a:ext cx="2250314" cy="718786"/>
           </a:xfrm>
           <a:prstGeom prst="roundRect">
@@ -13653,7 +13546,7 @@
         </p:nvSpPr>
         <p:spPr>
           <a:xfrm>
-            <a:off x="11744734" y="7288611"/>
+            <a:off x="11744734" y="7582524"/>
             <a:ext cx="2250314" cy="718786"/>
           </a:xfrm>
           <a:prstGeom prst="roundRect">
@@ -13715,7 +13608,7 @@
         </p:nvSpPr>
         <p:spPr>
           <a:xfrm>
-            <a:off x="11743865" y="8412986"/>
+            <a:off x="11743865" y="8706899"/>
             <a:ext cx="2250314" cy="718786"/>
           </a:xfrm>
           <a:prstGeom prst="roundRect">
@@ -13780,8 +13673,8 @@
         </p:nvCxnSpPr>
         <p:spPr>
           <a:xfrm>
-            <a:off x="13994179" y="6443566"/>
-            <a:ext cx="2799000" cy="299366"/>
+            <a:off x="13994179" y="6737479"/>
+            <a:ext cx="2925852" cy="693624"/>
           </a:xfrm>
           <a:prstGeom prst="line">
             <a:avLst/>
@@ -13813,8 +13706,8 @@
         </p:nvCxnSpPr>
         <p:spPr>
           <a:xfrm flipV="1">
-            <a:off x="13995048" y="6742932"/>
-            <a:ext cx="2798131" cy="905072"/>
+            <a:off x="13995048" y="7431103"/>
+            <a:ext cx="2924983" cy="510814"/>
           </a:xfrm>
           <a:prstGeom prst="line">
             <a:avLst/>
@@ -13846,8 +13739,8 @@
         </p:nvCxnSpPr>
         <p:spPr>
           <a:xfrm flipV="1">
-            <a:off x="13994179" y="6742932"/>
-            <a:ext cx="2799000" cy="2029447"/>
+            <a:off x="13994179" y="7431103"/>
+            <a:ext cx="2925852" cy="1635189"/>
           </a:xfrm>
           <a:prstGeom prst="line">
             <a:avLst/>
@@ -13914,8 +13807,8 @@
         </p:nvSpPr>
         <p:spPr>
           <a:xfrm>
-            <a:off x="16815209" y="10385531"/>
-            <a:ext cx="3799646" cy="3081271"/>
+            <a:off x="16815209" y="11071225"/>
+            <a:ext cx="3799646" cy="2395577"/>
           </a:xfrm>
           <a:prstGeom prst="flowChartMagneticDisk">
             <a:avLst/>
@@ -14022,11 +13915,6 @@
               </a:rPr>
               <a:t>データ</a:t>
             </a:r>
-            <a:endParaRPr kumimoji="1" lang="ja-JP" altLang="en-US" sz="3600" dirty="0" smtClean="0">
-              <a:solidFill>
-                <a:sysClr val="windowText" lastClr="000000"/>
-              </a:solidFill>
-            </a:endParaRPr>
           </a:p>
         </p:txBody>
       </p:sp>
@@ -14084,11 +13972,6 @@
               </a:rPr>
               <a:t>データ</a:t>
             </a:r>
-            <a:endParaRPr kumimoji="1" lang="ja-JP" altLang="en-US" sz="3600" dirty="0" smtClean="0">
-              <a:solidFill>
-                <a:sysClr val="windowText" lastClr="000000"/>
-              </a:solidFill>
-            </a:endParaRPr>
           </a:p>
         </p:txBody>
       </p:sp>
@@ -14164,98 +14047,6 @@
       </p:sp>
       <p:pic>
         <p:nvPicPr>
-          <p:cNvPr id="43" name="図 42"/>
-          <p:cNvPicPr>
-            <a:picLocks noChangeAspect="1"/>
-          </p:cNvPicPr>
-          <p:nvPr/>
-        </p:nvPicPr>
-        <p:blipFill>
-          <a:blip r:embed="rId4" cstate="print">
-            <a:extLst>
-              <a:ext uri="{28A0092B-C50C-407E-A947-70E740481C1C}">
-                <a14:useLocalDpi xmlns:a14="http://schemas.microsoft.com/office/drawing/2010/main" val="0"/>
-              </a:ext>
-            </a:extLst>
-          </a:blip>
-          <a:stretch>
-            <a:fillRect/>
-          </a:stretch>
-        </p:blipFill>
-        <p:spPr>
-          <a:xfrm>
-            <a:off x="8860600" y="10772190"/>
-            <a:ext cx="4207639" cy="2738327"/>
-          </a:xfrm>
-          <a:prstGeom prst="rect">
-            <a:avLst/>
-          </a:prstGeom>
-        </p:spPr>
-      </p:pic>
-      <p:sp>
-        <p:nvSpPr>
-          <p:cNvPr id="45" name="角丸四角形 44"/>
-          <p:cNvSpPr/>
-          <p:nvPr/>
-        </p:nvSpPr>
-        <p:spPr>
-          <a:xfrm>
-            <a:off x="9613280" y="10171435"/>
-            <a:ext cx="2050217" cy="600755"/>
-          </a:xfrm>
-          <a:prstGeom prst="roundRect">
-            <a:avLst/>
-          </a:prstGeom>
-          <a:noFill/>
-          <a:ln>
-            <a:solidFill>
-              <a:schemeClr val="tx1"/>
-            </a:solidFill>
-          </a:ln>
-          <a:effectLst/>
-        </p:spPr>
-        <p:style>
-          <a:lnRef idx="1">
-            <a:schemeClr val="accent1"/>
-          </a:lnRef>
-          <a:fillRef idx="3">
-            <a:schemeClr val="accent1"/>
-          </a:fillRef>
-          <a:effectRef idx="2">
-            <a:schemeClr val="accent1"/>
-          </a:effectRef>
-          <a:fontRef idx="minor">
-            <a:schemeClr val="lt1"/>
-          </a:fontRef>
-        </p:style>
-        <p:txBody>
-          <a:bodyPr rot="0" spcFirstLastPara="0" vertOverflow="overflow" horzOverflow="overflow" vert="horz" wrap="square" lIns="91440" tIns="45720" rIns="91440" bIns="45720" numCol="1" spcCol="0" rtlCol="0" fromWordArt="0" anchor="ctr" anchorCtr="0" forceAA="0" compatLnSpc="1">
-            <a:prstTxWarp prst="textNoShape">
-              <a:avLst/>
-            </a:prstTxWarp>
-            <a:noAutofit/>
-          </a:bodyPr>
-          <a:lstStyle/>
-          <a:p>
-            <a:pPr algn="ctr"/>
-            <a:r>
-              <a:rPr kumimoji="1" lang="ja-JP" altLang="en-US" sz="4400" dirty="0" smtClean="0">
-                <a:solidFill>
-                  <a:sysClr val="windowText" lastClr="000000"/>
-                </a:solidFill>
-              </a:rPr>
-              <a:t>比較</a:t>
-            </a:r>
-            <a:endParaRPr kumimoji="1" lang="ja-JP" altLang="en-US" sz="4400" dirty="0" smtClean="0">
-              <a:solidFill>
-                <a:sysClr val="windowText" lastClr="000000"/>
-              </a:solidFill>
-            </a:endParaRPr>
-          </a:p>
-        </p:txBody>
-      </p:sp>
-      <p:pic>
-        <p:nvPicPr>
           <p:cNvPr id="47" name="図 46"/>
           <p:cNvPicPr>
             <a:picLocks noChangeAspect="1"/>
@@ -14263,7 +14054,7 @@
           <p:nvPr/>
         </p:nvPicPr>
         <p:blipFill>
-          <a:blip r:embed="rId5">
+          <a:blip r:embed="rId4">
             <a:extLst>
               <a:ext uri="{28A0092B-C50C-407E-A947-70E740481C1C}">
                 <a14:useLocalDpi xmlns:a14="http://schemas.microsoft.com/office/drawing/2010/main" val="0"/>
@@ -14346,11 +14137,6 @@
               </a:rPr>
               <a:t>ページ</a:t>
             </a:r>
-            <a:endParaRPr kumimoji="1" lang="ja-JP" altLang="en-US" sz="5400" dirty="0" smtClean="0">
-              <a:solidFill>
-                <a:sysClr val="windowText" lastClr="000000"/>
-              </a:solidFill>
-            </a:endParaRPr>
           </a:p>
         </p:txBody>
       </p:sp>
@@ -14532,11 +14318,6 @@
               </a:rPr>
               <a:t>データ抽出</a:t>
             </a:r>
-            <a:endParaRPr kumimoji="1" lang="ja-JP" altLang="en-US" sz="4000" dirty="0" smtClean="0">
-              <a:solidFill>
-                <a:sysClr val="windowText" lastClr="000000"/>
-              </a:solidFill>
-            </a:endParaRPr>
           </a:p>
         </p:txBody>
       </p:sp>
@@ -14594,11 +14375,6 @@
               </a:rPr>
               <a:t>データ解析</a:t>
             </a:r>
-            <a:endParaRPr kumimoji="1" lang="ja-JP" altLang="en-US" sz="4000" dirty="0" smtClean="0">
-              <a:solidFill>
-                <a:sysClr val="windowText" lastClr="000000"/>
-              </a:solidFill>
-            </a:endParaRPr>
           </a:p>
         </p:txBody>
       </p:sp>
@@ -15045,11 +14821,6 @@
               </a:rPr>
               <a:t>ページ</a:t>
             </a:r>
-            <a:endParaRPr kumimoji="1" lang="ja-JP" altLang="en-US" sz="5400" dirty="0" smtClean="0">
-              <a:solidFill>
-                <a:sysClr val="windowText" lastClr="000000"/>
-              </a:solidFill>
-            </a:endParaRPr>
           </a:p>
         </p:txBody>
       </p:sp>
@@ -15263,11 +15034,6 @@
               </a:rPr>
               <a:t>ページ</a:t>
             </a:r>
-            <a:endParaRPr kumimoji="1" lang="ja-JP" altLang="en-US" sz="3200" dirty="0" smtClean="0">
-              <a:solidFill>
-                <a:sysClr val="windowText" lastClr="000000"/>
-              </a:solidFill>
-            </a:endParaRPr>
           </a:p>
         </p:txBody>
       </p:sp>
@@ -15279,8 +15045,8 @@
         </p:nvSpPr>
         <p:spPr>
           <a:xfrm>
-            <a:off x="11516310" y="21554566"/>
-            <a:ext cx="3212759" cy="1771370"/>
+            <a:off x="11087435" y="21554566"/>
+            <a:ext cx="4023306" cy="1771370"/>
           </a:xfrm>
           <a:prstGeom prst="downArrow">
             <a:avLst/>
@@ -15318,18 +15084,411 @@
           <a:p>
             <a:pPr algn="ctr"/>
             <a:r>
+              <a:rPr lang="ja-JP" altLang="en-US" sz="2800" dirty="0" smtClean="0">
+                <a:solidFill>
+                  <a:sysClr val="windowText" lastClr="000000"/>
+                </a:solidFill>
+              </a:rPr>
+              <a:t>編集回数</a:t>
+            </a:r>
+            <a:endParaRPr lang="en-US" altLang="ja-JP" sz="2800" dirty="0" smtClean="0">
+              <a:solidFill>
+                <a:sysClr val="windowText" lastClr="000000"/>
+              </a:solidFill>
+            </a:endParaRPr>
+          </a:p>
+          <a:p>
+            <a:pPr algn="ctr"/>
+            <a:r>
               <a:rPr kumimoji="1" lang="ja-JP" altLang="en-US" sz="2800" dirty="0" smtClean="0">
                 <a:solidFill>
                   <a:sysClr val="windowText" lastClr="000000"/>
                 </a:solidFill>
               </a:rPr>
-              <a:t>ヒストグラム作成</a:t>
+              <a:t>編集</a:t>
+            </a:r>
+            <a:r>
+              <a:rPr kumimoji="1" lang="ja-JP" altLang="en-US" sz="2800" dirty="0">
+                <a:solidFill>
+                  <a:sysClr val="windowText" lastClr="000000"/>
+                </a:solidFill>
+              </a:rPr>
+              <a:t>文字数</a:t>
             </a:r>
             <a:endParaRPr kumimoji="1" lang="ja-JP" altLang="en-US" sz="2800" dirty="0" smtClean="0">
               <a:solidFill>
                 <a:sysClr val="windowText" lastClr="000000"/>
               </a:solidFill>
             </a:endParaRPr>
+          </a:p>
+        </p:txBody>
+      </p:sp>
+      <p:cxnSp>
+        <p:nvCxnSpPr>
+          <p:cNvPr id="10" name="カギ線コネクタ 9"/>
+          <p:cNvCxnSpPr>
+            <a:stCxn id="159" idx="3"/>
+            <a:endCxn id="54" idx="1"/>
+          </p:cNvCxnSpPr>
+          <p:nvPr/>
+        </p:nvCxnSpPr>
+        <p:spPr>
+          <a:xfrm flipV="1">
+            <a:off x="15069625" y="17095898"/>
+            <a:ext cx="784271" cy="7323098"/>
+          </a:xfrm>
+          <a:prstGeom prst="bentConnector3">
+            <a:avLst/>
+          </a:prstGeom>
+          <a:ln w="57150">
+            <a:solidFill>
+              <a:schemeClr val="tx1"/>
+            </a:solidFill>
+            <a:tailEnd type="triangle"/>
+          </a:ln>
+        </p:spPr>
+        <p:style>
+          <a:lnRef idx="2">
+            <a:schemeClr val="accent1"/>
+          </a:lnRef>
+          <a:fillRef idx="0">
+            <a:schemeClr val="accent1"/>
+          </a:fillRef>
+          <a:effectRef idx="1">
+            <a:schemeClr val="accent1"/>
+          </a:effectRef>
+          <a:fontRef idx="minor">
+            <a:schemeClr val="tx1"/>
+          </a:fontRef>
+        </p:style>
+      </p:cxnSp>
+      <p:cxnSp>
+        <p:nvCxnSpPr>
+          <p:cNvPr id="143" name="カギ線コネクタ 142"/>
+          <p:cNvCxnSpPr>
+            <a:stCxn id="159" idx="3"/>
+            <a:endCxn id="92" idx="1"/>
+          </p:cNvCxnSpPr>
+          <p:nvPr/>
+        </p:nvCxnSpPr>
+        <p:spPr>
+          <a:xfrm flipV="1">
+            <a:off x="15069625" y="22588250"/>
+            <a:ext cx="847145" cy="1830746"/>
+          </a:xfrm>
+          <a:prstGeom prst="bentConnector3">
+            <a:avLst>
+              <a:gd name="adj1" fmla="val 50000"/>
+            </a:avLst>
+          </a:prstGeom>
+          <a:ln w="57150">
+            <a:solidFill>
+              <a:schemeClr val="tx1"/>
+            </a:solidFill>
+            <a:tailEnd type="triangle"/>
+          </a:ln>
+        </p:spPr>
+        <p:style>
+          <a:lnRef idx="2">
+            <a:schemeClr val="accent1"/>
+          </a:lnRef>
+          <a:fillRef idx="0">
+            <a:schemeClr val="accent1"/>
+          </a:fillRef>
+          <a:effectRef idx="1">
+            <a:schemeClr val="accent1"/>
+          </a:effectRef>
+          <a:fontRef idx="minor">
+            <a:schemeClr val="tx1"/>
+          </a:fontRef>
+        </p:style>
+      </p:cxnSp>
+      <p:sp>
+        <p:nvSpPr>
+          <p:cNvPr id="23" name="テキスト ボックス 22"/>
+          <p:cNvSpPr txBox="1"/>
+          <p:nvPr/>
+        </p:nvSpPr>
+        <p:spPr>
+          <a:xfrm>
+            <a:off x="4492744" y="9937919"/>
+            <a:ext cx="19773862" cy="830997"/>
+          </a:xfrm>
+          <a:prstGeom prst="rect">
+            <a:avLst/>
+          </a:prstGeom>
+          <a:noFill/>
+        </p:spPr>
+        <p:txBody>
+          <a:bodyPr wrap="square" rtlCol="0">
+            <a:spAutoFit/>
+          </a:bodyPr>
+          <a:lstStyle/>
+          <a:p>
+            <a:r>
+              <a:rPr lang="ja-JP" altLang="en-US" sz="4800" dirty="0"/>
+              <a:t>調査</a:t>
+            </a:r>
+            <a:r>
+              <a:rPr lang="ja-JP" altLang="en-US" sz="4800" dirty="0" smtClean="0"/>
+              <a:t>した</a:t>
+            </a:r>
+            <a:r>
+              <a:rPr kumimoji="1" lang="ja-JP" altLang="en-US" sz="4800" dirty="0" smtClean="0"/>
+              <a:t>攻略</a:t>
+            </a:r>
+            <a:r>
+              <a:rPr kumimoji="1" lang="en-US" altLang="ja-JP" sz="4800" dirty="0" smtClean="0"/>
+              <a:t>wiki</a:t>
+            </a:r>
+            <a:r>
+              <a:rPr kumimoji="1" lang="ja-JP" altLang="en-US" sz="4800" dirty="0" smtClean="0"/>
+              <a:t>のデータ</a:t>
+            </a:r>
+            <a:r>
+              <a:rPr lang="ja-JP" altLang="en-US" sz="4800" dirty="0" smtClean="0"/>
+              <a:t>と</a:t>
+            </a:r>
+            <a:r>
+              <a:rPr lang="en-US" altLang="ja-JP" sz="4800" dirty="0" smtClean="0"/>
+              <a:t>Wikipedia</a:t>
+            </a:r>
+            <a:r>
+              <a:rPr lang="ja-JP" altLang="en-US" sz="4800" dirty="0" smtClean="0"/>
+              <a:t>の研究結果を比較</a:t>
+            </a:r>
+            <a:endParaRPr kumimoji="1" lang="ja-JP" altLang="en-US" sz="4800" dirty="0"/>
+          </a:p>
+        </p:txBody>
+      </p:sp>
+      <p:sp>
+        <p:nvSpPr>
+          <p:cNvPr id="24" name="角丸四角形 23"/>
+          <p:cNvSpPr/>
+          <p:nvPr/>
+        </p:nvSpPr>
+        <p:spPr>
+          <a:xfrm>
+            <a:off x="8437106" y="11400366"/>
+            <a:ext cx="4841998" cy="1735126"/>
+          </a:xfrm>
+          <a:prstGeom prst="roundRect">
+            <a:avLst/>
+          </a:prstGeom>
+          <a:noFill/>
+          <a:ln>
+            <a:solidFill>
+              <a:schemeClr val="tx1"/>
+            </a:solidFill>
+          </a:ln>
+          <a:effectLst/>
+        </p:spPr>
+        <p:style>
+          <a:lnRef idx="1">
+            <a:schemeClr val="accent1"/>
+          </a:lnRef>
+          <a:fillRef idx="3">
+            <a:schemeClr val="accent1"/>
+          </a:fillRef>
+          <a:effectRef idx="2">
+            <a:schemeClr val="accent1"/>
+          </a:effectRef>
+          <a:fontRef idx="minor">
+            <a:schemeClr val="lt1"/>
+          </a:fontRef>
+        </p:style>
+        <p:txBody>
+          <a:bodyPr rot="0" spcFirstLastPara="0" vertOverflow="overflow" horzOverflow="overflow" vert="horz" wrap="square" lIns="91440" tIns="45720" rIns="91440" bIns="45720" numCol="1" spcCol="0" rtlCol="0" fromWordArt="0" anchor="ctr" anchorCtr="0" forceAA="0" compatLnSpc="1">
+            <a:prstTxWarp prst="textNoShape">
+              <a:avLst/>
+            </a:prstTxWarp>
+            <a:noAutofit/>
+          </a:bodyPr>
+          <a:lstStyle/>
+          <a:p>
+            <a:pPr algn="ctr"/>
+            <a:r>
+              <a:rPr kumimoji="1" lang="ja-JP" altLang="en-US" dirty="0" smtClean="0">
+                <a:solidFill>
+                  <a:sysClr val="windowText" lastClr="000000"/>
+                </a:solidFill>
+              </a:rPr>
+              <a:t>２つを比較</a:t>
+            </a:r>
+            <a:endParaRPr kumimoji="1" lang="ja-JP" altLang="en-US" dirty="0" smtClean="0">
+              <a:solidFill>
+                <a:sysClr val="windowText" lastClr="000000"/>
+              </a:solidFill>
+            </a:endParaRPr>
+          </a:p>
+        </p:txBody>
+      </p:sp>
+      <p:sp>
+        <p:nvSpPr>
+          <p:cNvPr id="25" name="テキスト ボックス 24"/>
+          <p:cNvSpPr txBox="1"/>
+          <p:nvPr/>
+        </p:nvSpPr>
+        <p:spPr>
+          <a:xfrm>
+            <a:off x="625729" y="8841684"/>
+            <a:ext cx="5069631" cy="707886"/>
+          </a:xfrm>
+          <a:prstGeom prst="rect">
+            <a:avLst/>
+          </a:prstGeom>
+          <a:noFill/>
+        </p:spPr>
+        <p:txBody>
+          <a:bodyPr wrap="square" rtlCol="0">
+            <a:spAutoFit/>
+          </a:bodyPr>
+          <a:lstStyle/>
+          <a:p>
+            <a:r>
+              <a:rPr kumimoji="1" lang="ja-JP" altLang="en-US" sz="4000" dirty="0" smtClean="0"/>
+              <a:t>かつては攻略本だけ</a:t>
+            </a:r>
+            <a:endParaRPr kumimoji="1" lang="ja-JP" altLang="en-US" sz="4000" dirty="0"/>
+          </a:p>
+        </p:txBody>
+      </p:sp>
+      <p:sp>
+        <p:nvSpPr>
+          <p:cNvPr id="144" name="テキスト ボックス 143"/>
+          <p:cNvSpPr txBox="1"/>
+          <p:nvPr/>
+        </p:nvSpPr>
+        <p:spPr>
+          <a:xfrm>
+            <a:off x="6184798" y="8804883"/>
+            <a:ext cx="4578620" cy="707886"/>
+          </a:xfrm>
+          <a:prstGeom prst="rect">
+            <a:avLst/>
+          </a:prstGeom>
+          <a:noFill/>
+        </p:spPr>
+        <p:txBody>
+          <a:bodyPr wrap="square" rtlCol="0">
+            <a:spAutoFit/>
+          </a:bodyPr>
+          <a:lstStyle/>
+          <a:p>
+            <a:r>
+              <a:rPr lang="ja-JP" altLang="en-US" sz="4000" dirty="0" smtClean="0"/>
+              <a:t>攻略</a:t>
+            </a:r>
+            <a:r>
+              <a:rPr lang="en-US" altLang="ja-JP" sz="4000" dirty="0" smtClean="0"/>
+              <a:t>wiki</a:t>
+            </a:r>
+            <a:r>
+              <a:rPr lang="ja-JP" altLang="en-US" sz="4000" dirty="0" smtClean="0"/>
+              <a:t>が一般的に</a:t>
+            </a:r>
+            <a:endParaRPr kumimoji="1" lang="ja-JP" altLang="en-US" sz="4000" dirty="0"/>
+          </a:p>
+        </p:txBody>
+      </p:sp>
+      <p:sp>
+        <p:nvSpPr>
+          <p:cNvPr id="26" name="テキスト ボックス 25"/>
+          <p:cNvSpPr txBox="1"/>
+          <p:nvPr/>
+        </p:nvSpPr>
+        <p:spPr>
+          <a:xfrm>
+            <a:off x="4104663" y="4019432"/>
+            <a:ext cx="5257219" cy="830997"/>
+          </a:xfrm>
+          <a:prstGeom prst="rect">
+            <a:avLst/>
+          </a:prstGeom>
+          <a:noFill/>
+        </p:spPr>
+        <p:txBody>
+          <a:bodyPr wrap="square" rtlCol="0">
+            <a:spAutoFit/>
+          </a:bodyPr>
+          <a:lstStyle/>
+          <a:p>
+            <a:r>
+              <a:rPr kumimoji="1" lang="ja-JP" altLang="en-US" sz="4800" dirty="0" smtClean="0"/>
+              <a:t>ゲーム攻略の歴史</a:t>
+            </a:r>
+            <a:endParaRPr kumimoji="1" lang="ja-JP" altLang="en-US" sz="4800" dirty="0"/>
+          </a:p>
+        </p:txBody>
+      </p:sp>
+      <p:sp>
+        <p:nvSpPr>
+          <p:cNvPr id="164" name="テキスト ボックス 163"/>
+          <p:cNvSpPr txBox="1"/>
+          <p:nvPr/>
+        </p:nvSpPr>
+        <p:spPr>
+          <a:xfrm>
+            <a:off x="11211232" y="4010469"/>
+            <a:ext cx="5257219" cy="830997"/>
+          </a:xfrm>
+          <a:prstGeom prst="rect">
+            <a:avLst/>
+          </a:prstGeom>
+          <a:noFill/>
+        </p:spPr>
+        <p:txBody>
+          <a:bodyPr wrap="square" rtlCol="0">
+            <a:spAutoFit/>
+          </a:bodyPr>
+          <a:lstStyle/>
+          <a:p>
+            <a:r>
+              <a:rPr lang="en-US" altLang="ja-JP" sz="4800" dirty="0" smtClean="0"/>
+              <a:t>Wiki</a:t>
+            </a:r>
+            <a:r>
+              <a:rPr lang="ja-JP" altLang="en-US" sz="4800" dirty="0" smtClean="0"/>
+              <a:t>の概要</a:t>
+            </a:r>
+            <a:endParaRPr kumimoji="1" lang="ja-JP" altLang="en-US" sz="4800" dirty="0"/>
+          </a:p>
+        </p:txBody>
+      </p:sp>
+      <p:sp>
+        <p:nvSpPr>
+          <p:cNvPr id="169" name="テキスト ボックス 168"/>
+          <p:cNvSpPr txBox="1"/>
+          <p:nvPr/>
+        </p:nvSpPr>
+        <p:spPr>
+          <a:xfrm>
+            <a:off x="14831092" y="8645844"/>
+            <a:ext cx="2243625" cy="954107"/>
+          </a:xfrm>
+          <a:prstGeom prst="rect">
+            <a:avLst/>
+          </a:prstGeom>
+          <a:noFill/>
+        </p:spPr>
+        <p:txBody>
+          <a:bodyPr wrap="square" rtlCol="0">
+            <a:spAutoFit/>
+          </a:bodyPr>
+          <a:lstStyle/>
+          <a:p>
+            <a:r>
+              <a:rPr kumimoji="1" lang="ja-JP" altLang="en-US" sz="2800" dirty="0" smtClean="0"/>
+              <a:t>いつでも</a:t>
+            </a:r>
+            <a:endParaRPr kumimoji="1" lang="en-US" altLang="ja-JP" sz="2800" dirty="0" smtClean="0"/>
+          </a:p>
+          <a:p>
+            <a:r>
+              <a:rPr kumimoji="1" lang="ja-JP" altLang="en-US" sz="2800" dirty="0" smtClean="0"/>
+              <a:t>どこからでも</a:t>
+            </a:r>
+            <a:endParaRPr kumimoji="1" lang="ja-JP" altLang="en-US" sz="2800" dirty="0"/>
           </a:p>
         </p:txBody>
       </p:sp>

--- a/卒業論文/2015/泉雄太/中間審査/卒業論文＿中間審査＿ポスター＿泉雄太.pptx
+++ b/卒業論文/2015/泉雄太/中間審査/卒業論文＿中間審査＿ポスター＿泉雄太.pptx
@@ -8,7 +8,7 @@
     <p:notesMasterId r:id="rId3"/>
   </p:notesMasterIdLst>
   <p:sldIdLst>
-    <p:sldId id="269" r:id="rId2"/>
+    <p:sldId id="270" r:id="rId2"/>
   </p:sldIdLst>
   <p:sldSz cx="21386800" cy="30279975"/>
   <p:notesSz cx="6858000" cy="9144000"/>
@@ -12907,15 +12907,7 @@
             </a:r>
             <a:r>
               <a:rPr kumimoji="1" lang="ja-JP" altLang="en-US" sz="2800" dirty="0" smtClean="0"/>
-              <a:t>編集</a:t>
-            </a:r>
-            <a:r>
-              <a:rPr kumimoji="1" lang="ja-JP" altLang="en-US" sz="2800" dirty="0" smtClean="0"/>
-              <a:t>回数の</a:t>
-            </a:r>
-            <a:r>
-              <a:rPr kumimoji="1" lang="ja-JP" altLang="en-US" sz="2800" dirty="0" smtClean="0"/>
-              <a:t>ヒストグラム</a:t>
+              <a:t>編集回数のヒストグラム</a:t>
             </a:r>
             <a:endParaRPr kumimoji="1" lang="ja-JP" altLang="en-US" sz="2800" dirty="0"/>
           </a:p>
@@ -12948,7 +12940,7 @@
               <a:t>図</a:t>
             </a:r>
             <a:r>
-              <a:rPr lang="en-US" altLang="ja-JP" sz="2800" dirty="0"/>
+              <a:rPr lang="en-US" altLang="ja-JP" sz="2800" dirty="0" smtClean="0"/>
               <a:t>2</a:t>
             </a:r>
             <a:r>
@@ -13095,8 +13087,8 @@
         </p:nvSpPr>
         <p:spPr>
           <a:xfrm>
-            <a:off x="727907" y="27495545"/>
-            <a:ext cx="20165674" cy="1200329"/>
+            <a:off x="727907" y="27388377"/>
+            <a:ext cx="20002076" cy="1754326"/>
           </a:xfrm>
           <a:prstGeom prst="rect">
             <a:avLst/>
@@ -13110,54 +13102,22 @@
           <a:lstStyle/>
           <a:p>
             <a:r>
-              <a:rPr lang="en-US" altLang="ja-JP" sz="3600" dirty="0"/>
-              <a:t>wiki</a:t>
-            </a:r>
-            <a:r>
-              <a:rPr lang="ja-JP" altLang="en-US" sz="3600" dirty="0"/>
-              <a:t>からデータを取得する工程を自動化するために</a:t>
-            </a:r>
-            <a:r>
-              <a:rPr lang="ja-JP" altLang="en-US" sz="3600" dirty="0" smtClean="0"/>
-              <a:t>，</a:t>
-            </a:r>
-            <a:r>
-              <a:rPr lang="en-US" altLang="ja-JP" sz="3600" dirty="0" err="1" smtClean="0"/>
-              <a:t>pukiwiki</a:t>
-            </a:r>
-            <a:r>
-              <a:rPr lang="ja-JP" altLang="en-US" sz="3600" dirty="0" smtClean="0"/>
-              <a:t>から</a:t>
-            </a:r>
-            <a:r>
-              <a:rPr lang="ja-JP" altLang="en-US" sz="3600" dirty="0"/>
-              <a:t>機械的にデータを取得する方法を見つける</a:t>
-            </a:r>
-            <a:r>
-              <a:rPr lang="ja-JP" altLang="en-US" sz="3600" dirty="0" smtClean="0"/>
-              <a:t>．</a:t>
-            </a:r>
-            <a:r>
-              <a:rPr lang="en-US" altLang="ja-JP" sz="3600" dirty="0" smtClean="0"/>
-              <a:t>※</a:t>
-            </a:r>
-            <a:r>
-              <a:rPr lang="en-US" altLang="ja-JP" sz="3600" dirty="0" err="1" smtClean="0"/>
-              <a:t>pukiwiki</a:t>
-            </a:r>
-            <a:r>
-              <a:rPr lang="ja-JP" altLang="en-US" sz="3600" dirty="0" smtClean="0"/>
-              <a:t>とは，</a:t>
-            </a:r>
-            <a:r>
-              <a:rPr lang="en-US" altLang="ja-JP" sz="3600" dirty="0" smtClean="0"/>
-              <a:t>wiki</a:t>
-            </a:r>
-            <a:r>
-              <a:rPr lang="ja-JP" altLang="en-US" sz="3600" dirty="0" smtClean="0"/>
-              <a:t>の一種</a:t>
-            </a:r>
-            <a:endParaRPr kumimoji="1" lang="ja-JP" altLang="en-US" sz="3600" dirty="0"/>
+              <a:rPr lang="ja-JP" altLang="en-US" sz="5400" dirty="0"/>
+              <a:t>手動での生データ取得</a:t>
+            </a:r>
+            <a:r>
+              <a:rPr lang="ja-JP" altLang="en-US" sz="5400" dirty="0" smtClean="0"/>
+              <a:t>作業がボトルネック</a:t>
+            </a:r>
+            <a:r>
+              <a:rPr lang="ja-JP" altLang="en-US" sz="5400" dirty="0" smtClean="0"/>
+              <a:t>になっているので，その作業を</a:t>
+            </a:r>
+            <a:r>
+              <a:rPr lang="ja-JP" altLang="en-US" sz="5400" dirty="0" smtClean="0"/>
+              <a:t>機械化する．</a:t>
+            </a:r>
+            <a:endParaRPr kumimoji="1" lang="ja-JP" altLang="en-US" sz="4400" dirty="0"/>
           </a:p>
         </p:txBody>
       </p:sp>
@@ -13799,252 +13759,6 @@
           </a:fontRef>
         </p:style>
       </p:cxnSp>
-      <p:sp>
-        <p:nvSpPr>
-          <p:cNvPr id="142" name="フローチャート: 磁気ディスク 141"/>
-          <p:cNvSpPr/>
-          <p:nvPr/>
-        </p:nvSpPr>
-        <p:spPr>
-          <a:xfrm>
-            <a:off x="16815209" y="11071225"/>
-            <a:ext cx="3799646" cy="2395577"/>
-          </a:xfrm>
-          <a:prstGeom prst="flowChartMagneticDisk">
-            <a:avLst/>
-          </a:prstGeom>
-          <a:noFill/>
-          <a:ln>
-            <a:solidFill>
-              <a:schemeClr val="tx1"/>
-            </a:solidFill>
-          </a:ln>
-          <a:effectLst/>
-        </p:spPr>
-        <p:style>
-          <a:lnRef idx="1">
-            <a:schemeClr val="accent1"/>
-          </a:lnRef>
-          <a:fillRef idx="3">
-            <a:schemeClr val="accent1"/>
-          </a:fillRef>
-          <a:effectRef idx="2">
-            <a:schemeClr val="accent1"/>
-          </a:effectRef>
-          <a:fontRef idx="minor">
-            <a:schemeClr val="lt1"/>
-          </a:fontRef>
-        </p:style>
-        <p:txBody>
-          <a:bodyPr rot="0" spcFirstLastPara="0" vertOverflow="overflow" horzOverflow="overflow" vert="horz" wrap="square" lIns="91440" tIns="45720" rIns="91440" bIns="45720" numCol="1" spcCol="0" rtlCol="0" fromWordArt="0" anchor="ctr" anchorCtr="0" forceAA="0" compatLnSpc="1">
-            <a:prstTxWarp prst="textNoShape">
-              <a:avLst/>
-            </a:prstTxWarp>
-            <a:noAutofit/>
-          </a:bodyPr>
-          <a:lstStyle/>
-          <a:p>
-            <a:pPr algn="ctr"/>
-            <a:r>
-              <a:rPr lang="en-US" altLang="ja-JP" dirty="0">
-                <a:solidFill>
-                  <a:sysClr val="windowText" lastClr="000000"/>
-                </a:solidFill>
-              </a:rPr>
-              <a:t>Wikipedia</a:t>
-            </a:r>
-            <a:endParaRPr kumimoji="1" lang="ja-JP" altLang="en-US" dirty="0" smtClean="0">
-              <a:solidFill>
-                <a:sysClr val="windowText" lastClr="000000"/>
-              </a:solidFill>
-            </a:endParaRPr>
-          </a:p>
-        </p:txBody>
-      </p:sp>
-      <p:sp>
-        <p:nvSpPr>
-          <p:cNvPr id="145" name="左矢印 144"/>
-          <p:cNvSpPr/>
-          <p:nvPr/>
-        </p:nvSpPr>
-        <p:spPr>
-          <a:xfrm>
-            <a:off x="13396794" y="11214271"/>
-            <a:ext cx="2987315" cy="2126643"/>
-          </a:xfrm>
-          <a:prstGeom prst="leftArrow">
-            <a:avLst/>
-          </a:prstGeom>
-          <a:noFill/>
-          <a:ln>
-            <a:solidFill>
-              <a:schemeClr val="tx1"/>
-            </a:solidFill>
-          </a:ln>
-          <a:effectLst/>
-        </p:spPr>
-        <p:style>
-          <a:lnRef idx="1">
-            <a:schemeClr val="accent1"/>
-          </a:lnRef>
-          <a:fillRef idx="3">
-            <a:schemeClr val="accent1"/>
-          </a:fillRef>
-          <a:effectRef idx="2">
-            <a:schemeClr val="accent1"/>
-          </a:effectRef>
-          <a:fontRef idx="minor">
-            <a:schemeClr val="lt1"/>
-          </a:fontRef>
-        </p:style>
-        <p:txBody>
-          <a:bodyPr rot="0" spcFirstLastPara="0" vertOverflow="overflow" horzOverflow="overflow" vert="horz" wrap="square" lIns="91440" tIns="45720" rIns="91440" bIns="45720" numCol="1" spcCol="0" rtlCol="0" fromWordArt="0" anchor="ctr" anchorCtr="0" forceAA="0" compatLnSpc="1">
-            <a:prstTxWarp prst="textNoShape">
-              <a:avLst/>
-            </a:prstTxWarp>
-            <a:noAutofit/>
-          </a:bodyPr>
-          <a:lstStyle/>
-          <a:p>
-            <a:pPr algn="ctr"/>
-            <a:r>
-              <a:rPr kumimoji="1" lang="ja-JP" altLang="en-US" sz="3600" dirty="0" smtClean="0">
-                <a:solidFill>
-                  <a:sysClr val="windowText" lastClr="000000"/>
-                </a:solidFill>
-              </a:rPr>
-              <a:t>データ</a:t>
-            </a:r>
-          </a:p>
-        </p:txBody>
-      </p:sp>
-      <p:sp>
-        <p:nvSpPr>
-          <p:cNvPr id="146" name="右矢印 145"/>
-          <p:cNvSpPr/>
-          <p:nvPr/>
-        </p:nvSpPr>
-        <p:spPr>
-          <a:xfrm>
-            <a:off x="5228027" y="11204608"/>
-            <a:ext cx="2987315" cy="2126643"/>
-          </a:xfrm>
-          <a:prstGeom prst="rightArrow">
-            <a:avLst/>
-          </a:prstGeom>
-          <a:noFill/>
-          <a:ln>
-            <a:solidFill>
-              <a:schemeClr val="tx1"/>
-            </a:solidFill>
-          </a:ln>
-          <a:effectLst/>
-        </p:spPr>
-        <p:style>
-          <a:lnRef idx="1">
-            <a:schemeClr val="accent1"/>
-          </a:lnRef>
-          <a:fillRef idx="3">
-            <a:schemeClr val="accent1"/>
-          </a:fillRef>
-          <a:effectRef idx="2">
-            <a:schemeClr val="accent1"/>
-          </a:effectRef>
-          <a:fontRef idx="minor">
-            <a:schemeClr val="lt1"/>
-          </a:fontRef>
-        </p:style>
-        <p:txBody>
-          <a:bodyPr rot="0" spcFirstLastPara="0" vertOverflow="overflow" horzOverflow="overflow" vert="horz" wrap="square" lIns="91440" tIns="45720" rIns="91440" bIns="45720" numCol="1" spcCol="0" rtlCol="0" fromWordArt="0" anchor="ctr" anchorCtr="0" forceAA="0" compatLnSpc="1">
-            <a:prstTxWarp prst="textNoShape">
-              <a:avLst/>
-            </a:prstTxWarp>
-            <a:noAutofit/>
-          </a:bodyPr>
-          <a:lstStyle/>
-          <a:p>
-            <a:pPr algn="ctr"/>
-            <a:r>
-              <a:rPr kumimoji="1" lang="ja-JP" altLang="en-US" sz="3600" dirty="0" smtClean="0">
-                <a:solidFill>
-                  <a:sysClr val="windowText" lastClr="000000"/>
-                </a:solidFill>
-              </a:rPr>
-              <a:t>データ</a:t>
-            </a:r>
-          </a:p>
-        </p:txBody>
-      </p:sp>
-      <p:sp>
-        <p:nvSpPr>
-          <p:cNvPr id="147" name="フローチャート: 磁気ディスク 146"/>
-          <p:cNvSpPr/>
-          <p:nvPr/>
-        </p:nvSpPr>
-        <p:spPr>
-          <a:xfrm>
-            <a:off x="783124" y="11204608"/>
-            <a:ext cx="3799646" cy="2225487"/>
-          </a:xfrm>
-          <a:prstGeom prst="flowChartMagneticDisk">
-            <a:avLst/>
-          </a:prstGeom>
-          <a:noFill/>
-          <a:ln>
-            <a:solidFill>
-              <a:schemeClr val="tx1"/>
-            </a:solidFill>
-          </a:ln>
-          <a:effectLst/>
-        </p:spPr>
-        <p:style>
-          <a:lnRef idx="1">
-            <a:schemeClr val="accent1"/>
-          </a:lnRef>
-          <a:fillRef idx="3">
-            <a:schemeClr val="accent1"/>
-          </a:fillRef>
-          <a:effectRef idx="2">
-            <a:schemeClr val="accent1"/>
-          </a:effectRef>
-          <a:fontRef idx="minor">
-            <a:schemeClr val="lt1"/>
-          </a:fontRef>
-        </p:style>
-        <p:txBody>
-          <a:bodyPr rot="0" spcFirstLastPara="0" vertOverflow="overflow" horzOverflow="overflow" vert="horz" wrap="square" lIns="91440" tIns="45720" rIns="91440" bIns="45720" numCol="1" spcCol="0" rtlCol="0" fromWordArt="0" anchor="ctr" anchorCtr="0" forceAA="0" compatLnSpc="1">
-            <a:prstTxWarp prst="textNoShape">
-              <a:avLst/>
-            </a:prstTxWarp>
-            <a:noAutofit/>
-          </a:bodyPr>
-          <a:lstStyle/>
-          <a:p>
-            <a:pPr algn="ctr"/>
-            <a:r>
-              <a:rPr lang="ja-JP" altLang="en-US" dirty="0" smtClean="0">
-                <a:solidFill>
-                  <a:sysClr val="windowText" lastClr="000000"/>
-                </a:solidFill>
-              </a:rPr>
-              <a:t>攻略</a:t>
-            </a:r>
-            <a:r>
-              <a:rPr lang="en-US" altLang="ja-JP" dirty="0" smtClean="0">
-                <a:solidFill>
-                  <a:sysClr val="windowText" lastClr="000000"/>
-                </a:solidFill>
-              </a:rPr>
-              <a:t>wiki</a:t>
-            </a:r>
-            <a:endParaRPr kumimoji="1" lang="ja-JP" altLang="en-US" dirty="0" smtClean="0">
-              <a:solidFill>
-                <a:sysClr val="windowText" lastClr="000000"/>
-              </a:solidFill>
-            </a:endParaRPr>
-          </a:p>
-        </p:txBody>
-      </p:sp>
       <p:pic>
         <p:nvPicPr>
           <p:cNvPr id="47" name="図 46"/>
@@ -14067,7 +13781,7 @@
         </p:blipFill>
         <p:spPr>
           <a:xfrm>
-            <a:off x="5020801" y="14448418"/>
+            <a:off x="5085180" y="14236193"/>
             <a:ext cx="4966346" cy="3474606"/>
           </a:xfrm>
           <a:prstGeom prst="rect">
@@ -14122,21 +13836,42 @@
           <a:p>
             <a:pPr algn="ctr"/>
             <a:r>
-              <a:rPr kumimoji="1" lang="en-US" altLang="ja-JP" sz="5400" dirty="0" smtClean="0">
+              <a:rPr lang="en-US" altLang="ja-JP" sz="3200" dirty="0" smtClean="0">
                 <a:solidFill>
                   <a:sysClr val="windowText" lastClr="000000"/>
                 </a:solidFill>
               </a:rPr>
-              <a:t>web</a:t>
-            </a:r>
-            <a:r>
-              <a:rPr kumimoji="1" lang="ja-JP" altLang="en-US" sz="5400" dirty="0" smtClean="0">
+              <a:t>Wiki</a:t>
+            </a:r>
+            <a:r>
+              <a:rPr lang="ja-JP" altLang="en-US" sz="3200" dirty="0" smtClean="0">
                 <a:solidFill>
                   <a:sysClr val="windowText" lastClr="000000"/>
                 </a:solidFill>
               </a:rPr>
-              <a:t>ページ</a:t>
-            </a:r>
+              <a:t>の編集履歴</a:t>
+            </a:r>
+            <a:endParaRPr lang="en-US" altLang="ja-JP" sz="3200" dirty="0" smtClean="0">
+              <a:solidFill>
+                <a:sysClr val="windowText" lastClr="000000"/>
+              </a:solidFill>
+            </a:endParaRPr>
+          </a:p>
+          <a:p>
+            <a:pPr algn="ctr"/>
+            <a:r>
+              <a:rPr kumimoji="1" lang="ja-JP" altLang="en-US" sz="3200" dirty="0" smtClean="0">
+                <a:solidFill>
+                  <a:sysClr val="windowText" lastClr="000000"/>
+                </a:solidFill>
+              </a:rPr>
+              <a:t>からデータ取得</a:t>
+            </a:r>
+            <a:endParaRPr kumimoji="1" lang="ja-JP" altLang="en-US" sz="3200" dirty="0" smtClean="0">
+              <a:solidFill>
+                <a:sysClr val="windowText" lastClr="000000"/>
+              </a:solidFill>
+            </a:endParaRPr>
           </a:p>
         </p:txBody>
       </p:sp>
@@ -14187,14 +13922,14 @@
           <a:p>
             <a:pPr algn="ctr"/>
             <a:r>
-              <a:rPr lang="en-US" altLang="ja-JP" sz="5400" dirty="0">
+              <a:rPr lang="ja-JP" altLang="en-US" sz="3200" dirty="0" smtClean="0">
                 <a:solidFill>
                   <a:sysClr val="windowText" lastClr="000000"/>
                 </a:solidFill>
               </a:rPr>
-              <a:t>Excel</a:t>
-            </a:r>
-            <a:endParaRPr kumimoji="1" lang="ja-JP" altLang="en-US" sz="5400" dirty="0" smtClean="0">
+              <a:t>生データから解析用データを抽出</a:t>
+            </a:r>
+            <a:endParaRPr kumimoji="1" lang="ja-JP" altLang="en-US" sz="3200" dirty="0" smtClean="0">
               <a:solidFill>
                 <a:sysClr val="windowText" lastClr="000000"/>
               </a:solidFill>
@@ -14249,14 +13984,30 @@
           <a:p>
             <a:pPr algn="ctr"/>
             <a:r>
-              <a:rPr lang="en-US" altLang="ja-JP" sz="5400" dirty="0">
+              <a:rPr lang="ja-JP" altLang="en-US" sz="3200" dirty="0" smtClean="0">
                 <a:solidFill>
                   <a:sysClr val="windowText" lastClr="000000"/>
                 </a:solidFill>
               </a:rPr>
-              <a:t>R</a:t>
-            </a:r>
-            <a:endParaRPr kumimoji="1" lang="ja-JP" altLang="en-US" sz="5400" dirty="0" smtClean="0">
+              <a:t>統計解析ソフトで</a:t>
+            </a:r>
+            <a:endParaRPr lang="en-US" altLang="ja-JP" sz="3200" dirty="0" smtClean="0">
+              <a:solidFill>
+                <a:sysClr val="windowText" lastClr="000000"/>
+              </a:solidFill>
+            </a:endParaRPr>
+          </a:p>
+          <a:p>
+            <a:pPr algn="ctr"/>
+            <a:r>
+              <a:rPr lang="ja-JP" altLang="en-US" sz="3200" dirty="0" smtClean="0">
+                <a:solidFill>
+                  <a:sysClr val="windowText" lastClr="000000"/>
+                </a:solidFill>
+              </a:rPr>
+              <a:t>ヒストグラムを作成</a:t>
+            </a:r>
+            <a:endParaRPr kumimoji="1" lang="ja-JP" altLang="en-US" sz="3200" dirty="0" smtClean="0">
               <a:solidFill>
                 <a:sysClr val="windowText" lastClr="000000"/>
               </a:solidFill>
@@ -14311,13 +14062,18 @@
           <a:p>
             <a:pPr algn="ctr"/>
             <a:r>
-              <a:rPr kumimoji="1" lang="ja-JP" altLang="en-US" sz="4000" dirty="0" smtClean="0">
+              <a:rPr kumimoji="1" lang="ja-JP" altLang="en-US" sz="2800" dirty="0" smtClean="0">
                 <a:solidFill>
                   <a:sysClr val="windowText" lastClr="000000"/>
                 </a:solidFill>
               </a:rPr>
-              <a:t>データ抽出</a:t>
-            </a:r>
+              <a:t>生データ</a:t>
+            </a:r>
+            <a:endParaRPr kumimoji="1" lang="ja-JP" altLang="en-US" sz="2800" dirty="0" smtClean="0">
+              <a:solidFill>
+                <a:sysClr val="windowText" lastClr="000000"/>
+              </a:solidFill>
+            </a:endParaRPr>
           </a:p>
         </p:txBody>
       </p:sp>
@@ -14368,13 +14124,26 @@
           <a:p>
             <a:pPr algn="ctr"/>
             <a:r>
-              <a:rPr kumimoji="1" lang="ja-JP" altLang="en-US" sz="4000" dirty="0" smtClean="0">
+              <a:rPr lang="ja-JP" altLang="en-US" sz="3200" dirty="0" smtClean="0">
                 <a:solidFill>
                   <a:sysClr val="windowText" lastClr="000000"/>
                 </a:solidFill>
               </a:rPr>
-              <a:t>データ解析</a:t>
-            </a:r>
+              <a:t>解析用</a:t>
+            </a:r>
+            <a:r>
+              <a:rPr lang="ja-JP" altLang="en-US" sz="3200" dirty="0">
+                <a:solidFill>
+                  <a:sysClr val="windowText" lastClr="000000"/>
+                </a:solidFill>
+              </a:rPr>
+              <a:t>データ</a:t>
+            </a:r>
+            <a:endParaRPr kumimoji="1" lang="ja-JP" altLang="en-US" sz="3200" dirty="0" smtClean="0">
+              <a:solidFill>
+                <a:sysClr val="windowText" lastClr="000000"/>
+              </a:solidFill>
+            </a:endParaRPr>
           </a:p>
         </p:txBody>
       </p:sp>
@@ -14387,13 +14156,13 @@
           <p:nvPr>
             <p:extLst>
               <p:ext uri="{D42A27DB-BD31-4B8C-83A1-F6EECF244321}">
-                <p14:modId xmlns:p14="http://schemas.microsoft.com/office/powerpoint/2010/main" val="4047935434"/>
+                <p14:modId xmlns:p14="http://schemas.microsoft.com/office/powerpoint/2010/main" val="1153457454"/>
               </p:ext>
             </p:extLst>
           </p:nvPr>
         </p:nvGraphicFramePr>
         <p:xfrm>
-          <a:off x="4935205" y="18850853"/>
+          <a:off x="4821532" y="19323360"/>
           <a:ext cx="5300593" cy="3047322"/>
         </p:xfrm>
         <a:graphic>
@@ -14619,12 +14388,12 @@
                     <a:p>
                       <a:pPr algn="l" fontAlgn="ctr"/>
                       <a:r>
-                        <a:rPr lang="en-US" sz="2400" u="none" strike="noStrike">
+                        <a:rPr lang="en-US" sz="2400" u="none" strike="noStrike" dirty="0">
                           <a:effectLst/>
                         </a:rPr>
                         <a:t>E5oN997tA9v</a:t>
                       </a:r>
-                      <a:endParaRPr lang="en-US" sz="2400" b="0" i="0" u="none" strike="noStrike">
+                      <a:endParaRPr lang="en-US" sz="2400" b="0" i="0" u="none" strike="noStrike" dirty="0">
                         <a:solidFill>
                           <a:srgbClr val="000000"/>
                         </a:solidFill>
@@ -14669,12 +14438,12 @@
                     <a:p>
                       <a:pPr algn="l" fontAlgn="ctr"/>
                       <a:r>
-                        <a:rPr lang="en-US" sz="2400" u="none" strike="noStrike">
+                        <a:rPr lang="en-US" sz="2400" u="none" strike="noStrike" dirty="0">
                           <a:effectLst/>
                         </a:rPr>
                         <a:t>HrG78k72T2s</a:t>
                       </a:r>
-                      <a:endParaRPr lang="en-US" sz="2400" b="0" i="0" u="none" strike="noStrike">
+                      <a:endParaRPr lang="en-US" sz="2400" b="0" i="0" u="none" strike="noStrike" dirty="0">
                         <a:solidFill>
                           <a:srgbClr val="000000"/>
                         </a:solidFill>
@@ -14717,57 +14486,13 @@
       </p:graphicFrame>
       <p:sp>
         <p:nvSpPr>
-          <p:cNvPr id="51" name="テキスト ボックス 50"/>
-          <p:cNvSpPr txBox="1"/>
-          <p:nvPr/>
-        </p:nvSpPr>
-        <p:spPr>
-          <a:xfrm>
-            <a:off x="4872819" y="23585316"/>
-            <a:ext cx="5584584" cy="1446550"/>
-          </a:xfrm>
-          <a:prstGeom prst="rect">
-            <a:avLst/>
-          </a:prstGeom>
-          <a:noFill/>
-        </p:spPr>
-        <p:txBody>
-          <a:bodyPr wrap="square" rtlCol="0">
-            <a:spAutoFit/>
-          </a:bodyPr>
-          <a:lstStyle/>
-          <a:p>
-            <a:r>
-              <a:rPr kumimoji="1" lang="en-US" altLang="ja-JP" sz="4400" dirty="0" smtClean="0"/>
-              <a:t>R</a:t>
-            </a:r>
-            <a:r>
-              <a:rPr kumimoji="1" lang="ja-JP" altLang="en-US" sz="4400" dirty="0" smtClean="0"/>
-              <a:t>とは</a:t>
-            </a:r>
-            <a:r>
-              <a:rPr kumimoji="1" lang="en-US" altLang="ja-JP" sz="4400" dirty="0" smtClean="0"/>
-              <a:t>…</a:t>
-            </a:r>
-          </a:p>
-          <a:p>
-            <a:r>
-              <a:rPr kumimoji="1" lang="ja-JP" altLang="en-US" sz="4400" dirty="0" smtClean="0"/>
-              <a:t>統計解析ソフトのこと</a:t>
-            </a:r>
-            <a:endParaRPr kumimoji="1" lang="ja-JP" altLang="en-US" sz="4400" dirty="0"/>
-          </a:p>
-        </p:txBody>
-      </p:sp>
-      <p:sp>
-        <p:nvSpPr>
           <p:cNvPr id="157" name="角丸四角形 156"/>
           <p:cNvSpPr/>
           <p:nvPr/>
         </p:nvSpPr>
         <p:spPr>
           <a:xfrm>
-            <a:off x="11372732" y="15508896"/>
+            <a:off x="11372732" y="15490589"/>
             <a:ext cx="3629949" cy="1760305"/>
           </a:xfrm>
           <a:prstGeom prst="roundRect">
@@ -14806,21 +14531,42 @@
           <a:p>
             <a:pPr algn="ctr"/>
             <a:r>
-              <a:rPr kumimoji="1" lang="en-US" altLang="ja-JP" sz="5400" dirty="0" smtClean="0">
+              <a:rPr kumimoji="1" lang="ja-JP" altLang="en-US" sz="3200" dirty="0" smtClean="0">
                 <a:solidFill>
                   <a:sysClr val="windowText" lastClr="000000"/>
                 </a:solidFill>
               </a:rPr>
-              <a:t>web</a:t>
-            </a:r>
-            <a:r>
-              <a:rPr kumimoji="1" lang="ja-JP" altLang="en-US" sz="5400" dirty="0" smtClean="0">
+              <a:t>日時，編集者</a:t>
+            </a:r>
+            <a:r>
+              <a:rPr kumimoji="1" lang="en-US" altLang="ja-JP" sz="3200" dirty="0" smtClean="0">
                 <a:solidFill>
                   <a:sysClr val="windowText" lastClr="000000"/>
                 </a:solidFill>
               </a:rPr>
-              <a:t>ページ</a:t>
-            </a:r>
+              <a:t>ID</a:t>
+            </a:r>
+            <a:r>
+              <a:rPr kumimoji="1" lang="ja-JP" altLang="en-US" sz="3200" dirty="0" err="1" smtClean="0">
+                <a:solidFill>
+                  <a:sysClr val="windowText" lastClr="000000"/>
+                </a:solidFill>
+              </a:rPr>
+              <a:t>，</a:t>
+            </a:r>
+            <a:r>
+              <a:rPr kumimoji="1" lang="ja-JP" altLang="en-US" sz="3200" dirty="0" smtClean="0">
+                <a:solidFill>
+                  <a:sysClr val="windowText" lastClr="000000"/>
+                </a:solidFill>
+              </a:rPr>
+              <a:t>編集文字数を取得</a:t>
+            </a:r>
+            <a:endParaRPr kumimoji="1" lang="ja-JP" altLang="en-US" sz="3200" dirty="0" smtClean="0">
+              <a:solidFill>
+                <a:sysClr val="windowText" lastClr="000000"/>
+              </a:solidFill>
+            </a:endParaRPr>
           </a:p>
         </p:txBody>
       </p:sp>
@@ -14871,14 +14617,30 @@
           <a:p>
             <a:pPr algn="ctr"/>
             <a:r>
-              <a:rPr lang="en-US" altLang="ja-JP" sz="5400" dirty="0">
+              <a:rPr lang="ja-JP" altLang="en-US" sz="2400" dirty="0" smtClean="0">
                 <a:solidFill>
                   <a:sysClr val="windowText" lastClr="000000"/>
                 </a:solidFill>
               </a:rPr>
-              <a:t>Excel</a:t>
-            </a:r>
-            <a:endParaRPr kumimoji="1" lang="ja-JP" altLang="en-US" sz="5400" dirty="0" smtClean="0">
+              <a:t>編集者</a:t>
+            </a:r>
+            <a:r>
+              <a:rPr lang="en-US" altLang="ja-JP" sz="2400" dirty="0" smtClean="0">
+                <a:solidFill>
+                  <a:sysClr val="windowText" lastClr="000000"/>
+                </a:solidFill>
+              </a:rPr>
+              <a:t>ID</a:t>
+            </a:r>
+            <a:r>
+              <a:rPr lang="ja-JP" altLang="en-US" sz="2400" dirty="0" smtClean="0">
+                <a:solidFill>
+                  <a:sysClr val="windowText" lastClr="000000"/>
+                </a:solidFill>
+              </a:rPr>
+              <a:t>ごとの編集回数，編集文字数を抽出</a:t>
+            </a:r>
+            <a:endParaRPr kumimoji="1" lang="ja-JP" altLang="en-US" sz="2400" dirty="0" smtClean="0">
               <a:solidFill>
                 <a:sysClr val="windowText" lastClr="000000"/>
               </a:solidFill>
@@ -14933,14 +14695,30 @@
           <a:p>
             <a:pPr algn="ctr"/>
             <a:r>
-              <a:rPr lang="en-US" altLang="ja-JP" sz="5400" dirty="0">
+              <a:rPr lang="ja-JP" altLang="en-US" sz="2400" dirty="0" smtClean="0">
                 <a:solidFill>
                   <a:sysClr val="windowText" lastClr="000000"/>
                 </a:solidFill>
               </a:rPr>
-              <a:t>R</a:t>
-            </a:r>
-            <a:endParaRPr kumimoji="1" lang="ja-JP" altLang="en-US" sz="5400" dirty="0" smtClean="0">
+              <a:t>編集</a:t>
+            </a:r>
+            <a:r>
+              <a:rPr lang="ja-JP" altLang="en-US" sz="2400" dirty="0">
+                <a:solidFill>
+                  <a:sysClr val="windowText" lastClr="000000"/>
+                </a:solidFill>
+              </a:rPr>
+              <a:t>回数</a:t>
+            </a:r>
+            <a:r>
+              <a:rPr lang="ja-JP" altLang="en-US" sz="2400" dirty="0" smtClean="0">
+                <a:solidFill>
+                  <a:sysClr val="windowText" lastClr="000000"/>
+                </a:solidFill>
+              </a:rPr>
+              <a:t>のヒストグラムと編集文字数のヒストグラムを作成</a:t>
+            </a:r>
+            <a:endParaRPr kumimoji="1" lang="ja-JP" altLang="en-US" sz="2400" dirty="0" smtClean="0">
               <a:solidFill>
                 <a:sysClr val="windowText" lastClr="000000"/>
               </a:solidFill>
@@ -14956,8 +14734,8 @@
         </p:nvSpPr>
         <p:spPr>
           <a:xfrm>
-            <a:off x="11581325" y="17554861"/>
-            <a:ext cx="3212759" cy="1771370"/>
+            <a:off x="11320082" y="17554861"/>
+            <a:ext cx="3529416" cy="1771370"/>
           </a:xfrm>
           <a:prstGeom prst="downArrow">
             <a:avLst/>
@@ -14995,7 +14773,7 @@
           <a:p>
             <a:pPr algn="ctr"/>
             <a:r>
-              <a:rPr lang="en-US" altLang="ja-JP" sz="3200" dirty="0" smtClean="0">
+              <a:rPr lang="en-US" altLang="ja-JP" sz="2400" dirty="0" smtClean="0">
                 <a:solidFill>
                   <a:sysClr val="windowText" lastClr="000000"/>
                 </a:solidFill>
@@ -15003,37 +14781,26 @@
               <a:t>106</a:t>
             </a:r>
             <a:r>
-              <a:rPr lang="ja-JP" altLang="en-US" sz="3200" dirty="0" smtClean="0">
+              <a:rPr lang="ja-JP" altLang="en-US" sz="2400" dirty="0">
                 <a:solidFill>
                   <a:sysClr val="windowText" lastClr="000000"/>
                 </a:solidFill>
               </a:rPr>
               <a:t>人</a:t>
             </a:r>
-            <a:endParaRPr lang="en-US" altLang="ja-JP" sz="3200" dirty="0" smtClean="0">
+            <a:r>
+              <a:rPr lang="ja-JP" altLang="en-US" sz="2400" dirty="0" smtClean="0">
+                <a:solidFill>
+                  <a:sysClr val="windowText" lastClr="000000"/>
+                </a:solidFill>
+              </a:rPr>
+              <a:t>分の生データ</a:t>
+            </a:r>
+            <a:endParaRPr lang="en-US" altLang="ja-JP" sz="2400" dirty="0" smtClean="0">
               <a:solidFill>
                 <a:sysClr val="windowText" lastClr="000000"/>
               </a:solidFill>
             </a:endParaRPr>
-          </a:p>
-          <a:p>
-            <a:pPr algn="ctr"/>
-            <a:r>
-              <a:rPr kumimoji="1" lang="en-US" altLang="ja-JP" sz="3200" dirty="0" smtClean="0">
-                <a:solidFill>
-                  <a:sysClr val="windowText" lastClr="000000"/>
-                </a:solidFill>
-              </a:rPr>
-              <a:t>3</a:t>
-            </a:r>
-            <a:r>
-              <a:rPr kumimoji="1" lang="ja-JP" altLang="en-US" sz="3200" dirty="0" smtClean="0">
-                <a:solidFill>
-                  <a:sysClr val="windowText" lastClr="000000"/>
-                </a:solidFill>
-              </a:rPr>
-              <a:t>ページ</a:t>
-            </a:r>
           </a:p>
         </p:txBody>
       </p:sp>
@@ -15084,14 +14851,30 @@
           <a:p>
             <a:pPr algn="ctr"/>
             <a:r>
-              <a:rPr lang="ja-JP" altLang="en-US" sz="2800" dirty="0" smtClean="0">
+              <a:rPr lang="en-US" altLang="ja-JP" sz="2400" dirty="0" smtClean="0">
                 <a:solidFill>
                   <a:sysClr val="windowText" lastClr="000000"/>
                 </a:solidFill>
               </a:rPr>
-              <a:t>編集回数</a:t>
-            </a:r>
-            <a:endParaRPr lang="en-US" altLang="ja-JP" sz="2800" dirty="0" smtClean="0">
+              <a:t>106</a:t>
+            </a:r>
+            <a:r>
+              <a:rPr lang="ja-JP" altLang="en-US" sz="2400" dirty="0">
+                <a:solidFill>
+                  <a:sysClr val="windowText" lastClr="000000"/>
+                </a:solidFill>
+              </a:rPr>
+              <a:t>人</a:t>
+            </a:r>
+            <a:r>
+              <a:rPr lang="ja-JP" altLang="en-US" sz="2400" dirty="0" smtClean="0">
+                <a:solidFill>
+                  <a:sysClr val="windowText" lastClr="000000"/>
+                </a:solidFill>
+              </a:rPr>
+              <a:t>分の</a:t>
+            </a:r>
+            <a:endParaRPr lang="en-US" altLang="ja-JP" sz="2400" dirty="0" smtClean="0">
               <a:solidFill>
                 <a:sysClr val="windowText" lastClr="000000"/>
               </a:solidFill>
@@ -15100,22 +14883,14 @@
           <a:p>
             <a:pPr algn="ctr"/>
             <a:r>
-              <a:rPr kumimoji="1" lang="ja-JP" altLang="en-US" sz="2800" dirty="0" smtClean="0">
+              <a:rPr lang="ja-JP" altLang="en-US" sz="2400" dirty="0" smtClean="0">
                 <a:solidFill>
                   <a:sysClr val="windowText" lastClr="000000"/>
                 </a:solidFill>
               </a:rPr>
-              <a:t>編集</a:t>
-            </a:r>
-            <a:r>
-              <a:rPr kumimoji="1" lang="ja-JP" altLang="en-US" sz="2800" dirty="0">
-                <a:solidFill>
-                  <a:sysClr val="windowText" lastClr="000000"/>
-                </a:solidFill>
-              </a:rPr>
-              <a:t>文字数</a:t>
-            </a:r>
-            <a:endParaRPr kumimoji="1" lang="ja-JP" altLang="en-US" sz="2800" dirty="0" smtClean="0">
+              <a:t>解析用データ</a:t>
+            </a:r>
+            <a:endParaRPr lang="en-US" altLang="ja-JP" sz="2400" dirty="0" smtClean="0">
               <a:solidFill>
                 <a:sysClr val="windowText" lastClr="000000"/>
               </a:solidFill>
@@ -15205,14 +14980,14 @@
       </p:cxnSp>
       <p:sp>
         <p:nvSpPr>
-          <p:cNvPr id="23" name="テキスト ボックス 22"/>
+          <p:cNvPr id="25" name="テキスト ボックス 24"/>
           <p:cNvSpPr txBox="1"/>
           <p:nvPr/>
         </p:nvSpPr>
         <p:spPr>
           <a:xfrm>
-            <a:off x="4492744" y="9937919"/>
-            <a:ext cx="19773862" cy="830997"/>
+            <a:off x="625729" y="8841684"/>
+            <a:ext cx="5069631" cy="707886"/>
           </a:xfrm>
           <a:prstGeom prst="rect">
             <a:avLst/>
@@ -15226,36 +15001,76 @@
           <a:lstStyle/>
           <a:p>
             <a:r>
-              <a:rPr lang="ja-JP" altLang="en-US" sz="4800" dirty="0"/>
-              <a:t>調査</a:t>
-            </a:r>
-            <a:r>
-              <a:rPr lang="ja-JP" altLang="en-US" sz="4800" dirty="0" smtClean="0"/>
-              <a:t>した</a:t>
-            </a:r>
+              <a:rPr kumimoji="1" lang="ja-JP" altLang="en-US" sz="4000" dirty="0" smtClean="0"/>
+              <a:t>かつては攻略本だけ</a:t>
+            </a:r>
+            <a:endParaRPr kumimoji="1" lang="ja-JP" altLang="en-US" sz="4000" dirty="0"/>
+          </a:p>
+        </p:txBody>
+      </p:sp>
+      <p:sp>
+        <p:nvSpPr>
+          <p:cNvPr id="144" name="テキスト ボックス 143"/>
+          <p:cNvSpPr txBox="1"/>
+          <p:nvPr/>
+        </p:nvSpPr>
+        <p:spPr>
+          <a:xfrm>
+            <a:off x="6184798" y="8804883"/>
+            <a:ext cx="4578620" cy="707886"/>
+          </a:xfrm>
+          <a:prstGeom prst="rect">
+            <a:avLst/>
+          </a:prstGeom>
+          <a:noFill/>
+        </p:spPr>
+        <p:txBody>
+          <a:bodyPr wrap="square" rtlCol="0">
+            <a:spAutoFit/>
+          </a:bodyPr>
+          <a:lstStyle/>
+          <a:p>
+            <a:r>
+              <a:rPr lang="ja-JP" altLang="en-US" sz="4000" dirty="0" smtClean="0"/>
+              <a:t>攻略</a:t>
+            </a:r>
+            <a:r>
+              <a:rPr lang="en-US" altLang="ja-JP" sz="4000" dirty="0" smtClean="0"/>
+              <a:t>wiki</a:t>
+            </a:r>
+            <a:r>
+              <a:rPr lang="ja-JP" altLang="en-US" sz="4000" dirty="0" smtClean="0"/>
+              <a:t>が一般的に</a:t>
+            </a:r>
+            <a:endParaRPr kumimoji="1" lang="ja-JP" altLang="en-US" sz="4000" dirty="0"/>
+          </a:p>
+        </p:txBody>
+      </p:sp>
+      <p:sp>
+        <p:nvSpPr>
+          <p:cNvPr id="26" name="テキスト ボックス 25"/>
+          <p:cNvSpPr txBox="1"/>
+          <p:nvPr/>
+        </p:nvSpPr>
+        <p:spPr>
+          <a:xfrm>
+            <a:off x="4104663" y="4019432"/>
+            <a:ext cx="5257219" cy="830997"/>
+          </a:xfrm>
+          <a:prstGeom prst="rect">
+            <a:avLst/>
+          </a:prstGeom>
+          <a:noFill/>
+        </p:spPr>
+        <p:txBody>
+          <a:bodyPr wrap="square" rtlCol="0">
+            <a:spAutoFit/>
+          </a:bodyPr>
+          <a:lstStyle/>
+          <a:p>
             <a:r>
               <a:rPr kumimoji="1" lang="ja-JP" altLang="en-US" sz="4800" dirty="0" smtClean="0"/>
-              <a:t>攻略</a:t>
-            </a:r>
-            <a:r>
-              <a:rPr kumimoji="1" lang="en-US" altLang="ja-JP" sz="4800" dirty="0" smtClean="0"/>
-              <a:t>wiki</a:t>
-            </a:r>
-            <a:r>
-              <a:rPr kumimoji="1" lang="ja-JP" altLang="en-US" sz="4800" dirty="0" smtClean="0"/>
-              <a:t>のデータ</a:t>
-            </a:r>
-            <a:r>
-              <a:rPr lang="ja-JP" altLang="en-US" sz="4800" dirty="0" smtClean="0"/>
-              <a:t>と</a:t>
-            </a:r>
-            <a:r>
-              <a:rPr lang="en-US" altLang="ja-JP" sz="4800" dirty="0" smtClean="0"/>
-              <a:t>Wikipedia</a:t>
-            </a:r>
-            <a:r>
-              <a:rPr lang="ja-JP" altLang="en-US" sz="4800" dirty="0" smtClean="0"/>
-              <a:t>の研究結果を比較</a:t>
+              <a:t>ゲーム攻略の歴史</a:t>
             </a:r>
             <a:endParaRPr kumimoji="1" lang="ja-JP" altLang="en-US" sz="4800" dirty="0"/>
           </a:p>
@@ -15263,14 +15078,667 @@
       </p:sp>
       <p:sp>
         <p:nvSpPr>
-          <p:cNvPr id="24" name="角丸四角形 23"/>
+          <p:cNvPr id="164" name="テキスト ボックス 163"/>
+          <p:cNvSpPr txBox="1"/>
+          <p:nvPr/>
+        </p:nvSpPr>
+        <p:spPr>
+          <a:xfrm>
+            <a:off x="11211232" y="4010469"/>
+            <a:ext cx="5257219" cy="830997"/>
+          </a:xfrm>
+          <a:prstGeom prst="rect">
+            <a:avLst/>
+          </a:prstGeom>
+          <a:noFill/>
+        </p:spPr>
+        <p:txBody>
+          <a:bodyPr wrap="square" rtlCol="0">
+            <a:spAutoFit/>
+          </a:bodyPr>
+          <a:lstStyle/>
+          <a:p>
+            <a:r>
+              <a:rPr lang="en-US" altLang="ja-JP" sz="4800" dirty="0" smtClean="0"/>
+              <a:t>Wiki</a:t>
+            </a:r>
+            <a:r>
+              <a:rPr lang="ja-JP" altLang="en-US" sz="4800" dirty="0" smtClean="0"/>
+              <a:t>の概要</a:t>
+            </a:r>
+            <a:endParaRPr kumimoji="1" lang="ja-JP" altLang="en-US" sz="4800" dirty="0"/>
+          </a:p>
+        </p:txBody>
+      </p:sp>
+      <p:sp>
+        <p:nvSpPr>
+          <p:cNvPr id="169" name="テキスト ボックス 168"/>
+          <p:cNvSpPr txBox="1"/>
+          <p:nvPr/>
+        </p:nvSpPr>
+        <p:spPr>
+          <a:xfrm>
+            <a:off x="14831092" y="8645844"/>
+            <a:ext cx="2243625" cy="954107"/>
+          </a:xfrm>
+          <a:prstGeom prst="rect">
+            <a:avLst/>
+          </a:prstGeom>
+          <a:noFill/>
+        </p:spPr>
+        <p:txBody>
+          <a:bodyPr wrap="square" rtlCol="0">
+            <a:spAutoFit/>
+          </a:bodyPr>
+          <a:lstStyle/>
+          <a:p>
+            <a:r>
+              <a:rPr kumimoji="1" lang="ja-JP" altLang="en-US" sz="2800" dirty="0" smtClean="0"/>
+              <a:t>いつでも</a:t>
+            </a:r>
+            <a:endParaRPr kumimoji="1" lang="en-US" altLang="ja-JP" sz="2800" dirty="0" smtClean="0"/>
+          </a:p>
+          <a:p>
+            <a:r>
+              <a:rPr kumimoji="1" lang="ja-JP" altLang="en-US" sz="2800" dirty="0" smtClean="0"/>
+              <a:t>どこからでも</a:t>
+            </a:r>
+            <a:endParaRPr kumimoji="1" lang="ja-JP" altLang="en-US" sz="2800" dirty="0"/>
+          </a:p>
+        </p:txBody>
+      </p:sp>
+      <p:graphicFrame>
+        <p:nvGraphicFramePr>
+          <p:cNvPr id="151" name="表 150"/>
+          <p:cNvGraphicFramePr>
+            <a:graphicFrameLocks noGrp="1"/>
+          </p:cNvGraphicFramePr>
+          <p:nvPr>
+            <p:extLst>
+              <p:ext uri="{D42A27DB-BD31-4B8C-83A1-F6EECF244321}">
+                <p14:modId xmlns:p14="http://schemas.microsoft.com/office/powerpoint/2010/main" val="1889268872"/>
+              </p:ext>
+            </p:extLst>
+          </p:nvPr>
+        </p:nvGraphicFramePr>
+        <p:xfrm>
+          <a:off x="4887337" y="22969128"/>
+          <a:ext cx="5272249" cy="2539435"/>
+        </p:xfrm>
+        <a:graphic>
+          <a:graphicData uri="http://schemas.openxmlformats.org/drawingml/2006/table">
+            <a:tbl>
+              <a:tblPr>
+                <a:tableStyleId>{5C22544A-7EE6-4342-B048-85BDC9FD1C3A}</a:tableStyleId>
+              </a:tblPr>
+              <a:tblGrid>
+                <a:gridCol w="1722971"/>
+                <a:gridCol w="1774639"/>
+                <a:gridCol w="1774639"/>
+              </a:tblGrid>
+              <a:tr h="507887">
+                <a:tc>
+                  <a:txBody>
+                    <a:bodyPr/>
+                    <a:lstStyle/>
+                    <a:p>
+                      <a:pPr algn="l" fontAlgn="ctr"/>
+                      <a:r>
+                        <a:rPr lang="ja-JP" altLang="en-US" sz="2400" u="none" strike="noStrike" dirty="0">
+                          <a:effectLst/>
+                        </a:rPr>
+                        <a:t>編集者</a:t>
+                      </a:r>
+                      <a:endParaRPr lang="ja-JP" altLang="en-US" sz="2400" b="0" i="0" u="none" strike="noStrike" dirty="0">
+                        <a:solidFill>
+                          <a:srgbClr val="000000"/>
+                        </a:solidFill>
+                        <a:effectLst/>
+                        <a:latin typeface="ＭＳ Ｐゴシック" panose="020B0600070205080204" pitchFamily="50" charset="-128"/>
+                        <a:ea typeface="ＭＳ Ｐゴシック" panose="020B0600070205080204" pitchFamily="50" charset="-128"/>
+                      </a:endParaRPr>
+                    </a:p>
+                  </a:txBody>
+                  <a:tcPr marL="9525" marR="9525" marT="9525" marB="0" anchor="ctr"/>
+                </a:tc>
+                <a:tc>
+                  <a:txBody>
+                    <a:bodyPr/>
+                    <a:lstStyle/>
+                    <a:p>
+                      <a:pPr algn="l" fontAlgn="ctr"/>
+                      <a:r>
+                        <a:rPr lang="ja-JP" altLang="en-US" sz="2400" b="0" i="0" u="none" strike="noStrike" dirty="0" smtClean="0">
+                          <a:solidFill>
+                            <a:schemeClr val="dk1"/>
+                          </a:solidFill>
+                          <a:effectLst/>
+                          <a:latin typeface="+mn-lt"/>
+                          <a:ea typeface="+mn-ea"/>
+                        </a:rPr>
+                        <a:t>編集回数</a:t>
+                      </a:r>
+                      <a:endParaRPr lang="ja-JP" altLang="en-US" sz="2400" b="0" i="0" u="none" strike="noStrike" dirty="0">
+                        <a:solidFill>
+                          <a:srgbClr val="000000"/>
+                        </a:solidFill>
+                        <a:effectLst/>
+                        <a:latin typeface="ＭＳ Ｐゴシック" panose="020B0600070205080204" pitchFamily="50" charset="-128"/>
+                        <a:ea typeface="ＭＳ Ｐゴシック" panose="020B0600070205080204" pitchFamily="50" charset="-128"/>
+                      </a:endParaRPr>
+                    </a:p>
+                  </a:txBody>
+                  <a:tcPr marL="9525" marR="9525" marT="9525" marB="0" anchor="ctr"/>
+                </a:tc>
+                <a:tc>
+                  <a:txBody>
+                    <a:bodyPr/>
+                    <a:lstStyle/>
+                    <a:p>
+                      <a:pPr algn="l" fontAlgn="ctr"/>
+                      <a:r>
+                        <a:rPr lang="ja-JP" altLang="en-US" sz="2400" b="0" i="0" u="none" strike="noStrike" dirty="0" smtClean="0">
+                          <a:solidFill>
+                            <a:srgbClr val="000000"/>
+                          </a:solidFill>
+                          <a:effectLst/>
+                          <a:latin typeface="ＭＳ Ｐゴシック" panose="020B0600070205080204" pitchFamily="50" charset="-128"/>
+                          <a:ea typeface="ＭＳ Ｐゴシック" panose="020B0600070205080204" pitchFamily="50" charset="-128"/>
+                        </a:rPr>
+                        <a:t>編集文字数</a:t>
+                      </a:r>
+                      <a:endParaRPr lang="ja-JP" altLang="en-US" sz="2400" b="0" i="0" u="none" strike="noStrike" dirty="0">
+                        <a:solidFill>
+                          <a:srgbClr val="000000"/>
+                        </a:solidFill>
+                        <a:effectLst/>
+                        <a:latin typeface="ＭＳ Ｐゴシック" panose="020B0600070205080204" pitchFamily="50" charset="-128"/>
+                        <a:ea typeface="ＭＳ Ｐゴシック" panose="020B0600070205080204" pitchFamily="50" charset="-128"/>
+                      </a:endParaRPr>
+                    </a:p>
+                  </a:txBody>
+                  <a:tcPr marL="9525" marR="9525" marT="9525" marB="0" anchor="ctr"/>
+                </a:tc>
+              </a:tr>
+              <a:tr h="507887">
+                <a:tc>
+                  <a:txBody>
+                    <a:bodyPr/>
+                    <a:lstStyle/>
+                    <a:p>
+                      <a:pPr algn="l" fontAlgn="ctr"/>
+                      <a:r>
+                        <a:rPr lang="en-US" sz="2400" u="none" strike="noStrike" dirty="0">
+                          <a:effectLst/>
+                        </a:rPr>
+                        <a:t>BiO9B9t4xiT</a:t>
+                      </a:r>
+                      <a:endParaRPr lang="en-US" sz="2400" b="0" i="0" u="none" strike="noStrike" dirty="0">
+                        <a:solidFill>
+                          <a:srgbClr val="000000"/>
+                        </a:solidFill>
+                        <a:effectLst/>
+                        <a:latin typeface="ＭＳ Ｐゴシック" panose="020B0600070205080204" pitchFamily="50" charset="-128"/>
+                        <a:ea typeface="ＭＳ Ｐゴシック" panose="020B0600070205080204" pitchFamily="50" charset="-128"/>
+                      </a:endParaRPr>
+                    </a:p>
+                  </a:txBody>
+                  <a:tcPr marL="9525" marR="9525" marT="9525" marB="0" anchor="ctr"/>
+                </a:tc>
+                <a:tc>
+                  <a:txBody>
+                    <a:bodyPr/>
+                    <a:lstStyle/>
+                    <a:p>
+                      <a:pPr algn="r" fontAlgn="ctr"/>
+                      <a:r>
+                        <a:rPr lang="en-US" altLang="ja-JP" sz="2400" b="0" i="0" u="none" strike="noStrike" dirty="0" smtClean="0">
+                          <a:solidFill>
+                            <a:srgbClr val="000000"/>
+                          </a:solidFill>
+                          <a:effectLst/>
+                          <a:latin typeface="ＭＳ Ｐゴシック" panose="020B0600070205080204" pitchFamily="50" charset="-128"/>
+                          <a:ea typeface="ＭＳ Ｐゴシック" panose="020B0600070205080204" pitchFamily="50" charset="-128"/>
+                        </a:rPr>
+                        <a:t>2</a:t>
+                      </a:r>
+                      <a:endParaRPr lang="en-US" altLang="ja-JP" sz="2400" b="0" i="0" u="none" strike="noStrike" dirty="0">
+                        <a:solidFill>
+                          <a:srgbClr val="000000"/>
+                        </a:solidFill>
+                        <a:effectLst/>
+                        <a:latin typeface="ＭＳ Ｐゴシック" panose="020B0600070205080204" pitchFamily="50" charset="-128"/>
+                        <a:ea typeface="ＭＳ Ｐゴシック" panose="020B0600070205080204" pitchFamily="50" charset="-128"/>
+                      </a:endParaRPr>
+                    </a:p>
+                  </a:txBody>
+                  <a:tcPr marL="9525" marR="9525" marT="9525" marB="0" anchor="ctr"/>
+                </a:tc>
+                <a:tc>
+                  <a:txBody>
+                    <a:bodyPr/>
+                    <a:lstStyle/>
+                    <a:p>
+                      <a:pPr algn="r" fontAlgn="ctr"/>
+                      <a:r>
+                        <a:rPr lang="en-US" altLang="ja-JP" sz="2400" b="0" i="0" u="none" strike="noStrike" dirty="0" smtClean="0">
+                          <a:solidFill>
+                            <a:srgbClr val="000000"/>
+                          </a:solidFill>
+                          <a:effectLst/>
+                          <a:latin typeface="ＭＳ Ｐゴシック" panose="020B0600070205080204" pitchFamily="50" charset="-128"/>
+                          <a:ea typeface="ＭＳ Ｐゴシック" panose="020B0600070205080204" pitchFamily="50" charset="-128"/>
+                        </a:rPr>
+                        <a:t>7</a:t>
+                      </a:r>
+                      <a:endParaRPr lang="en-US" altLang="ja-JP" sz="2400" b="0" i="0" u="none" strike="noStrike" dirty="0">
+                        <a:solidFill>
+                          <a:srgbClr val="000000"/>
+                        </a:solidFill>
+                        <a:effectLst/>
+                        <a:latin typeface="ＭＳ Ｐゴシック" panose="020B0600070205080204" pitchFamily="50" charset="-128"/>
+                        <a:ea typeface="ＭＳ Ｐゴシック" panose="020B0600070205080204" pitchFamily="50" charset="-128"/>
+                      </a:endParaRPr>
+                    </a:p>
+                  </a:txBody>
+                  <a:tcPr marL="9525" marR="9525" marT="9525" marB="0" anchor="ctr"/>
+                </a:tc>
+              </a:tr>
+              <a:tr h="507887">
+                <a:tc>
+                  <a:txBody>
+                    <a:bodyPr/>
+                    <a:lstStyle/>
+                    <a:p>
+                      <a:pPr algn="l" fontAlgn="ctr"/>
+                      <a:r>
+                        <a:rPr lang="en-US" sz="2400" u="none" strike="noStrike" dirty="0" err="1">
+                          <a:effectLst/>
+                        </a:rPr>
+                        <a:t>keYEKDrRYl</a:t>
+                      </a:r>
+                      <a:endParaRPr lang="en-US" sz="2400" b="0" i="0" u="none" strike="noStrike" dirty="0">
+                        <a:solidFill>
+                          <a:srgbClr val="000000"/>
+                        </a:solidFill>
+                        <a:effectLst/>
+                        <a:latin typeface="ＭＳ Ｐゴシック" panose="020B0600070205080204" pitchFamily="50" charset="-128"/>
+                        <a:ea typeface="ＭＳ Ｐゴシック" panose="020B0600070205080204" pitchFamily="50" charset="-128"/>
+                      </a:endParaRPr>
+                    </a:p>
+                  </a:txBody>
+                  <a:tcPr marL="9525" marR="9525" marT="9525" marB="0" anchor="ctr"/>
+                </a:tc>
+                <a:tc>
+                  <a:txBody>
+                    <a:bodyPr/>
+                    <a:lstStyle/>
+                    <a:p>
+                      <a:pPr algn="r" fontAlgn="ctr"/>
+                      <a:r>
+                        <a:rPr lang="en-US" altLang="ja-JP" sz="2400" u="none" strike="noStrike" dirty="0">
+                          <a:effectLst/>
+                        </a:rPr>
+                        <a:t>1</a:t>
+                      </a:r>
+                      <a:endParaRPr lang="en-US" altLang="ja-JP" sz="2400" b="0" i="0" u="none" strike="noStrike" dirty="0">
+                        <a:solidFill>
+                          <a:srgbClr val="000000"/>
+                        </a:solidFill>
+                        <a:effectLst/>
+                        <a:latin typeface="ＭＳ Ｐゴシック" panose="020B0600070205080204" pitchFamily="50" charset="-128"/>
+                        <a:ea typeface="ＭＳ Ｐゴシック" panose="020B0600070205080204" pitchFamily="50" charset="-128"/>
+                      </a:endParaRPr>
+                    </a:p>
+                  </a:txBody>
+                  <a:tcPr marL="9525" marR="9525" marT="9525" marB="0" anchor="ctr"/>
+                </a:tc>
+                <a:tc>
+                  <a:txBody>
+                    <a:bodyPr/>
+                    <a:lstStyle/>
+                    <a:p>
+                      <a:pPr algn="r" fontAlgn="ctr"/>
+                      <a:r>
+                        <a:rPr lang="en-US" altLang="ja-JP" sz="2400" b="0" i="0" u="none" strike="noStrike" dirty="0" smtClean="0">
+                          <a:solidFill>
+                            <a:srgbClr val="000000"/>
+                          </a:solidFill>
+                          <a:effectLst/>
+                          <a:latin typeface="ＭＳ Ｐゴシック" panose="020B0600070205080204" pitchFamily="50" charset="-128"/>
+                          <a:ea typeface="ＭＳ Ｐゴシック" panose="020B0600070205080204" pitchFamily="50" charset="-128"/>
+                        </a:rPr>
+                        <a:t>1</a:t>
+                      </a:r>
+                      <a:endParaRPr lang="en-US" altLang="ja-JP" sz="2400" b="0" i="0" u="none" strike="noStrike" dirty="0">
+                        <a:solidFill>
+                          <a:srgbClr val="000000"/>
+                        </a:solidFill>
+                        <a:effectLst/>
+                        <a:latin typeface="ＭＳ Ｐゴシック" panose="020B0600070205080204" pitchFamily="50" charset="-128"/>
+                        <a:ea typeface="ＭＳ Ｐゴシック" panose="020B0600070205080204" pitchFamily="50" charset="-128"/>
+                      </a:endParaRPr>
+                    </a:p>
+                  </a:txBody>
+                  <a:tcPr marL="9525" marR="9525" marT="9525" marB="0" anchor="ctr"/>
+                </a:tc>
+              </a:tr>
+              <a:tr h="507887">
+                <a:tc>
+                  <a:txBody>
+                    <a:bodyPr/>
+                    <a:lstStyle/>
+                    <a:p>
+                      <a:pPr algn="l" fontAlgn="ctr"/>
+                      <a:r>
+                        <a:rPr lang="en-US" sz="2400" u="none" strike="noStrike" dirty="0">
+                          <a:effectLst/>
+                        </a:rPr>
+                        <a:t>E5oN997tA9v</a:t>
+                      </a:r>
+                      <a:endParaRPr lang="en-US" sz="2400" b="0" i="0" u="none" strike="noStrike" dirty="0">
+                        <a:solidFill>
+                          <a:srgbClr val="000000"/>
+                        </a:solidFill>
+                        <a:effectLst/>
+                        <a:latin typeface="ＭＳ Ｐゴシック" panose="020B0600070205080204" pitchFamily="50" charset="-128"/>
+                        <a:ea typeface="ＭＳ Ｐゴシック" panose="020B0600070205080204" pitchFamily="50" charset="-128"/>
+                      </a:endParaRPr>
+                    </a:p>
+                  </a:txBody>
+                  <a:tcPr marL="9525" marR="9525" marT="9525" marB="0" anchor="ctr"/>
+                </a:tc>
+                <a:tc>
+                  <a:txBody>
+                    <a:bodyPr/>
+                    <a:lstStyle/>
+                    <a:p>
+                      <a:pPr algn="r" fontAlgn="ctr"/>
+                      <a:r>
+                        <a:rPr lang="en-US" altLang="ja-JP" sz="2400" b="0" i="0" u="none" strike="noStrike" dirty="0" smtClean="0">
+                          <a:solidFill>
+                            <a:schemeClr val="dk1"/>
+                          </a:solidFill>
+                          <a:effectLst/>
+                          <a:latin typeface="+mn-lt"/>
+                          <a:ea typeface="+mn-ea"/>
+                        </a:rPr>
+                        <a:t>1</a:t>
+                      </a:r>
+                      <a:endParaRPr lang="en-US" altLang="ja-JP" sz="2400" b="0" i="0" u="none" strike="noStrike" dirty="0">
+                        <a:solidFill>
+                          <a:srgbClr val="000000"/>
+                        </a:solidFill>
+                        <a:effectLst/>
+                        <a:latin typeface="ＭＳ Ｐゴシック" panose="020B0600070205080204" pitchFamily="50" charset="-128"/>
+                        <a:ea typeface="ＭＳ Ｐゴシック" panose="020B0600070205080204" pitchFamily="50" charset="-128"/>
+                      </a:endParaRPr>
+                    </a:p>
+                  </a:txBody>
+                  <a:tcPr marL="9525" marR="9525" marT="9525" marB="0" anchor="ctr"/>
+                </a:tc>
+                <a:tc>
+                  <a:txBody>
+                    <a:bodyPr/>
+                    <a:lstStyle/>
+                    <a:p>
+                      <a:pPr algn="r" fontAlgn="ctr"/>
+                      <a:r>
+                        <a:rPr lang="en-US" altLang="ja-JP" sz="2400" b="0" i="0" u="none" strike="noStrike" dirty="0" smtClean="0">
+                          <a:solidFill>
+                            <a:srgbClr val="000000"/>
+                          </a:solidFill>
+                          <a:effectLst/>
+                          <a:latin typeface="ＭＳ Ｐゴシック" panose="020B0600070205080204" pitchFamily="50" charset="-128"/>
+                          <a:ea typeface="ＭＳ Ｐゴシック" panose="020B0600070205080204" pitchFamily="50" charset="-128"/>
+                        </a:rPr>
+                        <a:t>10</a:t>
+                      </a:r>
+                      <a:endParaRPr lang="en-US" altLang="ja-JP" sz="2400" b="0" i="0" u="none" strike="noStrike" dirty="0">
+                        <a:solidFill>
+                          <a:srgbClr val="000000"/>
+                        </a:solidFill>
+                        <a:effectLst/>
+                        <a:latin typeface="ＭＳ Ｐゴシック" panose="020B0600070205080204" pitchFamily="50" charset="-128"/>
+                        <a:ea typeface="ＭＳ Ｐゴシック" panose="020B0600070205080204" pitchFamily="50" charset="-128"/>
+                      </a:endParaRPr>
+                    </a:p>
+                  </a:txBody>
+                  <a:tcPr marL="9525" marR="9525" marT="9525" marB="0" anchor="ctr"/>
+                </a:tc>
+              </a:tr>
+              <a:tr h="507887">
+                <a:tc>
+                  <a:txBody>
+                    <a:bodyPr/>
+                    <a:lstStyle/>
+                    <a:p>
+                      <a:pPr algn="l" fontAlgn="ctr"/>
+                      <a:r>
+                        <a:rPr lang="en-US" sz="2400" u="none" strike="noStrike" dirty="0">
+                          <a:effectLst/>
+                        </a:rPr>
+                        <a:t>HrG78k72T2s</a:t>
+                      </a:r>
+                      <a:endParaRPr lang="en-US" sz="2400" b="0" i="0" u="none" strike="noStrike" dirty="0">
+                        <a:solidFill>
+                          <a:srgbClr val="000000"/>
+                        </a:solidFill>
+                        <a:effectLst/>
+                        <a:latin typeface="ＭＳ Ｐゴシック" panose="020B0600070205080204" pitchFamily="50" charset="-128"/>
+                        <a:ea typeface="ＭＳ Ｐゴシック" panose="020B0600070205080204" pitchFamily="50" charset="-128"/>
+                      </a:endParaRPr>
+                    </a:p>
+                  </a:txBody>
+                  <a:tcPr marL="9525" marR="9525" marT="9525" marB="0" anchor="ctr"/>
+                </a:tc>
+                <a:tc>
+                  <a:txBody>
+                    <a:bodyPr/>
+                    <a:lstStyle/>
+                    <a:p>
+                      <a:pPr algn="r" fontAlgn="ctr"/>
+                      <a:r>
+                        <a:rPr lang="en-US" altLang="ja-JP" sz="2400" b="0" i="0" u="none" strike="noStrike" dirty="0">
+                          <a:solidFill>
+                            <a:schemeClr val="dk1"/>
+                          </a:solidFill>
+                          <a:effectLst/>
+                          <a:latin typeface="+mn-lt"/>
+                          <a:ea typeface="+mn-ea"/>
+                        </a:rPr>
+                        <a:t>1</a:t>
+                      </a:r>
+                      <a:endParaRPr lang="en-US" altLang="ja-JP" sz="2400" b="0" i="0" u="none" strike="noStrike" dirty="0">
+                        <a:solidFill>
+                          <a:srgbClr val="000000"/>
+                        </a:solidFill>
+                        <a:effectLst/>
+                        <a:latin typeface="ＭＳ Ｐゴシック" panose="020B0600070205080204" pitchFamily="50" charset="-128"/>
+                        <a:ea typeface="ＭＳ Ｐゴシック" panose="020B0600070205080204" pitchFamily="50" charset="-128"/>
+                      </a:endParaRPr>
+                    </a:p>
+                  </a:txBody>
+                  <a:tcPr marL="9525" marR="9525" marT="9525" marB="0" anchor="ctr"/>
+                </a:tc>
+                <a:tc>
+                  <a:txBody>
+                    <a:bodyPr/>
+                    <a:lstStyle/>
+                    <a:p>
+                      <a:pPr algn="r" fontAlgn="ctr"/>
+                      <a:r>
+                        <a:rPr lang="en-US" altLang="ja-JP" sz="2400" b="0" i="0" u="none" strike="noStrike" dirty="0" smtClean="0">
+                          <a:solidFill>
+                            <a:srgbClr val="000000"/>
+                          </a:solidFill>
+                          <a:effectLst/>
+                          <a:latin typeface="ＭＳ Ｐゴシック" panose="020B0600070205080204" pitchFamily="50" charset="-128"/>
+                          <a:ea typeface="ＭＳ Ｐゴシック" panose="020B0600070205080204" pitchFamily="50" charset="-128"/>
+                        </a:rPr>
+                        <a:t>2</a:t>
+                      </a:r>
+                      <a:endParaRPr lang="en-US" altLang="ja-JP" sz="2400" b="0" i="0" u="none" strike="noStrike" dirty="0">
+                        <a:solidFill>
+                          <a:srgbClr val="000000"/>
+                        </a:solidFill>
+                        <a:effectLst/>
+                        <a:latin typeface="ＭＳ Ｐゴシック" panose="020B0600070205080204" pitchFamily="50" charset="-128"/>
+                        <a:ea typeface="ＭＳ Ｐゴシック" panose="020B0600070205080204" pitchFamily="50" charset="-128"/>
+                      </a:endParaRPr>
+                    </a:p>
+                  </a:txBody>
+                  <a:tcPr marL="9525" marR="9525" marT="9525" marB="0" anchor="ctr"/>
+                </a:tc>
+              </a:tr>
+            </a:tbl>
+          </a:graphicData>
+        </a:graphic>
+      </p:graphicFrame>
+      <p:sp>
+        <p:nvSpPr>
+          <p:cNvPr id="152" name="テキスト ボックス 151"/>
+          <p:cNvSpPr txBox="1"/>
+          <p:nvPr/>
+        </p:nvSpPr>
+        <p:spPr>
+          <a:xfrm>
+            <a:off x="5497932" y="17777603"/>
+            <a:ext cx="4730744" cy="523220"/>
+          </a:xfrm>
+          <a:prstGeom prst="rect">
+            <a:avLst/>
+          </a:prstGeom>
+          <a:noFill/>
+        </p:spPr>
+        <p:txBody>
+          <a:bodyPr wrap="square" rtlCol="0">
+            <a:spAutoFit/>
+          </a:bodyPr>
+          <a:lstStyle/>
+          <a:p>
+            <a:r>
+              <a:rPr kumimoji="1" lang="ja-JP" altLang="en-US" sz="2800" dirty="0" smtClean="0"/>
+              <a:t>図</a:t>
+            </a:r>
+            <a:r>
+              <a:rPr kumimoji="1" lang="en-US" altLang="ja-JP" sz="2800" dirty="0" smtClean="0"/>
+              <a:t>1</a:t>
+            </a:r>
+            <a:r>
+              <a:rPr lang="ja-JP" altLang="en-US" sz="2800" dirty="0" smtClean="0"/>
+              <a:t>　</a:t>
+            </a:r>
+            <a:r>
+              <a:rPr lang="en-US" altLang="ja-JP" sz="2800" dirty="0" smtClean="0"/>
+              <a:t>wiki</a:t>
+            </a:r>
+            <a:r>
+              <a:rPr lang="ja-JP" altLang="en-US" sz="2800" dirty="0" smtClean="0"/>
+              <a:t>の編集履歴</a:t>
+            </a:r>
+            <a:endParaRPr kumimoji="1" lang="ja-JP" altLang="en-US" sz="2800" dirty="0"/>
+          </a:p>
+        </p:txBody>
+      </p:sp>
+      <p:sp>
+        <p:nvSpPr>
+          <p:cNvPr id="153" name="テキスト ボックス 152"/>
+          <p:cNvSpPr txBox="1"/>
+          <p:nvPr/>
+        </p:nvSpPr>
+        <p:spPr>
+          <a:xfrm>
+            <a:off x="5433751" y="18771319"/>
+            <a:ext cx="4730744" cy="523220"/>
+          </a:xfrm>
+          <a:prstGeom prst="rect">
+            <a:avLst/>
+          </a:prstGeom>
+          <a:noFill/>
+        </p:spPr>
+        <p:txBody>
+          <a:bodyPr wrap="square" rtlCol="0">
+            <a:spAutoFit/>
+          </a:bodyPr>
+          <a:lstStyle/>
+          <a:p>
+            <a:r>
+              <a:rPr lang="ja-JP" altLang="en-US" sz="2800" dirty="0"/>
+              <a:t>表</a:t>
+            </a:r>
+            <a:r>
+              <a:rPr kumimoji="1" lang="en-US" altLang="ja-JP" sz="2800" dirty="0" smtClean="0"/>
+              <a:t>1</a:t>
+            </a:r>
+            <a:r>
+              <a:rPr lang="ja-JP" altLang="en-US" sz="2800" dirty="0"/>
+              <a:t>　</a:t>
+            </a:r>
+            <a:r>
+              <a:rPr lang="ja-JP" altLang="en-US" sz="2800" dirty="0" smtClean="0"/>
+              <a:t>生データのサンプル</a:t>
+            </a:r>
+            <a:endParaRPr kumimoji="1" lang="ja-JP" altLang="en-US" sz="2800" dirty="0"/>
+          </a:p>
+        </p:txBody>
+      </p:sp>
+      <p:sp>
+        <p:nvSpPr>
+          <p:cNvPr id="154" name="テキスト ボックス 153"/>
+          <p:cNvSpPr txBox="1"/>
+          <p:nvPr/>
+        </p:nvSpPr>
+        <p:spPr>
+          <a:xfrm>
+            <a:off x="5271567" y="22492083"/>
+            <a:ext cx="4730744" cy="523220"/>
+          </a:xfrm>
+          <a:prstGeom prst="rect">
+            <a:avLst/>
+          </a:prstGeom>
+          <a:noFill/>
+        </p:spPr>
+        <p:txBody>
+          <a:bodyPr wrap="square" rtlCol="0">
+            <a:spAutoFit/>
+          </a:bodyPr>
+          <a:lstStyle/>
+          <a:p>
+            <a:r>
+              <a:rPr lang="ja-JP" altLang="en-US" sz="2800" dirty="0" smtClean="0"/>
+              <a:t>表</a:t>
+            </a:r>
+            <a:r>
+              <a:rPr lang="en-US" altLang="ja-JP" sz="2800" dirty="0"/>
+              <a:t>2</a:t>
+            </a:r>
+            <a:r>
+              <a:rPr lang="ja-JP" altLang="en-US" sz="2800" dirty="0"/>
+              <a:t>　</a:t>
+            </a:r>
+            <a:r>
+              <a:rPr lang="ja-JP" altLang="en-US" sz="2800" dirty="0"/>
+              <a:t>解析用</a:t>
+            </a:r>
+            <a:r>
+              <a:rPr lang="ja-JP" altLang="en-US" sz="2800" dirty="0" smtClean="0"/>
+              <a:t>データのサンプル</a:t>
+            </a:r>
+            <a:endParaRPr kumimoji="1" lang="ja-JP" altLang="en-US" sz="2800" dirty="0"/>
+          </a:p>
+        </p:txBody>
+      </p:sp>
+      <p:sp>
+        <p:nvSpPr>
+          <p:cNvPr id="33" name="角丸四角形 32"/>
           <p:cNvSpPr/>
           <p:nvPr/>
         </p:nvSpPr>
         <p:spPr>
           <a:xfrm>
-            <a:off x="8437106" y="11400366"/>
-            <a:ext cx="4841998" cy="1735126"/>
+            <a:off x="768069" y="11321428"/>
+            <a:ext cx="8593813" cy="1872208"/>
           </a:xfrm>
           <a:prstGeom prst="roundRect">
             <a:avLst/>
@@ -15307,14 +15775,6 @@
           <a:lstStyle/>
           <a:p>
             <a:pPr algn="ctr"/>
-            <a:r>
-              <a:rPr kumimoji="1" lang="ja-JP" altLang="en-US" dirty="0" smtClean="0">
-                <a:solidFill>
-                  <a:sysClr val="windowText" lastClr="000000"/>
-                </a:solidFill>
-              </a:rPr>
-              <a:t>２つを比較</a:t>
-            </a:r>
             <a:endParaRPr kumimoji="1" lang="ja-JP" altLang="en-US" dirty="0" smtClean="0">
               <a:solidFill>
                 <a:sysClr val="windowText" lastClr="000000"/>
@@ -15325,14 +15785,14 @@
       </p:sp>
       <p:sp>
         <p:nvSpPr>
-          <p:cNvPr id="25" name="テキスト ボックス 24"/>
+          <p:cNvPr id="34" name="テキスト ボックス 33"/>
           <p:cNvSpPr txBox="1"/>
           <p:nvPr/>
         </p:nvSpPr>
         <p:spPr>
           <a:xfrm>
-            <a:off x="625729" y="8841684"/>
-            <a:ext cx="5069631" cy="707886"/>
+            <a:off x="3956818" y="11742107"/>
+            <a:ext cx="1082205" cy="984885"/>
           </a:xfrm>
           <a:prstGeom prst="rect">
             <a:avLst/>
@@ -15346,23 +15806,23 @@
           <a:lstStyle/>
           <a:p>
             <a:r>
-              <a:rPr kumimoji="1" lang="ja-JP" altLang="en-US" sz="4000" dirty="0" smtClean="0"/>
-              <a:t>かつては攻略本だけ</a:t>
-            </a:r>
-            <a:endParaRPr kumimoji="1" lang="ja-JP" altLang="en-US" sz="4000" dirty="0"/>
+              <a:rPr kumimoji="1" lang="ja-JP" altLang="en-US" dirty="0" smtClean="0"/>
+              <a:t>＝</a:t>
+            </a:r>
+            <a:endParaRPr kumimoji="1" lang="ja-JP" altLang="en-US" dirty="0"/>
           </a:p>
         </p:txBody>
       </p:sp>
       <p:sp>
         <p:nvSpPr>
-          <p:cNvPr id="144" name="テキスト ボックス 143"/>
+          <p:cNvPr id="35" name="テキスト ボックス 34"/>
           <p:cNvSpPr txBox="1"/>
           <p:nvPr/>
         </p:nvSpPr>
         <p:spPr>
           <a:xfrm>
-            <a:off x="6184798" y="8804883"/>
-            <a:ext cx="4578620" cy="707886"/>
+            <a:off x="1014952" y="11721028"/>
+            <a:ext cx="3089711" cy="984885"/>
           </a:xfrm>
           <a:prstGeom prst="rect">
             <a:avLst/>
@@ -15376,31 +15836,27 @@
           <a:lstStyle/>
           <a:p>
             <a:r>
-              <a:rPr lang="ja-JP" altLang="en-US" sz="4000" dirty="0" smtClean="0"/>
+              <a:rPr kumimoji="1" lang="ja-JP" altLang="en-US" dirty="0" smtClean="0"/>
               <a:t>攻略</a:t>
             </a:r>
             <a:r>
-              <a:rPr lang="en-US" altLang="ja-JP" sz="4000" dirty="0" smtClean="0"/>
+              <a:rPr kumimoji="1" lang="en-US" altLang="ja-JP" dirty="0" smtClean="0"/>
               <a:t>wiki</a:t>
             </a:r>
-            <a:r>
-              <a:rPr lang="ja-JP" altLang="en-US" sz="4000" dirty="0" smtClean="0"/>
-              <a:t>が一般的に</a:t>
-            </a:r>
-            <a:endParaRPr kumimoji="1" lang="ja-JP" altLang="en-US" sz="4000" dirty="0"/>
+            <a:endParaRPr kumimoji="1" lang="ja-JP" altLang="en-US" dirty="0"/>
           </a:p>
         </p:txBody>
       </p:sp>
       <p:sp>
         <p:nvSpPr>
-          <p:cNvPr id="26" name="テキスト ボックス 25"/>
+          <p:cNvPr id="36" name="テキスト ボックス 35"/>
           <p:cNvSpPr txBox="1"/>
           <p:nvPr/>
         </p:nvSpPr>
         <p:spPr>
           <a:xfrm>
-            <a:off x="4104663" y="4019432"/>
-            <a:ext cx="5257219" cy="830997"/>
+            <a:off x="5039023" y="11318813"/>
+            <a:ext cx="3847275" cy="1877437"/>
           </a:xfrm>
           <a:prstGeom prst="rect">
             <a:avLst/>
@@ -15414,88 +15870,164 @@
           <a:lstStyle/>
           <a:p>
             <a:r>
-              <a:rPr kumimoji="1" lang="ja-JP" altLang="en-US" sz="4800" dirty="0" smtClean="0"/>
-              <a:t>ゲーム攻略の歴史</a:t>
-            </a:r>
-            <a:endParaRPr kumimoji="1" lang="ja-JP" altLang="en-US" sz="4800" dirty="0"/>
+              <a:rPr kumimoji="1" lang="ja-JP" altLang="en-US" dirty="0" smtClean="0"/>
+              <a:t>オープンな</a:t>
+            </a:r>
+            <a:endParaRPr kumimoji="1" lang="en-US" altLang="ja-JP" dirty="0" smtClean="0"/>
+          </a:p>
+          <a:p>
+            <a:r>
+              <a:rPr kumimoji="1" lang="ja-JP" altLang="en-US" dirty="0" smtClean="0"/>
+              <a:t>プロジェクト</a:t>
+            </a:r>
+            <a:endParaRPr kumimoji="1" lang="ja-JP" altLang="en-US" dirty="0"/>
           </a:p>
         </p:txBody>
       </p:sp>
       <p:sp>
         <p:nvSpPr>
-          <p:cNvPr id="164" name="テキスト ボックス 163"/>
-          <p:cNvSpPr txBox="1"/>
+          <p:cNvPr id="37" name="右矢印 36"/>
+          <p:cNvSpPr/>
           <p:nvPr/>
         </p:nvSpPr>
         <p:spPr>
           <a:xfrm>
-            <a:off x="11211232" y="4010469"/>
-            <a:ext cx="5257219" cy="830997"/>
+            <a:off x="9581816" y="11104788"/>
+            <a:ext cx="2900784" cy="2188445"/>
           </a:xfrm>
-          <a:prstGeom prst="rect">
+          <a:prstGeom prst="rightArrow">
             <a:avLst/>
           </a:prstGeom>
           <a:noFill/>
+          <a:ln>
+            <a:solidFill>
+              <a:schemeClr val="tx1"/>
+            </a:solidFill>
+          </a:ln>
+          <a:effectLst/>
         </p:spPr>
+        <p:style>
+          <a:lnRef idx="1">
+            <a:schemeClr val="accent1"/>
+          </a:lnRef>
+          <a:fillRef idx="3">
+            <a:schemeClr val="accent1"/>
+          </a:fillRef>
+          <a:effectRef idx="2">
+            <a:schemeClr val="accent1"/>
+          </a:effectRef>
+          <a:fontRef idx="minor">
+            <a:schemeClr val="lt1"/>
+          </a:fontRef>
+        </p:style>
         <p:txBody>
-          <a:bodyPr wrap="square" rtlCol="0">
-            <a:spAutoFit/>
+          <a:bodyPr rot="0" spcFirstLastPara="0" vertOverflow="overflow" horzOverflow="overflow" vert="horz" wrap="square" lIns="91440" tIns="45720" rIns="91440" bIns="45720" numCol="1" spcCol="0" rtlCol="0" fromWordArt="0" anchor="ctr" anchorCtr="0" forceAA="0" compatLnSpc="1">
+            <a:prstTxWarp prst="textNoShape">
+              <a:avLst/>
+            </a:prstTxWarp>
+            <a:noAutofit/>
           </a:bodyPr>
           <a:lstStyle/>
           <a:p>
-            <a:r>
-              <a:rPr lang="en-US" altLang="ja-JP" sz="4800" dirty="0" smtClean="0"/>
-              <a:t>Wiki</a:t>
-            </a:r>
-            <a:r>
-              <a:rPr lang="ja-JP" altLang="en-US" sz="4800" dirty="0" smtClean="0"/>
-              <a:t>の概要</a:t>
-            </a:r>
-            <a:endParaRPr kumimoji="1" lang="ja-JP" altLang="en-US" sz="4800" dirty="0"/>
+            <a:pPr algn="ctr"/>
+            <a:r>
+              <a:rPr kumimoji="1" lang="ja-JP" altLang="en-US" sz="3600" dirty="0" smtClean="0">
+                <a:solidFill>
+                  <a:sysClr val="windowText" lastClr="000000"/>
+                </a:solidFill>
+              </a:rPr>
+              <a:t>データ解析</a:t>
+            </a:r>
+            <a:endParaRPr kumimoji="1" lang="ja-JP" altLang="en-US" sz="3600" dirty="0" smtClean="0">
+              <a:solidFill>
+                <a:sysClr val="windowText" lastClr="000000"/>
+              </a:solidFill>
+            </a:endParaRPr>
           </a:p>
         </p:txBody>
       </p:sp>
       <p:sp>
         <p:nvSpPr>
-          <p:cNvPr id="169" name="テキスト ボックス 168"/>
-          <p:cNvSpPr txBox="1"/>
+          <p:cNvPr id="162" name="角丸四角形 161"/>
+          <p:cNvSpPr/>
           <p:nvPr/>
         </p:nvSpPr>
         <p:spPr>
           <a:xfrm>
-            <a:off x="14831092" y="8645844"/>
-            <a:ext cx="2243625" cy="954107"/>
+            <a:off x="12657966" y="10420242"/>
+            <a:ext cx="7811991" cy="2991080"/>
           </a:xfrm>
-          <a:prstGeom prst="rect">
+          <a:prstGeom prst="roundRect">
             <a:avLst/>
           </a:prstGeom>
           <a:noFill/>
+          <a:ln>
+            <a:solidFill>
+              <a:schemeClr val="tx1"/>
+            </a:solidFill>
+          </a:ln>
+          <a:effectLst/>
         </p:spPr>
+        <p:style>
+          <a:lnRef idx="1">
+            <a:schemeClr val="accent1"/>
+          </a:lnRef>
+          <a:fillRef idx="3">
+            <a:schemeClr val="accent1"/>
+          </a:fillRef>
+          <a:effectRef idx="2">
+            <a:schemeClr val="accent1"/>
+          </a:effectRef>
+          <a:fontRef idx="minor">
+            <a:schemeClr val="lt1"/>
+          </a:fontRef>
+        </p:style>
         <p:txBody>
-          <a:bodyPr wrap="square" rtlCol="0">
-            <a:spAutoFit/>
+          <a:bodyPr rot="0" spcFirstLastPara="0" vertOverflow="overflow" horzOverflow="overflow" vert="horz" wrap="square" lIns="91440" tIns="45720" rIns="91440" bIns="45720" numCol="1" spcCol="0" rtlCol="0" fromWordArt="0" anchor="ctr" anchorCtr="0" forceAA="0" compatLnSpc="1">
+            <a:prstTxWarp prst="textNoShape">
+              <a:avLst/>
+            </a:prstTxWarp>
+            <a:noAutofit/>
           </a:bodyPr>
           <a:lstStyle/>
           <a:p>
-            <a:r>
-              <a:rPr kumimoji="1" lang="ja-JP" altLang="en-US" sz="2800" dirty="0" smtClean="0"/>
-              <a:t>いつでも</a:t>
-            </a:r>
-            <a:endParaRPr kumimoji="1" lang="en-US" altLang="ja-JP" sz="2800" dirty="0" smtClean="0"/>
-          </a:p>
-          <a:p>
-            <a:r>
-              <a:rPr kumimoji="1" lang="ja-JP" altLang="en-US" sz="2800" dirty="0" smtClean="0"/>
-              <a:t>どこからでも</a:t>
-            </a:r>
-            <a:endParaRPr kumimoji="1" lang="ja-JP" altLang="en-US" sz="2800" dirty="0"/>
+            <a:pPr algn="ctr"/>
+            <a:r>
+              <a:rPr lang="ja-JP" altLang="en-US" sz="6600" dirty="0" smtClean="0">
+                <a:solidFill>
+                  <a:sysClr val="windowText" lastClr="000000"/>
+                </a:solidFill>
+              </a:rPr>
+              <a:t>マネジメント状況を</a:t>
+            </a:r>
+            <a:r>
+              <a:rPr lang="ja-JP" altLang="en-US" sz="6600" dirty="0">
+                <a:solidFill>
+                  <a:sysClr val="windowText" lastClr="000000"/>
+                </a:solidFill>
+              </a:rPr>
+              <a:t>調査</a:t>
+            </a:r>
+            <a:r>
+              <a:rPr lang="ja-JP" altLang="en-US" sz="6600" dirty="0" smtClean="0">
+                <a:solidFill>
+                  <a:sysClr val="windowText" lastClr="000000"/>
+                </a:solidFill>
+              </a:rPr>
+              <a:t>する</a:t>
+            </a:r>
+            <a:endParaRPr kumimoji="1" lang="ja-JP" altLang="en-US" sz="6600" dirty="0" smtClean="0">
+              <a:solidFill>
+                <a:sysClr val="windowText" lastClr="000000"/>
+              </a:solidFill>
+            </a:endParaRPr>
           </a:p>
         </p:txBody>
       </p:sp>
     </p:spTree>
     <p:extLst>
       <p:ext uri="{BB962C8B-B14F-4D97-AF65-F5344CB8AC3E}">
-        <p14:creationId xmlns:p14="http://schemas.microsoft.com/office/powerpoint/2010/main" val="3000355277"/>
+        <p14:creationId xmlns:p14="http://schemas.microsoft.com/office/powerpoint/2010/main" val="627067180"/>
       </p:ext>
     </p:extLst>
   </p:cSld>
